--- a/researches/结题汇报.pptx
+++ b/researches/结题汇报.pptx
@@ -576,14 +576,6 @@
   <p:clrMapOvr>
     <a:masterClrMapping/>
   </p:clrMapOvr>
-  <mc:AlternateContent xmlns:mc="http://schemas.openxmlformats.org/markup-compatibility/2006" xmlns:p14="http://schemas.microsoft.com/office/powerpoint/2010/main">
-    <mc:Choice Requires="p14">
-      <p:transition spd="slow" p14:dur="2000" advTm="3000"/>
-    </mc:Choice>
-    <mc:Fallback xmlns="">
-      <p:transition spd="slow" advTm="3000"/>
-    </mc:Fallback>
-  </mc:AlternateContent>
 </p:sldLayout>
 </file>
 
@@ -3205,6 +3197,9 @@
                     <p:cTn id="3" fill="hold">
                       <p:stCondLst>
                         <p:cond delay="indefinite"/>
+                        <p:cond evt="onBegin" delay="0">
+                          <p:tn val="2"/>
+                        </p:cond>
                       </p:stCondLst>
                       <p:childTnLst>
                         <p:par>
@@ -3214,7 +3209,7 @@
                             </p:stCondLst>
                             <p:childTnLst>
                               <p:par>
-                                <p:cTn id="5" presetID="16" presetClass="entr" presetSubtype="21" fill="hold" grpId="0" nodeType="clickEffect">
+                                <p:cTn id="5" presetID="16" presetClass="entr" presetSubtype="21" fill="hold" grpId="0" nodeType="withEffect">
                                   <p:stCondLst>
                                     <p:cond delay="0"/>
                                   </p:stCondLst>
@@ -3245,6 +3240,307 @@
                                         </p:tgtEl>
                                       </p:cBhvr>
                                     </p:animEffect>
+                                  </p:childTnLst>
+                                </p:cTn>
+                              </p:par>
+                            </p:childTnLst>
+                          </p:cTn>
+                        </p:par>
+                        <p:par>
+                          <p:cTn id="8" fill="hold">
+                            <p:stCondLst>
+                              <p:cond delay="500"/>
+                            </p:stCondLst>
+                            <p:childTnLst>
+                              <p:par>
+                                <p:cTn id="9" presetID="2" presetClass="entr" presetSubtype="4" fill="hold" nodeType="afterEffect">
+                                  <p:stCondLst>
+                                    <p:cond delay="0"/>
+                                  </p:stCondLst>
+                                  <p:childTnLst>
+                                    <p:set>
+                                      <p:cBhvr>
+                                        <p:cTn id="10" dur="1" fill="hold">
+                                          <p:stCondLst>
+                                            <p:cond delay="0"/>
+                                          </p:stCondLst>
+                                        </p:cTn>
+                                        <p:tgtEl>
+                                          <p:spTgt spid="2050"/>
+                                        </p:tgtEl>
+                                        <p:attrNameLst>
+                                          <p:attrName>style.visibility</p:attrName>
+                                        </p:attrNameLst>
+                                      </p:cBhvr>
+                                      <p:to>
+                                        <p:strVal val="visible"/>
+                                      </p:to>
+                                    </p:set>
+                                    <p:anim calcmode="lin" valueType="num">
+                                      <p:cBhvr additive="base">
+                                        <p:cTn id="11" dur="500" fill="hold"/>
+                                        <p:tgtEl>
+                                          <p:spTgt spid="2050"/>
+                                        </p:tgtEl>
+                                        <p:attrNameLst>
+                                          <p:attrName>ppt_x</p:attrName>
+                                        </p:attrNameLst>
+                                      </p:cBhvr>
+                                      <p:tavLst>
+                                        <p:tav tm="0">
+                                          <p:val>
+                                            <p:strVal val="#ppt_x"/>
+                                          </p:val>
+                                        </p:tav>
+                                        <p:tav tm="100000">
+                                          <p:val>
+                                            <p:strVal val="#ppt_x"/>
+                                          </p:val>
+                                        </p:tav>
+                                      </p:tavLst>
+                                    </p:anim>
+                                    <p:anim calcmode="lin" valueType="num">
+                                      <p:cBhvr additive="base">
+                                        <p:cTn id="12" dur="500" fill="hold"/>
+                                        <p:tgtEl>
+                                          <p:spTgt spid="2050"/>
+                                        </p:tgtEl>
+                                        <p:attrNameLst>
+                                          <p:attrName>ppt_y</p:attrName>
+                                        </p:attrNameLst>
+                                      </p:cBhvr>
+                                      <p:tavLst>
+                                        <p:tav tm="0">
+                                          <p:val>
+                                            <p:strVal val="1+#ppt_h/2"/>
+                                          </p:val>
+                                        </p:tav>
+                                        <p:tav tm="100000">
+                                          <p:val>
+                                            <p:strVal val="#ppt_y"/>
+                                          </p:val>
+                                        </p:tav>
+                                      </p:tavLst>
+                                    </p:anim>
+                                  </p:childTnLst>
+                                </p:cTn>
+                              </p:par>
+                              <p:par>
+                                <p:cTn id="13" presetID="2" presetClass="entr" presetSubtype="4" fill="hold" nodeType="withEffect">
+                                  <p:stCondLst>
+                                    <p:cond delay="0"/>
+                                  </p:stCondLst>
+                                  <p:childTnLst>
+                                    <p:set>
+                                      <p:cBhvr>
+                                        <p:cTn id="14" dur="1" fill="hold">
+                                          <p:stCondLst>
+                                            <p:cond delay="0"/>
+                                          </p:stCondLst>
+                                        </p:cTn>
+                                        <p:tgtEl>
+                                          <p:spTgt spid="5"/>
+                                        </p:tgtEl>
+                                        <p:attrNameLst>
+                                          <p:attrName>style.visibility</p:attrName>
+                                        </p:attrNameLst>
+                                      </p:cBhvr>
+                                      <p:to>
+                                        <p:strVal val="visible"/>
+                                      </p:to>
+                                    </p:set>
+                                    <p:anim calcmode="lin" valueType="num">
+                                      <p:cBhvr additive="base">
+                                        <p:cTn id="15" dur="500" fill="hold"/>
+                                        <p:tgtEl>
+                                          <p:spTgt spid="5"/>
+                                        </p:tgtEl>
+                                        <p:attrNameLst>
+                                          <p:attrName>ppt_x</p:attrName>
+                                        </p:attrNameLst>
+                                      </p:cBhvr>
+                                      <p:tavLst>
+                                        <p:tav tm="0">
+                                          <p:val>
+                                            <p:strVal val="#ppt_x"/>
+                                          </p:val>
+                                        </p:tav>
+                                        <p:tav tm="100000">
+                                          <p:val>
+                                            <p:strVal val="#ppt_x"/>
+                                          </p:val>
+                                        </p:tav>
+                                      </p:tavLst>
+                                    </p:anim>
+                                    <p:anim calcmode="lin" valueType="num">
+                                      <p:cBhvr additive="base">
+                                        <p:cTn id="16" dur="500" fill="hold"/>
+                                        <p:tgtEl>
+                                          <p:spTgt spid="5"/>
+                                        </p:tgtEl>
+                                        <p:attrNameLst>
+                                          <p:attrName>ppt_y</p:attrName>
+                                        </p:attrNameLst>
+                                      </p:cBhvr>
+                                      <p:tavLst>
+                                        <p:tav tm="0">
+                                          <p:val>
+                                            <p:strVal val="1+#ppt_h/2"/>
+                                          </p:val>
+                                        </p:tav>
+                                        <p:tav tm="100000">
+                                          <p:val>
+                                            <p:strVal val="#ppt_y"/>
+                                          </p:val>
+                                        </p:tav>
+                                      </p:tavLst>
+                                    </p:anim>
+                                  </p:childTnLst>
+                                </p:cTn>
+                              </p:par>
+                              <p:par>
+                                <p:cTn id="17" presetID="2" presetClass="entr" presetSubtype="4" fill="hold" nodeType="withEffect">
+                                  <p:stCondLst>
+                                    <p:cond delay="0"/>
+                                  </p:stCondLst>
+                                  <p:childTnLst>
+                                    <p:set>
+                                      <p:cBhvr>
+                                        <p:cTn id="18" dur="1" fill="hold">
+                                          <p:stCondLst>
+                                            <p:cond delay="0"/>
+                                          </p:stCondLst>
+                                        </p:cTn>
+                                        <p:tgtEl>
+                                          <p:spTgt spid="12"/>
+                                        </p:tgtEl>
+                                        <p:attrNameLst>
+                                          <p:attrName>style.visibility</p:attrName>
+                                        </p:attrNameLst>
+                                      </p:cBhvr>
+                                      <p:to>
+                                        <p:strVal val="visible"/>
+                                      </p:to>
+                                    </p:set>
+                                    <p:anim calcmode="lin" valueType="num">
+                                      <p:cBhvr additive="base">
+                                        <p:cTn id="19" dur="500" fill="hold"/>
+                                        <p:tgtEl>
+                                          <p:spTgt spid="12"/>
+                                        </p:tgtEl>
+                                        <p:attrNameLst>
+                                          <p:attrName>ppt_x</p:attrName>
+                                        </p:attrNameLst>
+                                      </p:cBhvr>
+                                      <p:tavLst>
+                                        <p:tav tm="0">
+                                          <p:val>
+                                            <p:strVal val="#ppt_x"/>
+                                          </p:val>
+                                        </p:tav>
+                                        <p:tav tm="100000">
+                                          <p:val>
+                                            <p:strVal val="#ppt_x"/>
+                                          </p:val>
+                                        </p:tav>
+                                      </p:tavLst>
+                                    </p:anim>
+                                    <p:anim calcmode="lin" valueType="num">
+                                      <p:cBhvr additive="base">
+                                        <p:cTn id="20" dur="500" fill="hold"/>
+                                        <p:tgtEl>
+                                          <p:spTgt spid="12"/>
+                                        </p:tgtEl>
+                                        <p:attrNameLst>
+                                          <p:attrName>ppt_y</p:attrName>
+                                        </p:attrNameLst>
+                                      </p:cBhvr>
+                                      <p:tavLst>
+                                        <p:tav tm="0">
+                                          <p:val>
+                                            <p:strVal val="1+#ppt_h/2"/>
+                                          </p:val>
+                                        </p:tav>
+                                        <p:tav tm="100000">
+                                          <p:val>
+                                            <p:strVal val="#ppt_y"/>
+                                          </p:val>
+                                        </p:tav>
+                                      </p:tavLst>
+                                    </p:anim>
+                                  </p:childTnLst>
+                                </p:cTn>
+                              </p:par>
+                              <p:par>
+                                <p:cTn id="21" presetID="2" presetClass="entr" presetSubtype="4" fill="hold" nodeType="withEffect">
+                                  <p:stCondLst>
+                                    <p:cond delay="0"/>
+                                  </p:stCondLst>
+                                  <p:childTnLst>
+                                    <p:set>
+                                      <p:cBhvr>
+                                        <p:cTn id="22" dur="1" fill="hold">
+                                          <p:stCondLst>
+                                            <p:cond delay="0"/>
+                                          </p:stCondLst>
+                                        </p:cTn>
+                                        <p:tgtEl>
+                                          <p:spTgt spid="2052"/>
+                                        </p:tgtEl>
+                                        <p:attrNameLst>
+                                          <p:attrName>style.visibility</p:attrName>
+                                        </p:attrNameLst>
+                                      </p:cBhvr>
+                                      <p:to>
+                                        <p:strVal val="visible"/>
+                                      </p:to>
+                                    </p:set>
+                                    <p:anim calcmode="lin" valueType="num">
+                                      <p:cBhvr additive="base">
+                                        <p:cTn id="23" dur="500" fill="hold"/>
+                                        <p:tgtEl>
+                                          <p:spTgt spid="2052"/>
+                                        </p:tgtEl>
+                                        <p:attrNameLst>
+                                          <p:attrName>ppt_x</p:attrName>
+                                        </p:attrNameLst>
+                                      </p:cBhvr>
+                                      <p:tavLst>
+                                        <p:tav tm="0">
+                                          <p:val>
+                                            <p:strVal val="#ppt_x"/>
+                                          </p:val>
+                                        </p:tav>
+                                        <p:tav tm="100000">
+                                          <p:val>
+                                            <p:strVal val="#ppt_x"/>
+                                          </p:val>
+                                        </p:tav>
+                                      </p:tavLst>
+                                    </p:anim>
+                                    <p:anim calcmode="lin" valueType="num">
+                                      <p:cBhvr additive="base">
+                                        <p:cTn id="24" dur="500" fill="hold"/>
+                                        <p:tgtEl>
+                                          <p:spTgt spid="2052"/>
+                                        </p:tgtEl>
+                                        <p:attrNameLst>
+                                          <p:attrName>ppt_y</p:attrName>
+                                        </p:attrNameLst>
+                                      </p:cBhvr>
+                                      <p:tavLst>
+                                        <p:tav tm="0">
+                                          <p:val>
+                                            <p:strVal val="1+#ppt_h/2"/>
+                                          </p:val>
+                                        </p:tav>
+                                        <p:tav tm="100000">
+                                          <p:val>
+                                            <p:strVal val="#ppt_y"/>
+                                          </p:val>
+                                        </p:tav>
+                                      </p:tavLst>
+                                    </p:anim>
                                   </p:childTnLst>
                                 </p:cTn>
                               </p:par>
@@ -5633,92 +5929,6 @@
   <p:clrMapOvr>
     <a:masterClrMapping/>
   </p:clrMapOvr>
-  <p:timing>
-    <p:tnLst>
-      <p:par>
-        <p:cTn id="1" dur="indefinite" restart="never" nodeType="tmRoot">
-          <p:childTnLst>
-            <p:seq concurrent="1" nextAc="seek">
-              <p:cTn id="2" dur="indefinite" nodeType="mainSeq">
-                <p:childTnLst>
-                  <p:par>
-                    <p:cTn id="3" fill="hold">
-                      <p:stCondLst>
-                        <p:cond delay="indefinite"/>
-                      </p:stCondLst>
-                      <p:childTnLst>
-                        <p:par>
-                          <p:cTn id="4" fill="hold">
-                            <p:stCondLst>
-                              <p:cond delay="0"/>
-                            </p:stCondLst>
-                            <p:childTnLst>
-                              <p:par>
-                                <p:cTn id="5" presetID="22" presetClass="entr" presetSubtype="4" fill="hold" grpId="0" nodeType="clickEffect">
-                                  <p:stCondLst>
-                                    <p:cond delay="0"/>
-                                  </p:stCondLst>
-                                  <p:childTnLst>
-                                    <p:set>
-                                      <p:cBhvr>
-                                        <p:cTn id="6" dur="1" fill="hold">
-                                          <p:stCondLst>
-                                            <p:cond delay="0"/>
-                                          </p:stCondLst>
-                                        </p:cTn>
-                                        <p:tgtEl>
-                                          <p:spTgt spid="15"/>
-                                        </p:tgtEl>
-                                        <p:attrNameLst>
-                                          <p:attrName>style.visibility</p:attrName>
-                                        </p:attrNameLst>
-                                      </p:cBhvr>
-                                      <p:to>
-                                        <p:strVal val="visible"/>
-                                      </p:to>
-                                    </p:set>
-                                    <p:animEffect transition="in" filter="wipe(down)">
-                                      <p:cBhvr>
-                                        <p:cTn id="7" dur="500"/>
-                                        <p:tgtEl>
-                                          <p:spTgt spid="15"/>
-                                        </p:tgtEl>
-                                      </p:cBhvr>
-                                    </p:animEffect>
-                                  </p:childTnLst>
-                                </p:cTn>
-                              </p:par>
-                            </p:childTnLst>
-                          </p:cTn>
-                        </p:par>
-                      </p:childTnLst>
-                    </p:cTn>
-                  </p:par>
-                </p:childTnLst>
-              </p:cTn>
-              <p:prevCondLst>
-                <p:cond evt="onPrev" delay="0">
-                  <p:tgtEl>
-                    <p:sldTgt/>
-                  </p:tgtEl>
-                </p:cond>
-              </p:prevCondLst>
-              <p:nextCondLst>
-                <p:cond evt="onNext" delay="0">
-                  <p:tgtEl>
-                    <p:sldTgt/>
-                  </p:tgtEl>
-                </p:cond>
-              </p:nextCondLst>
-            </p:seq>
-          </p:childTnLst>
-        </p:cTn>
-      </p:par>
-    </p:tnLst>
-    <p:bldLst>
-      <p:bldP spid="15" grpId="0" animBg="1"/>
-    </p:bldLst>
-  </p:timing>
 </p:sld>
 </file>
 
@@ -6236,92 +6446,6 @@
   <p:clrMapOvr>
     <a:masterClrMapping/>
   </p:clrMapOvr>
-  <p:timing>
-    <p:tnLst>
-      <p:par>
-        <p:cTn id="1" dur="indefinite" restart="never" nodeType="tmRoot">
-          <p:childTnLst>
-            <p:seq concurrent="1" nextAc="seek">
-              <p:cTn id="2" dur="indefinite" nodeType="mainSeq">
-                <p:childTnLst>
-                  <p:par>
-                    <p:cTn id="3" fill="hold">
-                      <p:stCondLst>
-                        <p:cond delay="indefinite"/>
-                      </p:stCondLst>
-                      <p:childTnLst>
-                        <p:par>
-                          <p:cTn id="4" fill="hold">
-                            <p:stCondLst>
-                              <p:cond delay="0"/>
-                            </p:stCondLst>
-                            <p:childTnLst>
-                              <p:par>
-                                <p:cTn id="5" presetID="22" presetClass="entr" presetSubtype="4" fill="hold" grpId="0" nodeType="clickEffect">
-                                  <p:stCondLst>
-                                    <p:cond delay="0"/>
-                                  </p:stCondLst>
-                                  <p:childTnLst>
-                                    <p:set>
-                                      <p:cBhvr>
-                                        <p:cTn id="6" dur="1" fill="hold">
-                                          <p:stCondLst>
-                                            <p:cond delay="0"/>
-                                          </p:stCondLst>
-                                        </p:cTn>
-                                        <p:tgtEl>
-                                          <p:spTgt spid="15"/>
-                                        </p:tgtEl>
-                                        <p:attrNameLst>
-                                          <p:attrName>style.visibility</p:attrName>
-                                        </p:attrNameLst>
-                                      </p:cBhvr>
-                                      <p:to>
-                                        <p:strVal val="visible"/>
-                                      </p:to>
-                                    </p:set>
-                                    <p:animEffect transition="in" filter="wipe(down)">
-                                      <p:cBhvr>
-                                        <p:cTn id="7" dur="500"/>
-                                        <p:tgtEl>
-                                          <p:spTgt spid="15"/>
-                                        </p:tgtEl>
-                                      </p:cBhvr>
-                                    </p:animEffect>
-                                  </p:childTnLst>
-                                </p:cTn>
-                              </p:par>
-                            </p:childTnLst>
-                          </p:cTn>
-                        </p:par>
-                      </p:childTnLst>
-                    </p:cTn>
-                  </p:par>
-                </p:childTnLst>
-              </p:cTn>
-              <p:prevCondLst>
-                <p:cond evt="onPrev" delay="0">
-                  <p:tgtEl>
-                    <p:sldTgt/>
-                  </p:tgtEl>
-                </p:cond>
-              </p:prevCondLst>
-              <p:nextCondLst>
-                <p:cond evt="onNext" delay="0">
-                  <p:tgtEl>
-                    <p:sldTgt/>
-                  </p:tgtEl>
-                </p:cond>
-              </p:nextCondLst>
-            </p:seq>
-          </p:childTnLst>
-        </p:cTn>
-      </p:par>
-    </p:tnLst>
-    <p:bldLst>
-      <p:bldP spid="15" grpId="0" animBg="1"/>
-    </p:bldLst>
-  </p:timing>
 </p:sld>
 </file>
 
@@ -6797,92 +6921,6 @@
   <p:clrMapOvr>
     <a:masterClrMapping/>
   </p:clrMapOvr>
-  <p:timing>
-    <p:tnLst>
-      <p:par>
-        <p:cTn id="1" dur="indefinite" restart="never" nodeType="tmRoot">
-          <p:childTnLst>
-            <p:seq concurrent="1" nextAc="seek">
-              <p:cTn id="2" dur="indefinite" nodeType="mainSeq">
-                <p:childTnLst>
-                  <p:par>
-                    <p:cTn id="3" fill="hold">
-                      <p:stCondLst>
-                        <p:cond delay="indefinite"/>
-                      </p:stCondLst>
-                      <p:childTnLst>
-                        <p:par>
-                          <p:cTn id="4" fill="hold">
-                            <p:stCondLst>
-                              <p:cond delay="0"/>
-                            </p:stCondLst>
-                            <p:childTnLst>
-                              <p:par>
-                                <p:cTn id="5" presetID="22" presetClass="entr" presetSubtype="4" fill="hold" grpId="0" nodeType="clickEffect">
-                                  <p:stCondLst>
-                                    <p:cond delay="0"/>
-                                  </p:stCondLst>
-                                  <p:childTnLst>
-                                    <p:set>
-                                      <p:cBhvr>
-                                        <p:cTn id="6" dur="1" fill="hold">
-                                          <p:stCondLst>
-                                            <p:cond delay="0"/>
-                                          </p:stCondLst>
-                                        </p:cTn>
-                                        <p:tgtEl>
-                                          <p:spTgt spid="15"/>
-                                        </p:tgtEl>
-                                        <p:attrNameLst>
-                                          <p:attrName>style.visibility</p:attrName>
-                                        </p:attrNameLst>
-                                      </p:cBhvr>
-                                      <p:to>
-                                        <p:strVal val="visible"/>
-                                      </p:to>
-                                    </p:set>
-                                    <p:animEffect transition="in" filter="wipe(down)">
-                                      <p:cBhvr>
-                                        <p:cTn id="7" dur="500"/>
-                                        <p:tgtEl>
-                                          <p:spTgt spid="15"/>
-                                        </p:tgtEl>
-                                      </p:cBhvr>
-                                    </p:animEffect>
-                                  </p:childTnLst>
-                                </p:cTn>
-                              </p:par>
-                            </p:childTnLst>
-                          </p:cTn>
-                        </p:par>
-                      </p:childTnLst>
-                    </p:cTn>
-                  </p:par>
-                </p:childTnLst>
-              </p:cTn>
-              <p:prevCondLst>
-                <p:cond evt="onPrev" delay="0">
-                  <p:tgtEl>
-                    <p:sldTgt/>
-                  </p:tgtEl>
-                </p:cond>
-              </p:prevCondLst>
-              <p:nextCondLst>
-                <p:cond evt="onNext" delay="0">
-                  <p:tgtEl>
-                    <p:sldTgt/>
-                  </p:tgtEl>
-                </p:cond>
-              </p:nextCondLst>
-            </p:seq>
-          </p:childTnLst>
-        </p:cTn>
-      </p:par>
-    </p:tnLst>
-    <p:bldLst>
-      <p:bldP spid="15" grpId="0" animBg="1"/>
-    </p:bldLst>
-  </p:timing>
 </p:sld>
 </file>
 
@@ -7050,92 +7088,6 @@
   <p:clrMapOvr>
     <a:masterClrMapping/>
   </p:clrMapOvr>
-  <p:timing>
-    <p:tnLst>
-      <p:par>
-        <p:cTn id="1" dur="indefinite" restart="never" nodeType="tmRoot">
-          <p:childTnLst>
-            <p:seq concurrent="1" nextAc="seek">
-              <p:cTn id="2" dur="indefinite" nodeType="mainSeq">
-                <p:childTnLst>
-                  <p:par>
-                    <p:cTn id="3" fill="hold">
-                      <p:stCondLst>
-                        <p:cond delay="indefinite"/>
-                      </p:stCondLst>
-                      <p:childTnLst>
-                        <p:par>
-                          <p:cTn id="4" fill="hold">
-                            <p:stCondLst>
-                              <p:cond delay="0"/>
-                            </p:stCondLst>
-                            <p:childTnLst>
-                              <p:par>
-                                <p:cTn id="5" presetID="22" presetClass="entr" presetSubtype="4" fill="hold" grpId="0" nodeType="clickEffect">
-                                  <p:stCondLst>
-                                    <p:cond delay="0"/>
-                                  </p:stCondLst>
-                                  <p:childTnLst>
-                                    <p:set>
-                                      <p:cBhvr>
-                                        <p:cTn id="6" dur="1" fill="hold">
-                                          <p:stCondLst>
-                                            <p:cond delay="0"/>
-                                          </p:stCondLst>
-                                        </p:cTn>
-                                        <p:tgtEl>
-                                          <p:spTgt spid="15"/>
-                                        </p:tgtEl>
-                                        <p:attrNameLst>
-                                          <p:attrName>style.visibility</p:attrName>
-                                        </p:attrNameLst>
-                                      </p:cBhvr>
-                                      <p:to>
-                                        <p:strVal val="visible"/>
-                                      </p:to>
-                                    </p:set>
-                                    <p:animEffect transition="in" filter="wipe(down)">
-                                      <p:cBhvr>
-                                        <p:cTn id="7" dur="500"/>
-                                        <p:tgtEl>
-                                          <p:spTgt spid="15"/>
-                                        </p:tgtEl>
-                                      </p:cBhvr>
-                                    </p:animEffect>
-                                  </p:childTnLst>
-                                </p:cTn>
-                              </p:par>
-                            </p:childTnLst>
-                          </p:cTn>
-                        </p:par>
-                      </p:childTnLst>
-                    </p:cTn>
-                  </p:par>
-                </p:childTnLst>
-              </p:cTn>
-              <p:prevCondLst>
-                <p:cond evt="onPrev" delay="0">
-                  <p:tgtEl>
-                    <p:sldTgt/>
-                  </p:tgtEl>
-                </p:cond>
-              </p:prevCondLst>
-              <p:nextCondLst>
-                <p:cond evt="onNext" delay="0">
-                  <p:tgtEl>
-                    <p:sldTgt/>
-                  </p:tgtEl>
-                </p:cond>
-              </p:nextCondLst>
-            </p:seq>
-          </p:childTnLst>
-        </p:cTn>
-      </p:par>
-    </p:tnLst>
-    <p:bldLst>
-      <p:bldP spid="15" grpId="0" animBg="1"/>
-    </p:bldLst>
-  </p:timing>
 </p:sld>
 </file>
 
@@ -7503,92 +7455,6 @@
   <p:clrMapOvr>
     <a:masterClrMapping/>
   </p:clrMapOvr>
-  <p:timing>
-    <p:tnLst>
-      <p:par>
-        <p:cTn id="1" dur="indefinite" restart="never" nodeType="tmRoot">
-          <p:childTnLst>
-            <p:seq concurrent="1" nextAc="seek">
-              <p:cTn id="2" dur="indefinite" nodeType="mainSeq">
-                <p:childTnLst>
-                  <p:par>
-                    <p:cTn id="3" fill="hold">
-                      <p:stCondLst>
-                        <p:cond delay="indefinite"/>
-                      </p:stCondLst>
-                      <p:childTnLst>
-                        <p:par>
-                          <p:cTn id="4" fill="hold">
-                            <p:stCondLst>
-                              <p:cond delay="0"/>
-                            </p:stCondLst>
-                            <p:childTnLst>
-                              <p:par>
-                                <p:cTn id="5" presetID="22" presetClass="entr" presetSubtype="4" fill="hold" grpId="0" nodeType="clickEffect">
-                                  <p:stCondLst>
-                                    <p:cond delay="0"/>
-                                  </p:stCondLst>
-                                  <p:childTnLst>
-                                    <p:set>
-                                      <p:cBhvr>
-                                        <p:cTn id="6" dur="1" fill="hold">
-                                          <p:stCondLst>
-                                            <p:cond delay="0"/>
-                                          </p:stCondLst>
-                                        </p:cTn>
-                                        <p:tgtEl>
-                                          <p:spTgt spid="2"/>
-                                        </p:tgtEl>
-                                        <p:attrNameLst>
-                                          <p:attrName>style.visibility</p:attrName>
-                                        </p:attrNameLst>
-                                      </p:cBhvr>
-                                      <p:to>
-                                        <p:strVal val="visible"/>
-                                      </p:to>
-                                    </p:set>
-                                    <p:animEffect transition="in" filter="wipe(down)">
-                                      <p:cBhvr>
-                                        <p:cTn id="7" dur="500"/>
-                                        <p:tgtEl>
-                                          <p:spTgt spid="2"/>
-                                        </p:tgtEl>
-                                      </p:cBhvr>
-                                    </p:animEffect>
-                                  </p:childTnLst>
-                                </p:cTn>
-                              </p:par>
-                            </p:childTnLst>
-                          </p:cTn>
-                        </p:par>
-                      </p:childTnLst>
-                    </p:cTn>
-                  </p:par>
-                </p:childTnLst>
-              </p:cTn>
-              <p:prevCondLst>
-                <p:cond evt="onPrev" delay="0">
-                  <p:tgtEl>
-                    <p:sldTgt/>
-                  </p:tgtEl>
-                </p:cond>
-              </p:prevCondLst>
-              <p:nextCondLst>
-                <p:cond evt="onNext" delay="0">
-                  <p:tgtEl>
-                    <p:sldTgt/>
-                  </p:tgtEl>
-                </p:cond>
-              </p:nextCondLst>
-            </p:seq>
-          </p:childTnLst>
-        </p:cTn>
-      </p:par>
-    </p:tnLst>
-    <p:bldLst>
-      <p:bldP spid="2" grpId="0" animBg="1"/>
-    </p:bldLst>
-  </p:timing>
 </p:sld>
 </file>
 
@@ -8115,92 +7981,6 @@
   <p:clrMapOvr>
     <a:masterClrMapping/>
   </p:clrMapOvr>
-  <p:timing>
-    <p:tnLst>
-      <p:par>
-        <p:cTn id="1" dur="indefinite" restart="never" nodeType="tmRoot">
-          <p:childTnLst>
-            <p:seq concurrent="1" nextAc="seek">
-              <p:cTn id="2" dur="indefinite" nodeType="mainSeq">
-                <p:childTnLst>
-                  <p:par>
-                    <p:cTn id="3" fill="hold">
-                      <p:stCondLst>
-                        <p:cond delay="indefinite"/>
-                      </p:stCondLst>
-                      <p:childTnLst>
-                        <p:par>
-                          <p:cTn id="4" fill="hold">
-                            <p:stCondLst>
-                              <p:cond delay="0"/>
-                            </p:stCondLst>
-                            <p:childTnLst>
-                              <p:par>
-                                <p:cTn id="5" presetID="22" presetClass="entr" presetSubtype="4" fill="hold" grpId="0" nodeType="clickEffect">
-                                  <p:stCondLst>
-                                    <p:cond delay="0"/>
-                                  </p:stCondLst>
-                                  <p:childTnLst>
-                                    <p:set>
-                                      <p:cBhvr>
-                                        <p:cTn id="6" dur="1" fill="hold">
-                                          <p:stCondLst>
-                                            <p:cond delay="0"/>
-                                          </p:stCondLst>
-                                        </p:cTn>
-                                        <p:tgtEl>
-                                          <p:spTgt spid="3"/>
-                                        </p:tgtEl>
-                                        <p:attrNameLst>
-                                          <p:attrName>style.visibility</p:attrName>
-                                        </p:attrNameLst>
-                                      </p:cBhvr>
-                                      <p:to>
-                                        <p:strVal val="visible"/>
-                                      </p:to>
-                                    </p:set>
-                                    <p:animEffect transition="in" filter="wipe(down)">
-                                      <p:cBhvr>
-                                        <p:cTn id="7" dur="500"/>
-                                        <p:tgtEl>
-                                          <p:spTgt spid="3"/>
-                                        </p:tgtEl>
-                                      </p:cBhvr>
-                                    </p:animEffect>
-                                  </p:childTnLst>
-                                </p:cTn>
-                              </p:par>
-                            </p:childTnLst>
-                          </p:cTn>
-                        </p:par>
-                      </p:childTnLst>
-                    </p:cTn>
-                  </p:par>
-                </p:childTnLst>
-              </p:cTn>
-              <p:prevCondLst>
-                <p:cond evt="onPrev" delay="0">
-                  <p:tgtEl>
-                    <p:sldTgt/>
-                  </p:tgtEl>
-                </p:cond>
-              </p:prevCondLst>
-              <p:nextCondLst>
-                <p:cond evt="onNext" delay="0">
-                  <p:tgtEl>
-                    <p:sldTgt/>
-                  </p:tgtEl>
-                </p:cond>
-              </p:nextCondLst>
-            </p:seq>
-          </p:childTnLst>
-        </p:cTn>
-      </p:par>
-    </p:tnLst>
-    <p:bldLst>
-      <p:bldP spid="3" grpId="0" animBg="1"/>
-    </p:bldLst>
-  </p:timing>
 </p:sld>
 </file>
 
@@ -8561,92 +8341,6 @@
   <p:clrMapOvr>
     <a:masterClrMapping/>
   </p:clrMapOvr>
-  <p:timing>
-    <p:tnLst>
-      <p:par>
-        <p:cTn id="1" dur="indefinite" restart="never" nodeType="tmRoot">
-          <p:childTnLst>
-            <p:seq concurrent="1" nextAc="seek">
-              <p:cTn id="2" dur="indefinite" nodeType="mainSeq">
-                <p:childTnLst>
-                  <p:par>
-                    <p:cTn id="3" fill="hold">
-                      <p:stCondLst>
-                        <p:cond delay="indefinite"/>
-                      </p:stCondLst>
-                      <p:childTnLst>
-                        <p:par>
-                          <p:cTn id="4" fill="hold">
-                            <p:stCondLst>
-                              <p:cond delay="0"/>
-                            </p:stCondLst>
-                            <p:childTnLst>
-                              <p:par>
-                                <p:cTn id="5" presetID="22" presetClass="entr" presetSubtype="4" fill="hold" grpId="0" nodeType="clickEffect">
-                                  <p:stCondLst>
-                                    <p:cond delay="0"/>
-                                  </p:stCondLst>
-                                  <p:childTnLst>
-                                    <p:set>
-                                      <p:cBhvr>
-                                        <p:cTn id="6" dur="1" fill="hold">
-                                          <p:stCondLst>
-                                            <p:cond delay="0"/>
-                                          </p:stCondLst>
-                                        </p:cTn>
-                                        <p:tgtEl>
-                                          <p:spTgt spid="8"/>
-                                        </p:tgtEl>
-                                        <p:attrNameLst>
-                                          <p:attrName>style.visibility</p:attrName>
-                                        </p:attrNameLst>
-                                      </p:cBhvr>
-                                      <p:to>
-                                        <p:strVal val="visible"/>
-                                      </p:to>
-                                    </p:set>
-                                    <p:animEffect transition="in" filter="wipe(down)">
-                                      <p:cBhvr>
-                                        <p:cTn id="7" dur="500"/>
-                                        <p:tgtEl>
-                                          <p:spTgt spid="8"/>
-                                        </p:tgtEl>
-                                      </p:cBhvr>
-                                    </p:animEffect>
-                                  </p:childTnLst>
-                                </p:cTn>
-                              </p:par>
-                            </p:childTnLst>
-                          </p:cTn>
-                        </p:par>
-                      </p:childTnLst>
-                    </p:cTn>
-                  </p:par>
-                </p:childTnLst>
-              </p:cTn>
-              <p:prevCondLst>
-                <p:cond evt="onPrev" delay="0">
-                  <p:tgtEl>
-                    <p:sldTgt/>
-                  </p:tgtEl>
-                </p:cond>
-              </p:prevCondLst>
-              <p:nextCondLst>
-                <p:cond evt="onNext" delay="0">
-                  <p:tgtEl>
-                    <p:sldTgt/>
-                  </p:tgtEl>
-                </p:cond>
-              </p:nextCondLst>
-            </p:seq>
-          </p:childTnLst>
-        </p:cTn>
-      </p:par>
-    </p:tnLst>
-    <p:bldLst>
-      <p:bldP spid="8" grpId="0" animBg="1"/>
-    </p:bldLst>
-  </p:timing>
 </p:sld>
 </file>
 
@@ -8831,92 +8525,6 @@
   <p:clrMapOvr>
     <a:masterClrMapping/>
   </p:clrMapOvr>
-  <p:timing>
-    <p:tnLst>
-      <p:par>
-        <p:cTn id="1" dur="indefinite" restart="never" nodeType="tmRoot">
-          <p:childTnLst>
-            <p:seq concurrent="1" nextAc="seek">
-              <p:cTn id="2" dur="indefinite" nodeType="mainSeq">
-                <p:childTnLst>
-                  <p:par>
-                    <p:cTn id="3" fill="hold">
-                      <p:stCondLst>
-                        <p:cond delay="indefinite"/>
-                      </p:stCondLst>
-                      <p:childTnLst>
-                        <p:par>
-                          <p:cTn id="4" fill="hold">
-                            <p:stCondLst>
-                              <p:cond delay="0"/>
-                            </p:stCondLst>
-                            <p:childTnLst>
-                              <p:par>
-                                <p:cTn id="5" presetID="22" presetClass="entr" presetSubtype="4" fill="hold" grpId="0" nodeType="clickEffect">
-                                  <p:stCondLst>
-                                    <p:cond delay="0"/>
-                                  </p:stCondLst>
-                                  <p:childTnLst>
-                                    <p:set>
-                                      <p:cBhvr>
-                                        <p:cTn id="6" dur="1" fill="hold">
-                                          <p:stCondLst>
-                                            <p:cond delay="0"/>
-                                          </p:stCondLst>
-                                        </p:cTn>
-                                        <p:tgtEl>
-                                          <p:spTgt spid="9"/>
-                                        </p:tgtEl>
-                                        <p:attrNameLst>
-                                          <p:attrName>style.visibility</p:attrName>
-                                        </p:attrNameLst>
-                                      </p:cBhvr>
-                                      <p:to>
-                                        <p:strVal val="visible"/>
-                                      </p:to>
-                                    </p:set>
-                                    <p:animEffect transition="in" filter="wipe(down)">
-                                      <p:cBhvr>
-                                        <p:cTn id="7" dur="500"/>
-                                        <p:tgtEl>
-                                          <p:spTgt spid="9"/>
-                                        </p:tgtEl>
-                                      </p:cBhvr>
-                                    </p:animEffect>
-                                  </p:childTnLst>
-                                </p:cTn>
-                              </p:par>
-                            </p:childTnLst>
-                          </p:cTn>
-                        </p:par>
-                      </p:childTnLst>
-                    </p:cTn>
-                  </p:par>
-                </p:childTnLst>
-              </p:cTn>
-              <p:prevCondLst>
-                <p:cond evt="onPrev" delay="0">
-                  <p:tgtEl>
-                    <p:sldTgt/>
-                  </p:tgtEl>
-                </p:cond>
-              </p:prevCondLst>
-              <p:nextCondLst>
-                <p:cond evt="onNext" delay="0">
-                  <p:tgtEl>
-                    <p:sldTgt/>
-                  </p:tgtEl>
-                </p:cond>
-              </p:nextCondLst>
-            </p:seq>
-          </p:childTnLst>
-        </p:cTn>
-      </p:par>
-    </p:tnLst>
-    <p:bldLst>
-      <p:bldP spid="9" grpId="0" animBg="1"/>
-    </p:bldLst>
-  </p:timing>
 </p:sld>
 </file>
 
@@ -11962,92 +11570,6 @@
   <p:clrMapOvr>
     <a:masterClrMapping/>
   </p:clrMapOvr>
-  <p:timing>
-    <p:tnLst>
-      <p:par>
-        <p:cTn id="1" dur="indefinite" restart="never" nodeType="tmRoot">
-          <p:childTnLst>
-            <p:seq concurrent="1" nextAc="seek">
-              <p:cTn id="2" dur="indefinite" nodeType="mainSeq">
-                <p:childTnLst>
-                  <p:par>
-                    <p:cTn id="3" fill="hold">
-                      <p:stCondLst>
-                        <p:cond delay="indefinite"/>
-                      </p:stCondLst>
-                      <p:childTnLst>
-                        <p:par>
-                          <p:cTn id="4" fill="hold">
-                            <p:stCondLst>
-                              <p:cond delay="0"/>
-                            </p:stCondLst>
-                            <p:childTnLst>
-                              <p:par>
-                                <p:cTn id="5" presetID="22" presetClass="entr" presetSubtype="4" fill="hold" grpId="0" nodeType="clickEffect">
-                                  <p:stCondLst>
-                                    <p:cond delay="0"/>
-                                  </p:stCondLst>
-                                  <p:childTnLst>
-                                    <p:set>
-                                      <p:cBhvr>
-                                        <p:cTn id="6" dur="1" fill="hold">
-                                          <p:stCondLst>
-                                            <p:cond delay="0"/>
-                                          </p:stCondLst>
-                                        </p:cTn>
-                                        <p:tgtEl>
-                                          <p:spTgt spid="7"/>
-                                        </p:tgtEl>
-                                        <p:attrNameLst>
-                                          <p:attrName>style.visibility</p:attrName>
-                                        </p:attrNameLst>
-                                      </p:cBhvr>
-                                      <p:to>
-                                        <p:strVal val="visible"/>
-                                      </p:to>
-                                    </p:set>
-                                    <p:animEffect transition="in" filter="wipe(down)">
-                                      <p:cBhvr>
-                                        <p:cTn id="7" dur="500"/>
-                                        <p:tgtEl>
-                                          <p:spTgt spid="7"/>
-                                        </p:tgtEl>
-                                      </p:cBhvr>
-                                    </p:animEffect>
-                                  </p:childTnLst>
-                                </p:cTn>
-                              </p:par>
-                            </p:childTnLst>
-                          </p:cTn>
-                        </p:par>
-                      </p:childTnLst>
-                    </p:cTn>
-                  </p:par>
-                </p:childTnLst>
-              </p:cTn>
-              <p:prevCondLst>
-                <p:cond evt="onPrev" delay="0">
-                  <p:tgtEl>
-                    <p:sldTgt/>
-                  </p:tgtEl>
-                </p:cond>
-              </p:prevCondLst>
-              <p:nextCondLst>
-                <p:cond evt="onNext" delay="0">
-                  <p:tgtEl>
-                    <p:sldTgt/>
-                  </p:tgtEl>
-                </p:cond>
-              </p:nextCondLst>
-            </p:seq>
-          </p:childTnLst>
-        </p:cTn>
-      </p:par>
-    </p:tnLst>
-    <p:bldLst>
-      <p:bldP spid="7" grpId="0" animBg="1"/>
-    </p:bldLst>
-  </p:timing>
 </p:sld>
 </file>
 
@@ -12208,92 +11730,6 @@
   <p:clrMapOvr>
     <a:masterClrMapping/>
   </p:clrMapOvr>
-  <p:timing>
-    <p:tnLst>
-      <p:par>
-        <p:cTn id="1" dur="indefinite" restart="never" nodeType="tmRoot">
-          <p:childTnLst>
-            <p:seq concurrent="1" nextAc="seek">
-              <p:cTn id="2" dur="indefinite" nodeType="mainSeq">
-                <p:childTnLst>
-                  <p:par>
-                    <p:cTn id="3" fill="hold">
-                      <p:stCondLst>
-                        <p:cond delay="indefinite"/>
-                      </p:stCondLst>
-                      <p:childTnLst>
-                        <p:par>
-                          <p:cTn id="4" fill="hold">
-                            <p:stCondLst>
-                              <p:cond delay="0"/>
-                            </p:stCondLst>
-                            <p:childTnLst>
-                              <p:par>
-                                <p:cTn id="5" presetID="22" presetClass="entr" presetSubtype="4" fill="hold" grpId="0" nodeType="clickEffect">
-                                  <p:stCondLst>
-                                    <p:cond delay="0"/>
-                                  </p:stCondLst>
-                                  <p:childTnLst>
-                                    <p:set>
-                                      <p:cBhvr>
-                                        <p:cTn id="6" dur="1" fill="hold">
-                                          <p:stCondLst>
-                                            <p:cond delay="0"/>
-                                          </p:stCondLst>
-                                        </p:cTn>
-                                        <p:tgtEl>
-                                          <p:spTgt spid="2"/>
-                                        </p:tgtEl>
-                                        <p:attrNameLst>
-                                          <p:attrName>style.visibility</p:attrName>
-                                        </p:attrNameLst>
-                                      </p:cBhvr>
-                                      <p:to>
-                                        <p:strVal val="visible"/>
-                                      </p:to>
-                                    </p:set>
-                                    <p:animEffect transition="in" filter="wipe(down)">
-                                      <p:cBhvr>
-                                        <p:cTn id="7" dur="500"/>
-                                        <p:tgtEl>
-                                          <p:spTgt spid="2"/>
-                                        </p:tgtEl>
-                                      </p:cBhvr>
-                                    </p:animEffect>
-                                  </p:childTnLst>
-                                </p:cTn>
-                              </p:par>
-                            </p:childTnLst>
-                          </p:cTn>
-                        </p:par>
-                      </p:childTnLst>
-                    </p:cTn>
-                  </p:par>
-                </p:childTnLst>
-              </p:cTn>
-              <p:prevCondLst>
-                <p:cond evt="onPrev" delay="0">
-                  <p:tgtEl>
-                    <p:sldTgt/>
-                  </p:tgtEl>
-                </p:cond>
-              </p:prevCondLst>
-              <p:nextCondLst>
-                <p:cond evt="onNext" delay="0">
-                  <p:tgtEl>
-                    <p:sldTgt/>
-                  </p:tgtEl>
-                </p:cond>
-              </p:nextCondLst>
-            </p:seq>
-          </p:childTnLst>
-        </p:cTn>
-      </p:par>
-    </p:tnLst>
-    <p:bldLst>
-      <p:bldP spid="2" grpId="0" animBg="1"/>
-    </p:bldLst>
-  </p:timing>
 </p:sld>
 </file>
 
@@ -12614,92 +12050,6 @@
   <p:clrMapOvr>
     <a:masterClrMapping/>
   </p:clrMapOvr>
-  <p:timing>
-    <p:tnLst>
-      <p:par>
-        <p:cTn id="1" dur="indefinite" restart="never" nodeType="tmRoot">
-          <p:childTnLst>
-            <p:seq concurrent="1" nextAc="seek">
-              <p:cTn id="2" dur="indefinite" nodeType="mainSeq">
-                <p:childTnLst>
-                  <p:par>
-                    <p:cTn id="3" fill="hold">
-                      <p:stCondLst>
-                        <p:cond delay="indefinite"/>
-                      </p:stCondLst>
-                      <p:childTnLst>
-                        <p:par>
-                          <p:cTn id="4" fill="hold">
-                            <p:stCondLst>
-                              <p:cond delay="0"/>
-                            </p:stCondLst>
-                            <p:childTnLst>
-                              <p:par>
-                                <p:cTn id="5" presetID="22" presetClass="entr" presetSubtype="4" fill="hold" grpId="0" nodeType="clickEffect">
-                                  <p:stCondLst>
-                                    <p:cond delay="0"/>
-                                  </p:stCondLst>
-                                  <p:childTnLst>
-                                    <p:set>
-                                      <p:cBhvr>
-                                        <p:cTn id="6" dur="1" fill="hold">
-                                          <p:stCondLst>
-                                            <p:cond delay="0"/>
-                                          </p:stCondLst>
-                                        </p:cTn>
-                                        <p:tgtEl>
-                                          <p:spTgt spid="2"/>
-                                        </p:tgtEl>
-                                        <p:attrNameLst>
-                                          <p:attrName>style.visibility</p:attrName>
-                                        </p:attrNameLst>
-                                      </p:cBhvr>
-                                      <p:to>
-                                        <p:strVal val="visible"/>
-                                      </p:to>
-                                    </p:set>
-                                    <p:animEffect transition="in" filter="wipe(down)">
-                                      <p:cBhvr>
-                                        <p:cTn id="7" dur="500"/>
-                                        <p:tgtEl>
-                                          <p:spTgt spid="2"/>
-                                        </p:tgtEl>
-                                      </p:cBhvr>
-                                    </p:animEffect>
-                                  </p:childTnLst>
-                                </p:cTn>
-                              </p:par>
-                            </p:childTnLst>
-                          </p:cTn>
-                        </p:par>
-                      </p:childTnLst>
-                    </p:cTn>
-                  </p:par>
-                </p:childTnLst>
-              </p:cTn>
-              <p:prevCondLst>
-                <p:cond evt="onPrev" delay="0">
-                  <p:tgtEl>
-                    <p:sldTgt/>
-                  </p:tgtEl>
-                </p:cond>
-              </p:prevCondLst>
-              <p:nextCondLst>
-                <p:cond evt="onNext" delay="0">
-                  <p:tgtEl>
-                    <p:sldTgt/>
-                  </p:tgtEl>
-                </p:cond>
-              </p:nextCondLst>
-            </p:seq>
-          </p:childTnLst>
-        </p:cTn>
-      </p:par>
-    </p:tnLst>
-    <p:bldLst>
-      <p:bldP spid="2" grpId="0" animBg="1"/>
-    </p:bldLst>
-  </p:timing>
 </p:sld>
 </file>
 
@@ -12874,92 +12224,6 @@
   <p:clrMapOvr>
     <a:masterClrMapping/>
   </p:clrMapOvr>
-  <p:timing>
-    <p:tnLst>
-      <p:par>
-        <p:cTn id="1" dur="indefinite" restart="never" nodeType="tmRoot">
-          <p:childTnLst>
-            <p:seq concurrent="1" nextAc="seek">
-              <p:cTn id="2" dur="indefinite" nodeType="mainSeq">
-                <p:childTnLst>
-                  <p:par>
-                    <p:cTn id="3" fill="hold">
-                      <p:stCondLst>
-                        <p:cond delay="indefinite"/>
-                      </p:stCondLst>
-                      <p:childTnLst>
-                        <p:par>
-                          <p:cTn id="4" fill="hold">
-                            <p:stCondLst>
-                              <p:cond delay="0"/>
-                            </p:stCondLst>
-                            <p:childTnLst>
-                              <p:par>
-                                <p:cTn id="5" presetID="22" presetClass="entr" presetSubtype="4" fill="hold" grpId="0" nodeType="clickEffect">
-                                  <p:stCondLst>
-                                    <p:cond delay="0"/>
-                                  </p:stCondLst>
-                                  <p:childTnLst>
-                                    <p:set>
-                                      <p:cBhvr>
-                                        <p:cTn id="6" dur="1" fill="hold">
-                                          <p:stCondLst>
-                                            <p:cond delay="0"/>
-                                          </p:stCondLst>
-                                        </p:cTn>
-                                        <p:tgtEl>
-                                          <p:spTgt spid="2"/>
-                                        </p:tgtEl>
-                                        <p:attrNameLst>
-                                          <p:attrName>style.visibility</p:attrName>
-                                        </p:attrNameLst>
-                                      </p:cBhvr>
-                                      <p:to>
-                                        <p:strVal val="visible"/>
-                                      </p:to>
-                                    </p:set>
-                                    <p:animEffect transition="in" filter="wipe(down)">
-                                      <p:cBhvr>
-                                        <p:cTn id="7" dur="500"/>
-                                        <p:tgtEl>
-                                          <p:spTgt spid="2"/>
-                                        </p:tgtEl>
-                                      </p:cBhvr>
-                                    </p:animEffect>
-                                  </p:childTnLst>
-                                </p:cTn>
-                              </p:par>
-                            </p:childTnLst>
-                          </p:cTn>
-                        </p:par>
-                      </p:childTnLst>
-                    </p:cTn>
-                  </p:par>
-                </p:childTnLst>
-              </p:cTn>
-              <p:prevCondLst>
-                <p:cond evt="onPrev" delay="0">
-                  <p:tgtEl>
-                    <p:sldTgt/>
-                  </p:tgtEl>
-                </p:cond>
-              </p:prevCondLst>
-              <p:nextCondLst>
-                <p:cond evt="onNext" delay="0">
-                  <p:tgtEl>
-                    <p:sldTgt/>
-                  </p:tgtEl>
-                </p:cond>
-              </p:nextCondLst>
-            </p:seq>
-          </p:childTnLst>
-        </p:cTn>
-      </p:par>
-    </p:tnLst>
-    <p:bldLst>
-      <p:bldP spid="2" grpId="0" animBg="1"/>
-    </p:bldLst>
-  </p:timing>
 </p:sld>
 </file>
 
@@ -13555,92 +12819,6 @@
   <p:clrMapOvr>
     <a:masterClrMapping/>
   </p:clrMapOvr>
-  <p:timing>
-    <p:tnLst>
-      <p:par>
-        <p:cTn id="1" dur="indefinite" restart="never" nodeType="tmRoot">
-          <p:childTnLst>
-            <p:seq concurrent="1" nextAc="seek">
-              <p:cTn id="2" dur="indefinite" nodeType="mainSeq">
-                <p:childTnLst>
-                  <p:par>
-                    <p:cTn id="3" fill="hold">
-                      <p:stCondLst>
-                        <p:cond delay="indefinite"/>
-                      </p:stCondLst>
-                      <p:childTnLst>
-                        <p:par>
-                          <p:cTn id="4" fill="hold">
-                            <p:stCondLst>
-                              <p:cond delay="0"/>
-                            </p:stCondLst>
-                            <p:childTnLst>
-                              <p:par>
-                                <p:cTn id="5" presetID="22" presetClass="entr" presetSubtype="4" fill="hold" grpId="0" nodeType="clickEffect">
-                                  <p:stCondLst>
-                                    <p:cond delay="0"/>
-                                  </p:stCondLst>
-                                  <p:childTnLst>
-                                    <p:set>
-                                      <p:cBhvr>
-                                        <p:cTn id="6" dur="1" fill="hold">
-                                          <p:stCondLst>
-                                            <p:cond delay="0"/>
-                                          </p:stCondLst>
-                                        </p:cTn>
-                                        <p:tgtEl>
-                                          <p:spTgt spid="2"/>
-                                        </p:tgtEl>
-                                        <p:attrNameLst>
-                                          <p:attrName>style.visibility</p:attrName>
-                                        </p:attrNameLst>
-                                      </p:cBhvr>
-                                      <p:to>
-                                        <p:strVal val="visible"/>
-                                      </p:to>
-                                    </p:set>
-                                    <p:animEffect transition="in" filter="wipe(down)">
-                                      <p:cBhvr>
-                                        <p:cTn id="7" dur="500"/>
-                                        <p:tgtEl>
-                                          <p:spTgt spid="2"/>
-                                        </p:tgtEl>
-                                      </p:cBhvr>
-                                    </p:animEffect>
-                                  </p:childTnLst>
-                                </p:cTn>
-                              </p:par>
-                            </p:childTnLst>
-                          </p:cTn>
-                        </p:par>
-                      </p:childTnLst>
-                    </p:cTn>
-                  </p:par>
-                </p:childTnLst>
-              </p:cTn>
-              <p:prevCondLst>
-                <p:cond evt="onPrev" delay="0">
-                  <p:tgtEl>
-                    <p:sldTgt/>
-                  </p:tgtEl>
-                </p:cond>
-              </p:prevCondLst>
-              <p:nextCondLst>
-                <p:cond evt="onNext" delay="0">
-                  <p:tgtEl>
-                    <p:sldTgt/>
-                  </p:tgtEl>
-                </p:cond>
-              </p:nextCondLst>
-            </p:seq>
-          </p:childTnLst>
-        </p:cTn>
-      </p:par>
-    </p:tnLst>
-    <p:bldLst>
-      <p:bldP spid="2" grpId="0" animBg="1"/>
-    </p:bldLst>
-  </p:timing>
 </p:sld>
 </file>
 
@@ -14176,92 +13354,6 @@
   <p:clrMapOvr>
     <a:masterClrMapping/>
   </p:clrMapOvr>
-  <p:timing>
-    <p:tnLst>
-      <p:par>
-        <p:cTn id="1" dur="indefinite" restart="never" nodeType="tmRoot">
-          <p:childTnLst>
-            <p:seq concurrent="1" nextAc="seek">
-              <p:cTn id="2" dur="indefinite" nodeType="mainSeq">
-                <p:childTnLst>
-                  <p:par>
-                    <p:cTn id="3" fill="hold">
-                      <p:stCondLst>
-                        <p:cond delay="indefinite"/>
-                      </p:stCondLst>
-                      <p:childTnLst>
-                        <p:par>
-                          <p:cTn id="4" fill="hold">
-                            <p:stCondLst>
-                              <p:cond delay="0"/>
-                            </p:stCondLst>
-                            <p:childTnLst>
-                              <p:par>
-                                <p:cTn id="5" presetID="22" presetClass="entr" presetSubtype="4" fill="hold" grpId="0" nodeType="clickEffect">
-                                  <p:stCondLst>
-                                    <p:cond delay="0"/>
-                                  </p:stCondLst>
-                                  <p:childTnLst>
-                                    <p:set>
-                                      <p:cBhvr>
-                                        <p:cTn id="6" dur="1" fill="hold">
-                                          <p:stCondLst>
-                                            <p:cond delay="0"/>
-                                          </p:stCondLst>
-                                        </p:cTn>
-                                        <p:tgtEl>
-                                          <p:spTgt spid="2"/>
-                                        </p:tgtEl>
-                                        <p:attrNameLst>
-                                          <p:attrName>style.visibility</p:attrName>
-                                        </p:attrNameLst>
-                                      </p:cBhvr>
-                                      <p:to>
-                                        <p:strVal val="visible"/>
-                                      </p:to>
-                                    </p:set>
-                                    <p:animEffect transition="in" filter="wipe(down)">
-                                      <p:cBhvr>
-                                        <p:cTn id="7" dur="500"/>
-                                        <p:tgtEl>
-                                          <p:spTgt spid="2"/>
-                                        </p:tgtEl>
-                                      </p:cBhvr>
-                                    </p:animEffect>
-                                  </p:childTnLst>
-                                </p:cTn>
-                              </p:par>
-                            </p:childTnLst>
-                          </p:cTn>
-                        </p:par>
-                      </p:childTnLst>
-                    </p:cTn>
-                  </p:par>
-                </p:childTnLst>
-              </p:cTn>
-              <p:prevCondLst>
-                <p:cond evt="onPrev" delay="0">
-                  <p:tgtEl>
-                    <p:sldTgt/>
-                  </p:tgtEl>
-                </p:cond>
-              </p:prevCondLst>
-              <p:nextCondLst>
-                <p:cond evt="onNext" delay="0">
-                  <p:tgtEl>
-                    <p:sldTgt/>
-                  </p:tgtEl>
-                </p:cond>
-              </p:nextCondLst>
-            </p:seq>
-          </p:childTnLst>
-        </p:cTn>
-      </p:par>
-    </p:tnLst>
-    <p:bldLst>
-      <p:bldP spid="2" grpId="0" animBg="1"/>
-    </p:bldLst>
-  </p:timing>
 </p:sld>
 </file>
 
@@ -14582,92 +13674,6 @@
   <p:clrMapOvr>
     <a:masterClrMapping/>
   </p:clrMapOvr>
-  <p:timing>
-    <p:tnLst>
-      <p:par>
-        <p:cTn id="1" dur="indefinite" restart="never" nodeType="tmRoot">
-          <p:childTnLst>
-            <p:seq concurrent="1" nextAc="seek">
-              <p:cTn id="2" dur="indefinite" nodeType="mainSeq">
-                <p:childTnLst>
-                  <p:par>
-                    <p:cTn id="3" fill="hold">
-                      <p:stCondLst>
-                        <p:cond delay="indefinite"/>
-                      </p:stCondLst>
-                      <p:childTnLst>
-                        <p:par>
-                          <p:cTn id="4" fill="hold">
-                            <p:stCondLst>
-                              <p:cond delay="0"/>
-                            </p:stCondLst>
-                            <p:childTnLst>
-                              <p:par>
-                                <p:cTn id="5" presetID="22" presetClass="entr" presetSubtype="4" fill="hold" grpId="0" nodeType="clickEffect">
-                                  <p:stCondLst>
-                                    <p:cond delay="0"/>
-                                  </p:stCondLst>
-                                  <p:childTnLst>
-                                    <p:set>
-                                      <p:cBhvr>
-                                        <p:cTn id="6" dur="1" fill="hold">
-                                          <p:stCondLst>
-                                            <p:cond delay="0"/>
-                                          </p:stCondLst>
-                                        </p:cTn>
-                                        <p:tgtEl>
-                                          <p:spTgt spid="2"/>
-                                        </p:tgtEl>
-                                        <p:attrNameLst>
-                                          <p:attrName>style.visibility</p:attrName>
-                                        </p:attrNameLst>
-                                      </p:cBhvr>
-                                      <p:to>
-                                        <p:strVal val="visible"/>
-                                      </p:to>
-                                    </p:set>
-                                    <p:animEffect transition="in" filter="wipe(down)">
-                                      <p:cBhvr>
-                                        <p:cTn id="7" dur="500"/>
-                                        <p:tgtEl>
-                                          <p:spTgt spid="2"/>
-                                        </p:tgtEl>
-                                      </p:cBhvr>
-                                    </p:animEffect>
-                                  </p:childTnLst>
-                                </p:cTn>
-                              </p:par>
-                            </p:childTnLst>
-                          </p:cTn>
-                        </p:par>
-                      </p:childTnLst>
-                    </p:cTn>
-                  </p:par>
-                </p:childTnLst>
-              </p:cTn>
-              <p:prevCondLst>
-                <p:cond evt="onPrev" delay="0">
-                  <p:tgtEl>
-                    <p:sldTgt/>
-                  </p:tgtEl>
-                </p:cond>
-              </p:prevCondLst>
-              <p:nextCondLst>
-                <p:cond evt="onNext" delay="0">
-                  <p:tgtEl>
-                    <p:sldTgt/>
-                  </p:tgtEl>
-                </p:cond>
-              </p:nextCondLst>
-            </p:seq>
-          </p:childTnLst>
-        </p:cTn>
-      </p:par>
-    </p:tnLst>
-    <p:bldLst>
-      <p:bldP spid="2" grpId="0" animBg="1"/>
-    </p:bldLst>
-  </p:timing>
 </p:sld>
 </file>
 
@@ -14995,92 +14001,6 @@
   <p:clrMapOvr>
     <a:masterClrMapping/>
   </p:clrMapOvr>
-  <p:timing>
-    <p:tnLst>
-      <p:par>
-        <p:cTn id="1" dur="indefinite" restart="never" nodeType="tmRoot">
-          <p:childTnLst>
-            <p:seq concurrent="1" nextAc="seek">
-              <p:cTn id="2" dur="indefinite" nodeType="mainSeq">
-                <p:childTnLst>
-                  <p:par>
-                    <p:cTn id="3" fill="hold">
-                      <p:stCondLst>
-                        <p:cond delay="indefinite"/>
-                      </p:stCondLst>
-                      <p:childTnLst>
-                        <p:par>
-                          <p:cTn id="4" fill="hold">
-                            <p:stCondLst>
-                              <p:cond delay="0"/>
-                            </p:stCondLst>
-                            <p:childTnLst>
-                              <p:par>
-                                <p:cTn id="5" presetID="22" presetClass="entr" presetSubtype="4" fill="hold" grpId="0" nodeType="clickEffect">
-                                  <p:stCondLst>
-                                    <p:cond delay="0"/>
-                                  </p:stCondLst>
-                                  <p:childTnLst>
-                                    <p:set>
-                                      <p:cBhvr>
-                                        <p:cTn id="6" dur="1" fill="hold">
-                                          <p:stCondLst>
-                                            <p:cond delay="0"/>
-                                          </p:stCondLst>
-                                        </p:cTn>
-                                        <p:tgtEl>
-                                          <p:spTgt spid="2"/>
-                                        </p:tgtEl>
-                                        <p:attrNameLst>
-                                          <p:attrName>style.visibility</p:attrName>
-                                        </p:attrNameLst>
-                                      </p:cBhvr>
-                                      <p:to>
-                                        <p:strVal val="visible"/>
-                                      </p:to>
-                                    </p:set>
-                                    <p:animEffect transition="in" filter="wipe(down)">
-                                      <p:cBhvr>
-                                        <p:cTn id="7" dur="500"/>
-                                        <p:tgtEl>
-                                          <p:spTgt spid="2"/>
-                                        </p:tgtEl>
-                                      </p:cBhvr>
-                                    </p:animEffect>
-                                  </p:childTnLst>
-                                </p:cTn>
-                              </p:par>
-                            </p:childTnLst>
-                          </p:cTn>
-                        </p:par>
-                      </p:childTnLst>
-                    </p:cTn>
-                  </p:par>
-                </p:childTnLst>
-              </p:cTn>
-              <p:prevCondLst>
-                <p:cond evt="onPrev" delay="0">
-                  <p:tgtEl>
-                    <p:sldTgt/>
-                  </p:tgtEl>
-                </p:cond>
-              </p:prevCondLst>
-              <p:nextCondLst>
-                <p:cond evt="onNext" delay="0">
-                  <p:tgtEl>
-                    <p:sldTgt/>
-                  </p:tgtEl>
-                </p:cond>
-              </p:nextCondLst>
-            </p:seq>
-          </p:childTnLst>
-        </p:cTn>
-      </p:par>
-    </p:tnLst>
-    <p:bldLst>
-      <p:bldP spid="2" grpId="0" animBg="1"/>
-    </p:bldLst>
-  </p:timing>
 </p:sld>
 </file>
 
@@ -15451,92 +14371,6 @@
   <p:clrMapOvr>
     <a:masterClrMapping/>
   </p:clrMapOvr>
-  <p:timing>
-    <p:tnLst>
-      <p:par>
-        <p:cTn id="1" dur="indefinite" restart="never" nodeType="tmRoot">
-          <p:childTnLst>
-            <p:seq concurrent="1" nextAc="seek">
-              <p:cTn id="2" dur="indefinite" nodeType="mainSeq">
-                <p:childTnLst>
-                  <p:par>
-                    <p:cTn id="3" fill="hold">
-                      <p:stCondLst>
-                        <p:cond delay="indefinite"/>
-                      </p:stCondLst>
-                      <p:childTnLst>
-                        <p:par>
-                          <p:cTn id="4" fill="hold">
-                            <p:stCondLst>
-                              <p:cond delay="0"/>
-                            </p:stCondLst>
-                            <p:childTnLst>
-                              <p:par>
-                                <p:cTn id="5" presetID="22" presetClass="entr" presetSubtype="4" fill="hold" grpId="0" nodeType="clickEffect">
-                                  <p:stCondLst>
-                                    <p:cond delay="0"/>
-                                  </p:stCondLst>
-                                  <p:childTnLst>
-                                    <p:set>
-                                      <p:cBhvr>
-                                        <p:cTn id="6" dur="1" fill="hold">
-                                          <p:stCondLst>
-                                            <p:cond delay="0"/>
-                                          </p:stCondLst>
-                                        </p:cTn>
-                                        <p:tgtEl>
-                                          <p:spTgt spid="2"/>
-                                        </p:tgtEl>
-                                        <p:attrNameLst>
-                                          <p:attrName>style.visibility</p:attrName>
-                                        </p:attrNameLst>
-                                      </p:cBhvr>
-                                      <p:to>
-                                        <p:strVal val="visible"/>
-                                      </p:to>
-                                    </p:set>
-                                    <p:animEffect transition="in" filter="wipe(down)">
-                                      <p:cBhvr>
-                                        <p:cTn id="7" dur="500"/>
-                                        <p:tgtEl>
-                                          <p:spTgt spid="2"/>
-                                        </p:tgtEl>
-                                      </p:cBhvr>
-                                    </p:animEffect>
-                                  </p:childTnLst>
-                                </p:cTn>
-                              </p:par>
-                            </p:childTnLst>
-                          </p:cTn>
-                        </p:par>
-                      </p:childTnLst>
-                    </p:cTn>
-                  </p:par>
-                </p:childTnLst>
-              </p:cTn>
-              <p:prevCondLst>
-                <p:cond evt="onPrev" delay="0">
-                  <p:tgtEl>
-                    <p:sldTgt/>
-                  </p:tgtEl>
-                </p:cond>
-              </p:prevCondLst>
-              <p:nextCondLst>
-                <p:cond evt="onNext" delay="0">
-                  <p:tgtEl>
-                    <p:sldTgt/>
-                  </p:tgtEl>
-                </p:cond>
-              </p:nextCondLst>
-            </p:seq>
-          </p:childTnLst>
-        </p:cTn>
-      </p:par>
-    </p:tnLst>
-    <p:bldLst>
-      <p:bldP spid="2" grpId="0" animBg="1"/>
-    </p:bldLst>
-  </p:timing>
 </p:sld>
 </file>
 
@@ -15628,92 +14462,6 @@
   <p:clrMapOvr>
     <a:masterClrMapping/>
   </p:clrMapOvr>
-  <p:timing>
-    <p:tnLst>
-      <p:par>
-        <p:cTn id="1" dur="indefinite" restart="never" nodeType="tmRoot">
-          <p:childTnLst>
-            <p:seq concurrent="1" nextAc="seek">
-              <p:cTn id="2" dur="indefinite" nodeType="mainSeq">
-                <p:childTnLst>
-                  <p:par>
-                    <p:cTn id="3" fill="hold">
-                      <p:stCondLst>
-                        <p:cond delay="indefinite"/>
-                      </p:stCondLst>
-                      <p:childTnLst>
-                        <p:par>
-                          <p:cTn id="4" fill="hold">
-                            <p:stCondLst>
-                              <p:cond delay="0"/>
-                            </p:stCondLst>
-                            <p:childTnLst>
-                              <p:par>
-                                <p:cTn id="5" presetID="22" presetClass="entr" presetSubtype="4" fill="hold" grpId="0" nodeType="clickEffect">
-                                  <p:stCondLst>
-                                    <p:cond delay="0"/>
-                                  </p:stCondLst>
-                                  <p:childTnLst>
-                                    <p:set>
-                                      <p:cBhvr>
-                                        <p:cTn id="6" dur="1" fill="hold">
-                                          <p:stCondLst>
-                                            <p:cond delay="0"/>
-                                          </p:stCondLst>
-                                        </p:cTn>
-                                        <p:tgtEl>
-                                          <p:spTgt spid="2"/>
-                                        </p:tgtEl>
-                                        <p:attrNameLst>
-                                          <p:attrName>style.visibility</p:attrName>
-                                        </p:attrNameLst>
-                                      </p:cBhvr>
-                                      <p:to>
-                                        <p:strVal val="visible"/>
-                                      </p:to>
-                                    </p:set>
-                                    <p:animEffect transition="in" filter="wipe(down)">
-                                      <p:cBhvr>
-                                        <p:cTn id="7" dur="500"/>
-                                        <p:tgtEl>
-                                          <p:spTgt spid="2"/>
-                                        </p:tgtEl>
-                                      </p:cBhvr>
-                                    </p:animEffect>
-                                  </p:childTnLst>
-                                </p:cTn>
-                              </p:par>
-                            </p:childTnLst>
-                          </p:cTn>
-                        </p:par>
-                      </p:childTnLst>
-                    </p:cTn>
-                  </p:par>
-                </p:childTnLst>
-              </p:cTn>
-              <p:prevCondLst>
-                <p:cond evt="onPrev" delay="0">
-                  <p:tgtEl>
-                    <p:sldTgt/>
-                  </p:tgtEl>
-                </p:cond>
-              </p:prevCondLst>
-              <p:nextCondLst>
-                <p:cond evt="onNext" delay="0">
-                  <p:tgtEl>
-                    <p:sldTgt/>
-                  </p:tgtEl>
-                </p:cond>
-              </p:nextCondLst>
-            </p:seq>
-          </p:childTnLst>
-        </p:cTn>
-      </p:par>
-    </p:tnLst>
-    <p:bldLst>
-      <p:bldP spid="2" grpId="0" animBg="1"/>
-    </p:bldLst>
-  </p:timing>
 </p:sld>
 </file>
 
@@ -16973,14 +15721,6 @@
   <p:clrMapOvr>
     <a:masterClrMapping/>
   </p:clrMapOvr>
-  <mc:AlternateContent xmlns:mc="http://schemas.openxmlformats.org/markup-compatibility/2006" xmlns:p14="http://schemas.microsoft.com/office/powerpoint/2010/main">
-    <mc:Choice Requires="p14">
-      <p:transition spd="slow" p14:dur="2000" advTm="3000"/>
-    </mc:Choice>
-    <mc:Fallback xmlns="">
-      <p:transition spd="slow" advTm="3000"/>
-    </mc:Fallback>
-  </mc:AlternateContent>
   <p:timing>
     <p:tnLst>
       <p:par>
@@ -17171,92 +15911,6 @@
   <p:clrMapOvr>
     <a:masterClrMapping/>
   </p:clrMapOvr>
-  <p:timing>
-    <p:tnLst>
-      <p:par>
-        <p:cTn id="1" dur="indefinite" restart="never" nodeType="tmRoot">
-          <p:childTnLst>
-            <p:seq concurrent="1" nextAc="seek">
-              <p:cTn id="2" dur="indefinite" nodeType="mainSeq">
-                <p:childTnLst>
-                  <p:par>
-                    <p:cTn id="3" fill="hold">
-                      <p:stCondLst>
-                        <p:cond delay="indefinite"/>
-                      </p:stCondLst>
-                      <p:childTnLst>
-                        <p:par>
-                          <p:cTn id="4" fill="hold">
-                            <p:stCondLst>
-                              <p:cond delay="0"/>
-                            </p:stCondLst>
-                            <p:childTnLst>
-                              <p:par>
-                                <p:cTn id="5" presetID="22" presetClass="entr" presetSubtype="4" fill="hold" grpId="0" nodeType="clickEffect">
-                                  <p:stCondLst>
-                                    <p:cond delay="0"/>
-                                  </p:stCondLst>
-                                  <p:childTnLst>
-                                    <p:set>
-                                      <p:cBhvr>
-                                        <p:cTn id="6" dur="1" fill="hold">
-                                          <p:stCondLst>
-                                            <p:cond delay="0"/>
-                                          </p:stCondLst>
-                                        </p:cTn>
-                                        <p:tgtEl>
-                                          <p:spTgt spid="2"/>
-                                        </p:tgtEl>
-                                        <p:attrNameLst>
-                                          <p:attrName>style.visibility</p:attrName>
-                                        </p:attrNameLst>
-                                      </p:cBhvr>
-                                      <p:to>
-                                        <p:strVal val="visible"/>
-                                      </p:to>
-                                    </p:set>
-                                    <p:animEffect transition="in" filter="wipe(down)">
-                                      <p:cBhvr>
-                                        <p:cTn id="7" dur="500"/>
-                                        <p:tgtEl>
-                                          <p:spTgt spid="2"/>
-                                        </p:tgtEl>
-                                      </p:cBhvr>
-                                    </p:animEffect>
-                                  </p:childTnLst>
-                                </p:cTn>
-                              </p:par>
-                            </p:childTnLst>
-                          </p:cTn>
-                        </p:par>
-                      </p:childTnLst>
-                    </p:cTn>
-                  </p:par>
-                </p:childTnLst>
-              </p:cTn>
-              <p:prevCondLst>
-                <p:cond evt="onPrev" delay="0">
-                  <p:tgtEl>
-                    <p:sldTgt/>
-                  </p:tgtEl>
-                </p:cond>
-              </p:prevCondLst>
-              <p:nextCondLst>
-                <p:cond evt="onNext" delay="0">
-                  <p:tgtEl>
-                    <p:sldTgt/>
-                  </p:tgtEl>
-                </p:cond>
-              </p:nextCondLst>
-            </p:seq>
-          </p:childTnLst>
-        </p:cTn>
-      </p:par>
-    </p:tnLst>
-    <p:bldLst>
-      <p:bldP spid="2" grpId="0" animBg="1"/>
-    </p:bldLst>
-  </p:timing>
 </p:sld>
 </file>
 
@@ -21526,14 +20180,6 @@
   <p:clrMapOvr>
     <a:masterClrMapping/>
   </p:clrMapOvr>
-  <mc:AlternateContent xmlns:mc="http://schemas.openxmlformats.org/markup-compatibility/2006" xmlns:p14="http://schemas.microsoft.com/office/powerpoint/2010/main">
-    <mc:Choice Requires="p14">
-      <p:transition spd="slow" p14:dur="2000" advTm="3000"/>
-    </mc:Choice>
-    <mc:Fallback xmlns="">
-      <p:transition spd="slow" advTm="3000"/>
-    </mc:Fallback>
-  </mc:AlternateContent>
 </p:sld>
 </file>
 
@@ -21746,24 +20392,15 @@
             </a:lvl9pPr>
           </a:lstStyle>
           <a:p>
-            <a:pPr marL="342900" marR="0" lvl="0" indent="-342900" algn="l" defTabSz="914400" rtl="0" eaLnBrk="0" fontAlgn="base" latinLnBrk="0" hangingPunct="0">
+            <a:pPr marL="342900" lvl="0" indent="-342900">
               <a:lnSpc>
                 <a:spcPct val="150000"/>
               </a:lnSpc>
-              <a:spcBef>
-                <a:spcPct val="0"/>
-              </a:spcBef>
-              <a:spcAft>
-                <a:spcPct val="0"/>
-              </a:spcAft>
-              <a:buClrTx/>
-              <a:buSzTx/>
               <a:buFont typeface="Wingdings" panose="05000000000000000000" pitchFamily="2" charset="2"/>
               <a:buChar char="l"/>
-              <a:tabLst/>
             </a:pPr>
             <a:r>
-              <a:rPr lang="zh-CN" altLang="zh-CN" sz="2400" dirty="0">
+              <a:rPr lang="zh-CN" altLang="en-US" sz="2400" dirty="0">
                 <a:solidFill>
                   <a:schemeClr val="tx1">
                     <a:lumMod val="65000"/>
@@ -21772,7 +20409,43 @@
                 </a:solidFill>
                 <a:ea typeface="思源黑体 CN Normal" panose="020B0400000000000000" pitchFamily="34" charset="-122"/>
               </a:rPr>
-              <a:t>本次大作业时间紧迫，部分功能距离预期有一定差距，但仍然实现了期望目标的主要功能，包括文件系统、进程调度和内存分配，填补了原先项目的空白。后续的ArceOS开发者可以基于这些功能开发更多、更丰富的模块，壮大ArceOS的生态圈。</a:t>
+              <a:t>​本次大作业虽未成功实现硬件部分，</a:t>
+            </a:r>
+            <a:r>
+              <a:rPr lang="zh-CN" altLang="zh-CN" sz="2400" dirty="0">
+                <a:solidFill>
+                  <a:schemeClr val="tx1">
+                    <a:lumMod val="65000"/>
+                    <a:lumOff val="35000"/>
+                  </a:schemeClr>
+                </a:solidFill>
+                <a:ea typeface="思源黑体 CN Normal" panose="020B0400000000000000" pitchFamily="34" charset="-122"/>
+              </a:rPr>
+              <a:t>但仍然实现了期望目标的主要功</a:t>
+            </a:r>
+            <a:r>
+              <a:rPr lang="zh-CN" altLang="en-US" sz="2400" dirty="0">
+                <a:solidFill>
+                  <a:schemeClr val="tx1">
+                    <a:lumMod val="65000"/>
+                    <a:lumOff val="35000"/>
+                  </a:schemeClr>
+                </a:solidFill>
+                <a:ea typeface="思源黑体 CN Normal" panose="020B0400000000000000" pitchFamily="34" charset="-122"/>
+              </a:rPr>
+              <a:t>能，</a:t>
+            </a:r>
+            <a:r>
+              <a:rPr lang="zh-CN" altLang="zh-CN" sz="2400" dirty="0">
+                <a:solidFill>
+                  <a:schemeClr val="tx1">
+                    <a:lumMod val="65000"/>
+                    <a:lumOff val="35000"/>
+                  </a:schemeClr>
+                </a:solidFill>
+                <a:ea typeface="思源黑体 CN Normal" panose="020B0400000000000000" pitchFamily="34" charset="-122"/>
+              </a:rPr>
+              <a:t>包括文件系统、进程调度和内存分配，填补了原先项目的空白。后续的ArceOS开发者可以基于这些功能开发更多、更丰富的模块，壮大ArceOS的生态圈。</a:t>
             </a:r>
             <a:endParaRPr lang="en-US" altLang="zh-CN" sz="2400" dirty="0">
               <a:solidFill>
@@ -21905,130 +20578,6 @@
   <p:clrMapOvr>
     <a:masterClrMapping/>
   </p:clrMapOvr>
-  <p:timing>
-    <p:tnLst>
-      <p:par>
-        <p:cTn id="1" dur="indefinite" restart="never" nodeType="tmRoot">
-          <p:childTnLst>
-            <p:seq concurrent="1" nextAc="seek">
-              <p:cTn id="2" dur="indefinite" nodeType="mainSeq">
-                <p:childTnLst>
-                  <p:par>
-                    <p:cTn id="3" fill="hold">
-                      <p:stCondLst>
-                        <p:cond delay="indefinite"/>
-                      </p:stCondLst>
-                      <p:childTnLst>
-                        <p:par>
-                          <p:cTn id="4" fill="hold">
-                            <p:stCondLst>
-                              <p:cond delay="0"/>
-                            </p:stCondLst>
-                            <p:childTnLst>
-                              <p:par>
-                                <p:cTn id="5" presetID="2" presetClass="entr" presetSubtype="4" fill="hold" grpId="0" nodeType="clickEffect">
-                                  <p:stCondLst>
-                                    <p:cond delay="0"/>
-                                  </p:stCondLst>
-                                  <p:childTnLst>
-                                    <p:set>
-                                      <p:cBhvr>
-                                        <p:cTn id="6" dur="1" fill="hold">
-                                          <p:stCondLst>
-                                            <p:cond delay="0"/>
-                                          </p:stCondLst>
-                                        </p:cTn>
-                                        <p:tgtEl>
-                                          <p:spTgt spid="4"/>
-                                        </p:tgtEl>
-                                        <p:attrNameLst>
-                                          <p:attrName>style.visibility</p:attrName>
-                                        </p:attrNameLst>
-                                      </p:cBhvr>
-                                      <p:to>
-                                        <p:strVal val="visible"/>
-                                      </p:to>
-                                    </p:set>
-                                    <p:anim calcmode="lin" valueType="num">
-                                      <p:cBhvr additive="base">
-                                        <p:cTn id="7" dur="500" fill="hold"/>
-                                        <p:tgtEl>
-                                          <p:spTgt spid="4"/>
-                                        </p:tgtEl>
-                                        <p:attrNameLst>
-                                          <p:attrName>ppt_x</p:attrName>
-                                        </p:attrNameLst>
-                                      </p:cBhvr>
-                                      <p:tavLst>
-                                        <p:tav tm="0">
-                                          <p:val>
-                                            <p:strVal val="#ppt_x"/>
-                                          </p:val>
-                                        </p:tav>
-                                        <p:tav tm="100000">
-                                          <p:val>
-                                            <p:strVal val="#ppt_x"/>
-                                          </p:val>
-                                        </p:tav>
-                                      </p:tavLst>
-                                    </p:anim>
-                                    <p:anim calcmode="lin" valueType="num">
-                                      <p:cBhvr additive="base">
-                                        <p:cTn id="8" dur="500" fill="hold"/>
-                                        <p:tgtEl>
-                                          <p:spTgt spid="4"/>
-                                        </p:tgtEl>
-                                        <p:attrNameLst>
-                                          <p:attrName>ppt_y</p:attrName>
-                                        </p:attrNameLst>
-                                      </p:cBhvr>
-                                      <p:tavLst>
-                                        <p:tav tm="0">
-                                          <p:val>
-                                            <p:strVal val="1+#ppt_h/2"/>
-                                          </p:val>
-                                        </p:tav>
-                                        <p:tav tm="100000">
-                                          <p:val>
-                                            <p:strVal val="#ppt_y"/>
-                                          </p:val>
-                                        </p:tav>
-                                      </p:tavLst>
-                                    </p:anim>
-                                  </p:childTnLst>
-                                </p:cTn>
-                              </p:par>
-                            </p:childTnLst>
-                          </p:cTn>
-                        </p:par>
-                      </p:childTnLst>
-                    </p:cTn>
-                  </p:par>
-                </p:childTnLst>
-              </p:cTn>
-              <p:prevCondLst>
-                <p:cond evt="onPrev" delay="0">
-                  <p:tgtEl>
-                    <p:sldTgt/>
-                  </p:tgtEl>
-                </p:cond>
-              </p:prevCondLst>
-              <p:nextCondLst>
-                <p:cond evt="onNext" delay="0">
-                  <p:tgtEl>
-                    <p:sldTgt/>
-                  </p:tgtEl>
-                </p:cond>
-              </p:nextCondLst>
-            </p:seq>
-          </p:childTnLst>
-        </p:cTn>
-      </p:par>
-    </p:tnLst>
-    <p:bldLst>
-      <p:bldP spid="4" grpId="0" animBg="1"/>
-    </p:bldLst>
-  </p:timing>
 </p:sld>
 </file>
 
@@ -25243,14 +23792,6 @@
   <p:clrMapOvr>
     <a:masterClrMapping/>
   </p:clrMapOvr>
-  <mc:AlternateContent xmlns:mc="http://schemas.openxmlformats.org/markup-compatibility/2006" xmlns:p14="http://schemas.microsoft.com/office/powerpoint/2010/main">
-    <mc:Choice Requires="p14">
-      <p:transition spd="slow" p14:dur="2000" advTm="3000"/>
-    </mc:Choice>
-    <mc:Fallback xmlns="">
-      <p:transition spd="slow" advTm="3000"/>
-    </mc:Fallback>
-  </mc:AlternateContent>
   <p:timing>
     <p:tnLst>
       <p:par>
@@ -26734,7 +25275,7 @@
         </p:nvSpPr>
         <p:spPr>
           <a:xfrm>
-            <a:off x="7033502" y="5651978"/>
+            <a:off x="7033502" y="5644520"/>
             <a:ext cx="1782502" cy="307977"/>
           </a:xfrm>
           <a:prstGeom prst="rightArrow">
@@ -26783,8 +25324,8 @@
         </p:nvSpPr>
         <p:spPr>
           <a:xfrm>
-            <a:off x="9223915" y="5383012"/>
-            <a:ext cx="1216954" cy="830997"/>
+            <a:off x="9223915" y="5567677"/>
+            <a:ext cx="1412263" cy="461665"/>
           </a:xfrm>
           <a:prstGeom prst="rect">
             <a:avLst/>
@@ -26804,7 +25345,7 @@
                 </a:solidFill>
                 <a:ea typeface="思源黑体 CN Medium" panose="020B0600000000000000"/>
               </a:rPr>
-              <a:t>Unikernel</a:t>
+              <a:t>Unikenel</a:t>
             </a:r>
             <a:endParaRPr lang="zh-CN" altLang="en-US" sz="2400" b="1" dirty="0">
               <a:solidFill>
@@ -28279,6 +26820,9 @@
                     <p:cTn id="3" fill="hold">
                       <p:stCondLst>
                         <p:cond delay="indefinite"/>
+                        <p:cond evt="onBegin" delay="0">
+                          <p:tn val="2"/>
+                        </p:cond>
                       </p:stCondLst>
                       <p:childTnLst>
                         <p:par>
@@ -28288,7 +26832,7 @@
                             </p:stCondLst>
                             <p:childTnLst>
                               <p:par>
-                                <p:cTn id="5" presetID="2" presetClass="entr" presetSubtype="4" fill="hold" grpId="0" nodeType="clickEffect">
+                                <p:cTn id="5" presetID="2" presetClass="entr" presetSubtype="4" fill="hold" grpId="0" nodeType="withEffect">
                                   <p:stCondLst>
                                     <p:cond delay="0"/>
                                   </p:stCondLst>
@@ -28766,6 +27310,9 @@
                     <p:cTn id="3" fill="hold">
                       <p:stCondLst>
                         <p:cond delay="indefinite"/>
+                        <p:cond evt="onBegin" delay="0">
+                          <p:tn val="2"/>
+                        </p:cond>
                       </p:stCondLst>
                       <p:childTnLst>
                         <p:par>
@@ -28775,7 +27322,7 @@
                             </p:stCondLst>
                             <p:childTnLst>
                               <p:par>
-                                <p:cTn id="5" presetID="2" presetClass="entr" presetSubtype="4" fill="hold" grpId="0" nodeType="clickEffect">
+                                <p:cTn id="5" presetID="2" presetClass="entr" presetSubtype="4" fill="hold" grpId="0" nodeType="withEffect">
                                   <p:stCondLst>
                                     <p:cond delay="0"/>
                                   </p:stCondLst>
@@ -30124,6 +28671,9 @@
                     <p:cTn id="3" fill="hold">
                       <p:stCondLst>
                         <p:cond delay="indefinite"/>
+                        <p:cond evt="onBegin" delay="0">
+                          <p:tn val="2"/>
+                        </p:cond>
                       </p:stCondLst>
                       <p:childTnLst>
                         <p:par>
@@ -30133,7 +28683,7 @@
                             </p:stCondLst>
                             <p:childTnLst>
                               <p:par>
-                                <p:cTn id="5" presetID="22" presetClass="entr" presetSubtype="4" fill="hold" grpId="0" nodeType="clickEffect">
+                                <p:cTn id="5" presetID="22" presetClass="entr" presetSubtype="4" fill="hold" grpId="0" nodeType="withEffect">
                                   <p:stCondLst>
                                     <p:cond delay="0"/>
                                   </p:stCondLst>
@@ -30170,30 +28720,21 @@
                             </p:childTnLst>
                           </p:cTn>
                         </p:par>
-                      </p:childTnLst>
-                    </p:cTn>
-                  </p:par>
-                  <p:par>
-                    <p:cTn id="8" fill="hold">
-                      <p:stCondLst>
-                        <p:cond delay="indefinite"/>
-                      </p:stCondLst>
-                      <p:childTnLst>
                         <p:par>
-                          <p:cTn id="9" fill="hold">
+                          <p:cTn id="8" fill="hold">
                             <p:stCondLst>
-                              <p:cond delay="0"/>
+                              <p:cond delay="500"/>
                             </p:stCondLst>
                             <p:childTnLst>
                               <p:par>
-                                <p:cTn id="10" presetID="10" presetClass="entr" presetSubtype="0" fill="hold" nodeType="clickEffect">
+                                <p:cTn id="9" presetID="10" presetClass="entr" presetSubtype="0" fill="hold" nodeType="afterEffect">
                                   <p:stCondLst>
                                     <p:cond delay="0"/>
                                   </p:stCondLst>
                                   <p:childTnLst>
                                     <p:set>
                                       <p:cBhvr>
-                                        <p:cTn id="11" dur="1" fill="hold">
+                                        <p:cTn id="10" dur="1" fill="hold">
                                           <p:stCondLst>
                                             <p:cond delay="0"/>
                                           </p:stCondLst>
@@ -30211,7 +28752,7 @@
                                     </p:set>
                                     <p:animEffect transition="in" filter="fade">
                                       <p:cBhvr>
-                                        <p:cTn id="12" dur="500"/>
+                                        <p:cTn id="11" dur="500"/>
                                         <p:tgtEl>
                                           <p:spTgt spid="2"/>
                                         </p:tgtEl>
@@ -30224,20 +28765,20 @@
                           </p:cTn>
                         </p:par>
                         <p:par>
-                          <p:cTn id="13" fill="hold">
+                          <p:cTn id="12" fill="hold">
                             <p:stCondLst>
-                              <p:cond delay="500"/>
+                              <p:cond delay="1000"/>
                             </p:stCondLst>
                             <p:childTnLst>
                               <p:par>
-                                <p:cTn id="14" presetID="10" presetClass="entr" presetSubtype="0" fill="hold" nodeType="afterEffect">
+                                <p:cTn id="13" presetID="10" presetClass="entr" presetSubtype="0" fill="hold" nodeType="afterEffect">
                                   <p:stCondLst>
                                     <p:cond delay="0"/>
                                   </p:stCondLst>
                                   <p:childTnLst>
                                     <p:set>
                                       <p:cBhvr>
-                                        <p:cTn id="15" dur="1" fill="hold">
+                                        <p:cTn id="14" dur="1" fill="hold">
                                           <p:stCondLst>
                                             <p:cond delay="0"/>
                                           </p:stCondLst>
@@ -30255,7 +28796,7 @@
                                     </p:set>
                                     <p:animEffect transition="in" filter="fade">
                                       <p:cBhvr>
-                                        <p:cTn id="16" dur="500"/>
+                                        <p:cTn id="15" dur="500"/>
                                         <p:tgtEl>
                                           <p:spTgt spid="19"/>
                                         </p:tgtEl>
@@ -30268,20 +28809,20 @@
                           </p:cTn>
                         </p:par>
                         <p:par>
-                          <p:cTn id="17" fill="hold">
+                          <p:cTn id="16" fill="hold">
                             <p:stCondLst>
-                              <p:cond delay="1000"/>
+                              <p:cond delay="1500"/>
                             </p:stCondLst>
                             <p:childTnLst>
                               <p:par>
-                                <p:cTn id="18" presetID="10" presetClass="entr" presetSubtype="0" fill="hold" nodeType="afterEffect">
+                                <p:cTn id="17" presetID="10" presetClass="entr" presetSubtype="0" fill="hold" nodeType="afterEffect">
                                   <p:stCondLst>
                                     <p:cond delay="0"/>
                                   </p:stCondLst>
                                   <p:childTnLst>
                                     <p:set>
                                       <p:cBhvr>
-                                        <p:cTn id="19" dur="1" fill="hold">
+                                        <p:cTn id="18" dur="1" fill="hold">
                                           <p:stCondLst>
                                             <p:cond delay="0"/>
                                           </p:stCondLst>
@@ -30299,7 +28840,7 @@
                                     </p:set>
                                     <p:animEffect transition="in" filter="fade">
                                       <p:cBhvr>
-                                        <p:cTn id="20" dur="500"/>
+                                        <p:cTn id="19" dur="500"/>
                                         <p:tgtEl>
                                           <p:spTgt spid="23"/>
                                         </p:tgtEl>
@@ -30312,20 +28853,20 @@
                           </p:cTn>
                         </p:par>
                         <p:par>
-                          <p:cTn id="21" fill="hold">
+                          <p:cTn id="20" fill="hold">
                             <p:stCondLst>
-                              <p:cond delay="1500"/>
+                              <p:cond delay="2000"/>
                             </p:stCondLst>
                             <p:childTnLst>
                               <p:par>
-                                <p:cTn id="22" presetID="10" presetClass="entr" presetSubtype="0" fill="hold" nodeType="afterEffect">
+                                <p:cTn id="21" presetID="10" presetClass="entr" presetSubtype="0" fill="hold" nodeType="afterEffect">
                                   <p:stCondLst>
                                     <p:cond delay="0"/>
                                   </p:stCondLst>
                                   <p:childTnLst>
                                     <p:set>
                                       <p:cBhvr>
-                                        <p:cTn id="23" dur="1" fill="hold">
+                                        <p:cTn id="22" dur="1" fill="hold">
                                           <p:stCondLst>
                                             <p:cond delay="0"/>
                                           </p:stCondLst>
@@ -30343,7 +28884,7 @@
                                     </p:set>
                                     <p:animEffect transition="in" filter="fade">
                                       <p:cBhvr>
-                                        <p:cTn id="24" dur="500"/>
+                                        <p:cTn id="23" dur="500"/>
                                         <p:tgtEl>
                                           <p:spTgt spid="61"/>
                                         </p:tgtEl>
@@ -31243,6 +29784,9 @@
                     <p:cTn id="3" fill="hold">
                       <p:stCondLst>
                         <p:cond delay="indefinite"/>
+                        <p:cond evt="onBegin" delay="0">
+                          <p:tn val="2"/>
+                        </p:cond>
                       </p:stCondLst>
                       <p:childTnLst>
                         <p:par>
@@ -31252,7 +29796,7 @@
                             </p:stCondLst>
                             <p:childTnLst>
                               <p:par>
-                                <p:cTn id="5" presetID="16" presetClass="entr" presetSubtype="21" fill="hold" grpId="0" nodeType="clickEffect">
+                                <p:cTn id="5" presetID="16" presetClass="entr" presetSubtype="21" fill="hold" grpId="0" nodeType="withEffect">
                                   <p:stCondLst>
                                     <p:cond delay="0"/>
                                   </p:stCondLst>

--- a/researches/结题汇报.pptx
+++ b/researches/结题汇报.pptx
@@ -5,7 +5,7 @@
     <p:sldMasterId id="2147483648" r:id="rId1"/>
   </p:sldMasterIdLst>
   <p:notesMasterIdLst>
-    <p:notesMasterId r:id="rId38"/>
+    <p:notesMasterId r:id="rId42"/>
   </p:notesMasterIdLst>
   <p:sldIdLst>
     <p:sldId id="283" r:id="rId2"/>
@@ -37,18 +37,22 @@
     <p:sldId id="322" r:id="rId28"/>
     <p:sldId id="324" r:id="rId29"/>
     <p:sldId id="325" r:id="rId30"/>
-    <p:sldId id="323" r:id="rId31"/>
-    <p:sldId id="291" r:id="rId32"/>
-    <p:sldId id="272" r:id="rId33"/>
-    <p:sldId id="296" r:id="rId34"/>
-    <p:sldId id="293" r:id="rId35"/>
-    <p:sldId id="294" r:id="rId36"/>
-    <p:sldId id="284" r:id="rId37"/>
+    <p:sldId id="327" r:id="rId31"/>
+    <p:sldId id="328" r:id="rId32"/>
+    <p:sldId id="329" r:id="rId33"/>
+    <p:sldId id="330" r:id="rId34"/>
+    <p:sldId id="331" r:id="rId35"/>
+    <p:sldId id="291" r:id="rId36"/>
+    <p:sldId id="272" r:id="rId37"/>
+    <p:sldId id="296" r:id="rId38"/>
+    <p:sldId id="293" r:id="rId39"/>
+    <p:sldId id="294" r:id="rId40"/>
+    <p:sldId id="284" r:id="rId41"/>
   </p:sldIdLst>
   <p:sldSz cx="12192000" cy="6858000"/>
   <p:notesSz cx="6858000" cy="9144000"/>
   <p:custDataLst>
-    <p:tags r:id="rId39"/>
+    <p:tags r:id="rId43"/>
   </p:custDataLst>
   <p:defaultTextStyle>
     <a:defPPr>
@@ -251,7 +255,7 @@
           <a:p>
             <a:fld id="{47749E12-936C-4168-A750-6B81F73359E3}" type="datetimeFigureOut">
               <a:rPr lang="zh-CN" altLang="en-US" smtClean="0"/>
-              <a:t>2023/7/8</a:t>
+              <a:t>2023/7/9</a:t>
             </a:fld>
             <a:endParaRPr lang="zh-CN" altLang="en-US"/>
           </a:p>
@@ -729,7 +733,7 @@
           <a:p>
             <a:fld id="{C6E5CE6B-FF6A-471E-9C4A-73362186D6C7}" type="datetimeFigureOut">
               <a:rPr lang="zh-CN" altLang="en-US" smtClean="0"/>
-              <a:t>2023/7/8</a:t>
+              <a:t>2023/7/9</a:t>
             </a:fld>
             <a:endParaRPr lang="zh-CN" altLang="en-US"/>
           </a:p>
@@ -1122,60 +1126,14 @@
       </p:grpSpPr>
       <p:sp>
         <p:nvSpPr>
-          <p:cNvPr id="31" name="椭圆 30"/>
-          <p:cNvSpPr/>
-          <p:nvPr/>
-        </p:nvSpPr>
-        <p:spPr>
-          <a:xfrm>
-            <a:off x="10761323" y="1202532"/>
-            <a:ext cx="389278" cy="389278"/>
-          </a:xfrm>
-          <a:prstGeom prst="ellipse">
-            <a:avLst/>
-          </a:prstGeom>
-          <a:solidFill>
-            <a:srgbClr val="AC4243"/>
-          </a:solidFill>
-          <a:ln>
-            <a:noFill/>
-          </a:ln>
-        </p:spPr>
-        <p:style>
-          <a:lnRef idx="2">
-            <a:schemeClr val="accent1">
-              <a:shade val="50000"/>
-            </a:schemeClr>
-          </a:lnRef>
-          <a:fillRef idx="1">
-            <a:schemeClr val="accent1"/>
-          </a:fillRef>
-          <a:effectRef idx="0">
-            <a:schemeClr val="accent1"/>
-          </a:effectRef>
-          <a:fontRef idx="minor">
-            <a:schemeClr val="lt1"/>
-          </a:fontRef>
-        </p:style>
-        <p:txBody>
-          <a:bodyPr rtlCol="0" anchor="ctr"/>
-          <a:lstStyle/>
-          <a:p>
-            <a:pPr algn="ctr"/>
-            <a:endParaRPr lang="zh-CN" altLang="en-US"/>
-          </a:p>
-        </p:txBody>
-      </p:sp>
-      <p:sp>
-        <p:nvSpPr>
           <p:cNvPr id="32" name="文本框 31"/>
           <p:cNvSpPr txBox="1"/>
           <p:nvPr/>
         </p:nvSpPr>
         <p:spPr>
           <a:xfrm>
-            <a:off x="2826799" y="1320137"/>
-            <a:ext cx="6538402" cy="2492990"/>
+            <a:off x="0" y="1320137"/>
+            <a:ext cx="12192000" cy="2369880"/>
           </a:xfrm>
           <a:prstGeom prst="rect">
             <a:avLst/>
@@ -1205,68 +1163,29 @@
               <a:rPr lang="en-US" altLang="zh-CN" sz="6000" dirty="0"/>
             </a:br>
             <a:r>
-              <a:rPr lang="zh-CN" altLang="en-US" sz="9600" dirty="0">
-                <a:latin typeface="华光美黑_CNKI" panose="02000500000000000000" pitchFamily="2" charset="-122"/>
-                <a:ea typeface="华光美黑_CNKI" panose="02000500000000000000" pitchFamily="2" charset="-122"/>
-              </a:rPr>
-              <a:t>结题汇报</a:t>
-            </a:r>
-            <a:endParaRPr lang="zh-CN" altLang="en-US" sz="6000" b="1" dirty="0">
+              <a:rPr lang="en-US" altLang="zh-CN" sz="8800" dirty="0" err="1">
+                <a:latin typeface="幼圆" panose="02010509060101010101" pitchFamily="49" charset="-122"/>
+                <a:ea typeface="幼圆" panose="02010509060101010101" pitchFamily="49" charset="-122"/>
+              </a:rPr>
+              <a:t>ArceOS</a:t>
+            </a:r>
+            <a:r>
+              <a:rPr lang="zh-CN" altLang="en-US" sz="8800" dirty="0">
+                <a:latin typeface="幼圆" panose="02010509060101010101" pitchFamily="49" charset="-122"/>
+                <a:ea typeface="幼圆" panose="02010509060101010101" pitchFamily="49" charset="-122"/>
+              </a:rPr>
+              <a:t>的完善与优化</a:t>
+            </a:r>
+            <a:endParaRPr lang="zh-CN" altLang="en-US" sz="8800" b="1" dirty="0">
               <a:solidFill>
                 <a:schemeClr val="tx1">
                   <a:lumMod val="65000"/>
                   <a:lumOff val="35000"/>
                 </a:schemeClr>
               </a:solidFill>
-              <a:latin typeface="思源黑体 CN Medium" panose="020B0600000000000000" pitchFamily="34" charset="-122"/>
-              <a:ea typeface="思源黑体 CN Medium" panose="020B0600000000000000" pitchFamily="34" charset="-122"/>
+              <a:latin typeface="幼圆" panose="02010509060101010101" pitchFamily="49" charset="-122"/>
+              <a:ea typeface="幼圆" panose="02010509060101010101" pitchFamily="49" charset="-122"/>
             </a:endParaRPr>
-          </a:p>
-        </p:txBody>
-      </p:sp>
-      <p:sp>
-        <p:nvSpPr>
-          <p:cNvPr id="35" name="椭圆 34"/>
-          <p:cNvSpPr/>
-          <p:nvPr/>
-        </p:nvSpPr>
-        <p:spPr>
-          <a:xfrm>
-            <a:off x="2694741" y="3233939"/>
-            <a:ext cx="194120" cy="194120"/>
-          </a:xfrm>
-          <a:prstGeom prst="ellipse">
-            <a:avLst/>
-          </a:prstGeom>
-          <a:solidFill>
-            <a:srgbClr val="AC4243"/>
-          </a:solidFill>
-          <a:ln>
-            <a:noFill/>
-          </a:ln>
-        </p:spPr>
-        <p:style>
-          <a:lnRef idx="2">
-            <a:schemeClr val="accent1">
-              <a:shade val="50000"/>
-            </a:schemeClr>
-          </a:lnRef>
-          <a:fillRef idx="1">
-            <a:schemeClr val="accent1"/>
-          </a:fillRef>
-          <a:effectRef idx="0">
-            <a:schemeClr val="accent1"/>
-          </a:effectRef>
-          <a:fontRef idx="minor">
-            <a:schemeClr val="lt1"/>
-          </a:fontRef>
-        </p:style>
-        <p:txBody>
-          <a:bodyPr rtlCol="0" anchor="ctr"/>
-          <a:lstStyle/>
-          <a:p>
-            <a:pPr algn="ctr"/>
-            <a:endParaRPr lang="zh-CN" altLang="en-US"/>
           </a:p>
         </p:txBody>
       </p:sp>
@@ -1309,1236 +1228,6 @@
         </p:style>
         <p:txBody>
           <a:bodyPr rtlCol="0" anchor="ctr"/>
-          <a:lstStyle/>
-          <a:p>
-            <a:pPr algn="ctr"/>
-            <a:endParaRPr lang="zh-CN" altLang="en-US"/>
-          </a:p>
-        </p:txBody>
-      </p:sp>
-      <p:sp>
-        <p:nvSpPr>
-          <p:cNvPr id="37" name="椭圆 36"/>
-          <p:cNvSpPr/>
-          <p:nvPr/>
-        </p:nvSpPr>
-        <p:spPr>
-          <a:xfrm>
-            <a:off x="9311862" y="3222590"/>
-            <a:ext cx="194120" cy="194120"/>
-          </a:xfrm>
-          <a:prstGeom prst="ellipse">
-            <a:avLst/>
-          </a:prstGeom>
-          <a:solidFill>
-            <a:srgbClr val="AC4243"/>
-          </a:solidFill>
-          <a:ln>
-            <a:noFill/>
-          </a:ln>
-        </p:spPr>
-        <p:style>
-          <a:lnRef idx="2">
-            <a:schemeClr val="accent1">
-              <a:shade val="50000"/>
-            </a:schemeClr>
-          </a:lnRef>
-          <a:fillRef idx="1">
-            <a:schemeClr val="accent1"/>
-          </a:fillRef>
-          <a:effectRef idx="0">
-            <a:schemeClr val="accent1"/>
-          </a:effectRef>
-          <a:fontRef idx="minor">
-            <a:schemeClr val="lt1"/>
-          </a:fontRef>
-        </p:style>
-        <p:txBody>
-          <a:bodyPr rtlCol="0" anchor="ctr"/>
-          <a:lstStyle/>
-          <a:p>
-            <a:pPr algn="ctr"/>
-            <a:endParaRPr lang="zh-CN" altLang="en-US"/>
-          </a:p>
-        </p:txBody>
-      </p:sp>
-      <p:sp>
-        <p:nvSpPr>
-          <p:cNvPr id="38" name="椭圆 37"/>
-          <p:cNvSpPr/>
-          <p:nvPr/>
-        </p:nvSpPr>
-        <p:spPr>
-          <a:xfrm>
-            <a:off x="9595972" y="3275233"/>
-            <a:ext cx="94318" cy="94318"/>
-          </a:xfrm>
-          <a:prstGeom prst="ellipse">
-            <a:avLst/>
-          </a:prstGeom>
-          <a:solidFill>
-            <a:srgbClr val="AC4243"/>
-          </a:solidFill>
-          <a:ln>
-            <a:noFill/>
-          </a:ln>
-        </p:spPr>
-        <p:style>
-          <a:lnRef idx="2">
-            <a:schemeClr val="accent1">
-              <a:shade val="50000"/>
-            </a:schemeClr>
-          </a:lnRef>
-          <a:fillRef idx="1">
-            <a:schemeClr val="accent1"/>
-          </a:fillRef>
-          <a:effectRef idx="0">
-            <a:schemeClr val="accent1"/>
-          </a:effectRef>
-          <a:fontRef idx="minor">
-            <a:schemeClr val="lt1"/>
-          </a:fontRef>
-        </p:style>
-        <p:txBody>
-          <a:bodyPr rtlCol="0" anchor="ctr"/>
-          <a:lstStyle/>
-          <a:p>
-            <a:pPr algn="ctr"/>
-            <a:endParaRPr lang="zh-CN" altLang="en-US"/>
-          </a:p>
-        </p:txBody>
-      </p:sp>
-      <p:sp>
-        <p:nvSpPr>
-          <p:cNvPr id="40" name="椭圆 39"/>
-          <p:cNvSpPr/>
-          <p:nvPr/>
-        </p:nvSpPr>
-        <p:spPr>
-          <a:xfrm>
-            <a:off x="3344523" y="817902"/>
-            <a:ext cx="356620" cy="356620"/>
-          </a:xfrm>
-          <a:prstGeom prst="ellipse">
-            <a:avLst/>
-          </a:prstGeom>
-          <a:solidFill>
-            <a:srgbClr val="AC4243"/>
-          </a:solidFill>
-          <a:ln>
-            <a:noFill/>
-          </a:ln>
-        </p:spPr>
-        <p:style>
-          <a:lnRef idx="2">
-            <a:schemeClr val="accent1">
-              <a:shade val="50000"/>
-            </a:schemeClr>
-          </a:lnRef>
-          <a:fillRef idx="1">
-            <a:schemeClr val="accent1"/>
-          </a:fillRef>
-          <a:effectRef idx="0">
-            <a:schemeClr val="accent1"/>
-          </a:effectRef>
-          <a:fontRef idx="minor">
-            <a:schemeClr val="lt1"/>
-          </a:fontRef>
-        </p:style>
-        <p:txBody>
-          <a:bodyPr rtlCol="0" anchor="ctr"/>
-          <a:lstStyle/>
-          <a:p>
-            <a:pPr algn="ctr"/>
-            <a:endParaRPr lang="zh-CN" altLang="en-US"/>
-          </a:p>
-        </p:txBody>
-      </p:sp>
-      <p:sp>
-        <p:nvSpPr>
-          <p:cNvPr id="41" name="椭圆 40"/>
-          <p:cNvSpPr/>
-          <p:nvPr/>
-        </p:nvSpPr>
-        <p:spPr>
-          <a:xfrm>
-            <a:off x="1646350" y="5476986"/>
-            <a:ext cx="603363" cy="603363"/>
-          </a:xfrm>
-          <a:prstGeom prst="ellipse">
-            <a:avLst/>
-          </a:prstGeom>
-          <a:solidFill>
-            <a:srgbClr val="AC4243"/>
-          </a:solidFill>
-          <a:ln>
-            <a:noFill/>
-          </a:ln>
-        </p:spPr>
-        <p:style>
-          <a:lnRef idx="2">
-            <a:schemeClr val="accent1">
-              <a:shade val="50000"/>
-            </a:schemeClr>
-          </a:lnRef>
-          <a:fillRef idx="1">
-            <a:schemeClr val="accent1"/>
-          </a:fillRef>
-          <a:effectRef idx="0">
-            <a:schemeClr val="accent1"/>
-          </a:effectRef>
-          <a:fontRef idx="minor">
-            <a:schemeClr val="lt1"/>
-          </a:fontRef>
-        </p:style>
-        <p:txBody>
-          <a:bodyPr rtlCol="0" anchor="ctr"/>
-          <a:lstStyle/>
-          <a:p>
-            <a:pPr algn="ctr"/>
-            <a:endParaRPr lang="zh-CN" altLang="en-US"/>
-          </a:p>
-        </p:txBody>
-      </p:sp>
-      <p:sp>
-        <p:nvSpPr>
-          <p:cNvPr id="42" name="椭圆 41"/>
-          <p:cNvSpPr/>
-          <p:nvPr/>
-        </p:nvSpPr>
-        <p:spPr>
-          <a:xfrm>
-            <a:off x="10333151" y="3059454"/>
-            <a:ext cx="452100" cy="452100"/>
-          </a:xfrm>
-          <a:prstGeom prst="ellipse">
-            <a:avLst/>
-          </a:prstGeom>
-          <a:solidFill>
-            <a:schemeClr val="bg1"/>
-          </a:solidFill>
-          <a:ln>
-            <a:solidFill>
-              <a:srgbClr val="AC4243"/>
-            </a:solidFill>
-          </a:ln>
-        </p:spPr>
-        <p:style>
-          <a:lnRef idx="2">
-            <a:schemeClr val="accent1">
-              <a:shade val="50000"/>
-            </a:schemeClr>
-          </a:lnRef>
-          <a:fillRef idx="1">
-            <a:schemeClr val="accent1"/>
-          </a:fillRef>
-          <a:effectRef idx="0">
-            <a:schemeClr val="accent1"/>
-          </a:effectRef>
-          <a:fontRef idx="minor">
-            <a:schemeClr val="lt1"/>
-          </a:fontRef>
-        </p:style>
-        <p:txBody>
-          <a:bodyPr rtlCol="0" anchor="ctr"/>
-          <a:lstStyle/>
-          <a:p>
-            <a:pPr algn="ctr"/>
-            <a:endParaRPr lang="zh-CN" altLang="en-US"/>
-          </a:p>
-        </p:txBody>
-      </p:sp>
-      <p:sp>
-        <p:nvSpPr>
-          <p:cNvPr id="43" name="椭圆 42"/>
-          <p:cNvSpPr/>
-          <p:nvPr/>
-        </p:nvSpPr>
-        <p:spPr>
-          <a:xfrm>
-            <a:off x="2190637" y="1558131"/>
-            <a:ext cx="153420" cy="153420"/>
-          </a:xfrm>
-          <a:prstGeom prst="ellipse">
-            <a:avLst/>
-          </a:prstGeom>
-          <a:solidFill>
-            <a:srgbClr val="AC4243"/>
-          </a:solidFill>
-          <a:ln>
-            <a:noFill/>
-          </a:ln>
-        </p:spPr>
-        <p:style>
-          <a:lnRef idx="2">
-            <a:schemeClr val="accent1">
-              <a:shade val="50000"/>
-            </a:schemeClr>
-          </a:lnRef>
-          <a:fillRef idx="1">
-            <a:schemeClr val="accent1"/>
-          </a:fillRef>
-          <a:effectRef idx="0">
-            <a:schemeClr val="accent1"/>
-          </a:effectRef>
-          <a:fontRef idx="minor">
-            <a:schemeClr val="lt1"/>
-          </a:fontRef>
-        </p:style>
-        <p:txBody>
-          <a:bodyPr rtlCol="0" anchor="ctr"/>
-          <a:lstStyle/>
-          <a:p>
-            <a:pPr algn="ctr"/>
-            <a:endParaRPr lang="zh-CN" altLang="en-US"/>
-          </a:p>
-        </p:txBody>
-      </p:sp>
-      <p:sp>
-        <p:nvSpPr>
-          <p:cNvPr id="44" name="椭圆 43"/>
-          <p:cNvSpPr/>
-          <p:nvPr/>
-        </p:nvSpPr>
-        <p:spPr>
-          <a:xfrm>
-            <a:off x="8787379" y="1478302"/>
-            <a:ext cx="153420" cy="153420"/>
-          </a:xfrm>
-          <a:prstGeom prst="ellipse">
-            <a:avLst/>
-          </a:prstGeom>
-          <a:solidFill>
-            <a:schemeClr val="bg1">
-              <a:lumMod val="85000"/>
-            </a:schemeClr>
-          </a:solidFill>
-          <a:ln>
-            <a:noFill/>
-          </a:ln>
-        </p:spPr>
-        <p:style>
-          <a:lnRef idx="2">
-            <a:schemeClr val="accent1">
-              <a:shade val="50000"/>
-            </a:schemeClr>
-          </a:lnRef>
-          <a:fillRef idx="1">
-            <a:schemeClr val="accent1"/>
-          </a:fillRef>
-          <a:effectRef idx="0">
-            <a:schemeClr val="accent1"/>
-          </a:effectRef>
-          <a:fontRef idx="minor">
-            <a:schemeClr val="lt1"/>
-          </a:fontRef>
-        </p:style>
-        <p:txBody>
-          <a:bodyPr rtlCol="0" anchor="ctr"/>
-          <a:lstStyle/>
-          <a:p>
-            <a:pPr algn="ctr"/>
-            <a:endParaRPr lang="zh-CN" altLang="en-US"/>
-          </a:p>
-        </p:txBody>
-      </p:sp>
-      <p:sp>
-        <p:nvSpPr>
-          <p:cNvPr id="45" name="任意多边形: 形状 47"/>
-          <p:cNvSpPr/>
-          <p:nvPr/>
-        </p:nvSpPr>
-        <p:spPr>
-          <a:xfrm rot="2001767">
-            <a:off x="10705817" y="1962311"/>
-            <a:ext cx="979224" cy="985205"/>
-          </a:xfrm>
-          <a:custGeom>
-            <a:avLst/>
-            <a:gdLst>
-              <a:gd name="connsiteX0" fmla="*/ 447971 w 1442460"/>
-              <a:gd name="connsiteY0" fmla="*/ 1397101 h 1451272"/>
-              <a:gd name="connsiteX1" fmla="*/ 994490 w 1442460"/>
-              <a:gd name="connsiteY1" fmla="*/ 1397101 h 1451272"/>
-              <a:gd name="connsiteX2" fmla="*/ 867471 w 1442460"/>
-              <a:gd name="connsiteY2" fmla="*/ 1436530 h 1451272"/>
-              <a:gd name="connsiteX3" fmla="*/ 721230 w 1442460"/>
-              <a:gd name="connsiteY3" fmla="*/ 1451272 h 1451272"/>
-              <a:gd name="connsiteX4" fmla="*/ 574989 w 1442460"/>
-              <a:gd name="connsiteY4" fmla="*/ 1436530 h 1451272"/>
-              <a:gd name="connsiteX5" fmla="*/ 209854 w 1442460"/>
-              <a:gd name="connsiteY5" fmla="*/ 1240162 h 1451272"/>
-              <a:gd name="connsiteX6" fmla="*/ 1232607 w 1442460"/>
-              <a:gd name="connsiteY6" fmla="*/ 1240162 h 1451272"/>
-              <a:gd name="connsiteX7" fmla="*/ 1166640 w 1442460"/>
-              <a:gd name="connsiteY7" fmla="*/ 1294590 h 1451272"/>
-              <a:gd name="connsiteX8" fmla="*/ 275821 w 1442460"/>
-              <a:gd name="connsiteY8" fmla="*/ 1294590 h 1451272"/>
-              <a:gd name="connsiteX9" fmla="*/ 93401 w 1442460"/>
-              <a:gd name="connsiteY9" fmla="*/ 1083223 h 1451272"/>
-              <a:gd name="connsiteX10" fmla="*/ 1349059 w 1442460"/>
-              <a:gd name="connsiteY10" fmla="*/ 1083223 h 1451272"/>
-              <a:gd name="connsiteX11" fmla="*/ 1322939 w 1442460"/>
-              <a:gd name="connsiteY11" fmla="*/ 1131346 h 1451272"/>
-              <a:gd name="connsiteX12" fmla="*/ 1317737 w 1442460"/>
-              <a:gd name="connsiteY12" fmla="*/ 1137651 h 1451272"/>
-              <a:gd name="connsiteX13" fmla="*/ 124723 w 1442460"/>
-              <a:gd name="connsiteY13" fmla="*/ 1137651 h 1451272"/>
-              <a:gd name="connsiteX14" fmla="*/ 119521 w 1442460"/>
-              <a:gd name="connsiteY14" fmla="*/ 1131346 h 1451272"/>
-              <a:gd name="connsiteX15" fmla="*/ 27225 w 1442460"/>
-              <a:gd name="connsiteY15" fmla="*/ 926284 h 1451272"/>
-              <a:gd name="connsiteX16" fmla="*/ 1415235 w 1442460"/>
-              <a:gd name="connsiteY16" fmla="*/ 926284 h 1451272"/>
-              <a:gd name="connsiteX17" fmla="*/ 1398340 w 1442460"/>
-              <a:gd name="connsiteY17" fmla="*/ 980712 h 1451272"/>
-              <a:gd name="connsiteX18" fmla="*/ 44121 w 1442460"/>
-              <a:gd name="connsiteY18" fmla="*/ 980712 h 1451272"/>
-              <a:gd name="connsiteX19" fmla="*/ 0 w 1442460"/>
-              <a:gd name="connsiteY19" fmla="*/ 769345 h 1451272"/>
-              <a:gd name="connsiteX20" fmla="*/ 1442460 w 1442460"/>
-              <a:gd name="connsiteY20" fmla="*/ 769345 h 1451272"/>
-              <a:gd name="connsiteX21" fmla="*/ 1436973 w 1442460"/>
-              <a:gd name="connsiteY21" fmla="*/ 823773 h 1451272"/>
-              <a:gd name="connsiteX22" fmla="*/ 5487 w 1442460"/>
-              <a:gd name="connsiteY22" fmla="*/ 823773 h 1451272"/>
-              <a:gd name="connsiteX23" fmla="*/ 7009 w 1442460"/>
-              <a:gd name="connsiteY23" fmla="*/ 612406 h 1451272"/>
-              <a:gd name="connsiteX24" fmla="*/ 1435452 w 1442460"/>
-              <a:gd name="connsiteY24" fmla="*/ 612406 h 1451272"/>
-              <a:gd name="connsiteX25" fmla="*/ 1440939 w 1442460"/>
-              <a:gd name="connsiteY25" fmla="*/ 666834 h 1451272"/>
-              <a:gd name="connsiteX26" fmla="*/ 1522 w 1442460"/>
-              <a:gd name="connsiteY26" fmla="*/ 666834 h 1451272"/>
-              <a:gd name="connsiteX27" fmla="*/ 48806 w 1442460"/>
-              <a:gd name="connsiteY27" fmla="*/ 455467 h 1451272"/>
-              <a:gd name="connsiteX28" fmla="*/ 1393655 w 1442460"/>
-              <a:gd name="connsiteY28" fmla="*/ 455467 h 1451272"/>
-              <a:gd name="connsiteX29" fmla="*/ 1410550 w 1442460"/>
-              <a:gd name="connsiteY29" fmla="*/ 509895 h 1451272"/>
-              <a:gd name="connsiteX30" fmla="*/ 31911 w 1442460"/>
-              <a:gd name="connsiteY30" fmla="*/ 509895 h 1451272"/>
-              <a:gd name="connsiteX31" fmla="*/ 137176 w 1442460"/>
-              <a:gd name="connsiteY31" fmla="*/ 298528 h 1451272"/>
-              <a:gd name="connsiteX32" fmla="*/ 1305284 w 1442460"/>
-              <a:gd name="connsiteY32" fmla="*/ 298528 h 1451272"/>
-              <a:gd name="connsiteX33" fmla="*/ 1322939 w 1442460"/>
-              <a:gd name="connsiteY33" fmla="*/ 319926 h 1451272"/>
-              <a:gd name="connsiteX34" fmla="*/ 1340867 w 1442460"/>
-              <a:gd name="connsiteY34" fmla="*/ 352956 h 1451272"/>
-              <a:gd name="connsiteX35" fmla="*/ 101593 w 1442460"/>
-              <a:gd name="connsiteY35" fmla="*/ 352956 h 1451272"/>
-              <a:gd name="connsiteX36" fmla="*/ 119521 w 1442460"/>
-              <a:gd name="connsiteY36" fmla="*/ 319926 h 1451272"/>
-              <a:gd name="connsiteX37" fmla="*/ 294114 w 1442460"/>
-              <a:gd name="connsiteY37" fmla="*/ 141589 h 1451272"/>
-              <a:gd name="connsiteX38" fmla="*/ 1148347 w 1442460"/>
-              <a:gd name="connsiteY38" fmla="*/ 141589 h 1451272"/>
-              <a:gd name="connsiteX39" fmla="*/ 1214314 w 1442460"/>
-              <a:gd name="connsiteY39" fmla="*/ 196017 h 1451272"/>
-              <a:gd name="connsiteX40" fmla="*/ 228147 w 1442460"/>
-              <a:gd name="connsiteY40" fmla="*/ 196017 h 1451272"/>
-              <a:gd name="connsiteX41" fmla="*/ 721230 w 1442460"/>
-              <a:gd name="connsiteY41" fmla="*/ 0 h 1451272"/>
-              <a:gd name="connsiteX42" fmla="*/ 867471 w 1442460"/>
-              <a:gd name="connsiteY42" fmla="*/ 14742 h 1451272"/>
-              <a:gd name="connsiteX43" fmla="*/ 945868 w 1442460"/>
-              <a:gd name="connsiteY43" fmla="*/ 39078 h 1451272"/>
-              <a:gd name="connsiteX44" fmla="*/ 496593 w 1442460"/>
-              <a:gd name="connsiteY44" fmla="*/ 39078 h 1451272"/>
-              <a:gd name="connsiteX45" fmla="*/ 574989 w 1442460"/>
-              <a:gd name="connsiteY45" fmla="*/ 14742 h 1451272"/>
-              <a:gd name="connsiteX46" fmla="*/ 721230 w 1442460"/>
-              <a:gd name="connsiteY46" fmla="*/ 0 h 1451272"/>
-            </a:gdLst>
-            <a:ahLst/>
-            <a:cxnLst>
-              <a:cxn ang="0">
-                <a:pos x="connsiteX0" y="connsiteY0"/>
-              </a:cxn>
-              <a:cxn ang="0">
-                <a:pos x="connsiteX1" y="connsiteY1"/>
-              </a:cxn>
-              <a:cxn ang="0">
-                <a:pos x="connsiteX2" y="connsiteY2"/>
-              </a:cxn>
-              <a:cxn ang="0">
-                <a:pos x="connsiteX3" y="connsiteY3"/>
-              </a:cxn>
-              <a:cxn ang="0">
-                <a:pos x="connsiteX4" y="connsiteY4"/>
-              </a:cxn>
-              <a:cxn ang="0">
-                <a:pos x="connsiteX5" y="connsiteY5"/>
-              </a:cxn>
-              <a:cxn ang="0">
-                <a:pos x="connsiteX6" y="connsiteY6"/>
-              </a:cxn>
-              <a:cxn ang="0">
-                <a:pos x="connsiteX7" y="connsiteY7"/>
-              </a:cxn>
-              <a:cxn ang="0">
-                <a:pos x="connsiteX8" y="connsiteY8"/>
-              </a:cxn>
-              <a:cxn ang="0">
-                <a:pos x="connsiteX9" y="connsiteY9"/>
-              </a:cxn>
-              <a:cxn ang="0">
-                <a:pos x="connsiteX10" y="connsiteY10"/>
-              </a:cxn>
-              <a:cxn ang="0">
-                <a:pos x="connsiteX11" y="connsiteY11"/>
-              </a:cxn>
-              <a:cxn ang="0">
-                <a:pos x="connsiteX12" y="connsiteY12"/>
-              </a:cxn>
-              <a:cxn ang="0">
-                <a:pos x="connsiteX13" y="connsiteY13"/>
-              </a:cxn>
-              <a:cxn ang="0">
-                <a:pos x="connsiteX14" y="connsiteY14"/>
-              </a:cxn>
-              <a:cxn ang="0">
-                <a:pos x="connsiteX15" y="connsiteY15"/>
-              </a:cxn>
-              <a:cxn ang="0">
-                <a:pos x="connsiteX16" y="connsiteY16"/>
-              </a:cxn>
-              <a:cxn ang="0">
-                <a:pos x="connsiteX17" y="connsiteY17"/>
-              </a:cxn>
-              <a:cxn ang="0">
-                <a:pos x="connsiteX18" y="connsiteY18"/>
-              </a:cxn>
-              <a:cxn ang="0">
-                <a:pos x="connsiteX19" y="connsiteY19"/>
-              </a:cxn>
-              <a:cxn ang="0">
-                <a:pos x="connsiteX20" y="connsiteY20"/>
-              </a:cxn>
-              <a:cxn ang="0">
-                <a:pos x="connsiteX21" y="connsiteY21"/>
-              </a:cxn>
-              <a:cxn ang="0">
-                <a:pos x="connsiteX22" y="connsiteY22"/>
-              </a:cxn>
-              <a:cxn ang="0">
-                <a:pos x="connsiteX23" y="connsiteY23"/>
-              </a:cxn>
-              <a:cxn ang="0">
-                <a:pos x="connsiteX24" y="connsiteY24"/>
-              </a:cxn>
-              <a:cxn ang="0">
-                <a:pos x="connsiteX25" y="connsiteY25"/>
-              </a:cxn>
-              <a:cxn ang="0">
-                <a:pos x="connsiteX26" y="connsiteY26"/>
-              </a:cxn>
-              <a:cxn ang="0">
-                <a:pos x="connsiteX27" y="connsiteY27"/>
-              </a:cxn>
-              <a:cxn ang="0">
-                <a:pos x="connsiteX28" y="connsiteY28"/>
-              </a:cxn>
-              <a:cxn ang="0">
-                <a:pos x="connsiteX29" y="connsiteY29"/>
-              </a:cxn>
-              <a:cxn ang="0">
-                <a:pos x="connsiteX30" y="connsiteY30"/>
-              </a:cxn>
-              <a:cxn ang="0">
-                <a:pos x="connsiteX31" y="connsiteY31"/>
-              </a:cxn>
-              <a:cxn ang="0">
-                <a:pos x="connsiteX32" y="connsiteY32"/>
-              </a:cxn>
-              <a:cxn ang="0">
-                <a:pos x="connsiteX33" y="connsiteY33"/>
-              </a:cxn>
-              <a:cxn ang="0">
-                <a:pos x="connsiteX34" y="connsiteY34"/>
-              </a:cxn>
-              <a:cxn ang="0">
-                <a:pos x="connsiteX35" y="connsiteY35"/>
-              </a:cxn>
-              <a:cxn ang="0">
-                <a:pos x="connsiteX36" y="connsiteY36"/>
-              </a:cxn>
-              <a:cxn ang="0">
-                <a:pos x="connsiteX37" y="connsiteY37"/>
-              </a:cxn>
-              <a:cxn ang="0">
-                <a:pos x="connsiteX38" y="connsiteY38"/>
-              </a:cxn>
-              <a:cxn ang="0">
-                <a:pos x="connsiteX39" y="connsiteY39"/>
-              </a:cxn>
-              <a:cxn ang="0">
-                <a:pos x="connsiteX40" y="connsiteY40"/>
-              </a:cxn>
-              <a:cxn ang="0">
-                <a:pos x="connsiteX41" y="connsiteY41"/>
-              </a:cxn>
-              <a:cxn ang="0">
-                <a:pos x="connsiteX42" y="connsiteY42"/>
-              </a:cxn>
-              <a:cxn ang="0">
-                <a:pos x="connsiteX43" y="connsiteY43"/>
-              </a:cxn>
-              <a:cxn ang="0">
-                <a:pos x="connsiteX44" y="connsiteY44"/>
-              </a:cxn>
-              <a:cxn ang="0">
-                <a:pos x="connsiteX45" y="connsiteY45"/>
-              </a:cxn>
-              <a:cxn ang="0">
-                <a:pos x="connsiteX46" y="connsiteY46"/>
-              </a:cxn>
-            </a:cxnLst>
-            <a:rect l="l" t="t" r="r" b="b"/>
-            <a:pathLst>
-              <a:path w="1442460" h="1451272">
-                <a:moveTo>
-                  <a:pt x="447971" y="1397101"/>
-                </a:moveTo>
-                <a:lnTo>
-                  <a:pt x="994490" y="1397101"/>
-                </a:lnTo>
-                <a:lnTo>
-                  <a:pt x="867471" y="1436530"/>
-                </a:lnTo>
-                <a:cubicBezTo>
-                  <a:pt x="820234" y="1446196"/>
-                  <a:pt x="771325" y="1451272"/>
-                  <a:pt x="721230" y="1451272"/>
-                </a:cubicBezTo>
-                <a:cubicBezTo>
-                  <a:pt x="671136" y="1451272"/>
-                  <a:pt x="622226" y="1446196"/>
-                  <a:pt x="574989" y="1436530"/>
-                </a:cubicBezTo>
-                <a:close/>
-                <a:moveTo>
-                  <a:pt x="209854" y="1240162"/>
-                </a:moveTo>
-                <a:lnTo>
-                  <a:pt x="1232607" y="1240162"/>
-                </a:lnTo>
-                <a:lnTo>
-                  <a:pt x="1166640" y="1294590"/>
-                </a:lnTo>
-                <a:lnTo>
-                  <a:pt x="275821" y="1294590"/>
-                </a:lnTo>
-                <a:close/>
-                <a:moveTo>
-                  <a:pt x="93401" y="1083223"/>
-                </a:moveTo>
-                <a:lnTo>
-                  <a:pt x="1349059" y="1083223"/>
-                </a:lnTo>
-                <a:lnTo>
-                  <a:pt x="1322939" y="1131346"/>
-                </a:lnTo>
-                <a:lnTo>
-                  <a:pt x="1317737" y="1137651"/>
-                </a:lnTo>
-                <a:lnTo>
-                  <a:pt x="124723" y="1137651"/>
-                </a:lnTo>
-                <a:lnTo>
-                  <a:pt x="119521" y="1131346"/>
-                </a:lnTo>
-                <a:close/>
-                <a:moveTo>
-                  <a:pt x="27225" y="926284"/>
-                </a:moveTo>
-                <a:lnTo>
-                  <a:pt x="1415235" y="926284"/>
-                </a:lnTo>
-                <a:lnTo>
-                  <a:pt x="1398340" y="980712"/>
-                </a:lnTo>
-                <a:lnTo>
-                  <a:pt x="44121" y="980712"/>
-                </a:lnTo>
-                <a:close/>
-                <a:moveTo>
-                  <a:pt x="0" y="769345"/>
-                </a:moveTo>
-                <a:lnTo>
-                  <a:pt x="1442460" y="769345"/>
-                </a:lnTo>
-                <a:lnTo>
-                  <a:pt x="1436973" y="823773"/>
-                </a:lnTo>
-                <a:lnTo>
-                  <a:pt x="5487" y="823773"/>
-                </a:lnTo>
-                <a:close/>
-                <a:moveTo>
-                  <a:pt x="7009" y="612406"/>
-                </a:moveTo>
-                <a:lnTo>
-                  <a:pt x="1435452" y="612406"/>
-                </a:lnTo>
-                <a:lnTo>
-                  <a:pt x="1440939" y="666834"/>
-                </a:lnTo>
-                <a:lnTo>
-                  <a:pt x="1522" y="666834"/>
-                </a:lnTo>
-                <a:close/>
-                <a:moveTo>
-                  <a:pt x="48806" y="455467"/>
-                </a:moveTo>
-                <a:lnTo>
-                  <a:pt x="1393655" y="455467"/>
-                </a:lnTo>
-                <a:lnTo>
-                  <a:pt x="1410550" y="509895"/>
-                </a:lnTo>
-                <a:lnTo>
-                  <a:pt x="31911" y="509895"/>
-                </a:lnTo>
-                <a:close/>
-                <a:moveTo>
-                  <a:pt x="137176" y="298528"/>
-                </a:moveTo>
-                <a:lnTo>
-                  <a:pt x="1305284" y="298528"/>
-                </a:lnTo>
-                <a:lnTo>
-                  <a:pt x="1322939" y="319926"/>
-                </a:lnTo>
-                <a:lnTo>
-                  <a:pt x="1340867" y="352956"/>
-                </a:lnTo>
-                <a:lnTo>
-                  <a:pt x="101593" y="352956"/>
-                </a:lnTo>
-                <a:lnTo>
-                  <a:pt x="119521" y="319926"/>
-                </a:lnTo>
-                <a:close/>
-                <a:moveTo>
-                  <a:pt x="294114" y="141589"/>
-                </a:moveTo>
-                <a:lnTo>
-                  <a:pt x="1148347" y="141589"/>
-                </a:lnTo>
-                <a:lnTo>
-                  <a:pt x="1214314" y="196017"/>
-                </a:lnTo>
-                <a:lnTo>
-                  <a:pt x="228147" y="196017"/>
-                </a:lnTo>
-                <a:close/>
-                <a:moveTo>
-                  <a:pt x="721230" y="0"/>
-                </a:moveTo>
-                <a:cubicBezTo>
-                  <a:pt x="771325" y="0"/>
-                  <a:pt x="820234" y="5076"/>
-                  <a:pt x="867471" y="14742"/>
-                </a:cubicBezTo>
-                <a:lnTo>
-                  <a:pt x="945868" y="39078"/>
-                </a:lnTo>
-                <a:lnTo>
-                  <a:pt x="496593" y="39078"/>
-                </a:lnTo>
-                <a:lnTo>
-                  <a:pt x="574989" y="14742"/>
-                </a:lnTo>
-                <a:cubicBezTo>
-                  <a:pt x="622226" y="5076"/>
-                  <a:pt x="671136" y="0"/>
-                  <a:pt x="721230" y="0"/>
-                </a:cubicBezTo>
-                <a:close/>
-              </a:path>
-            </a:pathLst>
-          </a:custGeom>
-          <a:solidFill>
-            <a:srgbClr val="AC4243"/>
-          </a:solidFill>
-          <a:ln>
-            <a:noFill/>
-          </a:ln>
-        </p:spPr>
-        <p:style>
-          <a:lnRef idx="2">
-            <a:schemeClr val="accent1">
-              <a:shade val="50000"/>
-            </a:schemeClr>
-          </a:lnRef>
-          <a:fillRef idx="1">
-            <a:schemeClr val="accent1"/>
-          </a:fillRef>
-          <a:effectRef idx="0">
-            <a:schemeClr val="accent1"/>
-          </a:effectRef>
-          <a:fontRef idx="minor">
-            <a:schemeClr val="lt1"/>
-          </a:fontRef>
-        </p:style>
-        <p:txBody>
-          <a:bodyPr wrap="square" rtlCol="0" anchor="ctr">
-            <a:noAutofit/>
-          </a:bodyPr>
-          <a:lstStyle/>
-          <a:p>
-            <a:pPr algn="ctr"/>
-            <a:endParaRPr lang="zh-CN" altLang="en-US"/>
-          </a:p>
-        </p:txBody>
-      </p:sp>
-      <p:sp>
-        <p:nvSpPr>
-          <p:cNvPr id="46" name="任意多边形: 形状 49"/>
-          <p:cNvSpPr/>
-          <p:nvPr/>
-        </p:nvSpPr>
-        <p:spPr>
-          <a:xfrm rot="2001767">
-            <a:off x="8342563" y="399356"/>
-            <a:ext cx="471236" cy="474114"/>
-          </a:xfrm>
-          <a:custGeom>
-            <a:avLst/>
-            <a:gdLst>
-              <a:gd name="connsiteX0" fmla="*/ 447971 w 1442460"/>
-              <a:gd name="connsiteY0" fmla="*/ 1397101 h 1451272"/>
-              <a:gd name="connsiteX1" fmla="*/ 994490 w 1442460"/>
-              <a:gd name="connsiteY1" fmla="*/ 1397101 h 1451272"/>
-              <a:gd name="connsiteX2" fmla="*/ 867471 w 1442460"/>
-              <a:gd name="connsiteY2" fmla="*/ 1436530 h 1451272"/>
-              <a:gd name="connsiteX3" fmla="*/ 721230 w 1442460"/>
-              <a:gd name="connsiteY3" fmla="*/ 1451272 h 1451272"/>
-              <a:gd name="connsiteX4" fmla="*/ 574989 w 1442460"/>
-              <a:gd name="connsiteY4" fmla="*/ 1436530 h 1451272"/>
-              <a:gd name="connsiteX5" fmla="*/ 209854 w 1442460"/>
-              <a:gd name="connsiteY5" fmla="*/ 1240162 h 1451272"/>
-              <a:gd name="connsiteX6" fmla="*/ 1232607 w 1442460"/>
-              <a:gd name="connsiteY6" fmla="*/ 1240162 h 1451272"/>
-              <a:gd name="connsiteX7" fmla="*/ 1166640 w 1442460"/>
-              <a:gd name="connsiteY7" fmla="*/ 1294590 h 1451272"/>
-              <a:gd name="connsiteX8" fmla="*/ 275821 w 1442460"/>
-              <a:gd name="connsiteY8" fmla="*/ 1294590 h 1451272"/>
-              <a:gd name="connsiteX9" fmla="*/ 93401 w 1442460"/>
-              <a:gd name="connsiteY9" fmla="*/ 1083223 h 1451272"/>
-              <a:gd name="connsiteX10" fmla="*/ 1349059 w 1442460"/>
-              <a:gd name="connsiteY10" fmla="*/ 1083223 h 1451272"/>
-              <a:gd name="connsiteX11" fmla="*/ 1322939 w 1442460"/>
-              <a:gd name="connsiteY11" fmla="*/ 1131346 h 1451272"/>
-              <a:gd name="connsiteX12" fmla="*/ 1317737 w 1442460"/>
-              <a:gd name="connsiteY12" fmla="*/ 1137651 h 1451272"/>
-              <a:gd name="connsiteX13" fmla="*/ 124723 w 1442460"/>
-              <a:gd name="connsiteY13" fmla="*/ 1137651 h 1451272"/>
-              <a:gd name="connsiteX14" fmla="*/ 119521 w 1442460"/>
-              <a:gd name="connsiteY14" fmla="*/ 1131346 h 1451272"/>
-              <a:gd name="connsiteX15" fmla="*/ 27225 w 1442460"/>
-              <a:gd name="connsiteY15" fmla="*/ 926284 h 1451272"/>
-              <a:gd name="connsiteX16" fmla="*/ 1415235 w 1442460"/>
-              <a:gd name="connsiteY16" fmla="*/ 926284 h 1451272"/>
-              <a:gd name="connsiteX17" fmla="*/ 1398340 w 1442460"/>
-              <a:gd name="connsiteY17" fmla="*/ 980712 h 1451272"/>
-              <a:gd name="connsiteX18" fmla="*/ 44121 w 1442460"/>
-              <a:gd name="connsiteY18" fmla="*/ 980712 h 1451272"/>
-              <a:gd name="connsiteX19" fmla="*/ 0 w 1442460"/>
-              <a:gd name="connsiteY19" fmla="*/ 769345 h 1451272"/>
-              <a:gd name="connsiteX20" fmla="*/ 1442460 w 1442460"/>
-              <a:gd name="connsiteY20" fmla="*/ 769345 h 1451272"/>
-              <a:gd name="connsiteX21" fmla="*/ 1436973 w 1442460"/>
-              <a:gd name="connsiteY21" fmla="*/ 823773 h 1451272"/>
-              <a:gd name="connsiteX22" fmla="*/ 5487 w 1442460"/>
-              <a:gd name="connsiteY22" fmla="*/ 823773 h 1451272"/>
-              <a:gd name="connsiteX23" fmla="*/ 7009 w 1442460"/>
-              <a:gd name="connsiteY23" fmla="*/ 612406 h 1451272"/>
-              <a:gd name="connsiteX24" fmla="*/ 1435452 w 1442460"/>
-              <a:gd name="connsiteY24" fmla="*/ 612406 h 1451272"/>
-              <a:gd name="connsiteX25" fmla="*/ 1440939 w 1442460"/>
-              <a:gd name="connsiteY25" fmla="*/ 666834 h 1451272"/>
-              <a:gd name="connsiteX26" fmla="*/ 1522 w 1442460"/>
-              <a:gd name="connsiteY26" fmla="*/ 666834 h 1451272"/>
-              <a:gd name="connsiteX27" fmla="*/ 48806 w 1442460"/>
-              <a:gd name="connsiteY27" fmla="*/ 455467 h 1451272"/>
-              <a:gd name="connsiteX28" fmla="*/ 1393655 w 1442460"/>
-              <a:gd name="connsiteY28" fmla="*/ 455467 h 1451272"/>
-              <a:gd name="connsiteX29" fmla="*/ 1410550 w 1442460"/>
-              <a:gd name="connsiteY29" fmla="*/ 509895 h 1451272"/>
-              <a:gd name="connsiteX30" fmla="*/ 31911 w 1442460"/>
-              <a:gd name="connsiteY30" fmla="*/ 509895 h 1451272"/>
-              <a:gd name="connsiteX31" fmla="*/ 137176 w 1442460"/>
-              <a:gd name="connsiteY31" fmla="*/ 298528 h 1451272"/>
-              <a:gd name="connsiteX32" fmla="*/ 1305284 w 1442460"/>
-              <a:gd name="connsiteY32" fmla="*/ 298528 h 1451272"/>
-              <a:gd name="connsiteX33" fmla="*/ 1322939 w 1442460"/>
-              <a:gd name="connsiteY33" fmla="*/ 319926 h 1451272"/>
-              <a:gd name="connsiteX34" fmla="*/ 1340867 w 1442460"/>
-              <a:gd name="connsiteY34" fmla="*/ 352956 h 1451272"/>
-              <a:gd name="connsiteX35" fmla="*/ 101593 w 1442460"/>
-              <a:gd name="connsiteY35" fmla="*/ 352956 h 1451272"/>
-              <a:gd name="connsiteX36" fmla="*/ 119521 w 1442460"/>
-              <a:gd name="connsiteY36" fmla="*/ 319926 h 1451272"/>
-              <a:gd name="connsiteX37" fmla="*/ 294114 w 1442460"/>
-              <a:gd name="connsiteY37" fmla="*/ 141589 h 1451272"/>
-              <a:gd name="connsiteX38" fmla="*/ 1148347 w 1442460"/>
-              <a:gd name="connsiteY38" fmla="*/ 141589 h 1451272"/>
-              <a:gd name="connsiteX39" fmla="*/ 1214314 w 1442460"/>
-              <a:gd name="connsiteY39" fmla="*/ 196017 h 1451272"/>
-              <a:gd name="connsiteX40" fmla="*/ 228147 w 1442460"/>
-              <a:gd name="connsiteY40" fmla="*/ 196017 h 1451272"/>
-              <a:gd name="connsiteX41" fmla="*/ 721230 w 1442460"/>
-              <a:gd name="connsiteY41" fmla="*/ 0 h 1451272"/>
-              <a:gd name="connsiteX42" fmla="*/ 867471 w 1442460"/>
-              <a:gd name="connsiteY42" fmla="*/ 14742 h 1451272"/>
-              <a:gd name="connsiteX43" fmla="*/ 945868 w 1442460"/>
-              <a:gd name="connsiteY43" fmla="*/ 39078 h 1451272"/>
-              <a:gd name="connsiteX44" fmla="*/ 496593 w 1442460"/>
-              <a:gd name="connsiteY44" fmla="*/ 39078 h 1451272"/>
-              <a:gd name="connsiteX45" fmla="*/ 574989 w 1442460"/>
-              <a:gd name="connsiteY45" fmla="*/ 14742 h 1451272"/>
-              <a:gd name="connsiteX46" fmla="*/ 721230 w 1442460"/>
-              <a:gd name="connsiteY46" fmla="*/ 0 h 1451272"/>
-            </a:gdLst>
-            <a:ahLst/>
-            <a:cxnLst>
-              <a:cxn ang="0">
-                <a:pos x="connsiteX0" y="connsiteY0"/>
-              </a:cxn>
-              <a:cxn ang="0">
-                <a:pos x="connsiteX1" y="connsiteY1"/>
-              </a:cxn>
-              <a:cxn ang="0">
-                <a:pos x="connsiteX2" y="connsiteY2"/>
-              </a:cxn>
-              <a:cxn ang="0">
-                <a:pos x="connsiteX3" y="connsiteY3"/>
-              </a:cxn>
-              <a:cxn ang="0">
-                <a:pos x="connsiteX4" y="connsiteY4"/>
-              </a:cxn>
-              <a:cxn ang="0">
-                <a:pos x="connsiteX5" y="connsiteY5"/>
-              </a:cxn>
-              <a:cxn ang="0">
-                <a:pos x="connsiteX6" y="connsiteY6"/>
-              </a:cxn>
-              <a:cxn ang="0">
-                <a:pos x="connsiteX7" y="connsiteY7"/>
-              </a:cxn>
-              <a:cxn ang="0">
-                <a:pos x="connsiteX8" y="connsiteY8"/>
-              </a:cxn>
-              <a:cxn ang="0">
-                <a:pos x="connsiteX9" y="connsiteY9"/>
-              </a:cxn>
-              <a:cxn ang="0">
-                <a:pos x="connsiteX10" y="connsiteY10"/>
-              </a:cxn>
-              <a:cxn ang="0">
-                <a:pos x="connsiteX11" y="connsiteY11"/>
-              </a:cxn>
-              <a:cxn ang="0">
-                <a:pos x="connsiteX12" y="connsiteY12"/>
-              </a:cxn>
-              <a:cxn ang="0">
-                <a:pos x="connsiteX13" y="connsiteY13"/>
-              </a:cxn>
-              <a:cxn ang="0">
-                <a:pos x="connsiteX14" y="connsiteY14"/>
-              </a:cxn>
-              <a:cxn ang="0">
-                <a:pos x="connsiteX15" y="connsiteY15"/>
-              </a:cxn>
-              <a:cxn ang="0">
-                <a:pos x="connsiteX16" y="connsiteY16"/>
-              </a:cxn>
-              <a:cxn ang="0">
-                <a:pos x="connsiteX17" y="connsiteY17"/>
-              </a:cxn>
-              <a:cxn ang="0">
-                <a:pos x="connsiteX18" y="connsiteY18"/>
-              </a:cxn>
-              <a:cxn ang="0">
-                <a:pos x="connsiteX19" y="connsiteY19"/>
-              </a:cxn>
-              <a:cxn ang="0">
-                <a:pos x="connsiteX20" y="connsiteY20"/>
-              </a:cxn>
-              <a:cxn ang="0">
-                <a:pos x="connsiteX21" y="connsiteY21"/>
-              </a:cxn>
-              <a:cxn ang="0">
-                <a:pos x="connsiteX22" y="connsiteY22"/>
-              </a:cxn>
-              <a:cxn ang="0">
-                <a:pos x="connsiteX23" y="connsiteY23"/>
-              </a:cxn>
-              <a:cxn ang="0">
-                <a:pos x="connsiteX24" y="connsiteY24"/>
-              </a:cxn>
-              <a:cxn ang="0">
-                <a:pos x="connsiteX25" y="connsiteY25"/>
-              </a:cxn>
-              <a:cxn ang="0">
-                <a:pos x="connsiteX26" y="connsiteY26"/>
-              </a:cxn>
-              <a:cxn ang="0">
-                <a:pos x="connsiteX27" y="connsiteY27"/>
-              </a:cxn>
-              <a:cxn ang="0">
-                <a:pos x="connsiteX28" y="connsiteY28"/>
-              </a:cxn>
-              <a:cxn ang="0">
-                <a:pos x="connsiteX29" y="connsiteY29"/>
-              </a:cxn>
-              <a:cxn ang="0">
-                <a:pos x="connsiteX30" y="connsiteY30"/>
-              </a:cxn>
-              <a:cxn ang="0">
-                <a:pos x="connsiteX31" y="connsiteY31"/>
-              </a:cxn>
-              <a:cxn ang="0">
-                <a:pos x="connsiteX32" y="connsiteY32"/>
-              </a:cxn>
-              <a:cxn ang="0">
-                <a:pos x="connsiteX33" y="connsiteY33"/>
-              </a:cxn>
-              <a:cxn ang="0">
-                <a:pos x="connsiteX34" y="connsiteY34"/>
-              </a:cxn>
-              <a:cxn ang="0">
-                <a:pos x="connsiteX35" y="connsiteY35"/>
-              </a:cxn>
-              <a:cxn ang="0">
-                <a:pos x="connsiteX36" y="connsiteY36"/>
-              </a:cxn>
-              <a:cxn ang="0">
-                <a:pos x="connsiteX37" y="connsiteY37"/>
-              </a:cxn>
-              <a:cxn ang="0">
-                <a:pos x="connsiteX38" y="connsiteY38"/>
-              </a:cxn>
-              <a:cxn ang="0">
-                <a:pos x="connsiteX39" y="connsiteY39"/>
-              </a:cxn>
-              <a:cxn ang="0">
-                <a:pos x="connsiteX40" y="connsiteY40"/>
-              </a:cxn>
-              <a:cxn ang="0">
-                <a:pos x="connsiteX41" y="connsiteY41"/>
-              </a:cxn>
-              <a:cxn ang="0">
-                <a:pos x="connsiteX42" y="connsiteY42"/>
-              </a:cxn>
-              <a:cxn ang="0">
-                <a:pos x="connsiteX43" y="connsiteY43"/>
-              </a:cxn>
-              <a:cxn ang="0">
-                <a:pos x="connsiteX44" y="connsiteY44"/>
-              </a:cxn>
-              <a:cxn ang="0">
-                <a:pos x="connsiteX45" y="connsiteY45"/>
-              </a:cxn>
-              <a:cxn ang="0">
-                <a:pos x="connsiteX46" y="connsiteY46"/>
-              </a:cxn>
-            </a:cxnLst>
-            <a:rect l="l" t="t" r="r" b="b"/>
-            <a:pathLst>
-              <a:path w="1442460" h="1451272">
-                <a:moveTo>
-                  <a:pt x="447971" y="1397101"/>
-                </a:moveTo>
-                <a:lnTo>
-                  <a:pt x="994490" y="1397101"/>
-                </a:lnTo>
-                <a:lnTo>
-                  <a:pt x="867471" y="1436530"/>
-                </a:lnTo>
-                <a:cubicBezTo>
-                  <a:pt x="820234" y="1446196"/>
-                  <a:pt x="771325" y="1451272"/>
-                  <a:pt x="721230" y="1451272"/>
-                </a:cubicBezTo>
-                <a:cubicBezTo>
-                  <a:pt x="671136" y="1451272"/>
-                  <a:pt x="622226" y="1446196"/>
-                  <a:pt x="574989" y="1436530"/>
-                </a:cubicBezTo>
-                <a:close/>
-                <a:moveTo>
-                  <a:pt x="209854" y="1240162"/>
-                </a:moveTo>
-                <a:lnTo>
-                  <a:pt x="1232607" y="1240162"/>
-                </a:lnTo>
-                <a:lnTo>
-                  <a:pt x="1166640" y="1294590"/>
-                </a:lnTo>
-                <a:lnTo>
-                  <a:pt x="275821" y="1294590"/>
-                </a:lnTo>
-                <a:close/>
-                <a:moveTo>
-                  <a:pt x="93401" y="1083223"/>
-                </a:moveTo>
-                <a:lnTo>
-                  <a:pt x="1349059" y="1083223"/>
-                </a:lnTo>
-                <a:lnTo>
-                  <a:pt x="1322939" y="1131346"/>
-                </a:lnTo>
-                <a:lnTo>
-                  <a:pt x="1317737" y="1137651"/>
-                </a:lnTo>
-                <a:lnTo>
-                  <a:pt x="124723" y="1137651"/>
-                </a:lnTo>
-                <a:lnTo>
-                  <a:pt x="119521" y="1131346"/>
-                </a:lnTo>
-                <a:close/>
-                <a:moveTo>
-                  <a:pt x="27225" y="926284"/>
-                </a:moveTo>
-                <a:lnTo>
-                  <a:pt x="1415235" y="926284"/>
-                </a:lnTo>
-                <a:lnTo>
-                  <a:pt x="1398340" y="980712"/>
-                </a:lnTo>
-                <a:lnTo>
-                  <a:pt x="44121" y="980712"/>
-                </a:lnTo>
-                <a:close/>
-                <a:moveTo>
-                  <a:pt x="0" y="769345"/>
-                </a:moveTo>
-                <a:lnTo>
-                  <a:pt x="1442460" y="769345"/>
-                </a:lnTo>
-                <a:lnTo>
-                  <a:pt x="1436973" y="823773"/>
-                </a:lnTo>
-                <a:lnTo>
-                  <a:pt x="5487" y="823773"/>
-                </a:lnTo>
-                <a:close/>
-                <a:moveTo>
-                  <a:pt x="7009" y="612406"/>
-                </a:moveTo>
-                <a:lnTo>
-                  <a:pt x="1435452" y="612406"/>
-                </a:lnTo>
-                <a:lnTo>
-                  <a:pt x="1440939" y="666834"/>
-                </a:lnTo>
-                <a:lnTo>
-                  <a:pt x="1522" y="666834"/>
-                </a:lnTo>
-                <a:close/>
-                <a:moveTo>
-                  <a:pt x="48806" y="455467"/>
-                </a:moveTo>
-                <a:lnTo>
-                  <a:pt x="1393655" y="455467"/>
-                </a:lnTo>
-                <a:lnTo>
-                  <a:pt x="1410550" y="509895"/>
-                </a:lnTo>
-                <a:lnTo>
-                  <a:pt x="31911" y="509895"/>
-                </a:lnTo>
-                <a:close/>
-                <a:moveTo>
-                  <a:pt x="137176" y="298528"/>
-                </a:moveTo>
-                <a:lnTo>
-                  <a:pt x="1305284" y="298528"/>
-                </a:lnTo>
-                <a:lnTo>
-                  <a:pt x="1322939" y="319926"/>
-                </a:lnTo>
-                <a:lnTo>
-                  <a:pt x="1340867" y="352956"/>
-                </a:lnTo>
-                <a:lnTo>
-                  <a:pt x="101593" y="352956"/>
-                </a:lnTo>
-                <a:lnTo>
-                  <a:pt x="119521" y="319926"/>
-                </a:lnTo>
-                <a:close/>
-                <a:moveTo>
-                  <a:pt x="294114" y="141589"/>
-                </a:moveTo>
-                <a:lnTo>
-                  <a:pt x="1148347" y="141589"/>
-                </a:lnTo>
-                <a:lnTo>
-                  <a:pt x="1214314" y="196017"/>
-                </a:lnTo>
-                <a:lnTo>
-                  <a:pt x="228147" y="196017"/>
-                </a:lnTo>
-                <a:close/>
-                <a:moveTo>
-                  <a:pt x="721230" y="0"/>
-                </a:moveTo>
-                <a:cubicBezTo>
-                  <a:pt x="771325" y="0"/>
-                  <a:pt x="820234" y="5076"/>
-                  <a:pt x="867471" y="14742"/>
-                </a:cubicBezTo>
-                <a:lnTo>
-                  <a:pt x="945868" y="39078"/>
-                </a:lnTo>
-                <a:lnTo>
-                  <a:pt x="496593" y="39078"/>
-                </a:lnTo>
-                <a:lnTo>
-                  <a:pt x="574989" y="14742"/>
-                </a:lnTo>
-                <a:cubicBezTo>
-                  <a:pt x="622226" y="5076"/>
-                  <a:pt x="671136" y="0"/>
-                  <a:pt x="721230" y="0"/>
-                </a:cubicBezTo>
-                <a:close/>
-              </a:path>
-            </a:pathLst>
-          </a:custGeom>
-          <a:solidFill>
-            <a:srgbClr val="AC4243"/>
-          </a:solidFill>
-          <a:ln>
-            <a:noFill/>
-          </a:ln>
-        </p:spPr>
-        <p:style>
-          <a:lnRef idx="2">
-            <a:schemeClr val="accent1">
-              <a:shade val="50000"/>
-            </a:schemeClr>
-          </a:lnRef>
-          <a:fillRef idx="1">
-            <a:schemeClr val="accent1"/>
-          </a:fillRef>
-          <a:effectRef idx="0">
-            <a:schemeClr val="accent1"/>
-          </a:effectRef>
-          <a:fontRef idx="minor">
-            <a:schemeClr val="lt1"/>
-          </a:fontRef>
-        </p:style>
-        <p:txBody>
-          <a:bodyPr wrap="square" rtlCol="0" anchor="ctr">
-            <a:noAutofit/>
-          </a:bodyPr>
           <a:lstStyle/>
           <a:p>
             <a:pPr algn="ctr"/>
@@ -2817,98 +1506,6 @@
                 <a:lumMod val="85000"/>
               </a:schemeClr>
             </a:solidFill>
-          </a:ln>
-        </p:spPr>
-        <p:style>
-          <a:lnRef idx="2">
-            <a:schemeClr val="accent1">
-              <a:shade val="50000"/>
-            </a:schemeClr>
-          </a:lnRef>
-          <a:fillRef idx="1">
-            <a:schemeClr val="accent1"/>
-          </a:fillRef>
-          <a:effectRef idx="0">
-            <a:schemeClr val="accent1"/>
-          </a:effectRef>
-          <a:fontRef idx="minor">
-            <a:schemeClr val="lt1"/>
-          </a:fontRef>
-        </p:style>
-        <p:txBody>
-          <a:bodyPr rtlCol="0" anchor="ctr"/>
-          <a:lstStyle/>
-          <a:p>
-            <a:pPr algn="ctr"/>
-            <a:endParaRPr lang="zh-CN" altLang="en-US"/>
-          </a:p>
-        </p:txBody>
-      </p:sp>
-      <p:sp>
-        <p:nvSpPr>
-          <p:cNvPr id="39" name="椭圆 38"/>
-          <p:cNvSpPr/>
-          <p:nvPr/>
-        </p:nvSpPr>
-        <p:spPr>
-          <a:xfrm>
-            <a:off x="-871877" y="2044360"/>
-            <a:ext cx="2976448" cy="2976448"/>
-          </a:xfrm>
-          <a:prstGeom prst="ellipse">
-            <a:avLst/>
-          </a:prstGeom>
-          <a:solidFill>
-            <a:srgbClr val="AC4243"/>
-          </a:solidFill>
-          <a:ln>
-            <a:noFill/>
-          </a:ln>
-        </p:spPr>
-        <p:style>
-          <a:lnRef idx="2">
-            <a:schemeClr val="accent1">
-              <a:shade val="50000"/>
-            </a:schemeClr>
-          </a:lnRef>
-          <a:fillRef idx="1">
-            <a:schemeClr val="accent1"/>
-          </a:fillRef>
-          <a:effectRef idx="0">
-            <a:schemeClr val="accent1"/>
-          </a:effectRef>
-          <a:fontRef idx="minor">
-            <a:schemeClr val="lt1"/>
-          </a:fontRef>
-        </p:style>
-        <p:txBody>
-          <a:bodyPr rtlCol="0" anchor="ctr"/>
-          <a:lstStyle/>
-          <a:p>
-            <a:pPr algn="ctr"/>
-            <a:endParaRPr lang="zh-CN" altLang="en-US"/>
-          </a:p>
-        </p:txBody>
-      </p:sp>
-      <p:sp>
-        <p:nvSpPr>
-          <p:cNvPr id="49" name="椭圆 48"/>
-          <p:cNvSpPr/>
-          <p:nvPr/>
-        </p:nvSpPr>
-        <p:spPr>
-          <a:xfrm>
-            <a:off x="10785251" y="4148461"/>
-            <a:ext cx="2976448" cy="2976448"/>
-          </a:xfrm>
-          <a:prstGeom prst="ellipse">
-            <a:avLst/>
-          </a:prstGeom>
-          <a:solidFill>
-            <a:srgbClr val="AC4243"/>
-          </a:solidFill>
-          <a:ln>
-            <a:noFill/>
           </a:ln>
         </p:spPr>
         <p:style>
@@ -14393,10 +12990,10 @@
       </p:grpSpPr>
       <p:sp>
         <p:nvSpPr>
-          <p:cNvPr id="2" name="矩形 1">
+          <p:cNvPr id="15" name="矩形 14">
             <a:extLst>
               <a:ext uri="{FF2B5EF4-FFF2-40B4-BE49-F238E27FC236}">
-                <a16:creationId xmlns:a16="http://schemas.microsoft.com/office/drawing/2014/main" id="{CF2BC8CF-E2CD-97AA-63E5-74431BF8463B}"/>
+                <a16:creationId xmlns:a16="http://schemas.microsoft.com/office/drawing/2014/main" id="{0A5641CF-1FCF-97FF-600C-EE9F81103969}"/>
               </a:ext>
             </a:extLst>
           </p:cNvPr>
@@ -14440,22 +13037,509 @@
           <a:p>
             <a:pPr algn="ctr"/>
             <a:r>
-              <a:rPr lang="zh-CN" altLang="en-US" sz="3200" dirty="0">
+              <a:rPr lang="en-US" altLang="zh-CN" sz="3200">
                 <a:solidFill>
                   <a:schemeClr val="bg1"/>
                 </a:solidFill>
                 <a:latin typeface="微软雅黑" panose="020B0503020204020204" pitchFamily="34" charset="-122"/>
                 <a:ea typeface="微软雅黑" panose="020B0503020204020204" pitchFamily="34" charset="-122"/>
               </a:rPr>
-              <a:t>内存分配</a:t>
-            </a:r>
+              <a:t>Arm</a:t>
+            </a:r>
+            <a:r>
+              <a:rPr lang="zh-CN" altLang="en-US" sz="3200">
+                <a:solidFill>
+                  <a:schemeClr val="bg1"/>
+                </a:solidFill>
+                <a:latin typeface="微软雅黑" panose="020B0503020204020204" pitchFamily="34" charset="-122"/>
+                <a:ea typeface="微软雅黑" panose="020B0503020204020204" pitchFamily="34" charset="-122"/>
+              </a:rPr>
+              <a:t>架构支持</a:t>
+            </a:r>
+            <a:endParaRPr lang="zh-CN" altLang="en-US" sz="3200" dirty="0">
+              <a:solidFill>
+                <a:schemeClr val="bg1"/>
+              </a:solidFill>
+              <a:latin typeface="微软雅黑" panose="020B0503020204020204" pitchFamily="34" charset="-122"/>
+              <a:ea typeface="微软雅黑" panose="020B0503020204020204" pitchFamily="34" charset="-122"/>
+            </a:endParaRPr>
+          </a:p>
+        </p:txBody>
+      </p:sp>
+      <p:sp>
+        <p:nvSpPr>
+          <p:cNvPr id="41" name="学论网-www.xuelun.me">
+            <a:extLst>
+              <a:ext uri="{FF2B5EF4-FFF2-40B4-BE49-F238E27FC236}">
+                <a16:creationId xmlns:a16="http://schemas.microsoft.com/office/drawing/2014/main" id="{7C8BF99F-AD84-CB06-C87E-3DEE0D37D8E5}"/>
+              </a:ext>
+            </a:extLst>
+          </p:cNvPr>
+          <p:cNvSpPr txBox="1"/>
+          <p:nvPr/>
+        </p:nvSpPr>
+        <p:spPr>
+          <a:xfrm>
+            <a:off x="844952" y="1539432"/>
+            <a:ext cx="9798021" cy="3258713"/>
+          </a:xfrm>
+          <a:prstGeom prst="rect">
+            <a:avLst/>
+          </a:prstGeom>
+          <a:noFill/>
+          <a:ln>
+            <a:noFill/>
+          </a:ln>
+        </p:spPr>
+        <p:txBody>
+          <a:bodyPr wrap="square" lIns="0" tIns="0" rIns="0" bIns="0" rtlCol="0">
+            <a:spAutoFit/>
+          </a:bodyPr>
+          <a:lstStyle/>
+          <a:p>
+            <a:pPr>
+              <a:lnSpc>
+                <a:spcPct val="150000"/>
+              </a:lnSpc>
+            </a:pPr>
+            <a:r>
+              <a:rPr lang="en-US" altLang="zh-CN" sz="2400" dirty="0">
+                <a:solidFill>
+                  <a:schemeClr val="tx1">
+                    <a:lumMod val="65000"/>
+                    <a:lumOff val="35000"/>
+                  </a:schemeClr>
+                </a:solidFill>
+                <a:latin typeface="思源黑体 CN Normal" panose="020B0400000000000000" pitchFamily="34" charset="-122"/>
+                <a:ea typeface="思源黑体 CN Normal" panose="020B0400000000000000" pitchFamily="34" charset="-122"/>
+                <a:sym typeface="字魂105号-简雅黑" panose="00000500000000000000" pitchFamily="2" charset="-122"/>
+              </a:rPr>
+              <a:t>	</a:t>
+            </a:r>
+            <a:r>
+              <a:rPr lang="zh-CN" altLang="en-US" sz="2400" dirty="0">
+                <a:solidFill>
+                  <a:schemeClr val="tx1">
+                    <a:lumMod val="65000"/>
+                    <a:lumOff val="35000"/>
+                  </a:schemeClr>
+                </a:solidFill>
+                <a:latin typeface="思源黑体 CN Normal" panose="020B0400000000000000" pitchFamily="34" charset="-122"/>
+                <a:ea typeface="思源黑体 CN Normal" panose="020B0400000000000000" pitchFamily="34" charset="-122"/>
+                <a:sym typeface="字魂105号-简雅黑" panose="00000500000000000000" pitchFamily="2" charset="-122"/>
+              </a:rPr>
+              <a:t>一开始项目计划实现</a:t>
+            </a:r>
+            <a:r>
+              <a:rPr lang="en-US" altLang="zh-CN" sz="2400" dirty="0">
+                <a:solidFill>
+                  <a:schemeClr val="tx1">
+                    <a:lumMod val="65000"/>
+                    <a:lumOff val="35000"/>
+                  </a:schemeClr>
+                </a:solidFill>
+                <a:latin typeface="思源黑体 CN Normal" panose="020B0400000000000000" pitchFamily="34" charset="-122"/>
+                <a:ea typeface="思源黑体 CN Normal" panose="020B0400000000000000" pitchFamily="34" charset="-122"/>
+                <a:sym typeface="字魂105号-简雅黑" panose="00000500000000000000" pitchFamily="2" charset="-122"/>
+              </a:rPr>
+              <a:t>MIPS</a:t>
+            </a:r>
+            <a:r>
+              <a:rPr lang="zh-CN" altLang="en-US" sz="2400" dirty="0">
+                <a:solidFill>
+                  <a:schemeClr val="tx1">
+                    <a:lumMod val="65000"/>
+                    <a:lumOff val="35000"/>
+                  </a:schemeClr>
+                </a:solidFill>
+                <a:latin typeface="思源黑体 CN Normal" panose="020B0400000000000000" pitchFamily="34" charset="-122"/>
+                <a:ea typeface="思源黑体 CN Normal" panose="020B0400000000000000" pitchFamily="34" charset="-122"/>
+                <a:sym typeface="字魂105号-简雅黑" panose="00000500000000000000" pitchFamily="2" charset="-122"/>
+              </a:rPr>
+              <a:t>支持，但是查阅</a:t>
+            </a:r>
+            <a:r>
+              <a:rPr lang="en-US" altLang="zh-CN" sz="2400" dirty="0">
+                <a:solidFill>
+                  <a:schemeClr val="tx1">
+                    <a:lumMod val="65000"/>
+                    <a:lumOff val="35000"/>
+                  </a:schemeClr>
+                </a:solidFill>
+                <a:latin typeface="思源黑体 CN Normal" panose="020B0400000000000000" pitchFamily="34" charset="-122"/>
+                <a:ea typeface="思源黑体 CN Normal" panose="020B0400000000000000" pitchFamily="34" charset="-122"/>
+                <a:sym typeface="字魂105号-简雅黑" panose="00000500000000000000" pitchFamily="2" charset="-122"/>
+              </a:rPr>
+              <a:t>RUST</a:t>
+            </a:r>
+            <a:r>
+              <a:rPr lang="zh-CN" altLang="en-US" sz="2400" dirty="0">
+                <a:solidFill>
+                  <a:schemeClr val="tx1">
+                    <a:lumMod val="65000"/>
+                    <a:lumOff val="35000"/>
+                  </a:schemeClr>
+                </a:solidFill>
+                <a:latin typeface="思源黑体 CN Normal" panose="020B0400000000000000" pitchFamily="34" charset="-122"/>
+                <a:ea typeface="思源黑体 CN Normal" panose="020B0400000000000000" pitchFamily="34" charset="-122"/>
+                <a:sym typeface="字魂105号-简雅黑" panose="00000500000000000000" pitchFamily="2" charset="-122"/>
+              </a:rPr>
+              <a:t>文档发现</a:t>
+            </a:r>
+            <a:r>
+              <a:rPr lang="en-US" altLang="zh-CN" sz="2400" dirty="0">
+                <a:solidFill>
+                  <a:schemeClr val="tx1">
+                    <a:lumMod val="65000"/>
+                    <a:lumOff val="35000"/>
+                  </a:schemeClr>
+                </a:solidFill>
+                <a:latin typeface="思源黑体 CN Normal" panose="020B0400000000000000" pitchFamily="34" charset="-122"/>
+                <a:ea typeface="思源黑体 CN Normal" panose="020B0400000000000000" pitchFamily="34" charset="-122"/>
+                <a:sym typeface="字魂105号-简雅黑" panose="00000500000000000000" pitchFamily="2" charset="-122"/>
+              </a:rPr>
+              <a:t>rust</a:t>
+            </a:r>
+            <a:r>
+              <a:rPr lang="zh-CN" altLang="en-US" sz="2400" dirty="0">
+                <a:solidFill>
+                  <a:schemeClr val="tx1">
+                    <a:lumMod val="65000"/>
+                    <a:lumOff val="35000"/>
+                  </a:schemeClr>
+                </a:solidFill>
+                <a:latin typeface="思源黑体 CN Normal" panose="020B0400000000000000" pitchFamily="34" charset="-122"/>
+                <a:ea typeface="思源黑体 CN Normal" panose="020B0400000000000000" pitchFamily="34" charset="-122"/>
+                <a:sym typeface="字魂105号-简雅黑" panose="00000500000000000000" pitchFamily="2" charset="-122"/>
+              </a:rPr>
+              <a:t>对</a:t>
+            </a:r>
+            <a:r>
+              <a:rPr lang="en-US" altLang="zh-CN" sz="2400" dirty="0">
+                <a:solidFill>
+                  <a:schemeClr val="tx1">
+                    <a:lumMod val="65000"/>
+                    <a:lumOff val="35000"/>
+                  </a:schemeClr>
+                </a:solidFill>
+                <a:latin typeface="思源黑体 CN Normal" panose="020B0400000000000000" pitchFamily="34" charset="-122"/>
+                <a:ea typeface="思源黑体 CN Normal" panose="020B0400000000000000" pitchFamily="34" charset="-122"/>
+                <a:sym typeface="字魂105号-简雅黑" panose="00000500000000000000" pitchFamily="2" charset="-122"/>
+              </a:rPr>
+              <a:t>MIPS</a:t>
+            </a:r>
+            <a:r>
+              <a:rPr lang="zh-CN" altLang="en-US" sz="2400" dirty="0">
+                <a:solidFill>
+                  <a:schemeClr val="tx1">
+                    <a:lumMod val="65000"/>
+                    <a:lumOff val="35000"/>
+                  </a:schemeClr>
+                </a:solidFill>
+                <a:latin typeface="思源黑体 CN Normal" panose="020B0400000000000000" pitchFamily="34" charset="-122"/>
+                <a:ea typeface="思源黑体 CN Normal" panose="020B0400000000000000" pitchFamily="34" charset="-122"/>
+                <a:sym typeface="字魂105号-简雅黑" panose="00000500000000000000" pitchFamily="2" charset="-122"/>
+              </a:rPr>
+              <a:t>支持不好。根据官方文档的说明，</a:t>
+            </a:r>
+            <a:r>
+              <a:rPr lang="en-US" altLang="zh-CN" sz="2400" dirty="0">
+                <a:solidFill>
+                  <a:schemeClr val="tx1">
+                    <a:lumMod val="65000"/>
+                    <a:lumOff val="35000"/>
+                  </a:schemeClr>
+                </a:solidFill>
+                <a:latin typeface="思源黑体 CN Normal" panose="020B0400000000000000" pitchFamily="34" charset="-122"/>
+                <a:ea typeface="思源黑体 CN Normal" panose="020B0400000000000000" pitchFamily="34" charset="-122"/>
+                <a:sym typeface="字魂105号-简雅黑" panose="00000500000000000000" pitchFamily="2" charset="-122"/>
+              </a:rPr>
+              <a:t>rust</a:t>
+            </a:r>
+            <a:r>
+              <a:rPr lang="zh-CN" altLang="en-US" sz="2400" dirty="0">
+                <a:solidFill>
+                  <a:schemeClr val="tx1">
+                    <a:lumMod val="65000"/>
+                    <a:lumOff val="35000"/>
+                  </a:schemeClr>
+                </a:solidFill>
+                <a:latin typeface="思源黑体 CN Normal" panose="020B0400000000000000" pitchFamily="34" charset="-122"/>
+                <a:ea typeface="思源黑体 CN Normal" panose="020B0400000000000000" pitchFamily="34" charset="-122"/>
+                <a:sym typeface="字魂105号-简雅黑" panose="00000500000000000000" pitchFamily="2" charset="-122"/>
+              </a:rPr>
+              <a:t>不直接支持</a:t>
+            </a:r>
+            <a:r>
+              <a:rPr lang="en-US" altLang="zh-CN" sz="2400" dirty="0">
+                <a:solidFill>
+                  <a:schemeClr val="tx1">
+                    <a:lumMod val="65000"/>
+                    <a:lumOff val="35000"/>
+                  </a:schemeClr>
+                </a:solidFill>
+                <a:latin typeface="思源黑体 CN Normal" panose="020B0400000000000000" pitchFamily="34" charset="-122"/>
+                <a:ea typeface="思源黑体 CN Normal" panose="020B0400000000000000" pitchFamily="34" charset="-122"/>
+                <a:sym typeface="字魂105号-简雅黑" panose="00000500000000000000" pitchFamily="2" charset="-122"/>
+              </a:rPr>
+              <a:t>MIPS</a:t>
+            </a:r>
+            <a:r>
+              <a:rPr lang="zh-CN" altLang="en-US" sz="2400" dirty="0">
+                <a:solidFill>
+                  <a:schemeClr val="tx1">
+                    <a:lumMod val="65000"/>
+                    <a:lumOff val="35000"/>
+                  </a:schemeClr>
+                </a:solidFill>
+                <a:latin typeface="思源黑体 CN Normal" panose="020B0400000000000000" pitchFamily="34" charset="-122"/>
+                <a:ea typeface="思源黑体 CN Normal" panose="020B0400000000000000" pitchFamily="34" charset="-122"/>
+                <a:sym typeface="字魂105号-简雅黑" panose="00000500000000000000" pitchFamily="2" charset="-122"/>
+              </a:rPr>
+              <a:t>汇编内嵌，如果要内嵌汇编则需要利用</a:t>
+            </a:r>
+            <a:r>
+              <a:rPr lang="en-US" altLang="zh-CN" sz="2400" dirty="0">
+                <a:solidFill>
+                  <a:schemeClr val="tx1">
+                    <a:lumMod val="65000"/>
+                    <a:lumOff val="35000"/>
+                  </a:schemeClr>
+                </a:solidFill>
+                <a:latin typeface="思源黑体 CN Normal" panose="020B0400000000000000" pitchFamily="34" charset="-122"/>
+                <a:ea typeface="思源黑体 CN Normal" panose="020B0400000000000000" pitchFamily="34" charset="-122"/>
+                <a:sym typeface="字魂105号-简雅黑" panose="00000500000000000000" pitchFamily="2" charset="-122"/>
+              </a:rPr>
+              <a:t>RUST-C</a:t>
+            </a:r>
+            <a:r>
+              <a:rPr lang="zh-CN" altLang="en-US" sz="2400" dirty="0">
+                <a:solidFill>
+                  <a:schemeClr val="tx1">
+                    <a:lumMod val="65000"/>
+                    <a:lumOff val="35000"/>
+                  </a:schemeClr>
+                </a:solidFill>
+                <a:latin typeface="思源黑体 CN Normal" panose="020B0400000000000000" pitchFamily="34" charset="-122"/>
+                <a:ea typeface="思源黑体 CN Normal" panose="020B0400000000000000" pitchFamily="34" charset="-122"/>
+                <a:sym typeface="字魂105号-简雅黑" panose="00000500000000000000" pitchFamily="2" charset="-122"/>
+              </a:rPr>
+              <a:t>接口，先用</a:t>
+            </a:r>
+            <a:r>
+              <a:rPr lang="en-US" altLang="zh-CN" sz="2400" dirty="0">
+                <a:solidFill>
+                  <a:schemeClr val="tx1">
+                    <a:lumMod val="65000"/>
+                    <a:lumOff val="35000"/>
+                  </a:schemeClr>
+                </a:solidFill>
+                <a:latin typeface="思源黑体 CN Normal" panose="020B0400000000000000" pitchFamily="34" charset="-122"/>
+                <a:ea typeface="思源黑体 CN Normal" panose="020B0400000000000000" pitchFamily="34" charset="-122"/>
+                <a:sym typeface="字魂105号-简雅黑" panose="00000500000000000000" pitchFamily="2" charset="-122"/>
+              </a:rPr>
+              <a:t>C</a:t>
+            </a:r>
+            <a:r>
+              <a:rPr lang="zh-CN" altLang="en-US" sz="2400" dirty="0">
+                <a:solidFill>
+                  <a:schemeClr val="tx1">
+                    <a:lumMod val="65000"/>
+                    <a:lumOff val="35000"/>
+                  </a:schemeClr>
+                </a:solidFill>
+                <a:latin typeface="思源黑体 CN Normal" panose="020B0400000000000000" pitchFamily="34" charset="-122"/>
+                <a:ea typeface="思源黑体 CN Normal" panose="020B0400000000000000" pitchFamily="34" charset="-122"/>
+                <a:sym typeface="字魂105号-简雅黑" panose="00000500000000000000" pitchFamily="2" charset="-122"/>
+              </a:rPr>
+              <a:t>语言内嵌汇编码，再用</a:t>
+            </a:r>
+            <a:r>
+              <a:rPr lang="en-US" altLang="zh-CN" sz="2400" dirty="0">
+                <a:solidFill>
+                  <a:schemeClr val="tx1">
+                    <a:lumMod val="65000"/>
+                    <a:lumOff val="35000"/>
+                  </a:schemeClr>
+                </a:solidFill>
+                <a:latin typeface="思源黑体 CN Normal" panose="020B0400000000000000" pitchFamily="34" charset="-122"/>
+                <a:ea typeface="思源黑体 CN Normal" panose="020B0400000000000000" pitchFamily="34" charset="-122"/>
+                <a:sym typeface="字魂105号-简雅黑" panose="00000500000000000000" pitchFamily="2" charset="-122"/>
+              </a:rPr>
+              <a:t>rust</a:t>
+            </a:r>
+            <a:r>
+              <a:rPr lang="zh-CN" altLang="en-US" sz="2400" dirty="0">
+                <a:solidFill>
+                  <a:schemeClr val="tx1">
+                    <a:lumMod val="65000"/>
+                    <a:lumOff val="35000"/>
+                  </a:schemeClr>
+                </a:solidFill>
+                <a:latin typeface="思源黑体 CN Normal" panose="020B0400000000000000" pitchFamily="34" charset="-122"/>
+                <a:ea typeface="思源黑体 CN Normal" panose="020B0400000000000000" pitchFamily="34" charset="-122"/>
+                <a:sym typeface="字魂105号-简雅黑" panose="00000500000000000000" pitchFamily="2" charset="-122"/>
+              </a:rPr>
+              <a:t>调用。同时，官方文档显示，</a:t>
+            </a:r>
+            <a:r>
+              <a:rPr lang="en-US" altLang="zh-CN" sz="2400" dirty="0">
+                <a:solidFill>
+                  <a:schemeClr val="tx1">
+                    <a:lumMod val="65000"/>
+                    <a:lumOff val="35000"/>
+                  </a:schemeClr>
+                </a:solidFill>
+                <a:latin typeface="思源黑体 CN Normal" panose="020B0400000000000000" pitchFamily="34" charset="-122"/>
+                <a:ea typeface="思源黑体 CN Normal" panose="020B0400000000000000" pitchFamily="34" charset="-122"/>
+                <a:sym typeface="字魂105号-简雅黑" panose="00000500000000000000" pitchFamily="2" charset="-122"/>
+              </a:rPr>
+              <a:t>RUST</a:t>
+            </a:r>
+            <a:r>
+              <a:rPr lang="zh-CN" altLang="en-US" sz="2400" dirty="0">
+                <a:solidFill>
+                  <a:schemeClr val="tx1">
+                    <a:lumMod val="65000"/>
+                    <a:lumOff val="35000"/>
+                  </a:schemeClr>
+                </a:solidFill>
+                <a:latin typeface="思源黑体 CN Normal" panose="020B0400000000000000" pitchFamily="34" charset="-122"/>
+                <a:ea typeface="思源黑体 CN Normal" panose="020B0400000000000000" pitchFamily="34" charset="-122"/>
+                <a:sym typeface="字魂105号-简雅黑" panose="00000500000000000000" pitchFamily="2" charset="-122"/>
+              </a:rPr>
+              <a:t>官方对</a:t>
+            </a:r>
+            <a:r>
+              <a:rPr lang="en-US" altLang="zh-CN" sz="2400" dirty="0">
+                <a:solidFill>
+                  <a:schemeClr val="tx1">
+                    <a:lumMod val="65000"/>
+                    <a:lumOff val="35000"/>
+                  </a:schemeClr>
+                </a:solidFill>
+                <a:latin typeface="思源黑体 CN Normal" panose="020B0400000000000000" pitchFamily="34" charset="-122"/>
+                <a:ea typeface="思源黑体 CN Normal" panose="020B0400000000000000" pitchFamily="34" charset="-122"/>
+                <a:sym typeface="字魂105号-简雅黑" panose="00000500000000000000" pitchFamily="2" charset="-122"/>
+              </a:rPr>
+              <a:t>MIPS</a:t>
+            </a:r>
+            <a:r>
+              <a:rPr lang="zh-CN" altLang="en-US" sz="2400" dirty="0">
+                <a:solidFill>
+                  <a:schemeClr val="tx1">
+                    <a:lumMod val="65000"/>
+                    <a:lumOff val="35000"/>
+                  </a:schemeClr>
+                </a:solidFill>
+                <a:latin typeface="思源黑体 CN Normal" panose="020B0400000000000000" pitchFamily="34" charset="-122"/>
+                <a:ea typeface="思源黑体 CN Normal" panose="020B0400000000000000" pitchFamily="34" charset="-122"/>
+                <a:sym typeface="字魂105号-简雅黑" panose="00000500000000000000" pitchFamily="2" charset="-122"/>
+              </a:rPr>
+              <a:t>的支持为第三等级，由此最终改为支持</a:t>
+            </a:r>
+            <a:r>
+              <a:rPr lang="en-US" altLang="zh-CN" sz="2400" dirty="0">
+                <a:solidFill>
+                  <a:schemeClr val="tx1">
+                    <a:lumMod val="65000"/>
+                    <a:lumOff val="35000"/>
+                  </a:schemeClr>
+                </a:solidFill>
+                <a:latin typeface="思源黑体 CN Normal" panose="020B0400000000000000" pitchFamily="34" charset="-122"/>
+                <a:ea typeface="思源黑体 CN Normal" panose="020B0400000000000000" pitchFamily="34" charset="-122"/>
+                <a:sym typeface="字魂105号-简雅黑" panose="00000500000000000000" pitchFamily="2" charset="-122"/>
+              </a:rPr>
+              <a:t>arm</a:t>
+            </a:r>
+            <a:r>
+              <a:rPr lang="zh-CN" altLang="en-US" sz="2400" dirty="0">
+                <a:solidFill>
+                  <a:schemeClr val="tx1">
+                    <a:lumMod val="65000"/>
+                    <a:lumOff val="35000"/>
+                  </a:schemeClr>
+                </a:solidFill>
+                <a:latin typeface="思源黑体 CN Normal" panose="020B0400000000000000" pitchFamily="34" charset="-122"/>
+                <a:ea typeface="思源黑体 CN Normal" panose="020B0400000000000000" pitchFamily="34" charset="-122"/>
+                <a:sym typeface="字魂105号-简雅黑" panose="00000500000000000000" pitchFamily="2" charset="-122"/>
+              </a:rPr>
+              <a:t>架构。具体计划为支持</a:t>
+            </a:r>
+            <a:r>
+              <a:rPr lang="en-US" altLang="zh-CN" sz="2400" dirty="0">
+                <a:solidFill>
+                  <a:schemeClr val="tx1">
+                    <a:lumMod val="65000"/>
+                    <a:lumOff val="35000"/>
+                  </a:schemeClr>
+                </a:solidFill>
+                <a:latin typeface="思源黑体 CN Normal" panose="020B0400000000000000" pitchFamily="34" charset="-122"/>
+                <a:ea typeface="思源黑体 CN Normal" panose="020B0400000000000000" pitchFamily="34" charset="-122"/>
+                <a:sym typeface="字魂105号-简雅黑" panose="00000500000000000000" pitchFamily="2" charset="-122"/>
+              </a:rPr>
+              <a:t>armv7A</a:t>
+            </a:r>
+            <a:r>
+              <a:rPr lang="zh-CN" altLang="en-US" sz="2400" dirty="0">
+                <a:solidFill>
+                  <a:schemeClr val="tx1">
+                    <a:lumMod val="65000"/>
+                    <a:lumOff val="35000"/>
+                  </a:schemeClr>
+                </a:solidFill>
+                <a:latin typeface="思源黑体 CN Normal" panose="020B0400000000000000" pitchFamily="34" charset="-122"/>
+                <a:ea typeface="思源黑体 CN Normal" panose="020B0400000000000000" pitchFamily="34" charset="-122"/>
+                <a:sym typeface="字魂105号-简雅黑" panose="00000500000000000000" pitchFamily="2" charset="-122"/>
+              </a:rPr>
+              <a:t>架构，具体计划支持平台为</a:t>
+            </a:r>
+            <a:r>
+              <a:rPr lang="en-US" altLang="zh-CN" sz="2400" dirty="0">
+                <a:solidFill>
+                  <a:schemeClr val="tx1">
+                    <a:lumMod val="65000"/>
+                    <a:lumOff val="35000"/>
+                  </a:schemeClr>
+                </a:solidFill>
+                <a:latin typeface="思源黑体 CN Normal" panose="020B0400000000000000" pitchFamily="34" charset="-122"/>
+                <a:ea typeface="思源黑体 CN Normal" panose="020B0400000000000000" pitchFamily="34" charset="-122"/>
+                <a:sym typeface="字魂105号-简雅黑" panose="00000500000000000000" pitchFamily="2" charset="-122"/>
+              </a:rPr>
+              <a:t>arm Cortex-A8</a:t>
+            </a:r>
+            <a:r>
+              <a:rPr lang="zh-CN" altLang="en-US" sz="2400" dirty="0">
+                <a:solidFill>
+                  <a:schemeClr val="tx1">
+                    <a:lumMod val="65000"/>
+                    <a:lumOff val="35000"/>
+                  </a:schemeClr>
+                </a:solidFill>
+                <a:latin typeface="思源黑体 CN Normal" panose="020B0400000000000000" pitchFamily="34" charset="-122"/>
+                <a:ea typeface="思源黑体 CN Normal" panose="020B0400000000000000" pitchFamily="34" charset="-122"/>
+                <a:sym typeface="字魂105号-简雅黑" panose="00000500000000000000" pitchFamily="2" charset="-122"/>
+              </a:rPr>
+              <a:t>。</a:t>
+            </a:r>
+            <a:endParaRPr lang="en-US" altLang="zh-CN" sz="2400" dirty="0">
+              <a:solidFill>
+                <a:schemeClr val="tx1">
+                  <a:lumMod val="65000"/>
+                  <a:lumOff val="35000"/>
+                </a:schemeClr>
+              </a:solidFill>
+              <a:latin typeface="思源黑体 CN Normal" panose="020B0400000000000000" pitchFamily="34" charset="-122"/>
+              <a:ea typeface="思源黑体 CN Normal" panose="020B0400000000000000" pitchFamily="34" charset="-122"/>
+              <a:sym typeface="字魂105号-简雅黑" panose="00000500000000000000" pitchFamily="2" charset="-122"/>
+            </a:endParaRPr>
           </a:p>
         </p:txBody>
       </p:sp>
     </p:spTree>
     <p:extLst>
       <p:ext uri="{BB962C8B-B14F-4D97-AF65-F5344CB8AC3E}">
-        <p14:creationId xmlns:p14="http://schemas.microsoft.com/office/powerpoint/2010/main" val="478999332"/>
+        <p14:creationId xmlns:p14="http://schemas.microsoft.com/office/powerpoint/2010/main" val="2894204090"/>
       </p:ext>
     </p:extLst>
   </p:cSld>
@@ -15832,10 +14916,10 @@
       </p:grpSpPr>
       <p:sp>
         <p:nvSpPr>
-          <p:cNvPr id="2" name="矩形 1">
+          <p:cNvPr id="15" name="矩形 14">
             <a:extLst>
               <a:ext uri="{FF2B5EF4-FFF2-40B4-BE49-F238E27FC236}">
-                <a16:creationId xmlns:a16="http://schemas.microsoft.com/office/drawing/2014/main" id="{CF2BC8CF-E2CD-97AA-63E5-74431BF8463B}"/>
+                <a16:creationId xmlns:a16="http://schemas.microsoft.com/office/drawing/2014/main" id="{0A5641CF-1FCF-97FF-600C-EE9F81103969}"/>
               </a:ext>
             </a:extLst>
           </p:cNvPr>
@@ -15879,7 +14963,7 @@
           <a:p>
             <a:pPr algn="ctr"/>
             <a:r>
-              <a:rPr lang="en-US" altLang="zh-CN" sz="3200" dirty="0">
+              <a:rPr lang="en-US" altLang="zh-CN" sz="3200">
                 <a:solidFill>
                   <a:schemeClr val="bg1"/>
                 </a:solidFill>
@@ -15889,22 +14973,482 @@
               <a:t>Arm</a:t>
             </a:r>
             <a:r>
-              <a:rPr lang="zh-CN" altLang="en-US" sz="3200" dirty="0">
+              <a:rPr lang="zh-CN" altLang="en-US" sz="3200">
                 <a:solidFill>
                   <a:schemeClr val="bg1"/>
                 </a:solidFill>
                 <a:latin typeface="微软雅黑" panose="020B0503020204020204" pitchFamily="34" charset="-122"/>
                 <a:ea typeface="微软雅黑" panose="020B0503020204020204" pitchFamily="34" charset="-122"/>
               </a:rPr>
-              <a:t>硬件实现</a:t>
-            </a:r>
+              <a:t>架构支持</a:t>
+            </a:r>
+            <a:endParaRPr lang="zh-CN" altLang="en-US" sz="3200" dirty="0">
+              <a:solidFill>
+                <a:schemeClr val="bg1"/>
+              </a:solidFill>
+              <a:latin typeface="微软雅黑" panose="020B0503020204020204" pitchFamily="34" charset="-122"/>
+              <a:ea typeface="微软雅黑" panose="020B0503020204020204" pitchFamily="34" charset="-122"/>
+            </a:endParaRPr>
+          </a:p>
+        </p:txBody>
+      </p:sp>
+      <p:sp>
+        <p:nvSpPr>
+          <p:cNvPr id="41" name="学论网-www.xuelun.me">
+            <a:extLst>
+              <a:ext uri="{FF2B5EF4-FFF2-40B4-BE49-F238E27FC236}">
+                <a16:creationId xmlns:a16="http://schemas.microsoft.com/office/drawing/2014/main" id="{7C8BF99F-AD84-CB06-C87E-3DEE0D37D8E5}"/>
+              </a:ext>
+            </a:extLst>
+          </p:cNvPr>
+          <p:cNvSpPr txBox="1"/>
+          <p:nvPr/>
+        </p:nvSpPr>
+        <p:spPr>
+          <a:xfrm>
+            <a:off x="844952" y="1539432"/>
+            <a:ext cx="9798021" cy="4366708"/>
+          </a:xfrm>
+          <a:prstGeom prst="rect">
+            <a:avLst/>
+          </a:prstGeom>
+          <a:noFill/>
+          <a:ln>
+            <a:noFill/>
+          </a:ln>
+        </p:spPr>
+        <p:txBody>
+          <a:bodyPr wrap="square" lIns="0" tIns="0" rIns="0" bIns="0" rtlCol="0">
+            <a:spAutoFit/>
+          </a:bodyPr>
+          <a:lstStyle/>
+          <a:p>
+            <a:pPr>
+              <a:lnSpc>
+                <a:spcPct val="150000"/>
+              </a:lnSpc>
+            </a:pPr>
+            <a:r>
+              <a:rPr lang="en-US" altLang="zh-CN" sz="2400" dirty="0">
+                <a:solidFill>
+                  <a:schemeClr val="tx1">
+                    <a:lumMod val="65000"/>
+                    <a:lumOff val="35000"/>
+                  </a:schemeClr>
+                </a:solidFill>
+                <a:latin typeface="思源黑体 CN Normal" panose="020B0400000000000000" pitchFamily="34" charset="-122"/>
+                <a:ea typeface="思源黑体 CN Normal" panose="020B0400000000000000" pitchFamily="34" charset="-122"/>
+                <a:sym typeface="字魂105号-简雅黑" panose="00000500000000000000" pitchFamily="2" charset="-122"/>
+              </a:rPr>
+              <a:t>	</a:t>
+            </a:r>
+            <a:r>
+              <a:rPr lang="zh-CN" altLang="en-US" sz="2400" dirty="0">
+                <a:solidFill>
+                  <a:schemeClr val="tx1">
+                    <a:lumMod val="65000"/>
+                    <a:lumOff val="35000"/>
+                  </a:schemeClr>
+                </a:solidFill>
+                <a:latin typeface="思源黑体 CN Normal" panose="020B0400000000000000" pitchFamily="34" charset="-122"/>
+                <a:ea typeface="思源黑体 CN Normal" panose="020B0400000000000000" pitchFamily="34" charset="-122"/>
+                <a:sym typeface="字魂105号-简雅黑" panose="00000500000000000000" pitchFamily="2" charset="-122"/>
+              </a:rPr>
+              <a:t>利用</a:t>
+            </a:r>
+            <a:r>
+              <a:rPr lang="en-US" altLang="zh-CN" sz="2400" dirty="0">
+                <a:solidFill>
+                  <a:schemeClr val="tx1">
+                    <a:lumMod val="65000"/>
+                    <a:lumOff val="35000"/>
+                  </a:schemeClr>
+                </a:solidFill>
+                <a:latin typeface="思源黑体 CN Normal" panose="020B0400000000000000" pitchFamily="34" charset="-122"/>
+                <a:ea typeface="思源黑体 CN Normal" panose="020B0400000000000000" pitchFamily="34" charset="-122"/>
+                <a:sym typeface="字魂105号-简雅黑" panose="00000500000000000000" pitchFamily="2" charset="-122"/>
+              </a:rPr>
+              <a:t>`grep`</a:t>
+            </a:r>
+            <a:r>
+              <a:rPr lang="zh-CN" altLang="en-US" sz="2400" dirty="0">
+                <a:solidFill>
+                  <a:schemeClr val="tx1">
+                    <a:lumMod val="65000"/>
+                    <a:lumOff val="35000"/>
+                  </a:schemeClr>
+                </a:solidFill>
+                <a:latin typeface="思源黑体 CN Normal" panose="020B0400000000000000" pitchFamily="34" charset="-122"/>
+                <a:ea typeface="思源黑体 CN Normal" panose="020B0400000000000000" pitchFamily="34" charset="-122"/>
+                <a:sym typeface="字魂105号-简雅黑" panose="00000500000000000000" pitchFamily="2" charset="-122"/>
+              </a:rPr>
+              <a:t>搜索</a:t>
+            </a:r>
+            <a:r>
+              <a:rPr lang="en-US" altLang="zh-CN" sz="2400" dirty="0">
+                <a:solidFill>
+                  <a:schemeClr val="tx1">
+                    <a:lumMod val="65000"/>
+                    <a:lumOff val="35000"/>
+                  </a:schemeClr>
+                </a:solidFill>
+                <a:latin typeface="思源黑体 CN Normal" panose="020B0400000000000000" pitchFamily="34" charset="-122"/>
+                <a:ea typeface="思源黑体 CN Normal" panose="020B0400000000000000" pitchFamily="34" charset="-122"/>
+                <a:sym typeface="字魂105号-简雅黑" panose="00000500000000000000" pitchFamily="2" charset="-122"/>
+              </a:rPr>
+              <a:t>`aarch64`,`x86`,`riscv`</a:t>
+            </a:r>
+            <a:r>
+              <a:rPr lang="zh-CN" altLang="en-US" sz="2400" dirty="0">
+                <a:solidFill>
+                  <a:schemeClr val="tx1">
+                    <a:lumMod val="65000"/>
+                    <a:lumOff val="35000"/>
+                  </a:schemeClr>
+                </a:solidFill>
+                <a:latin typeface="思源黑体 CN Normal" panose="020B0400000000000000" pitchFamily="34" charset="-122"/>
+                <a:ea typeface="思源黑体 CN Normal" panose="020B0400000000000000" pitchFamily="34" charset="-122"/>
+                <a:sym typeface="字魂105号-简雅黑" panose="00000500000000000000" pitchFamily="2" charset="-122"/>
+              </a:rPr>
+              <a:t>这三个关键词查找与架构有关文件，最终发现需要修改文件分为五类：</a:t>
+            </a:r>
+          </a:p>
+          <a:p>
+            <a:pPr>
+              <a:lnSpc>
+                <a:spcPct val="150000"/>
+              </a:lnSpc>
+            </a:pPr>
+            <a:r>
+              <a:rPr lang="en-US" altLang="zh-CN" sz="2400" dirty="0">
+                <a:solidFill>
+                  <a:schemeClr val="tx1">
+                    <a:lumMod val="65000"/>
+                    <a:lumOff val="35000"/>
+                  </a:schemeClr>
+                </a:solidFill>
+                <a:latin typeface="思源黑体 CN Normal" panose="020B0400000000000000" pitchFamily="34" charset="-122"/>
+                <a:ea typeface="思源黑体 CN Normal" panose="020B0400000000000000" pitchFamily="34" charset="-122"/>
+                <a:sym typeface="字魂105号-简雅黑" panose="00000500000000000000" pitchFamily="2" charset="-122"/>
+              </a:rPr>
+              <a:t>1. </a:t>
+            </a:r>
+            <a:r>
+              <a:rPr lang="zh-CN" altLang="en-US" sz="2400" dirty="0">
+                <a:solidFill>
+                  <a:schemeClr val="tx1">
+                    <a:lumMod val="65000"/>
+                    <a:lumOff val="35000"/>
+                  </a:schemeClr>
+                </a:solidFill>
+                <a:latin typeface="思源黑体 CN Normal" panose="020B0400000000000000" pitchFamily="34" charset="-122"/>
+                <a:ea typeface="思源黑体 CN Normal" panose="020B0400000000000000" pitchFamily="34" charset="-122"/>
+                <a:sym typeface="字魂105号-简雅黑" panose="00000500000000000000" pitchFamily="2" charset="-122"/>
+              </a:rPr>
+              <a:t>中断关闭</a:t>
+            </a:r>
+          </a:p>
+          <a:p>
+            <a:pPr>
+              <a:lnSpc>
+                <a:spcPct val="150000"/>
+              </a:lnSpc>
+            </a:pPr>
+            <a:r>
+              <a:rPr lang="en-US" altLang="zh-CN" sz="2400" dirty="0">
+                <a:solidFill>
+                  <a:schemeClr val="tx1">
+                    <a:lumMod val="65000"/>
+                    <a:lumOff val="35000"/>
+                  </a:schemeClr>
+                </a:solidFill>
+                <a:latin typeface="思源黑体 CN Normal" panose="020B0400000000000000" pitchFamily="34" charset="-122"/>
+                <a:ea typeface="思源黑体 CN Normal" panose="020B0400000000000000" pitchFamily="34" charset="-122"/>
+                <a:sym typeface="字魂105号-简雅黑" panose="00000500000000000000" pitchFamily="2" charset="-122"/>
+              </a:rPr>
+              <a:t>2. </a:t>
+            </a:r>
+            <a:r>
+              <a:rPr lang="zh-CN" altLang="en-US" sz="2400" dirty="0">
+                <a:solidFill>
+                  <a:schemeClr val="tx1">
+                    <a:lumMod val="65000"/>
+                    <a:lumOff val="35000"/>
+                  </a:schemeClr>
+                </a:solidFill>
+                <a:latin typeface="思源黑体 CN Normal" panose="020B0400000000000000" pitchFamily="34" charset="-122"/>
+                <a:ea typeface="思源黑体 CN Normal" panose="020B0400000000000000" pitchFamily="34" charset="-122"/>
+                <a:sym typeface="字魂105号-简雅黑" panose="00000500000000000000" pitchFamily="2" charset="-122"/>
+              </a:rPr>
+              <a:t>页表 </a:t>
+            </a:r>
+          </a:p>
+          <a:p>
+            <a:pPr>
+              <a:lnSpc>
+                <a:spcPct val="150000"/>
+              </a:lnSpc>
+            </a:pPr>
+            <a:r>
+              <a:rPr lang="en-US" altLang="zh-CN" sz="2400" dirty="0">
+                <a:solidFill>
+                  <a:schemeClr val="tx1">
+                    <a:lumMod val="65000"/>
+                    <a:lumOff val="35000"/>
+                  </a:schemeClr>
+                </a:solidFill>
+                <a:latin typeface="思源黑体 CN Normal" panose="020B0400000000000000" pitchFamily="34" charset="-122"/>
+                <a:ea typeface="思源黑体 CN Normal" panose="020B0400000000000000" pitchFamily="34" charset="-122"/>
+                <a:sym typeface="字魂105号-简雅黑" panose="00000500000000000000" pitchFamily="2" charset="-122"/>
+              </a:rPr>
+              <a:t>3. </a:t>
+            </a:r>
+            <a:r>
+              <a:rPr lang="zh-CN" altLang="en-US" sz="2400" dirty="0">
+                <a:solidFill>
+                  <a:schemeClr val="tx1">
+                    <a:lumMod val="65000"/>
+                    <a:lumOff val="35000"/>
+                  </a:schemeClr>
+                </a:solidFill>
+                <a:latin typeface="思源黑体 CN Normal" panose="020B0400000000000000" pitchFamily="34" charset="-122"/>
+                <a:ea typeface="思源黑体 CN Normal" panose="020B0400000000000000" pitchFamily="34" charset="-122"/>
+                <a:sym typeface="字魂105号-简雅黑" panose="00000500000000000000" pitchFamily="2" charset="-122"/>
+              </a:rPr>
+              <a:t>程序控制块</a:t>
+            </a:r>
+          </a:p>
+          <a:p>
+            <a:pPr>
+              <a:lnSpc>
+                <a:spcPct val="150000"/>
+              </a:lnSpc>
+            </a:pPr>
+            <a:r>
+              <a:rPr lang="en-US" altLang="zh-CN" sz="2400" dirty="0">
+                <a:solidFill>
+                  <a:schemeClr val="tx1">
+                    <a:lumMod val="65000"/>
+                    <a:lumOff val="35000"/>
+                  </a:schemeClr>
+                </a:solidFill>
+                <a:latin typeface="思源黑体 CN Normal" panose="020B0400000000000000" pitchFamily="34" charset="-122"/>
+                <a:ea typeface="思源黑体 CN Normal" panose="020B0400000000000000" pitchFamily="34" charset="-122"/>
+                <a:sym typeface="字魂105号-简雅黑" panose="00000500000000000000" pitchFamily="2" charset="-122"/>
+              </a:rPr>
+              <a:t>4. </a:t>
+            </a:r>
+            <a:r>
+              <a:rPr lang="zh-CN" altLang="en-US" sz="2400" dirty="0">
+                <a:solidFill>
+                  <a:schemeClr val="tx1">
+                    <a:lumMod val="65000"/>
+                    <a:lumOff val="35000"/>
+                  </a:schemeClr>
+                </a:solidFill>
+                <a:latin typeface="思源黑体 CN Normal" panose="020B0400000000000000" pitchFamily="34" charset="-122"/>
+                <a:ea typeface="思源黑体 CN Normal" panose="020B0400000000000000" pitchFamily="34" charset="-122"/>
+                <a:sym typeface="字魂105号-简雅黑" panose="00000500000000000000" pitchFamily="2" charset="-122"/>
+              </a:rPr>
+              <a:t>启动时系统配置</a:t>
+            </a:r>
+          </a:p>
+          <a:p>
+            <a:pPr>
+              <a:lnSpc>
+                <a:spcPct val="150000"/>
+              </a:lnSpc>
+            </a:pPr>
+            <a:r>
+              <a:rPr lang="en-US" altLang="zh-CN" sz="2400" dirty="0">
+                <a:solidFill>
+                  <a:schemeClr val="tx1">
+                    <a:lumMod val="65000"/>
+                    <a:lumOff val="35000"/>
+                  </a:schemeClr>
+                </a:solidFill>
+                <a:latin typeface="思源黑体 CN Normal" panose="020B0400000000000000" pitchFamily="34" charset="-122"/>
+                <a:ea typeface="思源黑体 CN Normal" panose="020B0400000000000000" pitchFamily="34" charset="-122"/>
+                <a:sym typeface="字魂105号-简雅黑" panose="00000500000000000000" pitchFamily="2" charset="-122"/>
+              </a:rPr>
+              <a:t>5. </a:t>
+            </a:r>
+            <a:r>
+              <a:rPr lang="zh-CN" altLang="en-US" sz="2400" dirty="0">
+                <a:solidFill>
+                  <a:schemeClr val="tx1">
+                    <a:lumMod val="65000"/>
+                    <a:lumOff val="35000"/>
+                  </a:schemeClr>
+                </a:solidFill>
+                <a:latin typeface="思源黑体 CN Normal" panose="020B0400000000000000" pitchFamily="34" charset="-122"/>
+                <a:ea typeface="思源黑体 CN Normal" panose="020B0400000000000000" pitchFamily="34" charset="-122"/>
+                <a:sym typeface="字魂105号-简雅黑" panose="00000500000000000000" pitchFamily="2" charset="-122"/>
+              </a:rPr>
+              <a:t>启动前系统基础配置</a:t>
+            </a:r>
+            <a:endParaRPr lang="en-US" altLang="zh-CN" sz="2400" dirty="0">
+              <a:solidFill>
+                <a:schemeClr val="tx1">
+                  <a:lumMod val="65000"/>
+                  <a:lumOff val="35000"/>
+                </a:schemeClr>
+              </a:solidFill>
+              <a:latin typeface="思源黑体 CN Normal" panose="020B0400000000000000" pitchFamily="34" charset="-122"/>
+              <a:ea typeface="思源黑体 CN Normal" panose="020B0400000000000000" pitchFamily="34" charset="-122"/>
+              <a:sym typeface="字魂105号-简雅黑" panose="00000500000000000000" pitchFamily="2" charset="-122"/>
+            </a:endParaRPr>
+          </a:p>
+          <a:p>
+            <a:pPr>
+              <a:lnSpc>
+                <a:spcPct val="150000"/>
+              </a:lnSpc>
+            </a:pPr>
+            <a:r>
+              <a:rPr lang="zh-CN" altLang="en-US" sz="2400" dirty="0">
+                <a:solidFill>
+                  <a:schemeClr val="tx1">
+                    <a:lumMod val="65000"/>
+                    <a:lumOff val="35000"/>
+                  </a:schemeClr>
+                </a:solidFill>
+                <a:latin typeface="思源黑体 CN Normal" panose="020B0400000000000000" pitchFamily="34" charset="-122"/>
+                <a:ea typeface="思源黑体 CN Normal" panose="020B0400000000000000" pitchFamily="34" charset="-122"/>
+                <a:sym typeface="字魂105号-简雅黑" panose="00000500000000000000" pitchFamily="2" charset="-122"/>
+              </a:rPr>
+              <a:t>本次仅支持了</a:t>
+            </a:r>
+            <a:r>
+              <a:rPr lang="en-US" altLang="zh-CN" sz="2400" dirty="0">
+                <a:solidFill>
+                  <a:schemeClr val="tx1">
+                    <a:lumMod val="65000"/>
+                    <a:lumOff val="35000"/>
+                  </a:schemeClr>
+                </a:solidFill>
+                <a:latin typeface="思源黑体 CN Normal" panose="020B0400000000000000" pitchFamily="34" charset="-122"/>
+                <a:ea typeface="思源黑体 CN Normal" panose="020B0400000000000000" pitchFamily="34" charset="-122"/>
+                <a:sym typeface="字魂105号-简雅黑" panose="00000500000000000000" pitchFamily="2" charset="-122"/>
+              </a:rPr>
+              <a:t>1</a:t>
+            </a:r>
+            <a:r>
+              <a:rPr lang="zh-CN" altLang="en-US" sz="2400" dirty="0">
+                <a:solidFill>
+                  <a:schemeClr val="tx1">
+                    <a:lumMod val="65000"/>
+                    <a:lumOff val="35000"/>
+                  </a:schemeClr>
+                </a:solidFill>
+                <a:latin typeface="思源黑体 CN Normal" panose="020B0400000000000000" pitchFamily="34" charset="-122"/>
+                <a:ea typeface="思源黑体 CN Normal" panose="020B0400000000000000" pitchFamily="34" charset="-122"/>
+                <a:sym typeface="字魂105号-简雅黑" panose="00000500000000000000" pitchFamily="2" charset="-122"/>
+              </a:rPr>
+              <a:t>，</a:t>
+            </a:r>
+            <a:r>
+              <a:rPr lang="en-US" altLang="zh-CN" sz="2400" dirty="0">
+                <a:solidFill>
+                  <a:schemeClr val="tx1">
+                    <a:lumMod val="65000"/>
+                    <a:lumOff val="35000"/>
+                  </a:schemeClr>
+                </a:solidFill>
+                <a:latin typeface="思源黑体 CN Normal" panose="020B0400000000000000" pitchFamily="34" charset="-122"/>
+                <a:ea typeface="思源黑体 CN Normal" panose="020B0400000000000000" pitchFamily="34" charset="-122"/>
+                <a:sym typeface="字魂105号-简雅黑" panose="00000500000000000000" pitchFamily="2" charset="-122"/>
+              </a:rPr>
+              <a:t>2</a:t>
+            </a:r>
+            <a:r>
+              <a:rPr lang="zh-CN" altLang="en-US" sz="2400" dirty="0">
+                <a:solidFill>
+                  <a:schemeClr val="tx1">
+                    <a:lumMod val="65000"/>
+                    <a:lumOff val="35000"/>
+                  </a:schemeClr>
+                </a:solidFill>
+                <a:latin typeface="思源黑体 CN Normal" panose="020B0400000000000000" pitchFamily="34" charset="-122"/>
+                <a:ea typeface="思源黑体 CN Normal" panose="020B0400000000000000" pitchFamily="34" charset="-122"/>
+                <a:sym typeface="字魂105号-简雅黑" panose="00000500000000000000" pitchFamily="2" charset="-122"/>
+              </a:rPr>
+              <a:t>，</a:t>
+            </a:r>
+            <a:r>
+              <a:rPr lang="en-US" altLang="zh-CN" sz="2400" dirty="0">
+                <a:solidFill>
+                  <a:schemeClr val="tx1">
+                    <a:lumMod val="65000"/>
+                    <a:lumOff val="35000"/>
+                  </a:schemeClr>
+                </a:solidFill>
+                <a:latin typeface="思源黑体 CN Normal" panose="020B0400000000000000" pitchFamily="34" charset="-122"/>
+                <a:ea typeface="思源黑体 CN Normal" panose="020B0400000000000000" pitchFamily="34" charset="-122"/>
+                <a:sym typeface="字魂105号-简雅黑" panose="00000500000000000000" pitchFamily="2" charset="-122"/>
+              </a:rPr>
+              <a:t>5</a:t>
+            </a:r>
+            <a:r>
+              <a:rPr lang="zh-CN" altLang="en-US" sz="2400" dirty="0">
+                <a:solidFill>
+                  <a:schemeClr val="tx1">
+                    <a:lumMod val="65000"/>
+                    <a:lumOff val="35000"/>
+                  </a:schemeClr>
+                </a:solidFill>
+                <a:latin typeface="思源黑体 CN Normal" panose="020B0400000000000000" pitchFamily="34" charset="-122"/>
+                <a:ea typeface="思源黑体 CN Normal" panose="020B0400000000000000" pitchFamily="34" charset="-122"/>
+                <a:sym typeface="字魂105号-简雅黑" panose="00000500000000000000" pitchFamily="2" charset="-122"/>
+              </a:rPr>
+              <a:t>及</a:t>
+            </a:r>
+            <a:r>
+              <a:rPr lang="en-US" altLang="zh-CN" sz="2400" dirty="0">
+                <a:solidFill>
+                  <a:schemeClr val="tx1">
+                    <a:lumMod val="65000"/>
+                    <a:lumOff val="35000"/>
+                  </a:schemeClr>
+                </a:solidFill>
+                <a:latin typeface="思源黑体 CN Normal" panose="020B0400000000000000" pitchFamily="34" charset="-122"/>
+                <a:ea typeface="思源黑体 CN Normal" panose="020B0400000000000000" pitchFamily="34" charset="-122"/>
+                <a:sym typeface="字魂105号-简雅黑" panose="00000500000000000000" pitchFamily="2" charset="-122"/>
+              </a:rPr>
+              <a:t>4</a:t>
+            </a:r>
+            <a:r>
+              <a:rPr lang="zh-CN" altLang="en-US" sz="2400" dirty="0">
+                <a:solidFill>
+                  <a:schemeClr val="tx1">
+                    <a:lumMod val="65000"/>
+                    <a:lumOff val="35000"/>
+                  </a:schemeClr>
+                </a:solidFill>
+                <a:latin typeface="思源黑体 CN Normal" panose="020B0400000000000000" pitchFamily="34" charset="-122"/>
+                <a:ea typeface="思源黑体 CN Normal" panose="020B0400000000000000" pitchFamily="34" charset="-122"/>
+                <a:sym typeface="字魂105号-简雅黑" panose="00000500000000000000" pitchFamily="2" charset="-122"/>
+              </a:rPr>
+              <a:t>的一部分。下面依次讨论：</a:t>
+            </a:r>
+            <a:endParaRPr lang="en-US" altLang="zh-CN" sz="2400" dirty="0">
+              <a:solidFill>
+                <a:schemeClr val="tx1">
+                  <a:lumMod val="65000"/>
+                  <a:lumOff val="35000"/>
+                </a:schemeClr>
+              </a:solidFill>
+              <a:latin typeface="思源黑体 CN Normal" panose="020B0400000000000000" pitchFamily="34" charset="-122"/>
+              <a:ea typeface="思源黑体 CN Normal" panose="020B0400000000000000" pitchFamily="34" charset="-122"/>
+              <a:sym typeface="字魂105号-简雅黑" panose="00000500000000000000" pitchFamily="2" charset="-122"/>
+            </a:endParaRPr>
           </a:p>
         </p:txBody>
       </p:sp>
     </p:spTree>
     <p:extLst>
       <p:ext uri="{BB962C8B-B14F-4D97-AF65-F5344CB8AC3E}">
-        <p14:creationId xmlns:p14="http://schemas.microsoft.com/office/powerpoint/2010/main" val="1812813249"/>
+        <p14:creationId xmlns:p14="http://schemas.microsoft.com/office/powerpoint/2010/main" val="3749389517"/>
       </p:ext>
     </p:extLst>
   </p:cSld>
@@ -15915,6 +15459,1004 @@
 </file>
 
 <file path=ppt/slides/slide31.xml><?xml version="1.0" encoding="utf-8"?>
+<p:sld xmlns:a="http://schemas.openxmlformats.org/drawingml/2006/main" xmlns:r="http://schemas.openxmlformats.org/officeDocument/2006/relationships" xmlns:p="http://schemas.openxmlformats.org/presentationml/2006/main">
+  <p:cSld>
+    <p:spTree>
+      <p:nvGrpSpPr>
+        <p:cNvPr id="1" name=""/>
+        <p:cNvGrpSpPr/>
+        <p:nvPr/>
+      </p:nvGrpSpPr>
+      <p:grpSpPr>
+        <a:xfrm>
+          <a:off x="0" y="0"/>
+          <a:ext cx="0" cy="0"/>
+          <a:chOff x="0" y="0"/>
+          <a:chExt cx="0" cy="0"/>
+        </a:xfrm>
+      </p:grpSpPr>
+      <p:sp>
+        <p:nvSpPr>
+          <p:cNvPr id="15" name="矩形 14">
+            <a:extLst>
+              <a:ext uri="{FF2B5EF4-FFF2-40B4-BE49-F238E27FC236}">
+                <a16:creationId xmlns:a16="http://schemas.microsoft.com/office/drawing/2014/main" id="{0A5641CF-1FCF-97FF-600C-EE9F81103969}"/>
+              </a:ext>
+            </a:extLst>
+          </p:cNvPr>
+          <p:cNvSpPr/>
+          <p:nvPr/>
+        </p:nvSpPr>
+        <p:spPr>
+          <a:xfrm>
+            <a:off x="0" y="541383"/>
+            <a:ext cx="4239584" cy="648674"/>
+          </a:xfrm>
+          <a:prstGeom prst="rect">
+            <a:avLst/>
+          </a:prstGeom>
+          <a:solidFill>
+            <a:srgbClr val="AC4243"/>
+          </a:solidFill>
+          <a:ln>
+            <a:noFill/>
+          </a:ln>
+        </p:spPr>
+        <p:style>
+          <a:lnRef idx="2">
+            <a:schemeClr val="accent1">
+              <a:shade val="50000"/>
+            </a:schemeClr>
+          </a:lnRef>
+          <a:fillRef idx="1">
+            <a:schemeClr val="accent1"/>
+          </a:fillRef>
+          <a:effectRef idx="0">
+            <a:schemeClr val="accent1"/>
+          </a:effectRef>
+          <a:fontRef idx="minor">
+            <a:schemeClr val="lt1"/>
+          </a:fontRef>
+        </p:style>
+        <p:txBody>
+          <a:bodyPr rtlCol="0" anchor="ctr"/>
+          <a:lstStyle/>
+          <a:p>
+            <a:pPr algn="ctr"/>
+            <a:r>
+              <a:rPr lang="en-US" altLang="zh-CN" sz="3200">
+                <a:solidFill>
+                  <a:schemeClr val="bg1"/>
+                </a:solidFill>
+                <a:latin typeface="微软雅黑" panose="020B0503020204020204" pitchFamily="34" charset="-122"/>
+                <a:ea typeface="微软雅黑" panose="020B0503020204020204" pitchFamily="34" charset="-122"/>
+              </a:rPr>
+              <a:t>Arm</a:t>
+            </a:r>
+            <a:r>
+              <a:rPr lang="zh-CN" altLang="en-US" sz="3200">
+                <a:solidFill>
+                  <a:schemeClr val="bg1"/>
+                </a:solidFill>
+                <a:latin typeface="微软雅黑" panose="020B0503020204020204" pitchFamily="34" charset="-122"/>
+                <a:ea typeface="微软雅黑" panose="020B0503020204020204" pitchFamily="34" charset="-122"/>
+              </a:rPr>
+              <a:t>架构支持</a:t>
+            </a:r>
+            <a:endParaRPr lang="zh-CN" altLang="en-US" sz="3200" dirty="0">
+              <a:solidFill>
+                <a:schemeClr val="bg1"/>
+              </a:solidFill>
+              <a:latin typeface="微软雅黑" panose="020B0503020204020204" pitchFamily="34" charset="-122"/>
+              <a:ea typeface="微软雅黑" panose="020B0503020204020204" pitchFamily="34" charset="-122"/>
+            </a:endParaRPr>
+          </a:p>
+        </p:txBody>
+      </p:sp>
+      <p:sp>
+        <p:nvSpPr>
+          <p:cNvPr id="41" name="学论网-www.xuelun.me">
+            <a:extLst>
+              <a:ext uri="{FF2B5EF4-FFF2-40B4-BE49-F238E27FC236}">
+                <a16:creationId xmlns:a16="http://schemas.microsoft.com/office/drawing/2014/main" id="{7C8BF99F-AD84-CB06-C87E-3DEE0D37D8E5}"/>
+              </a:ext>
+            </a:extLst>
+          </p:cNvPr>
+          <p:cNvSpPr txBox="1"/>
+          <p:nvPr/>
+        </p:nvSpPr>
+        <p:spPr>
+          <a:xfrm>
+            <a:off x="844952" y="1539432"/>
+            <a:ext cx="9798021" cy="1042721"/>
+          </a:xfrm>
+          <a:prstGeom prst="rect">
+            <a:avLst/>
+          </a:prstGeom>
+          <a:noFill/>
+          <a:ln>
+            <a:noFill/>
+          </a:ln>
+        </p:spPr>
+        <p:txBody>
+          <a:bodyPr wrap="square" lIns="0" tIns="0" rIns="0" bIns="0" rtlCol="0">
+            <a:spAutoFit/>
+          </a:bodyPr>
+          <a:lstStyle/>
+          <a:p>
+            <a:pPr>
+              <a:lnSpc>
+                <a:spcPct val="150000"/>
+              </a:lnSpc>
+            </a:pPr>
+            <a:r>
+              <a:rPr lang="en-US" altLang="zh-CN" sz="2400" dirty="0">
+                <a:solidFill>
+                  <a:schemeClr val="tx1">
+                    <a:lumMod val="65000"/>
+                    <a:lumOff val="35000"/>
+                  </a:schemeClr>
+                </a:solidFill>
+                <a:latin typeface="思源黑体 CN Normal" panose="020B0400000000000000" pitchFamily="34" charset="-122"/>
+                <a:ea typeface="思源黑体 CN Normal" panose="020B0400000000000000" pitchFamily="34" charset="-122"/>
+                <a:sym typeface="字魂105号-简雅黑" panose="00000500000000000000" pitchFamily="2" charset="-122"/>
+              </a:rPr>
+              <a:t>1. </a:t>
+            </a:r>
+            <a:r>
+              <a:rPr lang="zh-CN" altLang="en-US" sz="2400" dirty="0">
+                <a:solidFill>
+                  <a:schemeClr val="tx1">
+                    <a:lumMod val="65000"/>
+                    <a:lumOff val="35000"/>
+                  </a:schemeClr>
+                </a:solidFill>
+                <a:latin typeface="思源黑体 CN Normal" panose="020B0400000000000000" pitchFamily="34" charset="-122"/>
+                <a:ea typeface="思源黑体 CN Normal" panose="020B0400000000000000" pitchFamily="34" charset="-122"/>
+                <a:sym typeface="字魂105号-简雅黑" panose="00000500000000000000" pitchFamily="2" charset="-122"/>
+              </a:rPr>
+              <a:t>仅需要实现两个函数，既关闭中断及开启中断。根据</a:t>
+            </a:r>
+            <a:r>
+              <a:rPr lang="en-US" altLang="zh-CN" sz="2400" dirty="0">
+                <a:solidFill>
+                  <a:schemeClr val="tx1">
+                    <a:lumMod val="65000"/>
+                    <a:lumOff val="35000"/>
+                  </a:schemeClr>
+                </a:solidFill>
+                <a:latin typeface="思源黑体 CN Normal" panose="020B0400000000000000" pitchFamily="34" charset="-122"/>
+                <a:ea typeface="思源黑体 CN Normal" panose="020B0400000000000000" pitchFamily="34" charset="-122"/>
+                <a:sym typeface="字魂105号-简雅黑" panose="00000500000000000000" pitchFamily="2" charset="-122"/>
+              </a:rPr>
+              <a:t>armv7A</a:t>
+            </a:r>
+            <a:r>
+              <a:rPr lang="zh-CN" altLang="en-US" sz="2400" dirty="0">
+                <a:solidFill>
+                  <a:schemeClr val="tx1">
+                    <a:lumMod val="65000"/>
+                    <a:lumOff val="35000"/>
+                  </a:schemeClr>
+                </a:solidFill>
+                <a:latin typeface="思源黑体 CN Normal" panose="020B0400000000000000" pitchFamily="34" charset="-122"/>
+                <a:ea typeface="思源黑体 CN Normal" panose="020B0400000000000000" pitchFamily="34" charset="-122"/>
+                <a:sym typeface="字魂105号-简雅黑" panose="00000500000000000000" pitchFamily="2" charset="-122"/>
+              </a:rPr>
+              <a:t>架构手册，</a:t>
+            </a:r>
+            <a:r>
+              <a:rPr lang="en-US" altLang="zh-CN" sz="2400" dirty="0">
+                <a:solidFill>
+                  <a:schemeClr val="tx1">
+                    <a:lumMod val="65000"/>
+                    <a:lumOff val="35000"/>
+                  </a:schemeClr>
+                </a:solidFill>
+                <a:latin typeface="思源黑体 CN Normal" panose="020B0400000000000000" pitchFamily="34" charset="-122"/>
+                <a:ea typeface="思源黑体 CN Normal" panose="020B0400000000000000" pitchFamily="34" charset="-122"/>
+                <a:sym typeface="字魂105号-简雅黑" panose="00000500000000000000" pitchFamily="2" charset="-122"/>
+              </a:rPr>
+              <a:t>arm</a:t>
+            </a:r>
+            <a:r>
+              <a:rPr lang="zh-CN" altLang="en-US" sz="2400" dirty="0">
+                <a:solidFill>
+                  <a:schemeClr val="tx1">
+                    <a:lumMod val="65000"/>
+                    <a:lumOff val="35000"/>
+                  </a:schemeClr>
+                </a:solidFill>
+                <a:latin typeface="思源黑体 CN Normal" panose="020B0400000000000000" pitchFamily="34" charset="-122"/>
+                <a:ea typeface="思源黑体 CN Normal" panose="020B0400000000000000" pitchFamily="34" charset="-122"/>
+                <a:sym typeface="字魂105号-简雅黑" panose="00000500000000000000" pitchFamily="2" charset="-122"/>
+              </a:rPr>
+              <a:t>的中断分为</a:t>
+            </a:r>
+            <a:r>
+              <a:rPr lang="en-US" altLang="zh-CN" sz="2400" dirty="0">
+                <a:solidFill>
+                  <a:schemeClr val="tx1">
+                    <a:lumMod val="65000"/>
+                    <a:lumOff val="35000"/>
+                  </a:schemeClr>
+                </a:solidFill>
+                <a:latin typeface="思源黑体 CN Normal" panose="020B0400000000000000" pitchFamily="34" charset="-122"/>
+                <a:ea typeface="思源黑体 CN Normal" panose="020B0400000000000000" pitchFamily="34" charset="-122"/>
+                <a:sym typeface="字魂105号-简雅黑" panose="00000500000000000000" pitchFamily="2" charset="-122"/>
+              </a:rPr>
+              <a:t>FIQ</a:t>
+            </a:r>
+            <a:r>
+              <a:rPr lang="zh-CN" altLang="en-US" sz="2400" dirty="0">
+                <a:solidFill>
+                  <a:schemeClr val="tx1">
+                    <a:lumMod val="65000"/>
+                    <a:lumOff val="35000"/>
+                  </a:schemeClr>
+                </a:solidFill>
+                <a:latin typeface="思源黑体 CN Normal" panose="020B0400000000000000" pitchFamily="34" charset="-122"/>
+                <a:ea typeface="思源黑体 CN Normal" panose="020B0400000000000000" pitchFamily="34" charset="-122"/>
+                <a:sym typeface="字魂105号-简雅黑" panose="00000500000000000000" pitchFamily="2" charset="-122"/>
+              </a:rPr>
+              <a:t>与</a:t>
+            </a:r>
+            <a:r>
+              <a:rPr lang="en-US" altLang="zh-CN" sz="2400" dirty="0">
+                <a:solidFill>
+                  <a:schemeClr val="tx1">
+                    <a:lumMod val="65000"/>
+                    <a:lumOff val="35000"/>
+                  </a:schemeClr>
+                </a:solidFill>
+                <a:latin typeface="思源黑体 CN Normal" panose="020B0400000000000000" pitchFamily="34" charset="-122"/>
+                <a:ea typeface="思源黑体 CN Normal" panose="020B0400000000000000" pitchFamily="34" charset="-122"/>
+                <a:sym typeface="字魂105号-简雅黑" panose="00000500000000000000" pitchFamily="2" charset="-122"/>
+              </a:rPr>
+              <a:t>IRQ</a:t>
+            </a:r>
+            <a:r>
+              <a:rPr lang="zh-CN" altLang="en-US" sz="2400" dirty="0">
+                <a:solidFill>
+                  <a:schemeClr val="tx1">
+                    <a:lumMod val="65000"/>
+                    <a:lumOff val="35000"/>
+                  </a:schemeClr>
+                </a:solidFill>
+                <a:latin typeface="思源黑体 CN Normal" panose="020B0400000000000000" pitchFamily="34" charset="-122"/>
+                <a:ea typeface="思源黑体 CN Normal" panose="020B0400000000000000" pitchFamily="34" charset="-122"/>
+                <a:sym typeface="字魂105号-简雅黑" panose="00000500000000000000" pitchFamily="2" charset="-122"/>
+              </a:rPr>
+              <a:t>两类，关闭时都需要置位。</a:t>
+            </a:r>
+            <a:endParaRPr lang="en-US" altLang="zh-CN" sz="2400" dirty="0">
+              <a:solidFill>
+                <a:schemeClr val="tx1">
+                  <a:lumMod val="65000"/>
+                  <a:lumOff val="35000"/>
+                </a:schemeClr>
+              </a:solidFill>
+              <a:latin typeface="思源黑体 CN Normal" panose="020B0400000000000000" pitchFamily="34" charset="-122"/>
+              <a:ea typeface="思源黑体 CN Normal" panose="020B0400000000000000" pitchFamily="34" charset="-122"/>
+              <a:sym typeface="字魂105号-简雅黑" panose="00000500000000000000" pitchFamily="2" charset="-122"/>
+            </a:endParaRPr>
+          </a:p>
+        </p:txBody>
+      </p:sp>
+      <p:pic>
+        <p:nvPicPr>
+          <p:cNvPr id="4" name="图片 3">
+            <a:extLst>
+              <a:ext uri="{FF2B5EF4-FFF2-40B4-BE49-F238E27FC236}">
+                <a16:creationId xmlns:a16="http://schemas.microsoft.com/office/drawing/2014/main" id="{003F8F79-3E9E-3596-D824-35261E64209D}"/>
+              </a:ext>
+            </a:extLst>
+          </p:cNvPr>
+          <p:cNvPicPr>
+            <a:picLocks noChangeAspect="1"/>
+          </p:cNvPicPr>
+          <p:nvPr/>
+        </p:nvPicPr>
+        <p:blipFill>
+          <a:blip r:embed="rId2"/>
+          <a:stretch>
+            <a:fillRect/>
+          </a:stretch>
+        </p:blipFill>
+        <p:spPr>
+          <a:xfrm>
+            <a:off x="3264061" y="2582153"/>
+            <a:ext cx="4356625" cy="4038201"/>
+          </a:xfrm>
+          <a:prstGeom prst="rect">
+            <a:avLst/>
+          </a:prstGeom>
+        </p:spPr>
+      </p:pic>
+    </p:spTree>
+    <p:extLst>
+      <p:ext uri="{BB962C8B-B14F-4D97-AF65-F5344CB8AC3E}">
+        <p14:creationId xmlns:p14="http://schemas.microsoft.com/office/powerpoint/2010/main" val="3175472640"/>
+      </p:ext>
+    </p:extLst>
+  </p:cSld>
+  <p:clrMapOvr>
+    <a:masterClrMapping/>
+  </p:clrMapOvr>
+</p:sld>
+</file>
+
+<file path=ppt/slides/slide32.xml><?xml version="1.0" encoding="utf-8"?>
+<p:sld xmlns:a="http://schemas.openxmlformats.org/drawingml/2006/main" xmlns:r="http://schemas.openxmlformats.org/officeDocument/2006/relationships" xmlns:p="http://schemas.openxmlformats.org/presentationml/2006/main">
+  <p:cSld>
+    <p:spTree>
+      <p:nvGrpSpPr>
+        <p:cNvPr id="1" name=""/>
+        <p:cNvGrpSpPr/>
+        <p:nvPr/>
+      </p:nvGrpSpPr>
+      <p:grpSpPr>
+        <a:xfrm>
+          <a:off x="0" y="0"/>
+          <a:ext cx="0" cy="0"/>
+          <a:chOff x="0" y="0"/>
+          <a:chExt cx="0" cy="0"/>
+        </a:xfrm>
+      </p:grpSpPr>
+      <p:sp>
+        <p:nvSpPr>
+          <p:cNvPr id="15" name="矩形 14">
+            <a:extLst>
+              <a:ext uri="{FF2B5EF4-FFF2-40B4-BE49-F238E27FC236}">
+                <a16:creationId xmlns:a16="http://schemas.microsoft.com/office/drawing/2014/main" id="{0A5641CF-1FCF-97FF-600C-EE9F81103969}"/>
+              </a:ext>
+            </a:extLst>
+          </p:cNvPr>
+          <p:cNvSpPr/>
+          <p:nvPr/>
+        </p:nvSpPr>
+        <p:spPr>
+          <a:xfrm>
+            <a:off x="0" y="541383"/>
+            <a:ext cx="4239584" cy="648674"/>
+          </a:xfrm>
+          <a:prstGeom prst="rect">
+            <a:avLst/>
+          </a:prstGeom>
+          <a:solidFill>
+            <a:srgbClr val="AC4243"/>
+          </a:solidFill>
+          <a:ln>
+            <a:noFill/>
+          </a:ln>
+        </p:spPr>
+        <p:style>
+          <a:lnRef idx="2">
+            <a:schemeClr val="accent1">
+              <a:shade val="50000"/>
+            </a:schemeClr>
+          </a:lnRef>
+          <a:fillRef idx="1">
+            <a:schemeClr val="accent1"/>
+          </a:fillRef>
+          <a:effectRef idx="0">
+            <a:schemeClr val="accent1"/>
+          </a:effectRef>
+          <a:fontRef idx="minor">
+            <a:schemeClr val="lt1"/>
+          </a:fontRef>
+        </p:style>
+        <p:txBody>
+          <a:bodyPr rtlCol="0" anchor="ctr"/>
+          <a:lstStyle/>
+          <a:p>
+            <a:pPr algn="ctr"/>
+            <a:r>
+              <a:rPr lang="en-US" altLang="zh-CN" sz="3200">
+                <a:solidFill>
+                  <a:schemeClr val="bg1"/>
+                </a:solidFill>
+                <a:latin typeface="微软雅黑" panose="020B0503020204020204" pitchFamily="34" charset="-122"/>
+                <a:ea typeface="微软雅黑" panose="020B0503020204020204" pitchFamily="34" charset="-122"/>
+              </a:rPr>
+              <a:t>Arm</a:t>
+            </a:r>
+            <a:r>
+              <a:rPr lang="zh-CN" altLang="en-US" sz="3200">
+                <a:solidFill>
+                  <a:schemeClr val="bg1"/>
+                </a:solidFill>
+                <a:latin typeface="微软雅黑" panose="020B0503020204020204" pitchFamily="34" charset="-122"/>
+                <a:ea typeface="微软雅黑" panose="020B0503020204020204" pitchFamily="34" charset="-122"/>
+              </a:rPr>
+              <a:t>架构支持</a:t>
+            </a:r>
+            <a:endParaRPr lang="zh-CN" altLang="en-US" sz="3200" dirty="0">
+              <a:solidFill>
+                <a:schemeClr val="bg1"/>
+              </a:solidFill>
+              <a:latin typeface="微软雅黑" panose="020B0503020204020204" pitchFamily="34" charset="-122"/>
+              <a:ea typeface="微软雅黑" panose="020B0503020204020204" pitchFamily="34" charset="-122"/>
+            </a:endParaRPr>
+          </a:p>
+        </p:txBody>
+      </p:sp>
+      <p:sp>
+        <p:nvSpPr>
+          <p:cNvPr id="41" name="学论网-www.xuelun.me">
+            <a:extLst>
+              <a:ext uri="{FF2B5EF4-FFF2-40B4-BE49-F238E27FC236}">
+                <a16:creationId xmlns:a16="http://schemas.microsoft.com/office/drawing/2014/main" id="{7C8BF99F-AD84-CB06-C87E-3DEE0D37D8E5}"/>
+              </a:ext>
+            </a:extLst>
+          </p:cNvPr>
+          <p:cNvSpPr txBox="1"/>
+          <p:nvPr/>
+        </p:nvSpPr>
+        <p:spPr>
+          <a:xfrm>
+            <a:off x="844952" y="1539432"/>
+            <a:ext cx="9798021" cy="4920706"/>
+          </a:xfrm>
+          <a:prstGeom prst="rect">
+            <a:avLst/>
+          </a:prstGeom>
+          <a:noFill/>
+          <a:ln>
+            <a:noFill/>
+          </a:ln>
+        </p:spPr>
+        <p:txBody>
+          <a:bodyPr wrap="square" lIns="0" tIns="0" rIns="0" bIns="0" rtlCol="0">
+            <a:spAutoFit/>
+          </a:bodyPr>
+          <a:lstStyle/>
+          <a:p>
+            <a:pPr>
+              <a:lnSpc>
+                <a:spcPct val="150000"/>
+              </a:lnSpc>
+            </a:pPr>
+            <a:r>
+              <a:rPr lang="en-US" altLang="zh-CN" sz="2400" dirty="0">
+                <a:solidFill>
+                  <a:schemeClr val="tx1">
+                    <a:lumMod val="65000"/>
+                    <a:lumOff val="35000"/>
+                  </a:schemeClr>
+                </a:solidFill>
+                <a:latin typeface="思源黑体 CN Normal" panose="020B0400000000000000" pitchFamily="34" charset="-122"/>
+                <a:ea typeface="思源黑体 CN Normal" panose="020B0400000000000000" pitchFamily="34" charset="-122"/>
+                <a:sym typeface="字魂105号-简雅黑" panose="00000500000000000000" pitchFamily="2" charset="-122"/>
+              </a:rPr>
+              <a:t>2. </a:t>
+            </a:r>
+            <a:r>
+              <a:rPr lang="zh-CN" altLang="en-US" sz="2400" dirty="0">
+                <a:solidFill>
+                  <a:schemeClr val="tx1">
+                    <a:lumMod val="65000"/>
+                    <a:lumOff val="35000"/>
+                  </a:schemeClr>
+                </a:solidFill>
+                <a:latin typeface="思源黑体 CN Normal" panose="020B0400000000000000" pitchFamily="34" charset="-122"/>
+                <a:ea typeface="思源黑体 CN Normal" panose="020B0400000000000000" pitchFamily="34" charset="-122"/>
+                <a:sym typeface="字魂105号-简雅黑" panose="00000500000000000000" pitchFamily="2" charset="-122"/>
+              </a:rPr>
+              <a:t>页表部分主要是需要将架构专用页表转换为通用页表。根据架构手册，</a:t>
+            </a:r>
+            <a:r>
+              <a:rPr lang="en-US" altLang="zh-CN" sz="2400" dirty="0">
+                <a:solidFill>
+                  <a:schemeClr val="tx1">
+                    <a:lumMod val="65000"/>
+                    <a:lumOff val="35000"/>
+                  </a:schemeClr>
+                </a:solidFill>
+                <a:latin typeface="思源黑体 CN Normal" panose="020B0400000000000000" pitchFamily="34" charset="-122"/>
+                <a:ea typeface="思源黑体 CN Normal" panose="020B0400000000000000" pitchFamily="34" charset="-122"/>
+                <a:sym typeface="字魂105号-简雅黑" panose="00000500000000000000" pitchFamily="2" charset="-122"/>
+              </a:rPr>
+              <a:t>arm</a:t>
+            </a:r>
+            <a:r>
+              <a:rPr lang="zh-CN" altLang="en-US" sz="2400" dirty="0">
+                <a:solidFill>
+                  <a:schemeClr val="tx1">
+                    <a:lumMod val="65000"/>
+                    <a:lumOff val="35000"/>
+                  </a:schemeClr>
+                </a:solidFill>
+                <a:latin typeface="思源黑体 CN Normal" panose="020B0400000000000000" pitchFamily="34" charset="-122"/>
+                <a:ea typeface="思源黑体 CN Normal" panose="020B0400000000000000" pitchFamily="34" charset="-122"/>
+                <a:sym typeface="字魂105号-简雅黑" panose="00000500000000000000" pitchFamily="2" charset="-122"/>
+              </a:rPr>
+              <a:t>支持</a:t>
+            </a:r>
+            <a:r>
+              <a:rPr lang="en-US" altLang="zh-CN" sz="2400" dirty="0">
+                <a:solidFill>
+                  <a:schemeClr val="tx1">
+                    <a:lumMod val="65000"/>
+                    <a:lumOff val="35000"/>
+                  </a:schemeClr>
+                </a:solidFill>
+                <a:latin typeface="思源黑体 CN Normal" panose="020B0400000000000000" pitchFamily="34" charset="-122"/>
+                <a:ea typeface="思源黑体 CN Normal" panose="020B0400000000000000" pitchFamily="34" charset="-122"/>
+                <a:sym typeface="字魂105号-简雅黑" panose="00000500000000000000" pitchFamily="2" charset="-122"/>
+              </a:rPr>
+              <a:t>`Short-descriptor translation table format`</a:t>
+            </a:r>
+            <a:r>
+              <a:rPr lang="zh-CN" altLang="en-US" sz="2400" dirty="0">
+                <a:solidFill>
+                  <a:schemeClr val="tx1">
+                    <a:lumMod val="65000"/>
+                    <a:lumOff val="35000"/>
+                  </a:schemeClr>
+                </a:solidFill>
+                <a:latin typeface="思源黑体 CN Normal" panose="020B0400000000000000" pitchFamily="34" charset="-122"/>
+                <a:ea typeface="思源黑体 CN Normal" panose="020B0400000000000000" pitchFamily="34" charset="-122"/>
+                <a:sym typeface="字魂105号-简雅黑" panose="00000500000000000000" pitchFamily="2" charset="-122"/>
+              </a:rPr>
+              <a:t>与</a:t>
+            </a:r>
+            <a:r>
+              <a:rPr lang="en-US" altLang="zh-CN" sz="2400" dirty="0">
+                <a:solidFill>
+                  <a:schemeClr val="tx1">
+                    <a:lumMod val="65000"/>
+                    <a:lumOff val="35000"/>
+                  </a:schemeClr>
+                </a:solidFill>
+                <a:latin typeface="思源黑体 CN Normal" panose="020B0400000000000000" pitchFamily="34" charset="-122"/>
+                <a:ea typeface="思源黑体 CN Normal" panose="020B0400000000000000" pitchFamily="34" charset="-122"/>
+                <a:sym typeface="字魂105号-简雅黑" panose="00000500000000000000" pitchFamily="2" charset="-122"/>
+              </a:rPr>
+              <a:t>`Long-descriptor translation table format`</a:t>
+            </a:r>
+            <a:r>
+              <a:rPr lang="zh-CN" altLang="en-US" sz="2400" dirty="0">
+                <a:solidFill>
+                  <a:schemeClr val="tx1">
+                    <a:lumMod val="65000"/>
+                    <a:lumOff val="35000"/>
+                  </a:schemeClr>
+                </a:solidFill>
+                <a:latin typeface="思源黑体 CN Normal" panose="020B0400000000000000" pitchFamily="34" charset="-122"/>
+                <a:ea typeface="思源黑体 CN Normal" panose="020B0400000000000000" pitchFamily="34" charset="-122"/>
+                <a:sym typeface="字魂105号-简雅黑" panose="00000500000000000000" pitchFamily="2" charset="-122"/>
+              </a:rPr>
+              <a:t>，但是根据手册后者属于扩展内容，不一定都支持，由此仅支持前者。在</a:t>
+            </a:r>
+            <a:r>
+              <a:rPr lang="en-US" altLang="zh-CN" sz="2400" dirty="0">
+                <a:solidFill>
+                  <a:schemeClr val="tx1">
+                    <a:lumMod val="65000"/>
+                    <a:lumOff val="35000"/>
+                  </a:schemeClr>
+                </a:solidFill>
+                <a:latin typeface="思源黑体 CN Normal" panose="020B0400000000000000" pitchFamily="34" charset="-122"/>
+                <a:ea typeface="思源黑体 CN Normal" panose="020B0400000000000000" pitchFamily="34" charset="-122"/>
+                <a:sym typeface="字魂105号-简雅黑" panose="00000500000000000000" pitchFamily="2" charset="-122"/>
+              </a:rPr>
+              <a:t>`Short-descriptor translation table format`</a:t>
+            </a:r>
+            <a:r>
+              <a:rPr lang="zh-CN" altLang="en-US" sz="2400" dirty="0">
+                <a:solidFill>
+                  <a:schemeClr val="tx1">
+                    <a:lumMod val="65000"/>
+                    <a:lumOff val="35000"/>
+                  </a:schemeClr>
+                </a:solidFill>
+                <a:latin typeface="思源黑体 CN Normal" panose="020B0400000000000000" pitchFamily="34" charset="-122"/>
+                <a:ea typeface="思源黑体 CN Normal" panose="020B0400000000000000" pitchFamily="34" charset="-122"/>
+                <a:sym typeface="字魂105号-简雅黑" panose="00000500000000000000" pitchFamily="2" charset="-122"/>
+              </a:rPr>
+              <a:t>内部，又分为三种格式，分别为</a:t>
+            </a:r>
+            <a:r>
+              <a:rPr lang="en-US" altLang="zh-CN" sz="2400" dirty="0">
+                <a:solidFill>
+                  <a:schemeClr val="tx1">
+                    <a:lumMod val="65000"/>
+                    <a:lumOff val="35000"/>
+                  </a:schemeClr>
+                </a:solidFill>
+                <a:latin typeface="思源黑体 CN Normal" panose="020B0400000000000000" pitchFamily="34" charset="-122"/>
+                <a:ea typeface="思源黑体 CN Normal" panose="020B0400000000000000" pitchFamily="34" charset="-122"/>
+                <a:sym typeface="字魂105号-简雅黑" panose="00000500000000000000" pitchFamily="2" charset="-122"/>
+              </a:rPr>
+              <a:t>`Page table`,`Section`,`</a:t>
+            </a:r>
+            <a:r>
+              <a:rPr lang="en-US" altLang="zh-CN" sz="2400" dirty="0" err="1">
+                <a:solidFill>
+                  <a:schemeClr val="tx1">
+                    <a:lumMod val="65000"/>
+                    <a:lumOff val="35000"/>
+                  </a:schemeClr>
+                </a:solidFill>
+                <a:latin typeface="思源黑体 CN Normal" panose="020B0400000000000000" pitchFamily="34" charset="-122"/>
+                <a:ea typeface="思源黑体 CN Normal" panose="020B0400000000000000" pitchFamily="34" charset="-122"/>
+                <a:sym typeface="字魂105号-简雅黑" panose="00000500000000000000" pitchFamily="2" charset="-122"/>
+              </a:rPr>
+              <a:t>Supersection</a:t>
+            </a:r>
+            <a:r>
+              <a:rPr lang="en-US" altLang="zh-CN" sz="2400" dirty="0">
+                <a:solidFill>
+                  <a:schemeClr val="tx1">
+                    <a:lumMod val="65000"/>
+                    <a:lumOff val="35000"/>
+                  </a:schemeClr>
+                </a:solidFill>
+                <a:latin typeface="思源黑体 CN Normal" panose="020B0400000000000000" pitchFamily="34" charset="-122"/>
+                <a:ea typeface="思源黑体 CN Normal" panose="020B0400000000000000" pitchFamily="34" charset="-122"/>
+                <a:sym typeface="字魂105号-简雅黑" panose="00000500000000000000" pitchFamily="2" charset="-122"/>
+              </a:rPr>
+              <a:t>`</a:t>
+            </a:r>
+            <a:r>
+              <a:rPr lang="zh-CN" altLang="en-US" sz="2400" dirty="0">
+                <a:solidFill>
+                  <a:schemeClr val="tx1">
+                    <a:lumMod val="65000"/>
+                    <a:lumOff val="35000"/>
+                  </a:schemeClr>
+                </a:solidFill>
+                <a:latin typeface="思源黑体 CN Normal" panose="020B0400000000000000" pitchFamily="34" charset="-122"/>
+                <a:ea typeface="思源黑体 CN Normal" panose="020B0400000000000000" pitchFamily="34" charset="-122"/>
+                <a:sym typeface="字魂105号-简雅黑" panose="00000500000000000000" pitchFamily="2" charset="-122"/>
+              </a:rPr>
+              <a:t>，本次实现仅支持第一个。使用</a:t>
+            </a:r>
+            <a:r>
+              <a:rPr lang="en-US" altLang="zh-CN" sz="2400" dirty="0">
+                <a:solidFill>
+                  <a:schemeClr val="tx1">
+                    <a:lumMod val="65000"/>
+                    <a:lumOff val="35000"/>
+                  </a:schemeClr>
+                </a:solidFill>
+                <a:latin typeface="思源黑体 CN Normal" panose="020B0400000000000000" pitchFamily="34" charset="-122"/>
+                <a:ea typeface="思源黑体 CN Normal" panose="020B0400000000000000" pitchFamily="34" charset="-122"/>
+                <a:sym typeface="字魂105号-简雅黑" panose="00000500000000000000" pitchFamily="2" charset="-122"/>
+              </a:rPr>
+              <a:t>`Page table`</a:t>
+            </a:r>
+            <a:r>
+              <a:rPr lang="zh-CN" altLang="en-US" sz="2400" dirty="0">
+                <a:solidFill>
+                  <a:schemeClr val="tx1">
+                    <a:lumMod val="65000"/>
+                    <a:lumOff val="35000"/>
+                  </a:schemeClr>
+                </a:solidFill>
+                <a:latin typeface="思源黑体 CN Normal" panose="020B0400000000000000" pitchFamily="34" charset="-122"/>
+                <a:ea typeface="思源黑体 CN Normal" panose="020B0400000000000000" pitchFamily="34" charset="-122"/>
+                <a:sym typeface="字魂105号-简雅黑" panose="00000500000000000000" pitchFamily="2" charset="-122"/>
+              </a:rPr>
+              <a:t>时事实上第一次访存得到的是一级页表项（二级描述符）的入口地址，还需二次访存得到具体的物理帧。而一级页也分为两个大小，需要分别支持。</a:t>
+            </a:r>
+            <a:endParaRPr lang="en-US" altLang="zh-CN" sz="2400" dirty="0">
+              <a:solidFill>
+                <a:schemeClr val="tx1">
+                  <a:lumMod val="65000"/>
+                  <a:lumOff val="35000"/>
+                </a:schemeClr>
+              </a:solidFill>
+              <a:latin typeface="思源黑体 CN Normal" panose="020B0400000000000000" pitchFamily="34" charset="-122"/>
+              <a:ea typeface="思源黑体 CN Normal" panose="020B0400000000000000" pitchFamily="34" charset="-122"/>
+              <a:sym typeface="字魂105号-简雅黑" panose="00000500000000000000" pitchFamily="2" charset="-122"/>
+            </a:endParaRPr>
+          </a:p>
+        </p:txBody>
+      </p:sp>
+    </p:spTree>
+    <p:extLst>
+      <p:ext uri="{BB962C8B-B14F-4D97-AF65-F5344CB8AC3E}">
+        <p14:creationId xmlns:p14="http://schemas.microsoft.com/office/powerpoint/2010/main" val="1367972135"/>
+      </p:ext>
+    </p:extLst>
+  </p:cSld>
+  <p:clrMapOvr>
+    <a:masterClrMapping/>
+  </p:clrMapOvr>
+</p:sld>
+</file>
+
+<file path=ppt/slides/slide33.xml><?xml version="1.0" encoding="utf-8"?>
+<p:sld xmlns:a="http://schemas.openxmlformats.org/drawingml/2006/main" xmlns:r="http://schemas.openxmlformats.org/officeDocument/2006/relationships" xmlns:p="http://schemas.openxmlformats.org/presentationml/2006/main">
+  <p:cSld>
+    <p:spTree>
+      <p:nvGrpSpPr>
+        <p:cNvPr id="1" name=""/>
+        <p:cNvGrpSpPr/>
+        <p:nvPr/>
+      </p:nvGrpSpPr>
+      <p:grpSpPr>
+        <a:xfrm>
+          <a:off x="0" y="0"/>
+          <a:ext cx="0" cy="0"/>
+          <a:chOff x="0" y="0"/>
+          <a:chExt cx="0" cy="0"/>
+        </a:xfrm>
+      </p:grpSpPr>
+      <p:sp>
+        <p:nvSpPr>
+          <p:cNvPr id="15" name="矩形 14">
+            <a:extLst>
+              <a:ext uri="{FF2B5EF4-FFF2-40B4-BE49-F238E27FC236}">
+                <a16:creationId xmlns:a16="http://schemas.microsoft.com/office/drawing/2014/main" id="{0A5641CF-1FCF-97FF-600C-EE9F81103969}"/>
+              </a:ext>
+            </a:extLst>
+          </p:cNvPr>
+          <p:cNvSpPr/>
+          <p:nvPr/>
+        </p:nvSpPr>
+        <p:spPr>
+          <a:xfrm>
+            <a:off x="0" y="541383"/>
+            <a:ext cx="4239584" cy="648674"/>
+          </a:xfrm>
+          <a:prstGeom prst="rect">
+            <a:avLst/>
+          </a:prstGeom>
+          <a:solidFill>
+            <a:srgbClr val="AC4243"/>
+          </a:solidFill>
+          <a:ln>
+            <a:noFill/>
+          </a:ln>
+        </p:spPr>
+        <p:style>
+          <a:lnRef idx="2">
+            <a:schemeClr val="accent1">
+              <a:shade val="50000"/>
+            </a:schemeClr>
+          </a:lnRef>
+          <a:fillRef idx="1">
+            <a:schemeClr val="accent1"/>
+          </a:fillRef>
+          <a:effectRef idx="0">
+            <a:schemeClr val="accent1"/>
+          </a:effectRef>
+          <a:fontRef idx="minor">
+            <a:schemeClr val="lt1"/>
+          </a:fontRef>
+        </p:style>
+        <p:txBody>
+          <a:bodyPr rtlCol="0" anchor="ctr"/>
+          <a:lstStyle/>
+          <a:p>
+            <a:pPr algn="ctr"/>
+            <a:r>
+              <a:rPr lang="en-US" altLang="zh-CN" sz="3200">
+                <a:solidFill>
+                  <a:schemeClr val="bg1"/>
+                </a:solidFill>
+                <a:latin typeface="微软雅黑" panose="020B0503020204020204" pitchFamily="34" charset="-122"/>
+                <a:ea typeface="微软雅黑" panose="020B0503020204020204" pitchFamily="34" charset="-122"/>
+              </a:rPr>
+              <a:t>Arm</a:t>
+            </a:r>
+            <a:r>
+              <a:rPr lang="zh-CN" altLang="en-US" sz="3200">
+                <a:solidFill>
+                  <a:schemeClr val="bg1"/>
+                </a:solidFill>
+                <a:latin typeface="微软雅黑" panose="020B0503020204020204" pitchFamily="34" charset="-122"/>
+                <a:ea typeface="微软雅黑" panose="020B0503020204020204" pitchFamily="34" charset="-122"/>
+              </a:rPr>
+              <a:t>架构支持</a:t>
+            </a:r>
+            <a:endParaRPr lang="zh-CN" altLang="en-US" sz="3200" dirty="0">
+              <a:solidFill>
+                <a:schemeClr val="bg1"/>
+              </a:solidFill>
+              <a:latin typeface="微软雅黑" panose="020B0503020204020204" pitchFamily="34" charset="-122"/>
+              <a:ea typeface="微软雅黑" panose="020B0503020204020204" pitchFamily="34" charset="-122"/>
+            </a:endParaRPr>
+          </a:p>
+        </p:txBody>
+      </p:sp>
+      <p:pic>
+        <p:nvPicPr>
+          <p:cNvPr id="4" name="图片 3" descr="图示, 示意图&#10;&#10;描述已自动生成">
+            <a:extLst>
+              <a:ext uri="{FF2B5EF4-FFF2-40B4-BE49-F238E27FC236}">
+                <a16:creationId xmlns:a16="http://schemas.microsoft.com/office/drawing/2014/main" id="{DD85E695-A283-C9B1-48CF-D6A4DCEE5E15}"/>
+              </a:ext>
+            </a:extLst>
+          </p:cNvPr>
+          <p:cNvPicPr>
+            <a:picLocks noChangeAspect="1"/>
+          </p:cNvPicPr>
+          <p:nvPr/>
+        </p:nvPicPr>
+        <p:blipFill>
+          <a:blip r:embed="rId2">
+            <a:extLst>
+              <a:ext uri="{28A0092B-C50C-407E-A947-70E740481C1C}">
+                <a14:useLocalDpi xmlns:a14="http://schemas.microsoft.com/office/drawing/2010/main" val="0"/>
+              </a:ext>
+            </a:extLst>
+          </a:blip>
+          <a:stretch>
+            <a:fillRect/>
+          </a:stretch>
+        </p:blipFill>
+        <p:spPr>
+          <a:xfrm>
+            <a:off x="2003289" y="1190057"/>
+            <a:ext cx="7652986" cy="5328106"/>
+          </a:xfrm>
+          <a:prstGeom prst="rect">
+            <a:avLst/>
+          </a:prstGeom>
+        </p:spPr>
+      </p:pic>
+    </p:spTree>
+    <p:extLst>
+      <p:ext uri="{BB962C8B-B14F-4D97-AF65-F5344CB8AC3E}">
+        <p14:creationId xmlns:p14="http://schemas.microsoft.com/office/powerpoint/2010/main" val="2777099323"/>
+      </p:ext>
+    </p:extLst>
+  </p:cSld>
+  <p:clrMapOvr>
+    <a:masterClrMapping/>
+  </p:clrMapOvr>
+</p:sld>
+</file>
+
+<file path=ppt/slides/slide34.xml><?xml version="1.0" encoding="utf-8"?>
+<p:sld xmlns:a="http://schemas.openxmlformats.org/drawingml/2006/main" xmlns:r="http://schemas.openxmlformats.org/officeDocument/2006/relationships" xmlns:p="http://schemas.openxmlformats.org/presentationml/2006/main">
+  <p:cSld>
+    <p:spTree>
+      <p:nvGrpSpPr>
+        <p:cNvPr id="1" name=""/>
+        <p:cNvGrpSpPr/>
+        <p:nvPr/>
+      </p:nvGrpSpPr>
+      <p:grpSpPr>
+        <a:xfrm>
+          <a:off x="0" y="0"/>
+          <a:ext cx="0" cy="0"/>
+          <a:chOff x="0" y="0"/>
+          <a:chExt cx="0" cy="0"/>
+        </a:xfrm>
+      </p:grpSpPr>
+      <p:sp>
+        <p:nvSpPr>
+          <p:cNvPr id="15" name="矩形 14">
+            <a:extLst>
+              <a:ext uri="{FF2B5EF4-FFF2-40B4-BE49-F238E27FC236}">
+                <a16:creationId xmlns:a16="http://schemas.microsoft.com/office/drawing/2014/main" id="{0A5641CF-1FCF-97FF-600C-EE9F81103969}"/>
+              </a:ext>
+            </a:extLst>
+          </p:cNvPr>
+          <p:cNvSpPr/>
+          <p:nvPr/>
+        </p:nvSpPr>
+        <p:spPr>
+          <a:xfrm>
+            <a:off x="0" y="541383"/>
+            <a:ext cx="4239584" cy="648674"/>
+          </a:xfrm>
+          <a:prstGeom prst="rect">
+            <a:avLst/>
+          </a:prstGeom>
+          <a:solidFill>
+            <a:srgbClr val="AC4243"/>
+          </a:solidFill>
+          <a:ln>
+            <a:noFill/>
+          </a:ln>
+        </p:spPr>
+        <p:style>
+          <a:lnRef idx="2">
+            <a:schemeClr val="accent1">
+              <a:shade val="50000"/>
+            </a:schemeClr>
+          </a:lnRef>
+          <a:fillRef idx="1">
+            <a:schemeClr val="accent1"/>
+          </a:fillRef>
+          <a:effectRef idx="0">
+            <a:schemeClr val="accent1"/>
+          </a:effectRef>
+          <a:fontRef idx="minor">
+            <a:schemeClr val="lt1"/>
+          </a:fontRef>
+        </p:style>
+        <p:txBody>
+          <a:bodyPr rtlCol="0" anchor="ctr"/>
+          <a:lstStyle/>
+          <a:p>
+            <a:pPr algn="ctr"/>
+            <a:r>
+              <a:rPr lang="en-US" altLang="zh-CN" sz="3200">
+                <a:solidFill>
+                  <a:schemeClr val="bg1"/>
+                </a:solidFill>
+                <a:latin typeface="微软雅黑" panose="020B0503020204020204" pitchFamily="34" charset="-122"/>
+                <a:ea typeface="微软雅黑" panose="020B0503020204020204" pitchFamily="34" charset="-122"/>
+              </a:rPr>
+              <a:t>Arm</a:t>
+            </a:r>
+            <a:r>
+              <a:rPr lang="zh-CN" altLang="en-US" sz="3200">
+                <a:solidFill>
+                  <a:schemeClr val="bg1"/>
+                </a:solidFill>
+                <a:latin typeface="微软雅黑" panose="020B0503020204020204" pitchFamily="34" charset="-122"/>
+                <a:ea typeface="微软雅黑" panose="020B0503020204020204" pitchFamily="34" charset="-122"/>
+              </a:rPr>
+              <a:t>架构支持</a:t>
+            </a:r>
+            <a:endParaRPr lang="zh-CN" altLang="en-US" sz="3200" dirty="0">
+              <a:solidFill>
+                <a:schemeClr val="bg1"/>
+              </a:solidFill>
+              <a:latin typeface="微软雅黑" panose="020B0503020204020204" pitchFamily="34" charset="-122"/>
+              <a:ea typeface="微软雅黑" panose="020B0503020204020204" pitchFamily="34" charset="-122"/>
+            </a:endParaRPr>
+          </a:p>
+        </p:txBody>
+      </p:sp>
+      <p:pic>
+        <p:nvPicPr>
+          <p:cNvPr id="6" name="图片 5" descr="图形用户界面, 应用程序, 表格, Excel&#10;&#10;描述已自动生成">
+            <a:extLst>
+              <a:ext uri="{FF2B5EF4-FFF2-40B4-BE49-F238E27FC236}">
+                <a16:creationId xmlns:a16="http://schemas.microsoft.com/office/drawing/2014/main" id="{E0F5C43E-D747-6767-60BB-6421A07266EE}"/>
+              </a:ext>
+            </a:extLst>
+          </p:cNvPr>
+          <p:cNvPicPr>
+            <a:picLocks noChangeAspect="1"/>
+          </p:cNvPicPr>
+          <p:nvPr/>
+        </p:nvPicPr>
+        <p:blipFill>
+          <a:blip r:embed="rId2">
+            <a:extLst>
+              <a:ext uri="{28A0092B-C50C-407E-A947-70E740481C1C}">
+                <a14:useLocalDpi xmlns:a14="http://schemas.microsoft.com/office/drawing/2010/main" val="0"/>
+              </a:ext>
+            </a:extLst>
+          </a:blip>
+          <a:stretch>
+            <a:fillRect/>
+          </a:stretch>
+        </p:blipFill>
+        <p:spPr>
+          <a:xfrm>
+            <a:off x="1385887" y="1877449"/>
+            <a:ext cx="9420225" cy="4029075"/>
+          </a:xfrm>
+          <a:prstGeom prst="rect">
+            <a:avLst/>
+          </a:prstGeom>
+        </p:spPr>
+      </p:pic>
+    </p:spTree>
+    <p:extLst>
+      <p:ext uri="{BB962C8B-B14F-4D97-AF65-F5344CB8AC3E}">
+        <p14:creationId xmlns:p14="http://schemas.microsoft.com/office/powerpoint/2010/main" val="3982040972"/>
+      </p:ext>
+    </p:extLst>
+  </p:cSld>
+  <p:clrMapOvr>
+    <a:masterClrMapping/>
+  </p:clrMapOvr>
+</p:sld>
+</file>
+
+<file path=ppt/slides/slide35.xml><?xml version="1.0" encoding="utf-8"?>
 <p:sld xmlns:a="http://schemas.openxmlformats.org/drawingml/2006/main" xmlns:r="http://schemas.openxmlformats.org/officeDocument/2006/relationships" xmlns:p="http://schemas.openxmlformats.org/presentationml/2006/main">
   <p:cSld>
     <p:spTree>
@@ -17673,7 +18215,7 @@
 </p:sld>
 </file>
 
-<file path=ppt/slides/slide32.xml><?xml version="1.0" encoding="utf-8"?>
+<file path=ppt/slides/slide36.xml><?xml version="1.0" encoding="utf-8"?>
 <p:sld xmlns:a="http://schemas.openxmlformats.org/drawingml/2006/main" xmlns:r="http://schemas.openxmlformats.org/officeDocument/2006/relationships" xmlns:p="http://schemas.openxmlformats.org/presentationml/2006/main">
   <p:cSld>
     <p:spTree>
@@ -18443,7 +18985,7 @@
 </p:sld>
 </file>
 
-<file path=ppt/slides/slide33.xml><?xml version="1.0" encoding="utf-8"?>
+<file path=ppt/slides/slide37.xml><?xml version="1.0" encoding="utf-8"?>
 <p:sld xmlns:a="http://schemas.openxmlformats.org/drawingml/2006/main" xmlns:r="http://schemas.openxmlformats.org/officeDocument/2006/relationships" xmlns:p="http://schemas.openxmlformats.org/presentationml/2006/main">
   <p:cSld>
     <p:spTree>
@@ -19054,7 +19596,7 @@
 </p:sld>
 </file>
 
-<file path=ppt/slides/slide34.xml><?xml version="1.0" encoding="utf-8"?>
+<file path=ppt/slides/slide38.xml><?xml version="1.0" encoding="utf-8"?>
 <p:sld xmlns:a="http://schemas.openxmlformats.org/drawingml/2006/main" xmlns:r="http://schemas.openxmlformats.org/officeDocument/2006/relationships" xmlns:p="http://schemas.openxmlformats.org/presentationml/2006/main">
   <p:cSld>
     <p:spTree>
@@ -20183,7 +20725,7 @@
 </p:sld>
 </file>
 
-<file path=ppt/slides/slide35.xml><?xml version="1.0" encoding="utf-8"?>
+<file path=ppt/slides/slide39.xml><?xml version="1.0" encoding="utf-8"?>
 <p:sld xmlns:a="http://schemas.openxmlformats.org/drawingml/2006/main" xmlns:r="http://schemas.openxmlformats.org/officeDocument/2006/relationships" xmlns:p="http://schemas.openxmlformats.org/presentationml/2006/main">
   <p:cSld>
     <p:spTree>
@@ -20216,8 +20758,8 @@
         </p:nvSpPr>
         <p:spPr bwMode="auto">
           <a:xfrm>
-            <a:off x="741019" y="1620241"/>
-            <a:ext cx="10428790" cy="4465390"/>
+            <a:off x="741019" y="1623736"/>
+            <a:ext cx="10428790" cy="4458400"/>
           </a:xfrm>
           <a:prstGeom prst="rect">
             <a:avLst/>
@@ -20409,19 +20951,19 @@
                 </a:solidFill>
                 <a:ea typeface="思源黑体 CN Normal" panose="020B0400000000000000" pitchFamily="34" charset="-122"/>
               </a:rPr>
-              <a:t>​本次大作业虽未成功实现硬件部分，</a:t>
-            </a:r>
-            <a:r>
-              <a:rPr lang="zh-CN" altLang="zh-CN" sz="2400" dirty="0">
-                <a:solidFill>
-                  <a:schemeClr val="tx1">
-                    <a:lumMod val="65000"/>
-                    <a:lumOff val="35000"/>
-                  </a:schemeClr>
-                </a:solidFill>
-                <a:ea typeface="思源黑体 CN Normal" panose="020B0400000000000000" pitchFamily="34" charset="-122"/>
-              </a:rPr>
-              <a:t>但仍然实现了期望目标的主要功</a:t>
+              <a:t>​本次大作业虽未能成功实现硬件部分，但仍然实现了期望目标的主要功能，包括文件系统、进程调度和内存分配，填补了原先项目的空白。后续的</a:t>
+            </a:r>
+            <a:r>
+              <a:rPr lang="en-US" altLang="zh-CN" sz="2400" dirty="0" err="1">
+                <a:solidFill>
+                  <a:schemeClr val="tx1">
+                    <a:lumMod val="65000"/>
+                    <a:lumOff val="35000"/>
+                  </a:schemeClr>
+                </a:solidFill>
+                <a:ea typeface="思源黑体 CN Normal" panose="020B0400000000000000" pitchFamily="34" charset="-122"/>
+              </a:rPr>
+              <a:t>ArceOS</a:t>
             </a:r>
             <a:r>
               <a:rPr lang="zh-CN" altLang="en-US" sz="2400" dirty="0">
@@ -20433,19 +20975,31 @@
                 </a:solidFill>
                 <a:ea typeface="思源黑体 CN Normal" panose="020B0400000000000000" pitchFamily="34" charset="-122"/>
               </a:rPr>
-              <a:t>能，</a:t>
-            </a:r>
-            <a:r>
-              <a:rPr lang="zh-CN" altLang="zh-CN" sz="2400" dirty="0">
-                <a:solidFill>
-                  <a:schemeClr val="tx1">
-                    <a:lumMod val="65000"/>
-                    <a:lumOff val="35000"/>
-                  </a:schemeClr>
-                </a:solidFill>
-                <a:ea typeface="思源黑体 CN Normal" panose="020B0400000000000000" pitchFamily="34" charset="-122"/>
-              </a:rPr>
-              <a:t>包括文件系统、进程调度和内存分配，填补了原先项目的空白。后续的ArceOS开发者可以基于这些功能开发更多、更丰富的模块，壮大ArceOS的生态圈。</a:t>
+              <a:t>开发者可以基于这些功能开发更多、更丰富的模块，壮大</a:t>
+            </a:r>
+            <a:r>
+              <a:rPr lang="en-US" altLang="zh-CN" sz="2400" dirty="0" err="1">
+                <a:solidFill>
+                  <a:schemeClr val="tx1">
+                    <a:lumMod val="65000"/>
+                    <a:lumOff val="35000"/>
+                  </a:schemeClr>
+                </a:solidFill>
+                <a:ea typeface="思源黑体 CN Normal" panose="020B0400000000000000" pitchFamily="34" charset="-122"/>
+              </a:rPr>
+              <a:t>ArceOS</a:t>
+            </a:r>
+            <a:r>
+              <a:rPr lang="zh-CN" altLang="en-US" sz="2400" dirty="0">
+                <a:solidFill>
+                  <a:schemeClr val="tx1">
+                    <a:lumMod val="65000"/>
+                    <a:lumOff val="35000"/>
+                  </a:schemeClr>
+                </a:solidFill>
+                <a:ea typeface="思源黑体 CN Normal" panose="020B0400000000000000" pitchFamily="34" charset="-122"/>
+              </a:rPr>
+              <a:t>的生态圈。</a:t>
             </a:r>
             <a:endParaRPr lang="en-US" altLang="zh-CN" sz="2400" dirty="0">
               <a:solidFill>
@@ -20458,21 +21012,12 @@
             </a:endParaRPr>
           </a:p>
           <a:p>
-            <a:pPr marL="0" marR="0" lvl="0" indent="0" algn="l" defTabSz="914400" rtl="0" eaLnBrk="0" fontAlgn="base" latinLnBrk="0" hangingPunct="0">
+            <a:pPr marL="342900" lvl="0" indent="-342900">
               <a:lnSpc>
                 <a:spcPct val="150000"/>
               </a:lnSpc>
-              <a:spcBef>
-                <a:spcPct val="0"/>
-              </a:spcBef>
-              <a:spcAft>
-                <a:spcPct val="0"/>
-              </a:spcAft>
-              <a:buClrTx/>
-              <a:buSzTx/>
-              <a:buFontTx/>
-              <a:buNone/>
-              <a:tabLst/>
+              <a:buFont typeface="Wingdings" panose="05000000000000000000" pitchFamily="2" charset="2"/>
+              <a:buChar char="l"/>
             </a:pPr>
             <a:endParaRPr lang="zh-CN" altLang="zh-CN" sz="2400" dirty="0">
               <a:solidFill>
@@ -20581,7 +21126,1714 @@
 </p:sld>
 </file>
 
-<file path=ppt/slides/slide36.xml><?xml version="1.0" encoding="utf-8"?>
+<file path=ppt/slides/slide4.xml><?xml version="1.0" encoding="utf-8"?>
+<p:sld xmlns:a="http://schemas.openxmlformats.org/drawingml/2006/main" xmlns:r="http://schemas.openxmlformats.org/officeDocument/2006/relationships" xmlns:p="http://schemas.openxmlformats.org/presentationml/2006/main">
+  <p:cSld>
+    <p:spTree>
+      <p:nvGrpSpPr>
+        <p:cNvPr id="1" name=""/>
+        <p:cNvGrpSpPr/>
+        <p:nvPr/>
+      </p:nvGrpSpPr>
+      <p:grpSpPr>
+        <a:xfrm>
+          <a:off x="0" y="0"/>
+          <a:ext cx="0" cy="0"/>
+          <a:chOff x="0" y="0"/>
+          <a:chExt cx="0" cy="0"/>
+        </a:xfrm>
+      </p:grpSpPr>
+      <p:grpSp>
+        <p:nvGrpSpPr>
+          <p:cNvPr id="18" name="组合 17"/>
+          <p:cNvGrpSpPr/>
+          <p:nvPr/>
+        </p:nvGrpSpPr>
+        <p:grpSpPr>
+          <a:xfrm>
+            <a:off x="-97121" y="1253167"/>
+            <a:ext cx="2559495" cy="4063749"/>
+            <a:chOff x="1022470" y="1481251"/>
+            <a:chExt cx="2066102" cy="4063749"/>
+          </a:xfrm>
+        </p:grpSpPr>
+        <p:sp>
+          <p:nvSpPr>
+            <p:cNvPr id="19" name="任意多边形: 形状 185"/>
+            <p:cNvSpPr/>
+            <p:nvPr/>
+          </p:nvSpPr>
+          <p:spPr>
+            <a:xfrm rot="16200000">
+              <a:off x="64703" y="2439018"/>
+              <a:ext cx="3981636" cy="2066102"/>
+            </a:xfrm>
+            <a:custGeom>
+              <a:avLst/>
+              <a:gdLst>
+                <a:gd name="connsiteX0" fmla="*/ 0 w 3968423"/>
+                <a:gd name="connsiteY0" fmla="*/ 0 h 1933574"/>
+                <a:gd name="connsiteX1" fmla="*/ 3968423 w 3968423"/>
+                <a:gd name="connsiteY1" fmla="*/ 0 h 1933574"/>
+                <a:gd name="connsiteX2" fmla="*/ 3946431 w 3968423"/>
+                <a:gd name="connsiteY2" fmla="*/ 161996 h 1933574"/>
+                <a:gd name="connsiteX3" fmla="*/ 1984212 w 3968423"/>
+                <a:gd name="connsiteY3" fmla="*/ 1933574 h 1933574"/>
+                <a:gd name="connsiteX4" fmla="*/ 21992 w 3968423"/>
+                <a:gd name="connsiteY4" fmla="*/ 161996 h 1933574"/>
+                <a:gd name="connsiteX0-1" fmla="*/ 0 w 3968423"/>
+                <a:gd name="connsiteY0-2" fmla="*/ 19051 h 1952625"/>
+                <a:gd name="connsiteX1-3" fmla="*/ 304945 w 3968423"/>
+                <a:gd name="connsiteY1-4" fmla="*/ 0 h 1952625"/>
+                <a:gd name="connsiteX2-5" fmla="*/ 3968423 w 3968423"/>
+                <a:gd name="connsiteY2-6" fmla="*/ 19051 h 1952625"/>
+                <a:gd name="connsiteX3-7" fmla="*/ 3946431 w 3968423"/>
+                <a:gd name="connsiteY3-8" fmla="*/ 181047 h 1952625"/>
+                <a:gd name="connsiteX4-9" fmla="*/ 1984212 w 3968423"/>
+                <a:gd name="connsiteY4-10" fmla="*/ 1952625 h 1952625"/>
+                <a:gd name="connsiteX5" fmla="*/ 21992 w 3968423"/>
+                <a:gd name="connsiteY5" fmla="*/ 181047 h 1952625"/>
+                <a:gd name="connsiteX6" fmla="*/ 0 w 3968423"/>
+                <a:gd name="connsiteY6" fmla="*/ 19051 h 1952625"/>
+                <a:gd name="connsiteX0-11" fmla="*/ 0 w 3968423"/>
+                <a:gd name="connsiteY0-12" fmla="*/ 0 h 1933574"/>
+                <a:gd name="connsiteX1-13" fmla="*/ 3968423 w 3968423"/>
+                <a:gd name="connsiteY1-14" fmla="*/ 0 h 1933574"/>
+                <a:gd name="connsiteX2-15" fmla="*/ 3946431 w 3968423"/>
+                <a:gd name="connsiteY2-16" fmla="*/ 161996 h 1933574"/>
+                <a:gd name="connsiteX3-17" fmla="*/ 1984212 w 3968423"/>
+                <a:gd name="connsiteY3-18" fmla="*/ 1933574 h 1933574"/>
+                <a:gd name="connsiteX4-19" fmla="*/ 21992 w 3968423"/>
+                <a:gd name="connsiteY4-20" fmla="*/ 161996 h 1933574"/>
+                <a:gd name="connsiteX5-21" fmla="*/ 0 w 3968423"/>
+                <a:gd name="connsiteY5-22" fmla="*/ 0 h 1933574"/>
+                <a:gd name="connsiteX0-23" fmla="*/ 0 w 3968423"/>
+                <a:gd name="connsiteY0-24" fmla="*/ 14289 h 1947863"/>
+                <a:gd name="connsiteX1-25" fmla="*/ 328757 w 3968423"/>
+                <a:gd name="connsiteY1-26" fmla="*/ 0 h 1947863"/>
+                <a:gd name="connsiteX2-27" fmla="*/ 3968423 w 3968423"/>
+                <a:gd name="connsiteY2-28" fmla="*/ 14289 h 1947863"/>
+                <a:gd name="connsiteX3-29" fmla="*/ 3946431 w 3968423"/>
+                <a:gd name="connsiteY3-30" fmla="*/ 176285 h 1947863"/>
+                <a:gd name="connsiteX4-31" fmla="*/ 1984212 w 3968423"/>
+                <a:gd name="connsiteY4-32" fmla="*/ 1947863 h 1947863"/>
+                <a:gd name="connsiteX5-33" fmla="*/ 21992 w 3968423"/>
+                <a:gd name="connsiteY5-34" fmla="*/ 176285 h 1947863"/>
+                <a:gd name="connsiteX6-35" fmla="*/ 0 w 3968423"/>
+                <a:gd name="connsiteY6-36" fmla="*/ 14289 h 1947863"/>
+                <a:gd name="connsiteX0-37" fmla="*/ 328757 w 3968423"/>
+                <a:gd name="connsiteY0-38" fmla="*/ 0 h 1947863"/>
+                <a:gd name="connsiteX1-39" fmla="*/ 3968423 w 3968423"/>
+                <a:gd name="connsiteY1-40" fmla="*/ 14289 h 1947863"/>
+                <a:gd name="connsiteX2-41" fmla="*/ 3946431 w 3968423"/>
+                <a:gd name="connsiteY2-42" fmla="*/ 176285 h 1947863"/>
+                <a:gd name="connsiteX3-43" fmla="*/ 1984212 w 3968423"/>
+                <a:gd name="connsiteY3-44" fmla="*/ 1947863 h 1947863"/>
+                <a:gd name="connsiteX4-45" fmla="*/ 21992 w 3968423"/>
+                <a:gd name="connsiteY4-46" fmla="*/ 176285 h 1947863"/>
+                <a:gd name="connsiteX5-47" fmla="*/ 0 w 3968423"/>
+                <a:gd name="connsiteY5-48" fmla="*/ 14289 h 1947863"/>
+                <a:gd name="connsiteX6-49" fmla="*/ 420197 w 3968423"/>
+                <a:gd name="connsiteY6-50" fmla="*/ 91440 h 1947863"/>
+                <a:gd name="connsiteX0-51" fmla="*/ 328757 w 3968423"/>
+                <a:gd name="connsiteY0-52" fmla="*/ 0 h 1947863"/>
+                <a:gd name="connsiteX1-53" fmla="*/ 3968423 w 3968423"/>
+                <a:gd name="connsiteY1-54" fmla="*/ 14289 h 1947863"/>
+                <a:gd name="connsiteX2-55" fmla="*/ 3946431 w 3968423"/>
+                <a:gd name="connsiteY2-56" fmla="*/ 176285 h 1947863"/>
+                <a:gd name="connsiteX3-57" fmla="*/ 1984212 w 3968423"/>
+                <a:gd name="connsiteY3-58" fmla="*/ 1947863 h 1947863"/>
+                <a:gd name="connsiteX4-59" fmla="*/ 21992 w 3968423"/>
+                <a:gd name="connsiteY4-60" fmla="*/ 176285 h 1947863"/>
+                <a:gd name="connsiteX5-61" fmla="*/ 0 w 3968423"/>
+                <a:gd name="connsiteY5-62" fmla="*/ 14289 h 1947863"/>
+                <a:gd name="connsiteX0-63" fmla="*/ 3968423 w 3968423"/>
+                <a:gd name="connsiteY0-64" fmla="*/ 0 h 1933574"/>
+                <a:gd name="connsiteX1-65" fmla="*/ 3946431 w 3968423"/>
+                <a:gd name="connsiteY1-66" fmla="*/ 161996 h 1933574"/>
+                <a:gd name="connsiteX2-67" fmla="*/ 1984212 w 3968423"/>
+                <a:gd name="connsiteY2-68" fmla="*/ 1933574 h 1933574"/>
+                <a:gd name="connsiteX3-69" fmla="*/ 21992 w 3968423"/>
+                <a:gd name="connsiteY3-70" fmla="*/ 161996 h 1933574"/>
+                <a:gd name="connsiteX4-71" fmla="*/ 0 w 3968423"/>
+                <a:gd name="connsiteY4-72" fmla="*/ 0 h 1933574"/>
+              </a:gdLst>
+              <a:ahLst/>
+              <a:cxnLst>
+                <a:cxn ang="0">
+                  <a:pos x="connsiteX0-1" y="connsiteY0-2"/>
+                </a:cxn>
+                <a:cxn ang="0">
+                  <a:pos x="connsiteX1-3" y="connsiteY1-4"/>
+                </a:cxn>
+                <a:cxn ang="0">
+                  <a:pos x="connsiteX2-5" y="connsiteY2-6"/>
+                </a:cxn>
+                <a:cxn ang="0">
+                  <a:pos x="connsiteX3-7" y="connsiteY3-8"/>
+                </a:cxn>
+                <a:cxn ang="0">
+                  <a:pos x="connsiteX4-9" y="connsiteY4-10"/>
+                </a:cxn>
+              </a:cxnLst>
+              <a:rect l="l" t="t" r="r" b="b"/>
+              <a:pathLst>
+                <a:path w="3968423" h="1933574">
+                  <a:moveTo>
+                    <a:pt x="3968423" y="0"/>
+                  </a:moveTo>
+                  <a:lnTo>
+                    <a:pt x="3946431" y="161996"/>
+                  </a:lnTo>
+                  <a:cubicBezTo>
+                    <a:pt x="3764638" y="1172055"/>
+                    <a:pt x="2955217" y="1933574"/>
+                    <a:pt x="1984212" y="1933574"/>
+                  </a:cubicBezTo>
+                  <a:cubicBezTo>
+                    <a:pt x="1013203" y="1933574"/>
+                    <a:pt x="203783" y="1172055"/>
+                    <a:pt x="21992" y="161996"/>
+                  </a:cubicBezTo>
+                  <a:lnTo>
+                    <a:pt x="0" y="0"/>
+                  </a:lnTo>
+                </a:path>
+              </a:pathLst>
+            </a:custGeom>
+            <a:noFill/>
+            <a:ln>
+              <a:solidFill>
+                <a:schemeClr val="bg1">
+                  <a:lumMod val="85000"/>
+                </a:schemeClr>
+              </a:solidFill>
+            </a:ln>
+          </p:spPr>
+          <p:style>
+            <a:lnRef idx="2">
+              <a:schemeClr val="accent1">
+                <a:shade val="50000"/>
+              </a:schemeClr>
+            </a:lnRef>
+            <a:fillRef idx="1">
+              <a:schemeClr val="accent1"/>
+            </a:fillRef>
+            <a:effectRef idx="0">
+              <a:schemeClr val="accent1"/>
+            </a:effectRef>
+            <a:fontRef idx="minor">
+              <a:schemeClr val="lt1"/>
+            </a:fontRef>
+          </p:style>
+          <p:txBody>
+            <a:bodyPr wrap="square" rtlCol="0" anchor="ctr">
+              <a:noAutofit/>
+            </a:bodyPr>
+            <a:lstStyle/>
+            <a:p>
+              <a:pPr algn="ctr"/>
+              <a:endParaRPr lang="zh-CN" altLang="en-US"/>
+            </a:p>
+          </p:txBody>
+        </p:sp>
+        <p:sp>
+          <p:nvSpPr>
+            <p:cNvPr id="20" name="任意多边形: 形状 186"/>
+            <p:cNvSpPr/>
+            <p:nvPr/>
+          </p:nvSpPr>
+          <p:spPr>
+            <a:xfrm rot="16200000">
+              <a:off x="101594" y="2669337"/>
+              <a:ext cx="3914225" cy="1837102"/>
+            </a:xfrm>
+            <a:custGeom>
+              <a:avLst/>
+              <a:gdLst>
+                <a:gd name="connsiteX0" fmla="*/ 0 w 3901235"/>
+                <a:gd name="connsiteY0" fmla="*/ 0 h 1719263"/>
+                <a:gd name="connsiteX1" fmla="*/ 3901235 w 3901235"/>
+                <a:gd name="connsiteY1" fmla="*/ 0 h 1719263"/>
+                <a:gd name="connsiteX2" fmla="*/ 3871510 w 3901235"/>
+                <a:gd name="connsiteY2" fmla="*/ 134033 h 1719263"/>
+                <a:gd name="connsiteX3" fmla="*/ 1950618 w 3901235"/>
+                <a:gd name="connsiteY3" fmla="*/ 1719263 h 1719263"/>
+                <a:gd name="connsiteX4" fmla="*/ 29725 w 3901235"/>
+                <a:gd name="connsiteY4" fmla="*/ 134033 h 1719263"/>
+                <a:gd name="connsiteX0-1" fmla="*/ 0 w 3901235"/>
+                <a:gd name="connsiteY0-2" fmla="*/ 4764 h 1724027"/>
+                <a:gd name="connsiteX1-3" fmla="*/ 971439 w 3901235"/>
+                <a:gd name="connsiteY1-4" fmla="*/ 0 h 1724027"/>
+                <a:gd name="connsiteX2-5" fmla="*/ 3901235 w 3901235"/>
+                <a:gd name="connsiteY2-6" fmla="*/ 4764 h 1724027"/>
+                <a:gd name="connsiteX3-7" fmla="*/ 3871510 w 3901235"/>
+                <a:gd name="connsiteY3-8" fmla="*/ 138797 h 1724027"/>
+                <a:gd name="connsiteX4-9" fmla="*/ 1950618 w 3901235"/>
+                <a:gd name="connsiteY4-10" fmla="*/ 1724027 h 1724027"/>
+                <a:gd name="connsiteX5" fmla="*/ 29725 w 3901235"/>
+                <a:gd name="connsiteY5" fmla="*/ 138797 h 1724027"/>
+                <a:gd name="connsiteX6" fmla="*/ 0 w 3901235"/>
+                <a:gd name="connsiteY6" fmla="*/ 4764 h 1724027"/>
+                <a:gd name="connsiteX0-11" fmla="*/ 971439 w 3901235"/>
+                <a:gd name="connsiteY0-12" fmla="*/ 0 h 1724027"/>
+                <a:gd name="connsiteX1-13" fmla="*/ 3901235 w 3901235"/>
+                <a:gd name="connsiteY1-14" fmla="*/ 4764 h 1724027"/>
+                <a:gd name="connsiteX2-15" fmla="*/ 3871510 w 3901235"/>
+                <a:gd name="connsiteY2-16" fmla="*/ 138797 h 1724027"/>
+                <a:gd name="connsiteX3-17" fmla="*/ 1950618 w 3901235"/>
+                <a:gd name="connsiteY3-18" fmla="*/ 1724027 h 1724027"/>
+                <a:gd name="connsiteX4-19" fmla="*/ 29725 w 3901235"/>
+                <a:gd name="connsiteY4-20" fmla="*/ 138797 h 1724027"/>
+                <a:gd name="connsiteX5-21" fmla="*/ 0 w 3901235"/>
+                <a:gd name="connsiteY5-22" fmla="*/ 4764 h 1724027"/>
+                <a:gd name="connsiteX6-23" fmla="*/ 1062879 w 3901235"/>
+                <a:gd name="connsiteY6-24" fmla="*/ 91440 h 1724027"/>
+                <a:gd name="connsiteX0-25" fmla="*/ 971439 w 3901235"/>
+                <a:gd name="connsiteY0-26" fmla="*/ 0 h 1724027"/>
+                <a:gd name="connsiteX1-27" fmla="*/ 3901235 w 3901235"/>
+                <a:gd name="connsiteY1-28" fmla="*/ 4764 h 1724027"/>
+                <a:gd name="connsiteX2-29" fmla="*/ 3871510 w 3901235"/>
+                <a:gd name="connsiteY2-30" fmla="*/ 138797 h 1724027"/>
+                <a:gd name="connsiteX3-31" fmla="*/ 1950618 w 3901235"/>
+                <a:gd name="connsiteY3-32" fmla="*/ 1724027 h 1724027"/>
+                <a:gd name="connsiteX4-33" fmla="*/ 29725 w 3901235"/>
+                <a:gd name="connsiteY4-34" fmla="*/ 138797 h 1724027"/>
+                <a:gd name="connsiteX5-35" fmla="*/ 0 w 3901235"/>
+                <a:gd name="connsiteY5-36" fmla="*/ 4764 h 1724027"/>
+                <a:gd name="connsiteX0-37" fmla="*/ 3901235 w 3901235"/>
+                <a:gd name="connsiteY0-38" fmla="*/ 0 h 1719263"/>
+                <a:gd name="connsiteX1-39" fmla="*/ 3871510 w 3901235"/>
+                <a:gd name="connsiteY1-40" fmla="*/ 134033 h 1719263"/>
+                <a:gd name="connsiteX2-41" fmla="*/ 1950618 w 3901235"/>
+                <a:gd name="connsiteY2-42" fmla="*/ 1719263 h 1719263"/>
+                <a:gd name="connsiteX3-43" fmla="*/ 29725 w 3901235"/>
+                <a:gd name="connsiteY3-44" fmla="*/ 134033 h 1719263"/>
+                <a:gd name="connsiteX4-45" fmla="*/ 0 w 3901235"/>
+                <a:gd name="connsiteY4-46" fmla="*/ 0 h 1719263"/>
+              </a:gdLst>
+              <a:ahLst/>
+              <a:cxnLst>
+                <a:cxn ang="0">
+                  <a:pos x="connsiteX0-1" y="connsiteY0-2"/>
+                </a:cxn>
+                <a:cxn ang="0">
+                  <a:pos x="connsiteX1-3" y="connsiteY1-4"/>
+                </a:cxn>
+                <a:cxn ang="0">
+                  <a:pos x="connsiteX2-5" y="connsiteY2-6"/>
+                </a:cxn>
+                <a:cxn ang="0">
+                  <a:pos x="connsiteX3-7" y="connsiteY3-8"/>
+                </a:cxn>
+                <a:cxn ang="0">
+                  <a:pos x="connsiteX4-9" y="connsiteY4-10"/>
+                </a:cxn>
+              </a:cxnLst>
+              <a:rect l="l" t="t" r="r" b="b"/>
+              <a:pathLst>
+                <a:path w="3901235" h="1719263">
+                  <a:moveTo>
+                    <a:pt x="3901235" y="0"/>
+                  </a:moveTo>
+                  <a:lnTo>
+                    <a:pt x="3871510" y="134033"/>
+                  </a:lnTo>
+                  <a:cubicBezTo>
+                    <a:pt x="3629235" y="1049959"/>
+                    <a:pt x="2860935" y="1719263"/>
+                    <a:pt x="1950618" y="1719263"/>
+                  </a:cubicBezTo>
+                  <a:cubicBezTo>
+                    <a:pt x="1040298" y="1719263"/>
+                    <a:pt x="271998" y="1049959"/>
+                    <a:pt x="29725" y="134033"/>
+                  </a:cubicBezTo>
+                  <a:lnTo>
+                    <a:pt x="0" y="0"/>
+                  </a:lnTo>
+                </a:path>
+              </a:pathLst>
+            </a:custGeom>
+            <a:noFill/>
+            <a:ln>
+              <a:solidFill>
+                <a:srgbClr val="AC4243"/>
+              </a:solidFill>
+            </a:ln>
+          </p:spPr>
+          <p:style>
+            <a:lnRef idx="2">
+              <a:schemeClr val="accent1">
+                <a:shade val="50000"/>
+              </a:schemeClr>
+            </a:lnRef>
+            <a:fillRef idx="1">
+              <a:schemeClr val="accent1"/>
+            </a:fillRef>
+            <a:effectRef idx="0">
+              <a:schemeClr val="accent1"/>
+            </a:effectRef>
+            <a:fontRef idx="minor">
+              <a:schemeClr val="lt1"/>
+            </a:fontRef>
+          </p:style>
+          <p:txBody>
+            <a:bodyPr wrap="square" rtlCol="0" anchor="ctr">
+              <a:noAutofit/>
+            </a:bodyPr>
+            <a:lstStyle/>
+            <a:p>
+              <a:pPr algn="ctr"/>
+              <a:endParaRPr lang="zh-CN" altLang="en-US"/>
+            </a:p>
+          </p:txBody>
+        </p:sp>
+      </p:grpSp>
+      <p:sp>
+        <p:nvSpPr>
+          <p:cNvPr id="33" name="椭圆 32"/>
+          <p:cNvSpPr/>
+          <p:nvPr/>
+        </p:nvSpPr>
+        <p:spPr>
+          <a:xfrm>
+            <a:off x="-759511" y="1885309"/>
+            <a:ext cx="2976448" cy="2976448"/>
+          </a:xfrm>
+          <a:prstGeom prst="ellipse">
+            <a:avLst/>
+          </a:prstGeom>
+          <a:solidFill>
+            <a:srgbClr val="AC4243"/>
+          </a:solidFill>
+          <a:ln>
+            <a:noFill/>
+          </a:ln>
+        </p:spPr>
+        <p:style>
+          <a:lnRef idx="2">
+            <a:schemeClr val="accent1">
+              <a:shade val="50000"/>
+            </a:schemeClr>
+          </a:lnRef>
+          <a:fillRef idx="1">
+            <a:schemeClr val="accent1"/>
+          </a:fillRef>
+          <a:effectRef idx="0">
+            <a:schemeClr val="accent1"/>
+          </a:effectRef>
+          <a:fontRef idx="minor">
+            <a:schemeClr val="lt1"/>
+          </a:fontRef>
+        </p:style>
+        <p:txBody>
+          <a:bodyPr rtlCol="0" anchor="ctr"/>
+          <a:lstStyle/>
+          <a:p>
+            <a:pPr algn="ctr"/>
+            <a:endParaRPr lang="zh-CN" altLang="en-US"/>
+          </a:p>
+        </p:txBody>
+      </p:sp>
+      <p:cxnSp>
+        <p:nvCxnSpPr>
+          <p:cNvPr id="34" name="直接连接符 33"/>
+          <p:cNvCxnSpPr/>
+          <p:nvPr/>
+        </p:nvCxnSpPr>
+        <p:spPr>
+          <a:xfrm flipV="1">
+            <a:off x="4007576" y="1481250"/>
+            <a:ext cx="0" cy="3737552"/>
+          </a:xfrm>
+          <a:prstGeom prst="line">
+            <a:avLst/>
+          </a:prstGeom>
+          <a:ln w="19050">
+            <a:solidFill>
+              <a:srgbClr val="AC4243"/>
+            </a:solidFill>
+            <a:prstDash val="dash"/>
+          </a:ln>
+        </p:spPr>
+        <p:style>
+          <a:lnRef idx="1">
+            <a:schemeClr val="accent1"/>
+          </a:lnRef>
+          <a:fillRef idx="0">
+            <a:schemeClr val="accent1"/>
+          </a:fillRef>
+          <a:effectRef idx="0">
+            <a:schemeClr val="accent1"/>
+          </a:effectRef>
+          <a:fontRef idx="minor">
+            <a:schemeClr val="tx1"/>
+          </a:fontRef>
+        </p:style>
+      </p:cxnSp>
+      <p:sp>
+        <p:nvSpPr>
+          <p:cNvPr id="35" name="矩形 34"/>
+          <p:cNvSpPr/>
+          <p:nvPr/>
+        </p:nvSpPr>
+        <p:spPr>
+          <a:xfrm>
+            <a:off x="4407348" y="2274461"/>
+            <a:ext cx="3262432" cy="1015663"/>
+          </a:xfrm>
+          <a:prstGeom prst="rect">
+            <a:avLst/>
+          </a:prstGeom>
+        </p:spPr>
+        <p:txBody>
+          <a:bodyPr wrap="none">
+            <a:spAutoFit/>
+          </a:bodyPr>
+          <a:lstStyle/>
+          <a:p>
+            <a:pPr algn="ctr">
+              <a:defRPr/>
+            </a:pPr>
+            <a:r>
+              <a:rPr lang="zh-CN" altLang="en-US" sz="6000" kern="100">
+                <a:solidFill>
+                  <a:srgbClr val="AB1E21"/>
+                </a:solidFill>
+                <a:latin typeface="思源黑体 CN Medium" panose="020B0600000000000000" pitchFamily="34" charset="-122"/>
+                <a:ea typeface="思源黑体 CN Medium" panose="020B0600000000000000" pitchFamily="34" charset="-122"/>
+                <a:cs typeface="字魂59号-创粗黑" panose="00000500000000000000" charset="-122"/>
+              </a:rPr>
+              <a:t>项目调研</a:t>
+            </a:r>
+            <a:endParaRPr lang="zh-CN" altLang="en-US" sz="6000" kern="100" dirty="0">
+              <a:solidFill>
+                <a:srgbClr val="AB1E21"/>
+              </a:solidFill>
+              <a:latin typeface="思源黑体 CN Medium" panose="020B0600000000000000" pitchFamily="34" charset="-122"/>
+              <a:ea typeface="思源黑体 CN Medium" panose="020B0600000000000000" pitchFamily="34" charset="-122"/>
+              <a:cs typeface="字魂59号-创粗黑" panose="00000500000000000000" charset="-122"/>
+            </a:endParaRPr>
+          </a:p>
+        </p:txBody>
+      </p:sp>
+      <p:sp>
+        <p:nvSpPr>
+          <p:cNvPr id="36" name="矩形 35"/>
+          <p:cNvSpPr/>
+          <p:nvPr/>
+        </p:nvSpPr>
+        <p:spPr>
+          <a:xfrm>
+            <a:off x="4824431" y="3436308"/>
+            <a:ext cx="1210588" cy="400110"/>
+          </a:xfrm>
+          <a:prstGeom prst="rect">
+            <a:avLst/>
+          </a:prstGeom>
+        </p:spPr>
+        <p:txBody>
+          <a:bodyPr wrap="none">
+            <a:spAutoFit/>
+          </a:bodyPr>
+          <a:lstStyle/>
+          <a:p>
+            <a:r>
+              <a:rPr lang="zh-CN" altLang="en-US" sz="2000" dirty="0">
+                <a:solidFill>
+                  <a:srgbClr val="AB1E21"/>
+                </a:solidFill>
+                <a:latin typeface="思源黑体 CN Medium" panose="020B0600000000000000" pitchFamily="34" charset="-122"/>
+                <a:ea typeface="思源黑体 CN Medium" panose="020B0600000000000000" pitchFamily="34" charset="-122"/>
+              </a:rPr>
+              <a:t>项目背景</a:t>
+            </a:r>
+          </a:p>
+        </p:txBody>
+      </p:sp>
+      <p:sp>
+        <p:nvSpPr>
+          <p:cNvPr id="37" name="椭圆 36"/>
+          <p:cNvSpPr/>
+          <p:nvPr/>
+        </p:nvSpPr>
+        <p:spPr>
+          <a:xfrm>
+            <a:off x="4407337" y="3431657"/>
+            <a:ext cx="417094" cy="417094"/>
+          </a:xfrm>
+          <a:prstGeom prst="ellipse">
+            <a:avLst/>
+          </a:prstGeom>
+          <a:solidFill>
+            <a:srgbClr val="AC4243"/>
+          </a:solidFill>
+          <a:ln>
+            <a:noFill/>
+          </a:ln>
+        </p:spPr>
+        <p:style>
+          <a:lnRef idx="2">
+            <a:schemeClr val="accent1">
+              <a:shade val="50000"/>
+            </a:schemeClr>
+          </a:lnRef>
+          <a:fillRef idx="1">
+            <a:schemeClr val="accent1"/>
+          </a:fillRef>
+          <a:effectRef idx="0">
+            <a:schemeClr val="accent1"/>
+          </a:effectRef>
+          <a:fontRef idx="minor">
+            <a:schemeClr val="lt1"/>
+          </a:fontRef>
+        </p:style>
+        <p:txBody>
+          <a:bodyPr rtlCol="0" anchor="ctr"/>
+          <a:lstStyle/>
+          <a:p>
+            <a:pPr algn="ctr"/>
+            <a:r>
+              <a:rPr lang="en-US" altLang="zh-CN" sz="1600" dirty="0">
+                <a:solidFill>
+                  <a:schemeClr val="bg1"/>
+                </a:solidFill>
+                <a:latin typeface="思源黑体 CN Medium" panose="020B0600000000000000" pitchFamily="34" charset="-122"/>
+                <a:ea typeface="思源黑体 CN Medium" panose="020B0600000000000000" pitchFamily="34" charset="-122"/>
+              </a:rPr>
+              <a:t>1</a:t>
+            </a:r>
+            <a:endParaRPr lang="zh-CN" altLang="en-US" sz="1600" dirty="0">
+              <a:solidFill>
+                <a:schemeClr val="bg1"/>
+              </a:solidFill>
+              <a:latin typeface="思源黑体 CN Medium" panose="020B0600000000000000" pitchFamily="34" charset="-122"/>
+              <a:ea typeface="思源黑体 CN Medium" panose="020B0600000000000000" pitchFamily="34" charset="-122"/>
+            </a:endParaRPr>
+          </a:p>
+        </p:txBody>
+      </p:sp>
+      <p:sp>
+        <p:nvSpPr>
+          <p:cNvPr id="42" name="矩形 41"/>
+          <p:cNvSpPr/>
+          <p:nvPr/>
+        </p:nvSpPr>
+        <p:spPr>
+          <a:xfrm>
+            <a:off x="4824431" y="4336378"/>
+            <a:ext cx="1467068" cy="400110"/>
+          </a:xfrm>
+          <a:prstGeom prst="rect">
+            <a:avLst/>
+          </a:prstGeom>
+        </p:spPr>
+        <p:txBody>
+          <a:bodyPr wrap="none">
+            <a:spAutoFit/>
+          </a:bodyPr>
+          <a:lstStyle/>
+          <a:p>
+            <a:r>
+              <a:rPr lang="zh-CN" altLang="en-US" sz="2000" dirty="0">
+                <a:solidFill>
+                  <a:srgbClr val="AB1E21"/>
+                </a:solidFill>
+                <a:ea typeface="思源黑体 CN Medium" panose="020B0600000000000000" pitchFamily="34" charset="-122"/>
+              </a:rPr>
+              <a:t>重要性分析</a:t>
+            </a:r>
+            <a:endParaRPr lang="zh-CN" altLang="en-US" sz="2000" dirty="0">
+              <a:solidFill>
+                <a:srgbClr val="AB1E21"/>
+              </a:solidFill>
+              <a:latin typeface="思源黑体 CN Medium" panose="020B0600000000000000" pitchFamily="34" charset="-122"/>
+              <a:ea typeface="思源黑体 CN Medium" panose="020B0600000000000000" pitchFamily="34" charset="-122"/>
+            </a:endParaRPr>
+          </a:p>
+        </p:txBody>
+      </p:sp>
+      <p:sp>
+        <p:nvSpPr>
+          <p:cNvPr id="43" name="椭圆 42"/>
+          <p:cNvSpPr/>
+          <p:nvPr/>
+        </p:nvSpPr>
+        <p:spPr>
+          <a:xfrm>
+            <a:off x="4407337" y="4329757"/>
+            <a:ext cx="417094" cy="417094"/>
+          </a:xfrm>
+          <a:prstGeom prst="ellipse">
+            <a:avLst/>
+          </a:prstGeom>
+          <a:solidFill>
+            <a:srgbClr val="AC4243"/>
+          </a:solidFill>
+          <a:ln>
+            <a:noFill/>
+          </a:ln>
+        </p:spPr>
+        <p:style>
+          <a:lnRef idx="2">
+            <a:schemeClr val="accent1">
+              <a:shade val="50000"/>
+            </a:schemeClr>
+          </a:lnRef>
+          <a:fillRef idx="1">
+            <a:schemeClr val="accent1"/>
+          </a:fillRef>
+          <a:effectRef idx="0">
+            <a:schemeClr val="accent1"/>
+          </a:effectRef>
+          <a:fontRef idx="minor">
+            <a:schemeClr val="lt1"/>
+          </a:fontRef>
+        </p:style>
+        <p:txBody>
+          <a:bodyPr rtlCol="0" anchor="ctr"/>
+          <a:lstStyle/>
+          <a:p>
+            <a:pPr algn="ctr"/>
+            <a:r>
+              <a:rPr lang="en-US" altLang="zh-CN" sz="1600" dirty="0">
+                <a:solidFill>
+                  <a:schemeClr val="bg1"/>
+                </a:solidFill>
+                <a:latin typeface="思源黑体 CN Medium" panose="020B0600000000000000" pitchFamily="34" charset="-122"/>
+                <a:ea typeface="思源黑体 CN Medium" panose="020B0600000000000000" pitchFamily="34" charset="-122"/>
+              </a:rPr>
+              <a:t>2</a:t>
+            </a:r>
+            <a:endParaRPr lang="zh-CN" altLang="en-US" sz="1600" dirty="0">
+              <a:solidFill>
+                <a:schemeClr val="bg1"/>
+              </a:solidFill>
+              <a:latin typeface="思源黑体 CN Medium" panose="020B0600000000000000" pitchFamily="34" charset="-122"/>
+              <a:ea typeface="思源黑体 CN Medium" panose="020B0600000000000000" pitchFamily="34" charset="-122"/>
+            </a:endParaRPr>
+          </a:p>
+        </p:txBody>
+      </p:sp>
+      <p:sp>
+        <p:nvSpPr>
+          <p:cNvPr id="48" name="任意多边形: 形状 120"/>
+          <p:cNvSpPr/>
+          <p:nvPr/>
+        </p:nvSpPr>
+        <p:spPr>
+          <a:xfrm rot="18201767">
+            <a:off x="2498891" y="1017834"/>
+            <a:ext cx="979224" cy="985205"/>
+          </a:xfrm>
+          <a:custGeom>
+            <a:avLst/>
+            <a:gdLst>
+              <a:gd name="connsiteX0" fmla="*/ 447971 w 1442460"/>
+              <a:gd name="connsiteY0" fmla="*/ 1397101 h 1451272"/>
+              <a:gd name="connsiteX1" fmla="*/ 994490 w 1442460"/>
+              <a:gd name="connsiteY1" fmla="*/ 1397101 h 1451272"/>
+              <a:gd name="connsiteX2" fmla="*/ 867471 w 1442460"/>
+              <a:gd name="connsiteY2" fmla="*/ 1436530 h 1451272"/>
+              <a:gd name="connsiteX3" fmla="*/ 721230 w 1442460"/>
+              <a:gd name="connsiteY3" fmla="*/ 1451272 h 1451272"/>
+              <a:gd name="connsiteX4" fmla="*/ 574989 w 1442460"/>
+              <a:gd name="connsiteY4" fmla="*/ 1436530 h 1451272"/>
+              <a:gd name="connsiteX5" fmla="*/ 209854 w 1442460"/>
+              <a:gd name="connsiteY5" fmla="*/ 1240162 h 1451272"/>
+              <a:gd name="connsiteX6" fmla="*/ 1232607 w 1442460"/>
+              <a:gd name="connsiteY6" fmla="*/ 1240162 h 1451272"/>
+              <a:gd name="connsiteX7" fmla="*/ 1166640 w 1442460"/>
+              <a:gd name="connsiteY7" fmla="*/ 1294590 h 1451272"/>
+              <a:gd name="connsiteX8" fmla="*/ 275821 w 1442460"/>
+              <a:gd name="connsiteY8" fmla="*/ 1294590 h 1451272"/>
+              <a:gd name="connsiteX9" fmla="*/ 93401 w 1442460"/>
+              <a:gd name="connsiteY9" fmla="*/ 1083223 h 1451272"/>
+              <a:gd name="connsiteX10" fmla="*/ 1349059 w 1442460"/>
+              <a:gd name="connsiteY10" fmla="*/ 1083223 h 1451272"/>
+              <a:gd name="connsiteX11" fmla="*/ 1322939 w 1442460"/>
+              <a:gd name="connsiteY11" fmla="*/ 1131346 h 1451272"/>
+              <a:gd name="connsiteX12" fmla="*/ 1317737 w 1442460"/>
+              <a:gd name="connsiteY12" fmla="*/ 1137651 h 1451272"/>
+              <a:gd name="connsiteX13" fmla="*/ 124723 w 1442460"/>
+              <a:gd name="connsiteY13" fmla="*/ 1137651 h 1451272"/>
+              <a:gd name="connsiteX14" fmla="*/ 119521 w 1442460"/>
+              <a:gd name="connsiteY14" fmla="*/ 1131346 h 1451272"/>
+              <a:gd name="connsiteX15" fmla="*/ 27225 w 1442460"/>
+              <a:gd name="connsiteY15" fmla="*/ 926284 h 1451272"/>
+              <a:gd name="connsiteX16" fmla="*/ 1415235 w 1442460"/>
+              <a:gd name="connsiteY16" fmla="*/ 926284 h 1451272"/>
+              <a:gd name="connsiteX17" fmla="*/ 1398340 w 1442460"/>
+              <a:gd name="connsiteY17" fmla="*/ 980712 h 1451272"/>
+              <a:gd name="connsiteX18" fmla="*/ 44121 w 1442460"/>
+              <a:gd name="connsiteY18" fmla="*/ 980712 h 1451272"/>
+              <a:gd name="connsiteX19" fmla="*/ 0 w 1442460"/>
+              <a:gd name="connsiteY19" fmla="*/ 769345 h 1451272"/>
+              <a:gd name="connsiteX20" fmla="*/ 1442460 w 1442460"/>
+              <a:gd name="connsiteY20" fmla="*/ 769345 h 1451272"/>
+              <a:gd name="connsiteX21" fmla="*/ 1436973 w 1442460"/>
+              <a:gd name="connsiteY21" fmla="*/ 823773 h 1451272"/>
+              <a:gd name="connsiteX22" fmla="*/ 5487 w 1442460"/>
+              <a:gd name="connsiteY22" fmla="*/ 823773 h 1451272"/>
+              <a:gd name="connsiteX23" fmla="*/ 7009 w 1442460"/>
+              <a:gd name="connsiteY23" fmla="*/ 612406 h 1451272"/>
+              <a:gd name="connsiteX24" fmla="*/ 1435452 w 1442460"/>
+              <a:gd name="connsiteY24" fmla="*/ 612406 h 1451272"/>
+              <a:gd name="connsiteX25" fmla="*/ 1440939 w 1442460"/>
+              <a:gd name="connsiteY25" fmla="*/ 666834 h 1451272"/>
+              <a:gd name="connsiteX26" fmla="*/ 1522 w 1442460"/>
+              <a:gd name="connsiteY26" fmla="*/ 666834 h 1451272"/>
+              <a:gd name="connsiteX27" fmla="*/ 48806 w 1442460"/>
+              <a:gd name="connsiteY27" fmla="*/ 455467 h 1451272"/>
+              <a:gd name="connsiteX28" fmla="*/ 1393655 w 1442460"/>
+              <a:gd name="connsiteY28" fmla="*/ 455467 h 1451272"/>
+              <a:gd name="connsiteX29" fmla="*/ 1410550 w 1442460"/>
+              <a:gd name="connsiteY29" fmla="*/ 509895 h 1451272"/>
+              <a:gd name="connsiteX30" fmla="*/ 31911 w 1442460"/>
+              <a:gd name="connsiteY30" fmla="*/ 509895 h 1451272"/>
+              <a:gd name="connsiteX31" fmla="*/ 137176 w 1442460"/>
+              <a:gd name="connsiteY31" fmla="*/ 298528 h 1451272"/>
+              <a:gd name="connsiteX32" fmla="*/ 1305284 w 1442460"/>
+              <a:gd name="connsiteY32" fmla="*/ 298528 h 1451272"/>
+              <a:gd name="connsiteX33" fmla="*/ 1322939 w 1442460"/>
+              <a:gd name="connsiteY33" fmla="*/ 319926 h 1451272"/>
+              <a:gd name="connsiteX34" fmla="*/ 1340867 w 1442460"/>
+              <a:gd name="connsiteY34" fmla="*/ 352956 h 1451272"/>
+              <a:gd name="connsiteX35" fmla="*/ 101593 w 1442460"/>
+              <a:gd name="connsiteY35" fmla="*/ 352956 h 1451272"/>
+              <a:gd name="connsiteX36" fmla="*/ 119521 w 1442460"/>
+              <a:gd name="connsiteY36" fmla="*/ 319926 h 1451272"/>
+              <a:gd name="connsiteX37" fmla="*/ 294114 w 1442460"/>
+              <a:gd name="connsiteY37" fmla="*/ 141589 h 1451272"/>
+              <a:gd name="connsiteX38" fmla="*/ 1148347 w 1442460"/>
+              <a:gd name="connsiteY38" fmla="*/ 141589 h 1451272"/>
+              <a:gd name="connsiteX39" fmla="*/ 1214314 w 1442460"/>
+              <a:gd name="connsiteY39" fmla="*/ 196017 h 1451272"/>
+              <a:gd name="connsiteX40" fmla="*/ 228147 w 1442460"/>
+              <a:gd name="connsiteY40" fmla="*/ 196017 h 1451272"/>
+              <a:gd name="connsiteX41" fmla="*/ 721230 w 1442460"/>
+              <a:gd name="connsiteY41" fmla="*/ 0 h 1451272"/>
+              <a:gd name="connsiteX42" fmla="*/ 867471 w 1442460"/>
+              <a:gd name="connsiteY42" fmla="*/ 14742 h 1451272"/>
+              <a:gd name="connsiteX43" fmla="*/ 945868 w 1442460"/>
+              <a:gd name="connsiteY43" fmla="*/ 39078 h 1451272"/>
+              <a:gd name="connsiteX44" fmla="*/ 496593 w 1442460"/>
+              <a:gd name="connsiteY44" fmla="*/ 39078 h 1451272"/>
+              <a:gd name="connsiteX45" fmla="*/ 574989 w 1442460"/>
+              <a:gd name="connsiteY45" fmla="*/ 14742 h 1451272"/>
+              <a:gd name="connsiteX46" fmla="*/ 721230 w 1442460"/>
+              <a:gd name="connsiteY46" fmla="*/ 0 h 1451272"/>
+            </a:gdLst>
+            <a:ahLst/>
+            <a:cxnLst>
+              <a:cxn ang="0">
+                <a:pos x="connsiteX0" y="connsiteY0"/>
+              </a:cxn>
+              <a:cxn ang="0">
+                <a:pos x="connsiteX1" y="connsiteY1"/>
+              </a:cxn>
+              <a:cxn ang="0">
+                <a:pos x="connsiteX2" y="connsiteY2"/>
+              </a:cxn>
+              <a:cxn ang="0">
+                <a:pos x="connsiteX3" y="connsiteY3"/>
+              </a:cxn>
+              <a:cxn ang="0">
+                <a:pos x="connsiteX4" y="connsiteY4"/>
+              </a:cxn>
+              <a:cxn ang="0">
+                <a:pos x="connsiteX5" y="connsiteY5"/>
+              </a:cxn>
+              <a:cxn ang="0">
+                <a:pos x="connsiteX6" y="connsiteY6"/>
+              </a:cxn>
+              <a:cxn ang="0">
+                <a:pos x="connsiteX7" y="connsiteY7"/>
+              </a:cxn>
+              <a:cxn ang="0">
+                <a:pos x="connsiteX8" y="connsiteY8"/>
+              </a:cxn>
+              <a:cxn ang="0">
+                <a:pos x="connsiteX9" y="connsiteY9"/>
+              </a:cxn>
+              <a:cxn ang="0">
+                <a:pos x="connsiteX10" y="connsiteY10"/>
+              </a:cxn>
+              <a:cxn ang="0">
+                <a:pos x="connsiteX11" y="connsiteY11"/>
+              </a:cxn>
+              <a:cxn ang="0">
+                <a:pos x="connsiteX12" y="connsiteY12"/>
+              </a:cxn>
+              <a:cxn ang="0">
+                <a:pos x="connsiteX13" y="connsiteY13"/>
+              </a:cxn>
+              <a:cxn ang="0">
+                <a:pos x="connsiteX14" y="connsiteY14"/>
+              </a:cxn>
+              <a:cxn ang="0">
+                <a:pos x="connsiteX15" y="connsiteY15"/>
+              </a:cxn>
+              <a:cxn ang="0">
+                <a:pos x="connsiteX16" y="connsiteY16"/>
+              </a:cxn>
+              <a:cxn ang="0">
+                <a:pos x="connsiteX17" y="connsiteY17"/>
+              </a:cxn>
+              <a:cxn ang="0">
+                <a:pos x="connsiteX18" y="connsiteY18"/>
+              </a:cxn>
+              <a:cxn ang="0">
+                <a:pos x="connsiteX19" y="connsiteY19"/>
+              </a:cxn>
+              <a:cxn ang="0">
+                <a:pos x="connsiteX20" y="connsiteY20"/>
+              </a:cxn>
+              <a:cxn ang="0">
+                <a:pos x="connsiteX21" y="connsiteY21"/>
+              </a:cxn>
+              <a:cxn ang="0">
+                <a:pos x="connsiteX22" y="connsiteY22"/>
+              </a:cxn>
+              <a:cxn ang="0">
+                <a:pos x="connsiteX23" y="connsiteY23"/>
+              </a:cxn>
+              <a:cxn ang="0">
+                <a:pos x="connsiteX24" y="connsiteY24"/>
+              </a:cxn>
+              <a:cxn ang="0">
+                <a:pos x="connsiteX25" y="connsiteY25"/>
+              </a:cxn>
+              <a:cxn ang="0">
+                <a:pos x="connsiteX26" y="connsiteY26"/>
+              </a:cxn>
+              <a:cxn ang="0">
+                <a:pos x="connsiteX27" y="connsiteY27"/>
+              </a:cxn>
+              <a:cxn ang="0">
+                <a:pos x="connsiteX28" y="connsiteY28"/>
+              </a:cxn>
+              <a:cxn ang="0">
+                <a:pos x="connsiteX29" y="connsiteY29"/>
+              </a:cxn>
+              <a:cxn ang="0">
+                <a:pos x="connsiteX30" y="connsiteY30"/>
+              </a:cxn>
+              <a:cxn ang="0">
+                <a:pos x="connsiteX31" y="connsiteY31"/>
+              </a:cxn>
+              <a:cxn ang="0">
+                <a:pos x="connsiteX32" y="connsiteY32"/>
+              </a:cxn>
+              <a:cxn ang="0">
+                <a:pos x="connsiteX33" y="connsiteY33"/>
+              </a:cxn>
+              <a:cxn ang="0">
+                <a:pos x="connsiteX34" y="connsiteY34"/>
+              </a:cxn>
+              <a:cxn ang="0">
+                <a:pos x="connsiteX35" y="connsiteY35"/>
+              </a:cxn>
+              <a:cxn ang="0">
+                <a:pos x="connsiteX36" y="connsiteY36"/>
+              </a:cxn>
+              <a:cxn ang="0">
+                <a:pos x="connsiteX37" y="connsiteY37"/>
+              </a:cxn>
+              <a:cxn ang="0">
+                <a:pos x="connsiteX38" y="connsiteY38"/>
+              </a:cxn>
+              <a:cxn ang="0">
+                <a:pos x="connsiteX39" y="connsiteY39"/>
+              </a:cxn>
+              <a:cxn ang="0">
+                <a:pos x="connsiteX40" y="connsiteY40"/>
+              </a:cxn>
+              <a:cxn ang="0">
+                <a:pos x="connsiteX41" y="connsiteY41"/>
+              </a:cxn>
+              <a:cxn ang="0">
+                <a:pos x="connsiteX42" y="connsiteY42"/>
+              </a:cxn>
+              <a:cxn ang="0">
+                <a:pos x="connsiteX43" y="connsiteY43"/>
+              </a:cxn>
+              <a:cxn ang="0">
+                <a:pos x="connsiteX44" y="connsiteY44"/>
+              </a:cxn>
+              <a:cxn ang="0">
+                <a:pos x="connsiteX45" y="connsiteY45"/>
+              </a:cxn>
+              <a:cxn ang="0">
+                <a:pos x="connsiteX46" y="connsiteY46"/>
+              </a:cxn>
+            </a:cxnLst>
+            <a:rect l="l" t="t" r="r" b="b"/>
+            <a:pathLst>
+              <a:path w="1442460" h="1451272">
+                <a:moveTo>
+                  <a:pt x="447971" y="1397101"/>
+                </a:moveTo>
+                <a:lnTo>
+                  <a:pt x="994490" y="1397101"/>
+                </a:lnTo>
+                <a:lnTo>
+                  <a:pt x="867471" y="1436530"/>
+                </a:lnTo>
+                <a:cubicBezTo>
+                  <a:pt x="820234" y="1446196"/>
+                  <a:pt x="771325" y="1451272"/>
+                  <a:pt x="721230" y="1451272"/>
+                </a:cubicBezTo>
+                <a:cubicBezTo>
+                  <a:pt x="671136" y="1451272"/>
+                  <a:pt x="622226" y="1446196"/>
+                  <a:pt x="574989" y="1436530"/>
+                </a:cubicBezTo>
+                <a:close/>
+                <a:moveTo>
+                  <a:pt x="209854" y="1240162"/>
+                </a:moveTo>
+                <a:lnTo>
+                  <a:pt x="1232607" y="1240162"/>
+                </a:lnTo>
+                <a:lnTo>
+                  <a:pt x="1166640" y="1294590"/>
+                </a:lnTo>
+                <a:lnTo>
+                  <a:pt x="275821" y="1294590"/>
+                </a:lnTo>
+                <a:close/>
+                <a:moveTo>
+                  <a:pt x="93401" y="1083223"/>
+                </a:moveTo>
+                <a:lnTo>
+                  <a:pt x="1349059" y="1083223"/>
+                </a:lnTo>
+                <a:lnTo>
+                  <a:pt x="1322939" y="1131346"/>
+                </a:lnTo>
+                <a:lnTo>
+                  <a:pt x="1317737" y="1137651"/>
+                </a:lnTo>
+                <a:lnTo>
+                  <a:pt x="124723" y="1137651"/>
+                </a:lnTo>
+                <a:lnTo>
+                  <a:pt x="119521" y="1131346"/>
+                </a:lnTo>
+                <a:close/>
+                <a:moveTo>
+                  <a:pt x="27225" y="926284"/>
+                </a:moveTo>
+                <a:lnTo>
+                  <a:pt x="1415235" y="926284"/>
+                </a:lnTo>
+                <a:lnTo>
+                  <a:pt x="1398340" y="980712"/>
+                </a:lnTo>
+                <a:lnTo>
+                  <a:pt x="44121" y="980712"/>
+                </a:lnTo>
+                <a:close/>
+                <a:moveTo>
+                  <a:pt x="0" y="769345"/>
+                </a:moveTo>
+                <a:lnTo>
+                  <a:pt x="1442460" y="769345"/>
+                </a:lnTo>
+                <a:lnTo>
+                  <a:pt x="1436973" y="823773"/>
+                </a:lnTo>
+                <a:lnTo>
+                  <a:pt x="5487" y="823773"/>
+                </a:lnTo>
+                <a:close/>
+                <a:moveTo>
+                  <a:pt x="7009" y="612406"/>
+                </a:moveTo>
+                <a:lnTo>
+                  <a:pt x="1435452" y="612406"/>
+                </a:lnTo>
+                <a:lnTo>
+                  <a:pt x="1440939" y="666834"/>
+                </a:lnTo>
+                <a:lnTo>
+                  <a:pt x="1522" y="666834"/>
+                </a:lnTo>
+                <a:close/>
+                <a:moveTo>
+                  <a:pt x="48806" y="455467"/>
+                </a:moveTo>
+                <a:lnTo>
+                  <a:pt x="1393655" y="455467"/>
+                </a:lnTo>
+                <a:lnTo>
+                  <a:pt x="1410550" y="509895"/>
+                </a:lnTo>
+                <a:lnTo>
+                  <a:pt x="31911" y="509895"/>
+                </a:lnTo>
+                <a:close/>
+                <a:moveTo>
+                  <a:pt x="137176" y="298528"/>
+                </a:moveTo>
+                <a:lnTo>
+                  <a:pt x="1305284" y="298528"/>
+                </a:lnTo>
+                <a:lnTo>
+                  <a:pt x="1322939" y="319926"/>
+                </a:lnTo>
+                <a:lnTo>
+                  <a:pt x="1340867" y="352956"/>
+                </a:lnTo>
+                <a:lnTo>
+                  <a:pt x="101593" y="352956"/>
+                </a:lnTo>
+                <a:lnTo>
+                  <a:pt x="119521" y="319926"/>
+                </a:lnTo>
+                <a:close/>
+                <a:moveTo>
+                  <a:pt x="294114" y="141589"/>
+                </a:moveTo>
+                <a:lnTo>
+                  <a:pt x="1148347" y="141589"/>
+                </a:lnTo>
+                <a:lnTo>
+                  <a:pt x="1214314" y="196017"/>
+                </a:lnTo>
+                <a:lnTo>
+                  <a:pt x="228147" y="196017"/>
+                </a:lnTo>
+                <a:close/>
+                <a:moveTo>
+                  <a:pt x="721230" y="0"/>
+                </a:moveTo>
+                <a:cubicBezTo>
+                  <a:pt x="771325" y="0"/>
+                  <a:pt x="820234" y="5076"/>
+                  <a:pt x="867471" y="14742"/>
+                </a:cubicBezTo>
+                <a:lnTo>
+                  <a:pt x="945868" y="39078"/>
+                </a:lnTo>
+                <a:lnTo>
+                  <a:pt x="496593" y="39078"/>
+                </a:lnTo>
+                <a:lnTo>
+                  <a:pt x="574989" y="14742"/>
+                </a:lnTo>
+                <a:cubicBezTo>
+                  <a:pt x="622226" y="5076"/>
+                  <a:pt x="671136" y="0"/>
+                  <a:pt x="721230" y="0"/>
+                </a:cubicBezTo>
+                <a:close/>
+              </a:path>
+            </a:pathLst>
+          </a:custGeom>
+          <a:solidFill>
+            <a:srgbClr val="AC4243"/>
+          </a:solidFill>
+          <a:ln>
+            <a:noFill/>
+          </a:ln>
+        </p:spPr>
+        <p:style>
+          <a:lnRef idx="2">
+            <a:schemeClr val="accent1">
+              <a:shade val="50000"/>
+            </a:schemeClr>
+          </a:lnRef>
+          <a:fillRef idx="1">
+            <a:schemeClr val="accent1"/>
+          </a:fillRef>
+          <a:effectRef idx="0">
+            <a:schemeClr val="accent1"/>
+          </a:effectRef>
+          <a:fontRef idx="minor">
+            <a:schemeClr val="lt1"/>
+          </a:fontRef>
+        </p:style>
+        <p:txBody>
+          <a:bodyPr wrap="square" rtlCol="0" anchor="ctr">
+            <a:noAutofit/>
+          </a:bodyPr>
+          <a:lstStyle/>
+          <a:p>
+            <a:pPr algn="ctr"/>
+            <a:endParaRPr lang="zh-CN" altLang="en-US"/>
+          </a:p>
+        </p:txBody>
+      </p:sp>
+      <p:sp>
+        <p:nvSpPr>
+          <p:cNvPr id="49" name="椭圆 48"/>
+          <p:cNvSpPr/>
+          <p:nvPr/>
+        </p:nvSpPr>
+        <p:spPr>
+          <a:xfrm rot="16200000">
+            <a:off x="6536383" y="1404540"/>
+            <a:ext cx="153420" cy="153420"/>
+          </a:xfrm>
+          <a:prstGeom prst="ellipse">
+            <a:avLst/>
+          </a:prstGeom>
+          <a:solidFill>
+            <a:srgbClr val="AC4243"/>
+          </a:solidFill>
+          <a:ln>
+            <a:noFill/>
+          </a:ln>
+        </p:spPr>
+        <p:style>
+          <a:lnRef idx="2">
+            <a:schemeClr val="accent1">
+              <a:shade val="50000"/>
+            </a:schemeClr>
+          </a:lnRef>
+          <a:fillRef idx="1">
+            <a:schemeClr val="accent1"/>
+          </a:fillRef>
+          <a:effectRef idx="0">
+            <a:schemeClr val="accent1"/>
+          </a:effectRef>
+          <a:fontRef idx="minor">
+            <a:schemeClr val="lt1"/>
+          </a:fontRef>
+        </p:style>
+        <p:txBody>
+          <a:bodyPr rtlCol="0" anchor="ctr"/>
+          <a:lstStyle/>
+          <a:p>
+            <a:pPr algn="ctr"/>
+            <a:endParaRPr lang="zh-CN" altLang="en-US"/>
+          </a:p>
+        </p:txBody>
+      </p:sp>
+      <p:sp>
+        <p:nvSpPr>
+          <p:cNvPr id="50" name="椭圆 49"/>
+          <p:cNvSpPr/>
+          <p:nvPr/>
+        </p:nvSpPr>
+        <p:spPr>
+          <a:xfrm rot="16200000">
+            <a:off x="1566654" y="4983591"/>
+            <a:ext cx="140946" cy="140946"/>
+          </a:xfrm>
+          <a:prstGeom prst="ellipse">
+            <a:avLst/>
+          </a:prstGeom>
+          <a:solidFill>
+            <a:srgbClr val="AC4243"/>
+          </a:solidFill>
+          <a:ln>
+            <a:noFill/>
+          </a:ln>
+        </p:spPr>
+        <p:style>
+          <a:lnRef idx="2">
+            <a:schemeClr val="accent1">
+              <a:shade val="50000"/>
+            </a:schemeClr>
+          </a:lnRef>
+          <a:fillRef idx="1">
+            <a:schemeClr val="accent1"/>
+          </a:fillRef>
+          <a:effectRef idx="0">
+            <a:schemeClr val="accent1"/>
+          </a:effectRef>
+          <a:fontRef idx="minor">
+            <a:schemeClr val="lt1"/>
+          </a:fontRef>
+        </p:style>
+        <p:txBody>
+          <a:bodyPr rtlCol="0" anchor="ctr"/>
+          <a:lstStyle/>
+          <a:p>
+            <a:pPr algn="ctr"/>
+            <a:endParaRPr lang="zh-CN" altLang="en-US"/>
+          </a:p>
+        </p:txBody>
+      </p:sp>
+      <p:sp>
+        <p:nvSpPr>
+          <p:cNvPr id="51" name="文本框 50"/>
+          <p:cNvSpPr txBox="1"/>
+          <p:nvPr/>
+        </p:nvSpPr>
+        <p:spPr>
+          <a:xfrm>
+            <a:off x="-44213" y="2934527"/>
+            <a:ext cx="2372539" cy="830997"/>
+          </a:xfrm>
+          <a:prstGeom prst="rect">
+            <a:avLst/>
+          </a:prstGeom>
+          <a:noFill/>
+        </p:spPr>
+        <p:txBody>
+          <a:bodyPr wrap="square" rtlCol="0">
+            <a:spAutoFit/>
+          </a:bodyPr>
+          <a:lstStyle/>
+          <a:p>
+            <a:r>
+              <a:rPr lang="en-US" altLang="zh-CN" sz="4800" dirty="0">
+                <a:solidFill>
+                  <a:schemeClr val="bg1"/>
+                </a:solidFill>
+                <a:latin typeface="思源黑体 CN Medium" panose="020B0600000000000000" pitchFamily="34" charset="-122"/>
+                <a:ea typeface="思源黑体 CN Medium" panose="020B0600000000000000" pitchFamily="34" charset="-122"/>
+              </a:rPr>
+              <a:t>PART 2</a:t>
+            </a:r>
+            <a:endParaRPr lang="zh-CN" altLang="en-US" sz="4800" dirty="0">
+              <a:solidFill>
+                <a:schemeClr val="bg1"/>
+              </a:solidFill>
+              <a:latin typeface="思源黑体 CN Medium" panose="020B0600000000000000" pitchFamily="34" charset="-122"/>
+              <a:ea typeface="思源黑体 CN Medium" panose="020B0600000000000000" pitchFamily="34" charset="-122"/>
+            </a:endParaRPr>
+          </a:p>
+        </p:txBody>
+      </p:sp>
+      <p:sp>
+        <p:nvSpPr>
+          <p:cNvPr id="52" name="椭圆 51"/>
+          <p:cNvSpPr/>
+          <p:nvPr/>
+        </p:nvSpPr>
+        <p:spPr>
+          <a:xfrm>
+            <a:off x="2485210" y="5481711"/>
+            <a:ext cx="603363" cy="603363"/>
+          </a:xfrm>
+          <a:prstGeom prst="ellipse">
+            <a:avLst/>
+          </a:prstGeom>
+          <a:solidFill>
+            <a:srgbClr val="AC4243"/>
+          </a:solidFill>
+          <a:ln>
+            <a:noFill/>
+          </a:ln>
+        </p:spPr>
+        <p:style>
+          <a:lnRef idx="2">
+            <a:schemeClr val="accent1">
+              <a:shade val="50000"/>
+            </a:schemeClr>
+          </a:lnRef>
+          <a:fillRef idx="1">
+            <a:schemeClr val="accent1"/>
+          </a:fillRef>
+          <a:effectRef idx="0">
+            <a:schemeClr val="accent1"/>
+          </a:effectRef>
+          <a:fontRef idx="minor">
+            <a:schemeClr val="lt1"/>
+          </a:fontRef>
+        </p:style>
+        <p:txBody>
+          <a:bodyPr rtlCol="0" anchor="ctr"/>
+          <a:lstStyle/>
+          <a:p>
+            <a:pPr algn="ctr"/>
+            <a:endParaRPr lang="zh-CN" altLang="en-US"/>
+          </a:p>
+        </p:txBody>
+      </p:sp>
+      <p:sp>
+        <p:nvSpPr>
+          <p:cNvPr id="2" name="矩形 1">
+            <a:extLst>
+              <a:ext uri="{FF2B5EF4-FFF2-40B4-BE49-F238E27FC236}">
+                <a16:creationId xmlns:a16="http://schemas.microsoft.com/office/drawing/2014/main" id="{7D2EB8C7-A74C-EDB1-E016-CE31EF5E6944}"/>
+              </a:ext>
+            </a:extLst>
+          </p:cNvPr>
+          <p:cNvSpPr/>
+          <p:nvPr/>
+        </p:nvSpPr>
+        <p:spPr>
+          <a:xfrm>
+            <a:off x="4824431" y="5218802"/>
+            <a:ext cx="1210588" cy="400110"/>
+          </a:xfrm>
+          <a:prstGeom prst="rect">
+            <a:avLst/>
+          </a:prstGeom>
+        </p:spPr>
+        <p:txBody>
+          <a:bodyPr wrap="none">
+            <a:spAutoFit/>
+          </a:bodyPr>
+          <a:lstStyle/>
+          <a:p>
+            <a:r>
+              <a:rPr lang="zh-CN" altLang="en-US" sz="2000" dirty="0">
+                <a:solidFill>
+                  <a:srgbClr val="AB1E21"/>
+                </a:solidFill>
+                <a:latin typeface="思源黑体 CN Medium" panose="020B0600000000000000" pitchFamily="34" charset="-122"/>
+                <a:ea typeface="思源黑体 CN Medium" panose="020B0600000000000000" pitchFamily="34" charset="-122"/>
+              </a:rPr>
+              <a:t>相关工作</a:t>
+            </a:r>
+          </a:p>
+        </p:txBody>
+      </p:sp>
+      <p:sp>
+        <p:nvSpPr>
+          <p:cNvPr id="3" name="椭圆 2">
+            <a:extLst>
+              <a:ext uri="{FF2B5EF4-FFF2-40B4-BE49-F238E27FC236}">
+                <a16:creationId xmlns:a16="http://schemas.microsoft.com/office/drawing/2014/main" id="{255DF0E1-1B28-37C4-1964-8667D6730B91}"/>
+              </a:ext>
+            </a:extLst>
+          </p:cNvPr>
+          <p:cNvSpPr/>
+          <p:nvPr/>
+        </p:nvSpPr>
+        <p:spPr>
+          <a:xfrm>
+            <a:off x="4407337" y="5214151"/>
+            <a:ext cx="417094" cy="417094"/>
+          </a:xfrm>
+          <a:prstGeom prst="ellipse">
+            <a:avLst/>
+          </a:prstGeom>
+          <a:solidFill>
+            <a:srgbClr val="AC4243"/>
+          </a:solidFill>
+          <a:ln>
+            <a:noFill/>
+          </a:ln>
+        </p:spPr>
+        <p:style>
+          <a:lnRef idx="2">
+            <a:schemeClr val="accent1">
+              <a:shade val="50000"/>
+            </a:schemeClr>
+          </a:lnRef>
+          <a:fillRef idx="1">
+            <a:schemeClr val="accent1"/>
+          </a:fillRef>
+          <a:effectRef idx="0">
+            <a:schemeClr val="accent1"/>
+          </a:effectRef>
+          <a:fontRef idx="minor">
+            <a:schemeClr val="lt1"/>
+          </a:fontRef>
+        </p:style>
+        <p:txBody>
+          <a:bodyPr rtlCol="0" anchor="ctr"/>
+          <a:lstStyle/>
+          <a:p>
+            <a:pPr algn="ctr"/>
+            <a:r>
+              <a:rPr lang="en-US" altLang="zh-CN" sz="1600" dirty="0">
+                <a:solidFill>
+                  <a:schemeClr val="bg1"/>
+                </a:solidFill>
+                <a:latin typeface="思源黑体 CN Medium" panose="020B0600000000000000" pitchFamily="34" charset="-122"/>
+                <a:ea typeface="思源黑体 CN Medium" panose="020B0600000000000000" pitchFamily="34" charset="-122"/>
+              </a:rPr>
+              <a:t>3</a:t>
+            </a:r>
+            <a:endParaRPr lang="zh-CN" altLang="en-US" sz="1600" dirty="0">
+              <a:solidFill>
+                <a:schemeClr val="bg1"/>
+              </a:solidFill>
+              <a:latin typeface="思源黑体 CN Medium" panose="020B0600000000000000" pitchFamily="34" charset="-122"/>
+              <a:ea typeface="思源黑体 CN Medium" panose="020B0600000000000000" pitchFamily="34" charset="-122"/>
+            </a:endParaRPr>
+          </a:p>
+        </p:txBody>
+      </p:sp>
+    </p:spTree>
+  </p:cSld>
+  <p:clrMapOvr>
+    <a:masterClrMapping/>
+  </p:clrMapOvr>
+  <p:timing>
+    <p:tnLst>
+      <p:par>
+        <p:cTn id="1" dur="indefinite" restart="never" nodeType="tmRoot">
+          <p:childTnLst>
+            <p:seq concurrent="1" nextAc="seek">
+              <p:cTn id="2" dur="indefinite" nodeType="mainSeq">
+                <p:childTnLst>
+                  <p:par>
+                    <p:cTn id="3" fill="hold">
+                      <p:stCondLst>
+                        <p:cond delay="indefinite"/>
+                        <p:cond evt="onBegin" delay="0">
+                          <p:tn val="2"/>
+                        </p:cond>
+                      </p:stCondLst>
+                      <p:childTnLst>
+                        <p:par>
+                          <p:cTn id="4" fill="hold">
+                            <p:stCondLst>
+                              <p:cond delay="0"/>
+                            </p:stCondLst>
+                            <p:childTnLst>
+                              <p:par>
+                                <p:cTn id="5" presetID="10" presetClass="entr" presetSubtype="0" fill="hold" grpId="0" nodeType="afterEffect">
+                                  <p:stCondLst>
+                                    <p:cond delay="0"/>
+                                  </p:stCondLst>
+                                  <p:childTnLst>
+                                    <p:set>
+                                      <p:cBhvr>
+                                        <p:cTn id="6" dur="1" fill="hold">
+                                          <p:stCondLst>
+                                            <p:cond delay="0"/>
+                                          </p:stCondLst>
+                                        </p:cTn>
+                                        <p:tgtEl>
+                                          <p:spTgt spid="36"/>
+                                        </p:tgtEl>
+                                        <p:attrNameLst>
+                                          <p:attrName>style.visibility</p:attrName>
+                                        </p:attrNameLst>
+                                      </p:cBhvr>
+                                      <p:to>
+                                        <p:strVal val="visible"/>
+                                      </p:to>
+                                    </p:set>
+                                    <p:animEffect transition="in" filter="fade">
+                                      <p:cBhvr>
+                                        <p:cTn id="7" dur="500"/>
+                                        <p:tgtEl>
+                                          <p:spTgt spid="36"/>
+                                        </p:tgtEl>
+                                      </p:cBhvr>
+                                    </p:animEffect>
+                                  </p:childTnLst>
+                                </p:cTn>
+                              </p:par>
+                              <p:par>
+                                <p:cTn id="8" presetID="10" presetClass="entr" presetSubtype="0" fill="hold" grpId="0" nodeType="withEffect">
+                                  <p:stCondLst>
+                                    <p:cond delay="0"/>
+                                  </p:stCondLst>
+                                  <p:childTnLst>
+                                    <p:set>
+                                      <p:cBhvr>
+                                        <p:cTn id="9" dur="1" fill="hold">
+                                          <p:stCondLst>
+                                            <p:cond delay="0"/>
+                                          </p:stCondLst>
+                                        </p:cTn>
+                                        <p:tgtEl>
+                                          <p:spTgt spid="37"/>
+                                        </p:tgtEl>
+                                        <p:attrNameLst>
+                                          <p:attrName>style.visibility</p:attrName>
+                                        </p:attrNameLst>
+                                      </p:cBhvr>
+                                      <p:to>
+                                        <p:strVal val="visible"/>
+                                      </p:to>
+                                    </p:set>
+                                    <p:animEffect transition="in" filter="fade">
+                                      <p:cBhvr>
+                                        <p:cTn id="10" dur="500"/>
+                                        <p:tgtEl>
+                                          <p:spTgt spid="37"/>
+                                        </p:tgtEl>
+                                      </p:cBhvr>
+                                    </p:animEffect>
+                                  </p:childTnLst>
+                                </p:cTn>
+                              </p:par>
+                              <p:par>
+                                <p:cTn id="11" presetID="10" presetClass="entr" presetSubtype="0" fill="hold" grpId="0" nodeType="withEffect">
+                                  <p:stCondLst>
+                                    <p:cond delay="0"/>
+                                  </p:stCondLst>
+                                  <p:childTnLst>
+                                    <p:set>
+                                      <p:cBhvr>
+                                        <p:cTn id="12" dur="1" fill="hold">
+                                          <p:stCondLst>
+                                            <p:cond delay="0"/>
+                                          </p:stCondLst>
+                                        </p:cTn>
+                                        <p:tgtEl>
+                                          <p:spTgt spid="42"/>
+                                        </p:tgtEl>
+                                        <p:attrNameLst>
+                                          <p:attrName>style.visibility</p:attrName>
+                                        </p:attrNameLst>
+                                      </p:cBhvr>
+                                      <p:to>
+                                        <p:strVal val="visible"/>
+                                      </p:to>
+                                    </p:set>
+                                    <p:animEffect transition="in" filter="fade">
+                                      <p:cBhvr>
+                                        <p:cTn id="13" dur="500"/>
+                                        <p:tgtEl>
+                                          <p:spTgt spid="42"/>
+                                        </p:tgtEl>
+                                      </p:cBhvr>
+                                    </p:animEffect>
+                                  </p:childTnLst>
+                                </p:cTn>
+                              </p:par>
+                              <p:par>
+                                <p:cTn id="14" presetID="10" presetClass="entr" presetSubtype="0" fill="hold" grpId="0" nodeType="withEffect">
+                                  <p:stCondLst>
+                                    <p:cond delay="0"/>
+                                  </p:stCondLst>
+                                  <p:childTnLst>
+                                    <p:set>
+                                      <p:cBhvr>
+                                        <p:cTn id="15" dur="1" fill="hold">
+                                          <p:stCondLst>
+                                            <p:cond delay="0"/>
+                                          </p:stCondLst>
+                                        </p:cTn>
+                                        <p:tgtEl>
+                                          <p:spTgt spid="43"/>
+                                        </p:tgtEl>
+                                        <p:attrNameLst>
+                                          <p:attrName>style.visibility</p:attrName>
+                                        </p:attrNameLst>
+                                      </p:cBhvr>
+                                      <p:to>
+                                        <p:strVal val="visible"/>
+                                      </p:to>
+                                    </p:set>
+                                    <p:animEffect transition="in" filter="fade">
+                                      <p:cBhvr>
+                                        <p:cTn id="16" dur="500"/>
+                                        <p:tgtEl>
+                                          <p:spTgt spid="43"/>
+                                        </p:tgtEl>
+                                      </p:cBhvr>
+                                    </p:animEffect>
+                                  </p:childTnLst>
+                                </p:cTn>
+                              </p:par>
+                              <p:par>
+                                <p:cTn id="17" presetID="10" presetClass="entr" presetSubtype="0" fill="hold" grpId="0" nodeType="withEffect">
+                                  <p:stCondLst>
+                                    <p:cond delay="0"/>
+                                  </p:stCondLst>
+                                  <p:childTnLst>
+                                    <p:set>
+                                      <p:cBhvr>
+                                        <p:cTn id="18" dur="1" fill="hold">
+                                          <p:stCondLst>
+                                            <p:cond delay="0"/>
+                                          </p:stCondLst>
+                                        </p:cTn>
+                                        <p:tgtEl>
+                                          <p:spTgt spid="2"/>
+                                        </p:tgtEl>
+                                        <p:attrNameLst>
+                                          <p:attrName>style.visibility</p:attrName>
+                                        </p:attrNameLst>
+                                      </p:cBhvr>
+                                      <p:to>
+                                        <p:strVal val="visible"/>
+                                      </p:to>
+                                    </p:set>
+                                    <p:animEffect transition="in" filter="fade">
+                                      <p:cBhvr>
+                                        <p:cTn id="19" dur="500"/>
+                                        <p:tgtEl>
+                                          <p:spTgt spid="2"/>
+                                        </p:tgtEl>
+                                      </p:cBhvr>
+                                    </p:animEffect>
+                                  </p:childTnLst>
+                                </p:cTn>
+                              </p:par>
+                              <p:par>
+                                <p:cTn id="20" presetID="10" presetClass="entr" presetSubtype="0" fill="hold" grpId="0" nodeType="withEffect">
+                                  <p:stCondLst>
+                                    <p:cond delay="0"/>
+                                  </p:stCondLst>
+                                  <p:childTnLst>
+                                    <p:set>
+                                      <p:cBhvr>
+                                        <p:cTn id="21" dur="1" fill="hold">
+                                          <p:stCondLst>
+                                            <p:cond delay="0"/>
+                                          </p:stCondLst>
+                                        </p:cTn>
+                                        <p:tgtEl>
+                                          <p:spTgt spid="3"/>
+                                        </p:tgtEl>
+                                        <p:attrNameLst>
+                                          <p:attrName>style.visibility</p:attrName>
+                                        </p:attrNameLst>
+                                      </p:cBhvr>
+                                      <p:to>
+                                        <p:strVal val="visible"/>
+                                      </p:to>
+                                    </p:set>
+                                    <p:animEffect transition="in" filter="fade">
+                                      <p:cBhvr>
+                                        <p:cTn id="22" dur="500"/>
+                                        <p:tgtEl>
+                                          <p:spTgt spid="3"/>
+                                        </p:tgtEl>
+                                      </p:cBhvr>
+                                    </p:animEffect>
+                                  </p:childTnLst>
+                                </p:cTn>
+                              </p:par>
+                            </p:childTnLst>
+                          </p:cTn>
+                        </p:par>
+                      </p:childTnLst>
+                    </p:cTn>
+                  </p:par>
+                </p:childTnLst>
+              </p:cTn>
+              <p:prevCondLst>
+                <p:cond evt="onPrev" delay="0">
+                  <p:tgtEl>
+                    <p:sldTgt/>
+                  </p:tgtEl>
+                </p:cond>
+              </p:prevCondLst>
+              <p:nextCondLst>
+                <p:cond evt="onNext" delay="0">
+                  <p:tgtEl>
+                    <p:sldTgt/>
+                  </p:tgtEl>
+                </p:cond>
+              </p:nextCondLst>
+            </p:seq>
+          </p:childTnLst>
+        </p:cTn>
+      </p:par>
+    </p:tnLst>
+    <p:bldLst>
+      <p:bldP spid="36" grpId="0"/>
+      <p:bldP spid="37" grpId="0" bldLvl="0" animBg="1"/>
+      <p:bldP spid="42" grpId="0"/>
+      <p:bldP spid="43" grpId="0" bldLvl="0" animBg="1"/>
+      <p:bldP spid="2" grpId="0"/>
+      <p:bldP spid="3" grpId="0" bldLvl="0" animBg="1"/>
+    </p:bldLst>
+  </p:timing>
+</p:sld>
+</file>
+
+<file path=ppt/slides/slide40.xml><?xml version="1.0" encoding="utf-8"?>
 <p:sld xmlns:a="http://schemas.openxmlformats.org/drawingml/2006/main" xmlns:r="http://schemas.openxmlformats.org/officeDocument/2006/relationships" xmlns:p="http://schemas.openxmlformats.org/presentationml/2006/main">
   <p:cSld>
     <p:spTree>
@@ -20930,7 +23182,7 @@
                 <a:latin typeface="思源黑体 CN Medium" panose="020B0600000000000000" pitchFamily="34" charset="-122"/>
                 <a:ea typeface="思源黑体 CN Medium" panose="020B0600000000000000" pitchFamily="34" charset="-122"/>
               </a:rPr>
-              <a:t>欢迎各位听众提问</a:t>
+              <a:t>欢迎各位同学提问</a:t>
             </a:r>
           </a:p>
         </p:txBody>
@@ -22354,1713 +24606,6 @@
   <p:clrMapOvr>
     <a:masterClrMapping/>
   </p:clrMapOvr>
-</p:sld>
-</file>
-
-<file path=ppt/slides/slide4.xml><?xml version="1.0" encoding="utf-8"?>
-<p:sld xmlns:a="http://schemas.openxmlformats.org/drawingml/2006/main" xmlns:r="http://schemas.openxmlformats.org/officeDocument/2006/relationships" xmlns:p="http://schemas.openxmlformats.org/presentationml/2006/main">
-  <p:cSld>
-    <p:spTree>
-      <p:nvGrpSpPr>
-        <p:cNvPr id="1" name=""/>
-        <p:cNvGrpSpPr/>
-        <p:nvPr/>
-      </p:nvGrpSpPr>
-      <p:grpSpPr>
-        <a:xfrm>
-          <a:off x="0" y="0"/>
-          <a:ext cx="0" cy="0"/>
-          <a:chOff x="0" y="0"/>
-          <a:chExt cx="0" cy="0"/>
-        </a:xfrm>
-      </p:grpSpPr>
-      <p:grpSp>
-        <p:nvGrpSpPr>
-          <p:cNvPr id="18" name="组合 17"/>
-          <p:cNvGrpSpPr/>
-          <p:nvPr/>
-        </p:nvGrpSpPr>
-        <p:grpSpPr>
-          <a:xfrm>
-            <a:off x="-97121" y="1253167"/>
-            <a:ext cx="2559495" cy="4063749"/>
-            <a:chOff x="1022470" y="1481251"/>
-            <a:chExt cx="2066102" cy="4063749"/>
-          </a:xfrm>
-        </p:grpSpPr>
-        <p:sp>
-          <p:nvSpPr>
-            <p:cNvPr id="19" name="任意多边形: 形状 185"/>
-            <p:cNvSpPr/>
-            <p:nvPr/>
-          </p:nvSpPr>
-          <p:spPr>
-            <a:xfrm rot="16200000">
-              <a:off x="64703" y="2439018"/>
-              <a:ext cx="3981636" cy="2066102"/>
-            </a:xfrm>
-            <a:custGeom>
-              <a:avLst/>
-              <a:gdLst>
-                <a:gd name="connsiteX0" fmla="*/ 0 w 3968423"/>
-                <a:gd name="connsiteY0" fmla="*/ 0 h 1933574"/>
-                <a:gd name="connsiteX1" fmla="*/ 3968423 w 3968423"/>
-                <a:gd name="connsiteY1" fmla="*/ 0 h 1933574"/>
-                <a:gd name="connsiteX2" fmla="*/ 3946431 w 3968423"/>
-                <a:gd name="connsiteY2" fmla="*/ 161996 h 1933574"/>
-                <a:gd name="connsiteX3" fmla="*/ 1984212 w 3968423"/>
-                <a:gd name="connsiteY3" fmla="*/ 1933574 h 1933574"/>
-                <a:gd name="connsiteX4" fmla="*/ 21992 w 3968423"/>
-                <a:gd name="connsiteY4" fmla="*/ 161996 h 1933574"/>
-                <a:gd name="connsiteX0-1" fmla="*/ 0 w 3968423"/>
-                <a:gd name="connsiteY0-2" fmla="*/ 19051 h 1952625"/>
-                <a:gd name="connsiteX1-3" fmla="*/ 304945 w 3968423"/>
-                <a:gd name="connsiteY1-4" fmla="*/ 0 h 1952625"/>
-                <a:gd name="connsiteX2-5" fmla="*/ 3968423 w 3968423"/>
-                <a:gd name="connsiteY2-6" fmla="*/ 19051 h 1952625"/>
-                <a:gd name="connsiteX3-7" fmla="*/ 3946431 w 3968423"/>
-                <a:gd name="connsiteY3-8" fmla="*/ 181047 h 1952625"/>
-                <a:gd name="connsiteX4-9" fmla="*/ 1984212 w 3968423"/>
-                <a:gd name="connsiteY4-10" fmla="*/ 1952625 h 1952625"/>
-                <a:gd name="connsiteX5" fmla="*/ 21992 w 3968423"/>
-                <a:gd name="connsiteY5" fmla="*/ 181047 h 1952625"/>
-                <a:gd name="connsiteX6" fmla="*/ 0 w 3968423"/>
-                <a:gd name="connsiteY6" fmla="*/ 19051 h 1952625"/>
-                <a:gd name="connsiteX0-11" fmla="*/ 0 w 3968423"/>
-                <a:gd name="connsiteY0-12" fmla="*/ 0 h 1933574"/>
-                <a:gd name="connsiteX1-13" fmla="*/ 3968423 w 3968423"/>
-                <a:gd name="connsiteY1-14" fmla="*/ 0 h 1933574"/>
-                <a:gd name="connsiteX2-15" fmla="*/ 3946431 w 3968423"/>
-                <a:gd name="connsiteY2-16" fmla="*/ 161996 h 1933574"/>
-                <a:gd name="connsiteX3-17" fmla="*/ 1984212 w 3968423"/>
-                <a:gd name="connsiteY3-18" fmla="*/ 1933574 h 1933574"/>
-                <a:gd name="connsiteX4-19" fmla="*/ 21992 w 3968423"/>
-                <a:gd name="connsiteY4-20" fmla="*/ 161996 h 1933574"/>
-                <a:gd name="connsiteX5-21" fmla="*/ 0 w 3968423"/>
-                <a:gd name="connsiteY5-22" fmla="*/ 0 h 1933574"/>
-                <a:gd name="connsiteX0-23" fmla="*/ 0 w 3968423"/>
-                <a:gd name="connsiteY0-24" fmla="*/ 14289 h 1947863"/>
-                <a:gd name="connsiteX1-25" fmla="*/ 328757 w 3968423"/>
-                <a:gd name="connsiteY1-26" fmla="*/ 0 h 1947863"/>
-                <a:gd name="connsiteX2-27" fmla="*/ 3968423 w 3968423"/>
-                <a:gd name="connsiteY2-28" fmla="*/ 14289 h 1947863"/>
-                <a:gd name="connsiteX3-29" fmla="*/ 3946431 w 3968423"/>
-                <a:gd name="connsiteY3-30" fmla="*/ 176285 h 1947863"/>
-                <a:gd name="connsiteX4-31" fmla="*/ 1984212 w 3968423"/>
-                <a:gd name="connsiteY4-32" fmla="*/ 1947863 h 1947863"/>
-                <a:gd name="connsiteX5-33" fmla="*/ 21992 w 3968423"/>
-                <a:gd name="connsiteY5-34" fmla="*/ 176285 h 1947863"/>
-                <a:gd name="connsiteX6-35" fmla="*/ 0 w 3968423"/>
-                <a:gd name="connsiteY6-36" fmla="*/ 14289 h 1947863"/>
-                <a:gd name="connsiteX0-37" fmla="*/ 328757 w 3968423"/>
-                <a:gd name="connsiteY0-38" fmla="*/ 0 h 1947863"/>
-                <a:gd name="connsiteX1-39" fmla="*/ 3968423 w 3968423"/>
-                <a:gd name="connsiteY1-40" fmla="*/ 14289 h 1947863"/>
-                <a:gd name="connsiteX2-41" fmla="*/ 3946431 w 3968423"/>
-                <a:gd name="connsiteY2-42" fmla="*/ 176285 h 1947863"/>
-                <a:gd name="connsiteX3-43" fmla="*/ 1984212 w 3968423"/>
-                <a:gd name="connsiteY3-44" fmla="*/ 1947863 h 1947863"/>
-                <a:gd name="connsiteX4-45" fmla="*/ 21992 w 3968423"/>
-                <a:gd name="connsiteY4-46" fmla="*/ 176285 h 1947863"/>
-                <a:gd name="connsiteX5-47" fmla="*/ 0 w 3968423"/>
-                <a:gd name="connsiteY5-48" fmla="*/ 14289 h 1947863"/>
-                <a:gd name="connsiteX6-49" fmla="*/ 420197 w 3968423"/>
-                <a:gd name="connsiteY6-50" fmla="*/ 91440 h 1947863"/>
-                <a:gd name="connsiteX0-51" fmla="*/ 328757 w 3968423"/>
-                <a:gd name="connsiteY0-52" fmla="*/ 0 h 1947863"/>
-                <a:gd name="connsiteX1-53" fmla="*/ 3968423 w 3968423"/>
-                <a:gd name="connsiteY1-54" fmla="*/ 14289 h 1947863"/>
-                <a:gd name="connsiteX2-55" fmla="*/ 3946431 w 3968423"/>
-                <a:gd name="connsiteY2-56" fmla="*/ 176285 h 1947863"/>
-                <a:gd name="connsiteX3-57" fmla="*/ 1984212 w 3968423"/>
-                <a:gd name="connsiteY3-58" fmla="*/ 1947863 h 1947863"/>
-                <a:gd name="connsiteX4-59" fmla="*/ 21992 w 3968423"/>
-                <a:gd name="connsiteY4-60" fmla="*/ 176285 h 1947863"/>
-                <a:gd name="connsiteX5-61" fmla="*/ 0 w 3968423"/>
-                <a:gd name="connsiteY5-62" fmla="*/ 14289 h 1947863"/>
-                <a:gd name="connsiteX0-63" fmla="*/ 3968423 w 3968423"/>
-                <a:gd name="connsiteY0-64" fmla="*/ 0 h 1933574"/>
-                <a:gd name="connsiteX1-65" fmla="*/ 3946431 w 3968423"/>
-                <a:gd name="connsiteY1-66" fmla="*/ 161996 h 1933574"/>
-                <a:gd name="connsiteX2-67" fmla="*/ 1984212 w 3968423"/>
-                <a:gd name="connsiteY2-68" fmla="*/ 1933574 h 1933574"/>
-                <a:gd name="connsiteX3-69" fmla="*/ 21992 w 3968423"/>
-                <a:gd name="connsiteY3-70" fmla="*/ 161996 h 1933574"/>
-                <a:gd name="connsiteX4-71" fmla="*/ 0 w 3968423"/>
-                <a:gd name="connsiteY4-72" fmla="*/ 0 h 1933574"/>
-              </a:gdLst>
-              <a:ahLst/>
-              <a:cxnLst>
-                <a:cxn ang="0">
-                  <a:pos x="connsiteX0-1" y="connsiteY0-2"/>
-                </a:cxn>
-                <a:cxn ang="0">
-                  <a:pos x="connsiteX1-3" y="connsiteY1-4"/>
-                </a:cxn>
-                <a:cxn ang="0">
-                  <a:pos x="connsiteX2-5" y="connsiteY2-6"/>
-                </a:cxn>
-                <a:cxn ang="0">
-                  <a:pos x="connsiteX3-7" y="connsiteY3-8"/>
-                </a:cxn>
-                <a:cxn ang="0">
-                  <a:pos x="connsiteX4-9" y="connsiteY4-10"/>
-                </a:cxn>
-              </a:cxnLst>
-              <a:rect l="l" t="t" r="r" b="b"/>
-              <a:pathLst>
-                <a:path w="3968423" h="1933574">
-                  <a:moveTo>
-                    <a:pt x="3968423" y="0"/>
-                  </a:moveTo>
-                  <a:lnTo>
-                    <a:pt x="3946431" y="161996"/>
-                  </a:lnTo>
-                  <a:cubicBezTo>
-                    <a:pt x="3764638" y="1172055"/>
-                    <a:pt x="2955217" y="1933574"/>
-                    <a:pt x="1984212" y="1933574"/>
-                  </a:cubicBezTo>
-                  <a:cubicBezTo>
-                    <a:pt x="1013203" y="1933574"/>
-                    <a:pt x="203783" y="1172055"/>
-                    <a:pt x="21992" y="161996"/>
-                  </a:cubicBezTo>
-                  <a:lnTo>
-                    <a:pt x="0" y="0"/>
-                  </a:lnTo>
-                </a:path>
-              </a:pathLst>
-            </a:custGeom>
-            <a:noFill/>
-            <a:ln>
-              <a:solidFill>
-                <a:schemeClr val="bg1">
-                  <a:lumMod val="85000"/>
-                </a:schemeClr>
-              </a:solidFill>
-            </a:ln>
-          </p:spPr>
-          <p:style>
-            <a:lnRef idx="2">
-              <a:schemeClr val="accent1">
-                <a:shade val="50000"/>
-              </a:schemeClr>
-            </a:lnRef>
-            <a:fillRef idx="1">
-              <a:schemeClr val="accent1"/>
-            </a:fillRef>
-            <a:effectRef idx="0">
-              <a:schemeClr val="accent1"/>
-            </a:effectRef>
-            <a:fontRef idx="minor">
-              <a:schemeClr val="lt1"/>
-            </a:fontRef>
-          </p:style>
-          <p:txBody>
-            <a:bodyPr wrap="square" rtlCol="0" anchor="ctr">
-              <a:noAutofit/>
-            </a:bodyPr>
-            <a:lstStyle/>
-            <a:p>
-              <a:pPr algn="ctr"/>
-              <a:endParaRPr lang="zh-CN" altLang="en-US"/>
-            </a:p>
-          </p:txBody>
-        </p:sp>
-        <p:sp>
-          <p:nvSpPr>
-            <p:cNvPr id="20" name="任意多边形: 形状 186"/>
-            <p:cNvSpPr/>
-            <p:nvPr/>
-          </p:nvSpPr>
-          <p:spPr>
-            <a:xfrm rot="16200000">
-              <a:off x="101594" y="2669337"/>
-              <a:ext cx="3914225" cy="1837102"/>
-            </a:xfrm>
-            <a:custGeom>
-              <a:avLst/>
-              <a:gdLst>
-                <a:gd name="connsiteX0" fmla="*/ 0 w 3901235"/>
-                <a:gd name="connsiteY0" fmla="*/ 0 h 1719263"/>
-                <a:gd name="connsiteX1" fmla="*/ 3901235 w 3901235"/>
-                <a:gd name="connsiteY1" fmla="*/ 0 h 1719263"/>
-                <a:gd name="connsiteX2" fmla="*/ 3871510 w 3901235"/>
-                <a:gd name="connsiteY2" fmla="*/ 134033 h 1719263"/>
-                <a:gd name="connsiteX3" fmla="*/ 1950618 w 3901235"/>
-                <a:gd name="connsiteY3" fmla="*/ 1719263 h 1719263"/>
-                <a:gd name="connsiteX4" fmla="*/ 29725 w 3901235"/>
-                <a:gd name="connsiteY4" fmla="*/ 134033 h 1719263"/>
-                <a:gd name="connsiteX0-1" fmla="*/ 0 w 3901235"/>
-                <a:gd name="connsiteY0-2" fmla="*/ 4764 h 1724027"/>
-                <a:gd name="connsiteX1-3" fmla="*/ 971439 w 3901235"/>
-                <a:gd name="connsiteY1-4" fmla="*/ 0 h 1724027"/>
-                <a:gd name="connsiteX2-5" fmla="*/ 3901235 w 3901235"/>
-                <a:gd name="connsiteY2-6" fmla="*/ 4764 h 1724027"/>
-                <a:gd name="connsiteX3-7" fmla="*/ 3871510 w 3901235"/>
-                <a:gd name="connsiteY3-8" fmla="*/ 138797 h 1724027"/>
-                <a:gd name="connsiteX4-9" fmla="*/ 1950618 w 3901235"/>
-                <a:gd name="connsiteY4-10" fmla="*/ 1724027 h 1724027"/>
-                <a:gd name="connsiteX5" fmla="*/ 29725 w 3901235"/>
-                <a:gd name="connsiteY5" fmla="*/ 138797 h 1724027"/>
-                <a:gd name="connsiteX6" fmla="*/ 0 w 3901235"/>
-                <a:gd name="connsiteY6" fmla="*/ 4764 h 1724027"/>
-                <a:gd name="connsiteX0-11" fmla="*/ 971439 w 3901235"/>
-                <a:gd name="connsiteY0-12" fmla="*/ 0 h 1724027"/>
-                <a:gd name="connsiteX1-13" fmla="*/ 3901235 w 3901235"/>
-                <a:gd name="connsiteY1-14" fmla="*/ 4764 h 1724027"/>
-                <a:gd name="connsiteX2-15" fmla="*/ 3871510 w 3901235"/>
-                <a:gd name="connsiteY2-16" fmla="*/ 138797 h 1724027"/>
-                <a:gd name="connsiteX3-17" fmla="*/ 1950618 w 3901235"/>
-                <a:gd name="connsiteY3-18" fmla="*/ 1724027 h 1724027"/>
-                <a:gd name="connsiteX4-19" fmla="*/ 29725 w 3901235"/>
-                <a:gd name="connsiteY4-20" fmla="*/ 138797 h 1724027"/>
-                <a:gd name="connsiteX5-21" fmla="*/ 0 w 3901235"/>
-                <a:gd name="connsiteY5-22" fmla="*/ 4764 h 1724027"/>
-                <a:gd name="connsiteX6-23" fmla="*/ 1062879 w 3901235"/>
-                <a:gd name="connsiteY6-24" fmla="*/ 91440 h 1724027"/>
-                <a:gd name="connsiteX0-25" fmla="*/ 971439 w 3901235"/>
-                <a:gd name="connsiteY0-26" fmla="*/ 0 h 1724027"/>
-                <a:gd name="connsiteX1-27" fmla="*/ 3901235 w 3901235"/>
-                <a:gd name="connsiteY1-28" fmla="*/ 4764 h 1724027"/>
-                <a:gd name="connsiteX2-29" fmla="*/ 3871510 w 3901235"/>
-                <a:gd name="connsiteY2-30" fmla="*/ 138797 h 1724027"/>
-                <a:gd name="connsiteX3-31" fmla="*/ 1950618 w 3901235"/>
-                <a:gd name="connsiteY3-32" fmla="*/ 1724027 h 1724027"/>
-                <a:gd name="connsiteX4-33" fmla="*/ 29725 w 3901235"/>
-                <a:gd name="connsiteY4-34" fmla="*/ 138797 h 1724027"/>
-                <a:gd name="connsiteX5-35" fmla="*/ 0 w 3901235"/>
-                <a:gd name="connsiteY5-36" fmla="*/ 4764 h 1724027"/>
-                <a:gd name="connsiteX0-37" fmla="*/ 3901235 w 3901235"/>
-                <a:gd name="connsiteY0-38" fmla="*/ 0 h 1719263"/>
-                <a:gd name="connsiteX1-39" fmla="*/ 3871510 w 3901235"/>
-                <a:gd name="connsiteY1-40" fmla="*/ 134033 h 1719263"/>
-                <a:gd name="connsiteX2-41" fmla="*/ 1950618 w 3901235"/>
-                <a:gd name="connsiteY2-42" fmla="*/ 1719263 h 1719263"/>
-                <a:gd name="connsiteX3-43" fmla="*/ 29725 w 3901235"/>
-                <a:gd name="connsiteY3-44" fmla="*/ 134033 h 1719263"/>
-                <a:gd name="connsiteX4-45" fmla="*/ 0 w 3901235"/>
-                <a:gd name="connsiteY4-46" fmla="*/ 0 h 1719263"/>
-              </a:gdLst>
-              <a:ahLst/>
-              <a:cxnLst>
-                <a:cxn ang="0">
-                  <a:pos x="connsiteX0-1" y="connsiteY0-2"/>
-                </a:cxn>
-                <a:cxn ang="0">
-                  <a:pos x="connsiteX1-3" y="connsiteY1-4"/>
-                </a:cxn>
-                <a:cxn ang="0">
-                  <a:pos x="connsiteX2-5" y="connsiteY2-6"/>
-                </a:cxn>
-                <a:cxn ang="0">
-                  <a:pos x="connsiteX3-7" y="connsiteY3-8"/>
-                </a:cxn>
-                <a:cxn ang="0">
-                  <a:pos x="connsiteX4-9" y="connsiteY4-10"/>
-                </a:cxn>
-              </a:cxnLst>
-              <a:rect l="l" t="t" r="r" b="b"/>
-              <a:pathLst>
-                <a:path w="3901235" h="1719263">
-                  <a:moveTo>
-                    <a:pt x="3901235" y="0"/>
-                  </a:moveTo>
-                  <a:lnTo>
-                    <a:pt x="3871510" y="134033"/>
-                  </a:lnTo>
-                  <a:cubicBezTo>
-                    <a:pt x="3629235" y="1049959"/>
-                    <a:pt x="2860935" y="1719263"/>
-                    <a:pt x="1950618" y="1719263"/>
-                  </a:cubicBezTo>
-                  <a:cubicBezTo>
-                    <a:pt x="1040298" y="1719263"/>
-                    <a:pt x="271998" y="1049959"/>
-                    <a:pt x="29725" y="134033"/>
-                  </a:cubicBezTo>
-                  <a:lnTo>
-                    <a:pt x="0" y="0"/>
-                  </a:lnTo>
-                </a:path>
-              </a:pathLst>
-            </a:custGeom>
-            <a:noFill/>
-            <a:ln>
-              <a:solidFill>
-                <a:srgbClr val="AC4243"/>
-              </a:solidFill>
-            </a:ln>
-          </p:spPr>
-          <p:style>
-            <a:lnRef idx="2">
-              <a:schemeClr val="accent1">
-                <a:shade val="50000"/>
-              </a:schemeClr>
-            </a:lnRef>
-            <a:fillRef idx="1">
-              <a:schemeClr val="accent1"/>
-            </a:fillRef>
-            <a:effectRef idx="0">
-              <a:schemeClr val="accent1"/>
-            </a:effectRef>
-            <a:fontRef idx="minor">
-              <a:schemeClr val="lt1"/>
-            </a:fontRef>
-          </p:style>
-          <p:txBody>
-            <a:bodyPr wrap="square" rtlCol="0" anchor="ctr">
-              <a:noAutofit/>
-            </a:bodyPr>
-            <a:lstStyle/>
-            <a:p>
-              <a:pPr algn="ctr"/>
-              <a:endParaRPr lang="zh-CN" altLang="en-US"/>
-            </a:p>
-          </p:txBody>
-        </p:sp>
-      </p:grpSp>
-      <p:sp>
-        <p:nvSpPr>
-          <p:cNvPr id="33" name="椭圆 32"/>
-          <p:cNvSpPr/>
-          <p:nvPr/>
-        </p:nvSpPr>
-        <p:spPr>
-          <a:xfrm>
-            <a:off x="-759511" y="1885309"/>
-            <a:ext cx="2976448" cy="2976448"/>
-          </a:xfrm>
-          <a:prstGeom prst="ellipse">
-            <a:avLst/>
-          </a:prstGeom>
-          <a:solidFill>
-            <a:srgbClr val="AC4243"/>
-          </a:solidFill>
-          <a:ln>
-            <a:noFill/>
-          </a:ln>
-        </p:spPr>
-        <p:style>
-          <a:lnRef idx="2">
-            <a:schemeClr val="accent1">
-              <a:shade val="50000"/>
-            </a:schemeClr>
-          </a:lnRef>
-          <a:fillRef idx="1">
-            <a:schemeClr val="accent1"/>
-          </a:fillRef>
-          <a:effectRef idx="0">
-            <a:schemeClr val="accent1"/>
-          </a:effectRef>
-          <a:fontRef idx="minor">
-            <a:schemeClr val="lt1"/>
-          </a:fontRef>
-        </p:style>
-        <p:txBody>
-          <a:bodyPr rtlCol="0" anchor="ctr"/>
-          <a:lstStyle/>
-          <a:p>
-            <a:pPr algn="ctr"/>
-            <a:endParaRPr lang="zh-CN" altLang="en-US"/>
-          </a:p>
-        </p:txBody>
-      </p:sp>
-      <p:cxnSp>
-        <p:nvCxnSpPr>
-          <p:cNvPr id="34" name="直接连接符 33"/>
-          <p:cNvCxnSpPr/>
-          <p:nvPr/>
-        </p:nvCxnSpPr>
-        <p:spPr>
-          <a:xfrm flipV="1">
-            <a:off x="4007576" y="1481250"/>
-            <a:ext cx="0" cy="3737552"/>
-          </a:xfrm>
-          <a:prstGeom prst="line">
-            <a:avLst/>
-          </a:prstGeom>
-          <a:ln w="19050">
-            <a:solidFill>
-              <a:srgbClr val="AC4243"/>
-            </a:solidFill>
-            <a:prstDash val="dash"/>
-          </a:ln>
-        </p:spPr>
-        <p:style>
-          <a:lnRef idx="1">
-            <a:schemeClr val="accent1"/>
-          </a:lnRef>
-          <a:fillRef idx="0">
-            <a:schemeClr val="accent1"/>
-          </a:fillRef>
-          <a:effectRef idx="0">
-            <a:schemeClr val="accent1"/>
-          </a:effectRef>
-          <a:fontRef idx="minor">
-            <a:schemeClr val="tx1"/>
-          </a:fontRef>
-        </p:style>
-      </p:cxnSp>
-      <p:sp>
-        <p:nvSpPr>
-          <p:cNvPr id="35" name="矩形 34"/>
-          <p:cNvSpPr/>
-          <p:nvPr/>
-        </p:nvSpPr>
-        <p:spPr>
-          <a:xfrm>
-            <a:off x="4407348" y="2274461"/>
-            <a:ext cx="3262432" cy="1015663"/>
-          </a:xfrm>
-          <a:prstGeom prst="rect">
-            <a:avLst/>
-          </a:prstGeom>
-        </p:spPr>
-        <p:txBody>
-          <a:bodyPr wrap="none">
-            <a:spAutoFit/>
-          </a:bodyPr>
-          <a:lstStyle/>
-          <a:p>
-            <a:pPr algn="ctr">
-              <a:defRPr/>
-            </a:pPr>
-            <a:r>
-              <a:rPr lang="zh-CN" altLang="en-US" sz="6000" kern="100">
-                <a:solidFill>
-                  <a:srgbClr val="AB1E21"/>
-                </a:solidFill>
-                <a:latin typeface="思源黑体 CN Medium" panose="020B0600000000000000" pitchFamily="34" charset="-122"/>
-                <a:ea typeface="思源黑体 CN Medium" panose="020B0600000000000000" pitchFamily="34" charset="-122"/>
-                <a:cs typeface="字魂59号-创粗黑" panose="00000500000000000000" charset="-122"/>
-              </a:rPr>
-              <a:t>项目调研</a:t>
-            </a:r>
-            <a:endParaRPr lang="zh-CN" altLang="en-US" sz="6000" kern="100" dirty="0">
-              <a:solidFill>
-                <a:srgbClr val="AB1E21"/>
-              </a:solidFill>
-              <a:latin typeface="思源黑体 CN Medium" panose="020B0600000000000000" pitchFamily="34" charset="-122"/>
-              <a:ea typeface="思源黑体 CN Medium" panose="020B0600000000000000" pitchFamily="34" charset="-122"/>
-              <a:cs typeface="字魂59号-创粗黑" panose="00000500000000000000" charset="-122"/>
-            </a:endParaRPr>
-          </a:p>
-        </p:txBody>
-      </p:sp>
-      <p:sp>
-        <p:nvSpPr>
-          <p:cNvPr id="36" name="矩形 35"/>
-          <p:cNvSpPr/>
-          <p:nvPr/>
-        </p:nvSpPr>
-        <p:spPr>
-          <a:xfrm>
-            <a:off x="4824431" y="3436308"/>
-            <a:ext cx="1210588" cy="400110"/>
-          </a:xfrm>
-          <a:prstGeom prst="rect">
-            <a:avLst/>
-          </a:prstGeom>
-        </p:spPr>
-        <p:txBody>
-          <a:bodyPr wrap="none">
-            <a:spAutoFit/>
-          </a:bodyPr>
-          <a:lstStyle/>
-          <a:p>
-            <a:r>
-              <a:rPr lang="zh-CN" altLang="en-US" sz="2000" dirty="0">
-                <a:solidFill>
-                  <a:srgbClr val="AB1E21"/>
-                </a:solidFill>
-                <a:latin typeface="思源黑体 CN Medium" panose="020B0600000000000000" pitchFamily="34" charset="-122"/>
-                <a:ea typeface="思源黑体 CN Medium" panose="020B0600000000000000" pitchFamily="34" charset="-122"/>
-              </a:rPr>
-              <a:t>项目背景</a:t>
-            </a:r>
-          </a:p>
-        </p:txBody>
-      </p:sp>
-      <p:sp>
-        <p:nvSpPr>
-          <p:cNvPr id="37" name="椭圆 36"/>
-          <p:cNvSpPr/>
-          <p:nvPr/>
-        </p:nvSpPr>
-        <p:spPr>
-          <a:xfrm>
-            <a:off x="4407337" y="3431657"/>
-            <a:ext cx="417094" cy="417094"/>
-          </a:xfrm>
-          <a:prstGeom prst="ellipse">
-            <a:avLst/>
-          </a:prstGeom>
-          <a:solidFill>
-            <a:srgbClr val="AC4243"/>
-          </a:solidFill>
-          <a:ln>
-            <a:noFill/>
-          </a:ln>
-        </p:spPr>
-        <p:style>
-          <a:lnRef idx="2">
-            <a:schemeClr val="accent1">
-              <a:shade val="50000"/>
-            </a:schemeClr>
-          </a:lnRef>
-          <a:fillRef idx="1">
-            <a:schemeClr val="accent1"/>
-          </a:fillRef>
-          <a:effectRef idx="0">
-            <a:schemeClr val="accent1"/>
-          </a:effectRef>
-          <a:fontRef idx="minor">
-            <a:schemeClr val="lt1"/>
-          </a:fontRef>
-        </p:style>
-        <p:txBody>
-          <a:bodyPr rtlCol="0" anchor="ctr"/>
-          <a:lstStyle/>
-          <a:p>
-            <a:pPr algn="ctr"/>
-            <a:r>
-              <a:rPr lang="en-US" altLang="zh-CN" sz="1600" dirty="0">
-                <a:solidFill>
-                  <a:schemeClr val="bg1"/>
-                </a:solidFill>
-                <a:latin typeface="思源黑体 CN Medium" panose="020B0600000000000000" pitchFamily="34" charset="-122"/>
-                <a:ea typeface="思源黑体 CN Medium" panose="020B0600000000000000" pitchFamily="34" charset="-122"/>
-              </a:rPr>
-              <a:t>1</a:t>
-            </a:r>
-            <a:endParaRPr lang="zh-CN" altLang="en-US" sz="1600" dirty="0">
-              <a:solidFill>
-                <a:schemeClr val="bg1"/>
-              </a:solidFill>
-              <a:latin typeface="思源黑体 CN Medium" panose="020B0600000000000000" pitchFamily="34" charset="-122"/>
-              <a:ea typeface="思源黑体 CN Medium" panose="020B0600000000000000" pitchFamily="34" charset="-122"/>
-            </a:endParaRPr>
-          </a:p>
-        </p:txBody>
-      </p:sp>
-      <p:sp>
-        <p:nvSpPr>
-          <p:cNvPr id="42" name="矩形 41"/>
-          <p:cNvSpPr/>
-          <p:nvPr/>
-        </p:nvSpPr>
-        <p:spPr>
-          <a:xfrm>
-            <a:off x="4824431" y="4336378"/>
-            <a:ext cx="1467068" cy="400110"/>
-          </a:xfrm>
-          <a:prstGeom prst="rect">
-            <a:avLst/>
-          </a:prstGeom>
-        </p:spPr>
-        <p:txBody>
-          <a:bodyPr wrap="none">
-            <a:spAutoFit/>
-          </a:bodyPr>
-          <a:lstStyle/>
-          <a:p>
-            <a:r>
-              <a:rPr lang="zh-CN" altLang="en-US" sz="2000" dirty="0">
-                <a:solidFill>
-                  <a:srgbClr val="AB1E21"/>
-                </a:solidFill>
-                <a:ea typeface="思源黑体 CN Medium" panose="020B0600000000000000" pitchFamily="34" charset="-122"/>
-              </a:rPr>
-              <a:t>重要性分析</a:t>
-            </a:r>
-            <a:endParaRPr lang="zh-CN" altLang="en-US" sz="2000" dirty="0">
-              <a:solidFill>
-                <a:srgbClr val="AB1E21"/>
-              </a:solidFill>
-              <a:latin typeface="思源黑体 CN Medium" panose="020B0600000000000000" pitchFamily="34" charset="-122"/>
-              <a:ea typeface="思源黑体 CN Medium" panose="020B0600000000000000" pitchFamily="34" charset="-122"/>
-            </a:endParaRPr>
-          </a:p>
-        </p:txBody>
-      </p:sp>
-      <p:sp>
-        <p:nvSpPr>
-          <p:cNvPr id="43" name="椭圆 42"/>
-          <p:cNvSpPr/>
-          <p:nvPr/>
-        </p:nvSpPr>
-        <p:spPr>
-          <a:xfrm>
-            <a:off x="4407337" y="4329757"/>
-            <a:ext cx="417094" cy="417094"/>
-          </a:xfrm>
-          <a:prstGeom prst="ellipse">
-            <a:avLst/>
-          </a:prstGeom>
-          <a:solidFill>
-            <a:srgbClr val="AC4243"/>
-          </a:solidFill>
-          <a:ln>
-            <a:noFill/>
-          </a:ln>
-        </p:spPr>
-        <p:style>
-          <a:lnRef idx="2">
-            <a:schemeClr val="accent1">
-              <a:shade val="50000"/>
-            </a:schemeClr>
-          </a:lnRef>
-          <a:fillRef idx="1">
-            <a:schemeClr val="accent1"/>
-          </a:fillRef>
-          <a:effectRef idx="0">
-            <a:schemeClr val="accent1"/>
-          </a:effectRef>
-          <a:fontRef idx="minor">
-            <a:schemeClr val="lt1"/>
-          </a:fontRef>
-        </p:style>
-        <p:txBody>
-          <a:bodyPr rtlCol="0" anchor="ctr"/>
-          <a:lstStyle/>
-          <a:p>
-            <a:pPr algn="ctr"/>
-            <a:r>
-              <a:rPr lang="en-US" altLang="zh-CN" sz="1600" dirty="0">
-                <a:solidFill>
-                  <a:schemeClr val="bg1"/>
-                </a:solidFill>
-                <a:latin typeface="思源黑体 CN Medium" panose="020B0600000000000000" pitchFamily="34" charset="-122"/>
-                <a:ea typeface="思源黑体 CN Medium" panose="020B0600000000000000" pitchFamily="34" charset="-122"/>
-              </a:rPr>
-              <a:t>2</a:t>
-            </a:r>
-            <a:endParaRPr lang="zh-CN" altLang="en-US" sz="1600" dirty="0">
-              <a:solidFill>
-                <a:schemeClr val="bg1"/>
-              </a:solidFill>
-              <a:latin typeface="思源黑体 CN Medium" panose="020B0600000000000000" pitchFamily="34" charset="-122"/>
-              <a:ea typeface="思源黑体 CN Medium" panose="020B0600000000000000" pitchFamily="34" charset="-122"/>
-            </a:endParaRPr>
-          </a:p>
-        </p:txBody>
-      </p:sp>
-      <p:sp>
-        <p:nvSpPr>
-          <p:cNvPr id="48" name="任意多边形: 形状 120"/>
-          <p:cNvSpPr/>
-          <p:nvPr/>
-        </p:nvSpPr>
-        <p:spPr>
-          <a:xfrm rot="18201767">
-            <a:off x="2498891" y="1017834"/>
-            <a:ext cx="979224" cy="985205"/>
-          </a:xfrm>
-          <a:custGeom>
-            <a:avLst/>
-            <a:gdLst>
-              <a:gd name="connsiteX0" fmla="*/ 447971 w 1442460"/>
-              <a:gd name="connsiteY0" fmla="*/ 1397101 h 1451272"/>
-              <a:gd name="connsiteX1" fmla="*/ 994490 w 1442460"/>
-              <a:gd name="connsiteY1" fmla="*/ 1397101 h 1451272"/>
-              <a:gd name="connsiteX2" fmla="*/ 867471 w 1442460"/>
-              <a:gd name="connsiteY2" fmla="*/ 1436530 h 1451272"/>
-              <a:gd name="connsiteX3" fmla="*/ 721230 w 1442460"/>
-              <a:gd name="connsiteY3" fmla="*/ 1451272 h 1451272"/>
-              <a:gd name="connsiteX4" fmla="*/ 574989 w 1442460"/>
-              <a:gd name="connsiteY4" fmla="*/ 1436530 h 1451272"/>
-              <a:gd name="connsiteX5" fmla="*/ 209854 w 1442460"/>
-              <a:gd name="connsiteY5" fmla="*/ 1240162 h 1451272"/>
-              <a:gd name="connsiteX6" fmla="*/ 1232607 w 1442460"/>
-              <a:gd name="connsiteY6" fmla="*/ 1240162 h 1451272"/>
-              <a:gd name="connsiteX7" fmla="*/ 1166640 w 1442460"/>
-              <a:gd name="connsiteY7" fmla="*/ 1294590 h 1451272"/>
-              <a:gd name="connsiteX8" fmla="*/ 275821 w 1442460"/>
-              <a:gd name="connsiteY8" fmla="*/ 1294590 h 1451272"/>
-              <a:gd name="connsiteX9" fmla="*/ 93401 w 1442460"/>
-              <a:gd name="connsiteY9" fmla="*/ 1083223 h 1451272"/>
-              <a:gd name="connsiteX10" fmla="*/ 1349059 w 1442460"/>
-              <a:gd name="connsiteY10" fmla="*/ 1083223 h 1451272"/>
-              <a:gd name="connsiteX11" fmla="*/ 1322939 w 1442460"/>
-              <a:gd name="connsiteY11" fmla="*/ 1131346 h 1451272"/>
-              <a:gd name="connsiteX12" fmla="*/ 1317737 w 1442460"/>
-              <a:gd name="connsiteY12" fmla="*/ 1137651 h 1451272"/>
-              <a:gd name="connsiteX13" fmla="*/ 124723 w 1442460"/>
-              <a:gd name="connsiteY13" fmla="*/ 1137651 h 1451272"/>
-              <a:gd name="connsiteX14" fmla="*/ 119521 w 1442460"/>
-              <a:gd name="connsiteY14" fmla="*/ 1131346 h 1451272"/>
-              <a:gd name="connsiteX15" fmla="*/ 27225 w 1442460"/>
-              <a:gd name="connsiteY15" fmla="*/ 926284 h 1451272"/>
-              <a:gd name="connsiteX16" fmla="*/ 1415235 w 1442460"/>
-              <a:gd name="connsiteY16" fmla="*/ 926284 h 1451272"/>
-              <a:gd name="connsiteX17" fmla="*/ 1398340 w 1442460"/>
-              <a:gd name="connsiteY17" fmla="*/ 980712 h 1451272"/>
-              <a:gd name="connsiteX18" fmla="*/ 44121 w 1442460"/>
-              <a:gd name="connsiteY18" fmla="*/ 980712 h 1451272"/>
-              <a:gd name="connsiteX19" fmla="*/ 0 w 1442460"/>
-              <a:gd name="connsiteY19" fmla="*/ 769345 h 1451272"/>
-              <a:gd name="connsiteX20" fmla="*/ 1442460 w 1442460"/>
-              <a:gd name="connsiteY20" fmla="*/ 769345 h 1451272"/>
-              <a:gd name="connsiteX21" fmla="*/ 1436973 w 1442460"/>
-              <a:gd name="connsiteY21" fmla="*/ 823773 h 1451272"/>
-              <a:gd name="connsiteX22" fmla="*/ 5487 w 1442460"/>
-              <a:gd name="connsiteY22" fmla="*/ 823773 h 1451272"/>
-              <a:gd name="connsiteX23" fmla="*/ 7009 w 1442460"/>
-              <a:gd name="connsiteY23" fmla="*/ 612406 h 1451272"/>
-              <a:gd name="connsiteX24" fmla="*/ 1435452 w 1442460"/>
-              <a:gd name="connsiteY24" fmla="*/ 612406 h 1451272"/>
-              <a:gd name="connsiteX25" fmla="*/ 1440939 w 1442460"/>
-              <a:gd name="connsiteY25" fmla="*/ 666834 h 1451272"/>
-              <a:gd name="connsiteX26" fmla="*/ 1522 w 1442460"/>
-              <a:gd name="connsiteY26" fmla="*/ 666834 h 1451272"/>
-              <a:gd name="connsiteX27" fmla="*/ 48806 w 1442460"/>
-              <a:gd name="connsiteY27" fmla="*/ 455467 h 1451272"/>
-              <a:gd name="connsiteX28" fmla="*/ 1393655 w 1442460"/>
-              <a:gd name="connsiteY28" fmla="*/ 455467 h 1451272"/>
-              <a:gd name="connsiteX29" fmla="*/ 1410550 w 1442460"/>
-              <a:gd name="connsiteY29" fmla="*/ 509895 h 1451272"/>
-              <a:gd name="connsiteX30" fmla="*/ 31911 w 1442460"/>
-              <a:gd name="connsiteY30" fmla="*/ 509895 h 1451272"/>
-              <a:gd name="connsiteX31" fmla="*/ 137176 w 1442460"/>
-              <a:gd name="connsiteY31" fmla="*/ 298528 h 1451272"/>
-              <a:gd name="connsiteX32" fmla="*/ 1305284 w 1442460"/>
-              <a:gd name="connsiteY32" fmla="*/ 298528 h 1451272"/>
-              <a:gd name="connsiteX33" fmla="*/ 1322939 w 1442460"/>
-              <a:gd name="connsiteY33" fmla="*/ 319926 h 1451272"/>
-              <a:gd name="connsiteX34" fmla="*/ 1340867 w 1442460"/>
-              <a:gd name="connsiteY34" fmla="*/ 352956 h 1451272"/>
-              <a:gd name="connsiteX35" fmla="*/ 101593 w 1442460"/>
-              <a:gd name="connsiteY35" fmla="*/ 352956 h 1451272"/>
-              <a:gd name="connsiteX36" fmla="*/ 119521 w 1442460"/>
-              <a:gd name="connsiteY36" fmla="*/ 319926 h 1451272"/>
-              <a:gd name="connsiteX37" fmla="*/ 294114 w 1442460"/>
-              <a:gd name="connsiteY37" fmla="*/ 141589 h 1451272"/>
-              <a:gd name="connsiteX38" fmla="*/ 1148347 w 1442460"/>
-              <a:gd name="connsiteY38" fmla="*/ 141589 h 1451272"/>
-              <a:gd name="connsiteX39" fmla="*/ 1214314 w 1442460"/>
-              <a:gd name="connsiteY39" fmla="*/ 196017 h 1451272"/>
-              <a:gd name="connsiteX40" fmla="*/ 228147 w 1442460"/>
-              <a:gd name="connsiteY40" fmla="*/ 196017 h 1451272"/>
-              <a:gd name="connsiteX41" fmla="*/ 721230 w 1442460"/>
-              <a:gd name="connsiteY41" fmla="*/ 0 h 1451272"/>
-              <a:gd name="connsiteX42" fmla="*/ 867471 w 1442460"/>
-              <a:gd name="connsiteY42" fmla="*/ 14742 h 1451272"/>
-              <a:gd name="connsiteX43" fmla="*/ 945868 w 1442460"/>
-              <a:gd name="connsiteY43" fmla="*/ 39078 h 1451272"/>
-              <a:gd name="connsiteX44" fmla="*/ 496593 w 1442460"/>
-              <a:gd name="connsiteY44" fmla="*/ 39078 h 1451272"/>
-              <a:gd name="connsiteX45" fmla="*/ 574989 w 1442460"/>
-              <a:gd name="connsiteY45" fmla="*/ 14742 h 1451272"/>
-              <a:gd name="connsiteX46" fmla="*/ 721230 w 1442460"/>
-              <a:gd name="connsiteY46" fmla="*/ 0 h 1451272"/>
-            </a:gdLst>
-            <a:ahLst/>
-            <a:cxnLst>
-              <a:cxn ang="0">
-                <a:pos x="connsiteX0" y="connsiteY0"/>
-              </a:cxn>
-              <a:cxn ang="0">
-                <a:pos x="connsiteX1" y="connsiteY1"/>
-              </a:cxn>
-              <a:cxn ang="0">
-                <a:pos x="connsiteX2" y="connsiteY2"/>
-              </a:cxn>
-              <a:cxn ang="0">
-                <a:pos x="connsiteX3" y="connsiteY3"/>
-              </a:cxn>
-              <a:cxn ang="0">
-                <a:pos x="connsiteX4" y="connsiteY4"/>
-              </a:cxn>
-              <a:cxn ang="0">
-                <a:pos x="connsiteX5" y="connsiteY5"/>
-              </a:cxn>
-              <a:cxn ang="0">
-                <a:pos x="connsiteX6" y="connsiteY6"/>
-              </a:cxn>
-              <a:cxn ang="0">
-                <a:pos x="connsiteX7" y="connsiteY7"/>
-              </a:cxn>
-              <a:cxn ang="0">
-                <a:pos x="connsiteX8" y="connsiteY8"/>
-              </a:cxn>
-              <a:cxn ang="0">
-                <a:pos x="connsiteX9" y="connsiteY9"/>
-              </a:cxn>
-              <a:cxn ang="0">
-                <a:pos x="connsiteX10" y="connsiteY10"/>
-              </a:cxn>
-              <a:cxn ang="0">
-                <a:pos x="connsiteX11" y="connsiteY11"/>
-              </a:cxn>
-              <a:cxn ang="0">
-                <a:pos x="connsiteX12" y="connsiteY12"/>
-              </a:cxn>
-              <a:cxn ang="0">
-                <a:pos x="connsiteX13" y="connsiteY13"/>
-              </a:cxn>
-              <a:cxn ang="0">
-                <a:pos x="connsiteX14" y="connsiteY14"/>
-              </a:cxn>
-              <a:cxn ang="0">
-                <a:pos x="connsiteX15" y="connsiteY15"/>
-              </a:cxn>
-              <a:cxn ang="0">
-                <a:pos x="connsiteX16" y="connsiteY16"/>
-              </a:cxn>
-              <a:cxn ang="0">
-                <a:pos x="connsiteX17" y="connsiteY17"/>
-              </a:cxn>
-              <a:cxn ang="0">
-                <a:pos x="connsiteX18" y="connsiteY18"/>
-              </a:cxn>
-              <a:cxn ang="0">
-                <a:pos x="connsiteX19" y="connsiteY19"/>
-              </a:cxn>
-              <a:cxn ang="0">
-                <a:pos x="connsiteX20" y="connsiteY20"/>
-              </a:cxn>
-              <a:cxn ang="0">
-                <a:pos x="connsiteX21" y="connsiteY21"/>
-              </a:cxn>
-              <a:cxn ang="0">
-                <a:pos x="connsiteX22" y="connsiteY22"/>
-              </a:cxn>
-              <a:cxn ang="0">
-                <a:pos x="connsiteX23" y="connsiteY23"/>
-              </a:cxn>
-              <a:cxn ang="0">
-                <a:pos x="connsiteX24" y="connsiteY24"/>
-              </a:cxn>
-              <a:cxn ang="0">
-                <a:pos x="connsiteX25" y="connsiteY25"/>
-              </a:cxn>
-              <a:cxn ang="0">
-                <a:pos x="connsiteX26" y="connsiteY26"/>
-              </a:cxn>
-              <a:cxn ang="0">
-                <a:pos x="connsiteX27" y="connsiteY27"/>
-              </a:cxn>
-              <a:cxn ang="0">
-                <a:pos x="connsiteX28" y="connsiteY28"/>
-              </a:cxn>
-              <a:cxn ang="0">
-                <a:pos x="connsiteX29" y="connsiteY29"/>
-              </a:cxn>
-              <a:cxn ang="0">
-                <a:pos x="connsiteX30" y="connsiteY30"/>
-              </a:cxn>
-              <a:cxn ang="0">
-                <a:pos x="connsiteX31" y="connsiteY31"/>
-              </a:cxn>
-              <a:cxn ang="0">
-                <a:pos x="connsiteX32" y="connsiteY32"/>
-              </a:cxn>
-              <a:cxn ang="0">
-                <a:pos x="connsiteX33" y="connsiteY33"/>
-              </a:cxn>
-              <a:cxn ang="0">
-                <a:pos x="connsiteX34" y="connsiteY34"/>
-              </a:cxn>
-              <a:cxn ang="0">
-                <a:pos x="connsiteX35" y="connsiteY35"/>
-              </a:cxn>
-              <a:cxn ang="0">
-                <a:pos x="connsiteX36" y="connsiteY36"/>
-              </a:cxn>
-              <a:cxn ang="0">
-                <a:pos x="connsiteX37" y="connsiteY37"/>
-              </a:cxn>
-              <a:cxn ang="0">
-                <a:pos x="connsiteX38" y="connsiteY38"/>
-              </a:cxn>
-              <a:cxn ang="0">
-                <a:pos x="connsiteX39" y="connsiteY39"/>
-              </a:cxn>
-              <a:cxn ang="0">
-                <a:pos x="connsiteX40" y="connsiteY40"/>
-              </a:cxn>
-              <a:cxn ang="0">
-                <a:pos x="connsiteX41" y="connsiteY41"/>
-              </a:cxn>
-              <a:cxn ang="0">
-                <a:pos x="connsiteX42" y="connsiteY42"/>
-              </a:cxn>
-              <a:cxn ang="0">
-                <a:pos x="connsiteX43" y="connsiteY43"/>
-              </a:cxn>
-              <a:cxn ang="0">
-                <a:pos x="connsiteX44" y="connsiteY44"/>
-              </a:cxn>
-              <a:cxn ang="0">
-                <a:pos x="connsiteX45" y="connsiteY45"/>
-              </a:cxn>
-              <a:cxn ang="0">
-                <a:pos x="connsiteX46" y="connsiteY46"/>
-              </a:cxn>
-            </a:cxnLst>
-            <a:rect l="l" t="t" r="r" b="b"/>
-            <a:pathLst>
-              <a:path w="1442460" h="1451272">
-                <a:moveTo>
-                  <a:pt x="447971" y="1397101"/>
-                </a:moveTo>
-                <a:lnTo>
-                  <a:pt x="994490" y="1397101"/>
-                </a:lnTo>
-                <a:lnTo>
-                  <a:pt x="867471" y="1436530"/>
-                </a:lnTo>
-                <a:cubicBezTo>
-                  <a:pt x="820234" y="1446196"/>
-                  <a:pt x="771325" y="1451272"/>
-                  <a:pt x="721230" y="1451272"/>
-                </a:cubicBezTo>
-                <a:cubicBezTo>
-                  <a:pt x="671136" y="1451272"/>
-                  <a:pt x="622226" y="1446196"/>
-                  <a:pt x="574989" y="1436530"/>
-                </a:cubicBezTo>
-                <a:close/>
-                <a:moveTo>
-                  <a:pt x="209854" y="1240162"/>
-                </a:moveTo>
-                <a:lnTo>
-                  <a:pt x="1232607" y="1240162"/>
-                </a:lnTo>
-                <a:lnTo>
-                  <a:pt x="1166640" y="1294590"/>
-                </a:lnTo>
-                <a:lnTo>
-                  <a:pt x="275821" y="1294590"/>
-                </a:lnTo>
-                <a:close/>
-                <a:moveTo>
-                  <a:pt x="93401" y="1083223"/>
-                </a:moveTo>
-                <a:lnTo>
-                  <a:pt x="1349059" y="1083223"/>
-                </a:lnTo>
-                <a:lnTo>
-                  <a:pt x="1322939" y="1131346"/>
-                </a:lnTo>
-                <a:lnTo>
-                  <a:pt x="1317737" y="1137651"/>
-                </a:lnTo>
-                <a:lnTo>
-                  <a:pt x="124723" y="1137651"/>
-                </a:lnTo>
-                <a:lnTo>
-                  <a:pt x="119521" y="1131346"/>
-                </a:lnTo>
-                <a:close/>
-                <a:moveTo>
-                  <a:pt x="27225" y="926284"/>
-                </a:moveTo>
-                <a:lnTo>
-                  <a:pt x="1415235" y="926284"/>
-                </a:lnTo>
-                <a:lnTo>
-                  <a:pt x="1398340" y="980712"/>
-                </a:lnTo>
-                <a:lnTo>
-                  <a:pt x="44121" y="980712"/>
-                </a:lnTo>
-                <a:close/>
-                <a:moveTo>
-                  <a:pt x="0" y="769345"/>
-                </a:moveTo>
-                <a:lnTo>
-                  <a:pt x="1442460" y="769345"/>
-                </a:lnTo>
-                <a:lnTo>
-                  <a:pt x="1436973" y="823773"/>
-                </a:lnTo>
-                <a:lnTo>
-                  <a:pt x="5487" y="823773"/>
-                </a:lnTo>
-                <a:close/>
-                <a:moveTo>
-                  <a:pt x="7009" y="612406"/>
-                </a:moveTo>
-                <a:lnTo>
-                  <a:pt x="1435452" y="612406"/>
-                </a:lnTo>
-                <a:lnTo>
-                  <a:pt x="1440939" y="666834"/>
-                </a:lnTo>
-                <a:lnTo>
-                  <a:pt x="1522" y="666834"/>
-                </a:lnTo>
-                <a:close/>
-                <a:moveTo>
-                  <a:pt x="48806" y="455467"/>
-                </a:moveTo>
-                <a:lnTo>
-                  <a:pt x="1393655" y="455467"/>
-                </a:lnTo>
-                <a:lnTo>
-                  <a:pt x="1410550" y="509895"/>
-                </a:lnTo>
-                <a:lnTo>
-                  <a:pt x="31911" y="509895"/>
-                </a:lnTo>
-                <a:close/>
-                <a:moveTo>
-                  <a:pt x="137176" y="298528"/>
-                </a:moveTo>
-                <a:lnTo>
-                  <a:pt x="1305284" y="298528"/>
-                </a:lnTo>
-                <a:lnTo>
-                  <a:pt x="1322939" y="319926"/>
-                </a:lnTo>
-                <a:lnTo>
-                  <a:pt x="1340867" y="352956"/>
-                </a:lnTo>
-                <a:lnTo>
-                  <a:pt x="101593" y="352956"/>
-                </a:lnTo>
-                <a:lnTo>
-                  <a:pt x="119521" y="319926"/>
-                </a:lnTo>
-                <a:close/>
-                <a:moveTo>
-                  <a:pt x="294114" y="141589"/>
-                </a:moveTo>
-                <a:lnTo>
-                  <a:pt x="1148347" y="141589"/>
-                </a:lnTo>
-                <a:lnTo>
-                  <a:pt x="1214314" y="196017"/>
-                </a:lnTo>
-                <a:lnTo>
-                  <a:pt x="228147" y="196017"/>
-                </a:lnTo>
-                <a:close/>
-                <a:moveTo>
-                  <a:pt x="721230" y="0"/>
-                </a:moveTo>
-                <a:cubicBezTo>
-                  <a:pt x="771325" y="0"/>
-                  <a:pt x="820234" y="5076"/>
-                  <a:pt x="867471" y="14742"/>
-                </a:cubicBezTo>
-                <a:lnTo>
-                  <a:pt x="945868" y="39078"/>
-                </a:lnTo>
-                <a:lnTo>
-                  <a:pt x="496593" y="39078"/>
-                </a:lnTo>
-                <a:lnTo>
-                  <a:pt x="574989" y="14742"/>
-                </a:lnTo>
-                <a:cubicBezTo>
-                  <a:pt x="622226" y="5076"/>
-                  <a:pt x="671136" y="0"/>
-                  <a:pt x="721230" y="0"/>
-                </a:cubicBezTo>
-                <a:close/>
-              </a:path>
-            </a:pathLst>
-          </a:custGeom>
-          <a:solidFill>
-            <a:srgbClr val="AC4243"/>
-          </a:solidFill>
-          <a:ln>
-            <a:noFill/>
-          </a:ln>
-        </p:spPr>
-        <p:style>
-          <a:lnRef idx="2">
-            <a:schemeClr val="accent1">
-              <a:shade val="50000"/>
-            </a:schemeClr>
-          </a:lnRef>
-          <a:fillRef idx="1">
-            <a:schemeClr val="accent1"/>
-          </a:fillRef>
-          <a:effectRef idx="0">
-            <a:schemeClr val="accent1"/>
-          </a:effectRef>
-          <a:fontRef idx="minor">
-            <a:schemeClr val="lt1"/>
-          </a:fontRef>
-        </p:style>
-        <p:txBody>
-          <a:bodyPr wrap="square" rtlCol="0" anchor="ctr">
-            <a:noAutofit/>
-          </a:bodyPr>
-          <a:lstStyle/>
-          <a:p>
-            <a:pPr algn="ctr"/>
-            <a:endParaRPr lang="zh-CN" altLang="en-US"/>
-          </a:p>
-        </p:txBody>
-      </p:sp>
-      <p:sp>
-        <p:nvSpPr>
-          <p:cNvPr id="49" name="椭圆 48"/>
-          <p:cNvSpPr/>
-          <p:nvPr/>
-        </p:nvSpPr>
-        <p:spPr>
-          <a:xfrm rot="16200000">
-            <a:off x="6536383" y="1404540"/>
-            <a:ext cx="153420" cy="153420"/>
-          </a:xfrm>
-          <a:prstGeom prst="ellipse">
-            <a:avLst/>
-          </a:prstGeom>
-          <a:solidFill>
-            <a:srgbClr val="AC4243"/>
-          </a:solidFill>
-          <a:ln>
-            <a:noFill/>
-          </a:ln>
-        </p:spPr>
-        <p:style>
-          <a:lnRef idx="2">
-            <a:schemeClr val="accent1">
-              <a:shade val="50000"/>
-            </a:schemeClr>
-          </a:lnRef>
-          <a:fillRef idx="1">
-            <a:schemeClr val="accent1"/>
-          </a:fillRef>
-          <a:effectRef idx="0">
-            <a:schemeClr val="accent1"/>
-          </a:effectRef>
-          <a:fontRef idx="minor">
-            <a:schemeClr val="lt1"/>
-          </a:fontRef>
-        </p:style>
-        <p:txBody>
-          <a:bodyPr rtlCol="0" anchor="ctr"/>
-          <a:lstStyle/>
-          <a:p>
-            <a:pPr algn="ctr"/>
-            <a:endParaRPr lang="zh-CN" altLang="en-US"/>
-          </a:p>
-        </p:txBody>
-      </p:sp>
-      <p:sp>
-        <p:nvSpPr>
-          <p:cNvPr id="50" name="椭圆 49"/>
-          <p:cNvSpPr/>
-          <p:nvPr/>
-        </p:nvSpPr>
-        <p:spPr>
-          <a:xfrm rot="16200000">
-            <a:off x="1566654" y="4983591"/>
-            <a:ext cx="140946" cy="140946"/>
-          </a:xfrm>
-          <a:prstGeom prst="ellipse">
-            <a:avLst/>
-          </a:prstGeom>
-          <a:solidFill>
-            <a:srgbClr val="AC4243"/>
-          </a:solidFill>
-          <a:ln>
-            <a:noFill/>
-          </a:ln>
-        </p:spPr>
-        <p:style>
-          <a:lnRef idx="2">
-            <a:schemeClr val="accent1">
-              <a:shade val="50000"/>
-            </a:schemeClr>
-          </a:lnRef>
-          <a:fillRef idx="1">
-            <a:schemeClr val="accent1"/>
-          </a:fillRef>
-          <a:effectRef idx="0">
-            <a:schemeClr val="accent1"/>
-          </a:effectRef>
-          <a:fontRef idx="minor">
-            <a:schemeClr val="lt1"/>
-          </a:fontRef>
-        </p:style>
-        <p:txBody>
-          <a:bodyPr rtlCol="0" anchor="ctr"/>
-          <a:lstStyle/>
-          <a:p>
-            <a:pPr algn="ctr"/>
-            <a:endParaRPr lang="zh-CN" altLang="en-US"/>
-          </a:p>
-        </p:txBody>
-      </p:sp>
-      <p:sp>
-        <p:nvSpPr>
-          <p:cNvPr id="51" name="文本框 50"/>
-          <p:cNvSpPr txBox="1"/>
-          <p:nvPr/>
-        </p:nvSpPr>
-        <p:spPr>
-          <a:xfrm>
-            <a:off x="-44213" y="2934527"/>
-            <a:ext cx="2372539" cy="830997"/>
-          </a:xfrm>
-          <a:prstGeom prst="rect">
-            <a:avLst/>
-          </a:prstGeom>
-          <a:noFill/>
-        </p:spPr>
-        <p:txBody>
-          <a:bodyPr wrap="square" rtlCol="0">
-            <a:spAutoFit/>
-          </a:bodyPr>
-          <a:lstStyle/>
-          <a:p>
-            <a:r>
-              <a:rPr lang="en-US" altLang="zh-CN" sz="4800" dirty="0">
-                <a:solidFill>
-                  <a:schemeClr val="bg1"/>
-                </a:solidFill>
-                <a:latin typeface="思源黑体 CN Medium" panose="020B0600000000000000" pitchFamily="34" charset="-122"/>
-                <a:ea typeface="思源黑体 CN Medium" panose="020B0600000000000000" pitchFamily="34" charset="-122"/>
-              </a:rPr>
-              <a:t>PART 2</a:t>
-            </a:r>
-            <a:endParaRPr lang="zh-CN" altLang="en-US" sz="4800" dirty="0">
-              <a:solidFill>
-                <a:schemeClr val="bg1"/>
-              </a:solidFill>
-              <a:latin typeface="思源黑体 CN Medium" panose="020B0600000000000000" pitchFamily="34" charset="-122"/>
-              <a:ea typeface="思源黑体 CN Medium" panose="020B0600000000000000" pitchFamily="34" charset="-122"/>
-            </a:endParaRPr>
-          </a:p>
-        </p:txBody>
-      </p:sp>
-      <p:sp>
-        <p:nvSpPr>
-          <p:cNvPr id="52" name="椭圆 51"/>
-          <p:cNvSpPr/>
-          <p:nvPr/>
-        </p:nvSpPr>
-        <p:spPr>
-          <a:xfrm>
-            <a:off x="2485210" y="5481711"/>
-            <a:ext cx="603363" cy="603363"/>
-          </a:xfrm>
-          <a:prstGeom prst="ellipse">
-            <a:avLst/>
-          </a:prstGeom>
-          <a:solidFill>
-            <a:srgbClr val="AC4243"/>
-          </a:solidFill>
-          <a:ln>
-            <a:noFill/>
-          </a:ln>
-        </p:spPr>
-        <p:style>
-          <a:lnRef idx="2">
-            <a:schemeClr val="accent1">
-              <a:shade val="50000"/>
-            </a:schemeClr>
-          </a:lnRef>
-          <a:fillRef idx="1">
-            <a:schemeClr val="accent1"/>
-          </a:fillRef>
-          <a:effectRef idx="0">
-            <a:schemeClr val="accent1"/>
-          </a:effectRef>
-          <a:fontRef idx="minor">
-            <a:schemeClr val="lt1"/>
-          </a:fontRef>
-        </p:style>
-        <p:txBody>
-          <a:bodyPr rtlCol="0" anchor="ctr"/>
-          <a:lstStyle/>
-          <a:p>
-            <a:pPr algn="ctr"/>
-            <a:endParaRPr lang="zh-CN" altLang="en-US"/>
-          </a:p>
-        </p:txBody>
-      </p:sp>
-      <p:sp>
-        <p:nvSpPr>
-          <p:cNvPr id="2" name="矩形 1">
-            <a:extLst>
-              <a:ext uri="{FF2B5EF4-FFF2-40B4-BE49-F238E27FC236}">
-                <a16:creationId xmlns:a16="http://schemas.microsoft.com/office/drawing/2014/main" id="{7D2EB8C7-A74C-EDB1-E016-CE31EF5E6944}"/>
-              </a:ext>
-            </a:extLst>
-          </p:cNvPr>
-          <p:cNvSpPr/>
-          <p:nvPr/>
-        </p:nvSpPr>
-        <p:spPr>
-          <a:xfrm>
-            <a:off x="4824431" y="5218802"/>
-            <a:ext cx="1210588" cy="400110"/>
-          </a:xfrm>
-          <a:prstGeom prst="rect">
-            <a:avLst/>
-          </a:prstGeom>
-        </p:spPr>
-        <p:txBody>
-          <a:bodyPr wrap="none">
-            <a:spAutoFit/>
-          </a:bodyPr>
-          <a:lstStyle/>
-          <a:p>
-            <a:r>
-              <a:rPr lang="zh-CN" altLang="en-US" sz="2000" dirty="0">
-                <a:solidFill>
-                  <a:srgbClr val="AB1E21"/>
-                </a:solidFill>
-                <a:latin typeface="思源黑体 CN Medium" panose="020B0600000000000000" pitchFamily="34" charset="-122"/>
-                <a:ea typeface="思源黑体 CN Medium" panose="020B0600000000000000" pitchFamily="34" charset="-122"/>
-              </a:rPr>
-              <a:t>相关工作</a:t>
-            </a:r>
-          </a:p>
-        </p:txBody>
-      </p:sp>
-      <p:sp>
-        <p:nvSpPr>
-          <p:cNvPr id="3" name="椭圆 2">
-            <a:extLst>
-              <a:ext uri="{FF2B5EF4-FFF2-40B4-BE49-F238E27FC236}">
-                <a16:creationId xmlns:a16="http://schemas.microsoft.com/office/drawing/2014/main" id="{255DF0E1-1B28-37C4-1964-8667D6730B91}"/>
-              </a:ext>
-            </a:extLst>
-          </p:cNvPr>
-          <p:cNvSpPr/>
-          <p:nvPr/>
-        </p:nvSpPr>
-        <p:spPr>
-          <a:xfrm>
-            <a:off x="4407337" y="5214151"/>
-            <a:ext cx="417094" cy="417094"/>
-          </a:xfrm>
-          <a:prstGeom prst="ellipse">
-            <a:avLst/>
-          </a:prstGeom>
-          <a:solidFill>
-            <a:srgbClr val="AC4243"/>
-          </a:solidFill>
-          <a:ln>
-            <a:noFill/>
-          </a:ln>
-        </p:spPr>
-        <p:style>
-          <a:lnRef idx="2">
-            <a:schemeClr val="accent1">
-              <a:shade val="50000"/>
-            </a:schemeClr>
-          </a:lnRef>
-          <a:fillRef idx="1">
-            <a:schemeClr val="accent1"/>
-          </a:fillRef>
-          <a:effectRef idx="0">
-            <a:schemeClr val="accent1"/>
-          </a:effectRef>
-          <a:fontRef idx="minor">
-            <a:schemeClr val="lt1"/>
-          </a:fontRef>
-        </p:style>
-        <p:txBody>
-          <a:bodyPr rtlCol="0" anchor="ctr"/>
-          <a:lstStyle/>
-          <a:p>
-            <a:pPr algn="ctr"/>
-            <a:r>
-              <a:rPr lang="en-US" altLang="zh-CN" sz="1600" dirty="0">
-                <a:solidFill>
-                  <a:schemeClr val="bg1"/>
-                </a:solidFill>
-                <a:latin typeface="思源黑体 CN Medium" panose="020B0600000000000000" pitchFamily="34" charset="-122"/>
-                <a:ea typeface="思源黑体 CN Medium" panose="020B0600000000000000" pitchFamily="34" charset="-122"/>
-              </a:rPr>
-              <a:t>3</a:t>
-            </a:r>
-            <a:endParaRPr lang="zh-CN" altLang="en-US" sz="1600" dirty="0">
-              <a:solidFill>
-                <a:schemeClr val="bg1"/>
-              </a:solidFill>
-              <a:latin typeface="思源黑体 CN Medium" panose="020B0600000000000000" pitchFamily="34" charset="-122"/>
-              <a:ea typeface="思源黑体 CN Medium" panose="020B0600000000000000" pitchFamily="34" charset="-122"/>
-            </a:endParaRPr>
-          </a:p>
-        </p:txBody>
-      </p:sp>
-    </p:spTree>
-  </p:cSld>
-  <p:clrMapOvr>
-    <a:masterClrMapping/>
-  </p:clrMapOvr>
-  <p:timing>
-    <p:tnLst>
-      <p:par>
-        <p:cTn id="1" dur="indefinite" restart="never" nodeType="tmRoot">
-          <p:childTnLst>
-            <p:seq concurrent="1" nextAc="seek">
-              <p:cTn id="2" dur="indefinite" nodeType="mainSeq">
-                <p:childTnLst>
-                  <p:par>
-                    <p:cTn id="3" fill="hold">
-                      <p:stCondLst>
-                        <p:cond delay="indefinite"/>
-                        <p:cond evt="onBegin" delay="0">
-                          <p:tn val="2"/>
-                        </p:cond>
-                      </p:stCondLst>
-                      <p:childTnLst>
-                        <p:par>
-                          <p:cTn id="4" fill="hold">
-                            <p:stCondLst>
-                              <p:cond delay="0"/>
-                            </p:stCondLst>
-                            <p:childTnLst>
-                              <p:par>
-                                <p:cTn id="5" presetID="10" presetClass="entr" presetSubtype="0" fill="hold" grpId="0" nodeType="afterEffect">
-                                  <p:stCondLst>
-                                    <p:cond delay="0"/>
-                                  </p:stCondLst>
-                                  <p:childTnLst>
-                                    <p:set>
-                                      <p:cBhvr>
-                                        <p:cTn id="6" dur="1" fill="hold">
-                                          <p:stCondLst>
-                                            <p:cond delay="0"/>
-                                          </p:stCondLst>
-                                        </p:cTn>
-                                        <p:tgtEl>
-                                          <p:spTgt spid="36"/>
-                                        </p:tgtEl>
-                                        <p:attrNameLst>
-                                          <p:attrName>style.visibility</p:attrName>
-                                        </p:attrNameLst>
-                                      </p:cBhvr>
-                                      <p:to>
-                                        <p:strVal val="visible"/>
-                                      </p:to>
-                                    </p:set>
-                                    <p:animEffect transition="in" filter="fade">
-                                      <p:cBhvr>
-                                        <p:cTn id="7" dur="500"/>
-                                        <p:tgtEl>
-                                          <p:spTgt spid="36"/>
-                                        </p:tgtEl>
-                                      </p:cBhvr>
-                                    </p:animEffect>
-                                  </p:childTnLst>
-                                </p:cTn>
-                              </p:par>
-                              <p:par>
-                                <p:cTn id="8" presetID="10" presetClass="entr" presetSubtype="0" fill="hold" grpId="0" nodeType="withEffect">
-                                  <p:stCondLst>
-                                    <p:cond delay="0"/>
-                                  </p:stCondLst>
-                                  <p:childTnLst>
-                                    <p:set>
-                                      <p:cBhvr>
-                                        <p:cTn id="9" dur="1" fill="hold">
-                                          <p:stCondLst>
-                                            <p:cond delay="0"/>
-                                          </p:stCondLst>
-                                        </p:cTn>
-                                        <p:tgtEl>
-                                          <p:spTgt spid="37"/>
-                                        </p:tgtEl>
-                                        <p:attrNameLst>
-                                          <p:attrName>style.visibility</p:attrName>
-                                        </p:attrNameLst>
-                                      </p:cBhvr>
-                                      <p:to>
-                                        <p:strVal val="visible"/>
-                                      </p:to>
-                                    </p:set>
-                                    <p:animEffect transition="in" filter="fade">
-                                      <p:cBhvr>
-                                        <p:cTn id="10" dur="500"/>
-                                        <p:tgtEl>
-                                          <p:spTgt spid="37"/>
-                                        </p:tgtEl>
-                                      </p:cBhvr>
-                                    </p:animEffect>
-                                  </p:childTnLst>
-                                </p:cTn>
-                              </p:par>
-                              <p:par>
-                                <p:cTn id="11" presetID="10" presetClass="entr" presetSubtype="0" fill="hold" grpId="0" nodeType="withEffect">
-                                  <p:stCondLst>
-                                    <p:cond delay="0"/>
-                                  </p:stCondLst>
-                                  <p:childTnLst>
-                                    <p:set>
-                                      <p:cBhvr>
-                                        <p:cTn id="12" dur="1" fill="hold">
-                                          <p:stCondLst>
-                                            <p:cond delay="0"/>
-                                          </p:stCondLst>
-                                        </p:cTn>
-                                        <p:tgtEl>
-                                          <p:spTgt spid="42"/>
-                                        </p:tgtEl>
-                                        <p:attrNameLst>
-                                          <p:attrName>style.visibility</p:attrName>
-                                        </p:attrNameLst>
-                                      </p:cBhvr>
-                                      <p:to>
-                                        <p:strVal val="visible"/>
-                                      </p:to>
-                                    </p:set>
-                                    <p:animEffect transition="in" filter="fade">
-                                      <p:cBhvr>
-                                        <p:cTn id="13" dur="500"/>
-                                        <p:tgtEl>
-                                          <p:spTgt spid="42"/>
-                                        </p:tgtEl>
-                                      </p:cBhvr>
-                                    </p:animEffect>
-                                  </p:childTnLst>
-                                </p:cTn>
-                              </p:par>
-                              <p:par>
-                                <p:cTn id="14" presetID="10" presetClass="entr" presetSubtype="0" fill="hold" grpId="0" nodeType="withEffect">
-                                  <p:stCondLst>
-                                    <p:cond delay="0"/>
-                                  </p:stCondLst>
-                                  <p:childTnLst>
-                                    <p:set>
-                                      <p:cBhvr>
-                                        <p:cTn id="15" dur="1" fill="hold">
-                                          <p:stCondLst>
-                                            <p:cond delay="0"/>
-                                          </p:stCondLst>
-                                        </p:cTn>
-                                        <p:tgtEl>
-                                          <p:spTgt spid="43"/>
-                                        </p:tgtEl>
-                                        <p:attrNameLst>
-                                          <p:attrName>style.visibility</p:attrName>
-                                        </p:attrNameLst>
-                                      </p:cBhvr>
-                                      <p:to>
-                                        <p:strVal val="visible"/>
-                                      </p:to>
-                                    </p:set>
-                                    <p:animEffect transition="in" filter="fade">
-                                      <p:cBhvr>
-                                        <p:cTn id="16" dur="500"/>
-                                        <p:tgtEl>
-                                          <p:spTgt spid="43"/>
-                                        </p:tgtEl>
-                                      </p:cBhvr>
-                                    </p:animEffect>
-                                  </p:childTnLst>
-                                </p:cTn>
-                              </p:par>
-                              <p:par>
-                                <p:cTn id="17" presetID="10" presetClass="entr" presetSubtype="0" fill="hold" grpId="0" nodeType="withEffect">
-                                  <p:stCondLst>
-                                    <p:cond delay="0"/>
-                                  </p:stCondLst>
-                                  <p:childTnLst>
-                                    <p:set>
-                                      <p:cBhvr>
-                                        <p:cTn id="18" dur="1" fill="hold">
-                                          <p:stCondLst>
-                                            <p:cond delay="0"/>
-                                          </p:stCondLst>
-                                        </p:cTn>
-                                        <p:tgtEl>
-                                          <p:spTgt spid="2"/>
-                                        </p:tgtEl>
-                                        <p:attrNameLst>
-                                          <p:attrName>style.visibility</p:attrName>
-                                        </p:attrNameLst>
-                                      </p:cBhvr>
-                                      <p:to>
-                                        <p:strVal val="visible"/>
-                                      </p:to>
-                                    </p:set>
-                                    <p:animEffect transition="in" filter="fade">
-                                      <p:cBhvr>
-                                        <p:cTn id="19" dur="500"/>
-                                        <p:tgtEl>
-                                          <p:spTgt spid="2"/>
-                                        </p:tgtEl>
-                                      </p:cBhvr>
-                                    </p:animEffect>
-                                  </p:childTnLst>
-                                </p:cTn>
-                              </p:par>
-                              <p:par>
-                                <p:cTn id="20" presetID="10" presetClass="entr" presetSubtype="0" fill="hold" grpId="0" nodeType="withEffect">
-                                  <p:stCondLst>
-                                    <p:cond delay="0"/>
-                                  </p:stCondLst>
-                                  <p:childTnLst>
-                                    <p:set>
-                                      <p:cBhvr>
-                                        <p:cTn id="21" dur="1" fill="hold">
-                                          <p:stCondLst>
-                                            <p:cond delay="0"/>
-                                          </p:stCondLst>
-                                        </p:cTn>
-                                        <p:tgtEl>
-                                          <p:spTgt spid="3"/>
-                                        </p:tgtEl>
-                                        <p:attrNameLst>
-                                          <p:attrName>style.visibility</p:attrName>
-                                        </p:attrNameLst>
-                                      </p:cBhvr>
-                                      <p:to>
-                                        <p:strVal val="visible"/>
-                                      </p:to>
-                                    </p:set>
-                                    <p:animEffect transition="in" filter="fade">
-                                      <p:cBhvr>
-                                        <p:cTn id="22" dur="500"/>
-                                        <p:tgtEl>
-                                          <p:spTgt spid="3"/>
-                                        </p:tgtEl>
-                                      </p:cBhvr>
-                                    </p:animEffect>
-                                  </p:childTnLst>
-                                </p:cTn>
-                              </p:par>
-                            </p:childTnLst>
-                          </p:cTn>
-                        </p:par>
-                      </p:childTnLst>
-                    </p:cTn>
-                  </p:par>
-                </p:childTnLst>
-              </p:cTn>
-              <p:prevCondLst>
-                <p:cond evt="onPrev" delay="0">
-                  <p:tgtEl>
-                    <p:sldTgt/>
-                  </p:tgtEl>
-                </p:cond>
-              </p:prevCondLst>
-              <p:nextCondLst>
-                <p:cond evt="onNext" delay="0">
-                  <p:tgtEl>
-                    <p:sldTgt/>
-                  </p:tgtEl>
-                </p:cond>
-              </p:nextCondLst>
-            </p:seq>
-          </p:childTnLst>
-        </p:cTn>
-      </p:par>
-    </p:tnLst>
-    <p:bldLst>
-      <p:bldP spid="36" grpId="0"/>
-      <p:bldP spid="37" grpId="0" bldLvl="0" animBg="1"/>
-      <p:bldP spid="42" grpId="0"/>
-      <p:bldP spid="43" grpId="0" bldLvl="0" animBg="1"/>
-      <p:bldP spid="2" grpId="0"/>
-      <p:bldP spid="3" grpId="0" bldLvl="0" animBg="1"/>
-    </p:bldLst>
-  </p:timing>
 </p:sld>
 </file>
 
